--- a/lecture/vpn.pptx
+++ b/lecture/vpn.pptx
@@ -5,13 +5,18 @@
     <p:sldMasterId id="2147483649" r:id="rId1"/>
   </p:sldMasterIdLst>
   <p:notesMasterIdLst>
-    <p:notesMasterId r:id="rId6"/>
+    <p:notesMasterId r:id="rId11"/>
   </p:notesMasterIdLst>
   <p:sldIdLst>
     <p:sldId id="312" r:id="rId2"/>
     <p:sldId id="313" r:id="rId3"/>
     <p:sldId id="314" r:id="rId4"/>
     <p:sldId id="315" r:id="rId5"/>
+    <p:sldId id="316" r:id="rId6"/>
+    <p:sldId id="318" r:id="rId7"/>
+    <p:sldId id="319" r:id="rId8"/>
+    <p:sldId id="317" r:id="rId9"/>
+    <p:sldId id="320" r:id="rId10"/>
   </p:sldIdLst>
   <p:sldSz cx="9144000" cy="6858000" type="screen4x3"/>
   <p:notesSz cx="6858000" cy="9144000"/>
@@ -6024,6 +6029,3755 @@
     <p:extLst>
       <p:ext uri="{BB962C8B-B14F-4D97-AF65-F5344CB8AC3E}">
         <p14:creationId xmlns:p14="http://schemas.microsoft.com/office/powerpoint/2010/main" val="2966992697"/>
+      </p:ext>
+    </p:extLst>
+  </p:cSld>
+  <p:clrMapOvr>
+    <a:masterClrMapping/>
+  </p:clrMapOvr>
+  <p:timing>
+    <p:tnLst>
+      <p:par>
+        <p:cTn id="1" dur="indefinite" restart="never" nodeType="tmRoot"/>
+      </p:par>
+    </p:tnLst>
+  </p:timing>
+</p:sld>
+</file>
+
+<file path=ppt/slides/slide5.xml><?xml version="1.0" encoding="utf-8"?>
+<p:sld xmlns:a="http://schemas.openxmlformats.org/drawingml/2006/main" xmlns:r="http://schemas.openxmlformats.org/officeDocument/2006/relationships" xmlns:p="http://schemas.openxmlformats.org/presentationml/2006/main">
+  <p:cSld>
+    <p:spTree>
+      <p:nvGrpSpPr>
+        <p:cNvPr id="1" name=""/>
+        <p:cNvGrpSpPr/>
+        <p:nvPr/>
+      </p:nvGrpSpPr>
+      <p:grpSpPr>
+        <a:xfrm>
+          <a:off x="0" y="0"/>
+          <a:ext cx="0" cy="0"/>
+          <a:chOff x="0" y="0"/>
+          <a:chExt cx="0" cy="0"/>
+        </a:xfrm>
+      </p:grpSpPr>
+      <p:sp>
+        <p:nvSpPr>
+          <p:cNvPr id="19" name="Заголовок 1"/>
+          <p:cNvSpPr txBox="1">
+            <a:spLocks/>
+          </p:cNvSpPr>
+          <p:nvPr/>
+        </p:nvSpPr>
+        <p:spPr>
+          <a:xfrm>
+            <a:off x="0" y="701874"/>
+            <a:ext cx="9144000" cy="1008112"/>
+          </a:xfrm>
+          <a:prstGeom prst="rect">
+            <a:avLst/>
+          </a:prstGeom>
+        </p:spPr>
+        <p:txBody>
+          <a:bodyPr/>
+          <a:lstStyle>
+            <a:lvl1pPr algn="l" rtl="0" fontAlgn="base">
+              <a:spcBef>
+                <a:spcPct val="0"/>
+              </a:spcBef>
+              <a:spcAft>
+                <a:spcPct val="0"/>
+              </a:spcAft>
+              <a:defRPr sz="4400">
+                <a:solidFill>
+                  <a:schemeClr val="tx2"/>
+                </a:solidFill>
+                <a:latin typeface="+mj-lt"/>
+                <a:ea typeface="+mj-ea"/>
+                <a:cs typeface="+mj-cs"/>
+              </a:defRPr>
+            </a:lvl1pPr>
+            <a:lvl2pPr algn="l" rtl="0" fontAlgn="base">
+              <a:spcBef>
+                <a:spcPct val="0"/>
+              </a:spcBef>
+              <a:spcAft>
+                <a:spcPct val="0"/>
+              </a:spcAft>
+              <a:defRPr sz="4400">
+                <a:solidFill>
+                  <a:schemeClr val="tx2"/>
+                </a:solidFill>
+                <a:latin typeface="Times New Roman" pitchFamily="18" charset="0"/>
+              </a:defRPr>
+            </a:lvl2pPr>
+            <a:lvl3pPr algn="l" rtl="0" fontAlgn="base">
+              <a:spcBef>
+                <a:spcPct val="0"/>
+              </a:spcBef>
+              <a:spcAft>
+                <a:spcPct val="0"/>
+              </a:spcAft>
+              <a:defRPr sz="4400">
+                <a:solidFill>
+                  <a:schemeClr val="tx2"/>
+                </a:solidFill>
+                <a:latin typeface="Times New Roman" pitchFamily="18" charset="0"/>
+              </a:defRPr>
+            </a:lvl3pPr>
+            <a:lvl4pPr algn="l" rtl="0" fontAlgn="base">
+              <a:spcBef>
+                <a:spcPct val="0"/>
+              </a:spcBef>
+              <a:spcAft>
+                <a:spcPct val="0"/>
+              </a:spcAft>
+              <a:defRPr sz="4400">
+                <a:solidFill>
+                  <a:schemeClr val="tx2"/>
+                </a:solidFill>
+                <a:latin typeface="Times New Roman" pitchFamily="18" charset="0"/>
+              </a:defRPr>
+            </a:lvl4pPr>
+            <a:lvl5pPr algn="l" rtl="0" fontAlgn="base">
+              <a:spcBef>
+                <a:spcPct val="0"/>
+              </a:spcBef>
+              <a:spcAft>
+                <a:spcPct val="0"/>
+              </a:spcAft>
+              <a:defRPr sz="4400">
+                <a:solidFill>
+                  <a:schemeClr val="tx2"/>
+                </a:solidFill>
+                <a:latin typeface="Times New Roman" pitchFamily="18" charset="0"/>
+              </a:defRPr>
+            </a:lvl5pPr>
+            <a:lvl6pPr marL="457200" algn="l" rtl="0" fontAlgn="base">
+              <a:spcBef>
+                <a:spcPct val="0"/>
+              </a:spcBef>
+              <a:spcAft>
+                <a:spcPct val="0"/>
+              </a:spcAft>
+              <a:defRPr sz="4400">
+                <a:solidFill>
+                  <a:schemeClr val="tx2"/>
+                </a:solidFill>
+                <a:latin typeface="Times New Roman" pitchFamily="18" charset="0"/>
+              </a:defRPr>
+            </a:lvl6pPr>
+            <a:lvl7pPr marL="914400" algn="l" rtl="0" fontAlgn="base">
+              <a:spcBef>
+                <a:spcPct val="0"/>
+              </a:spcBef>
+              <a:spcAft>
+                <a:spcPct val="0"/>
+              </a:spcAft>
+              <a:defRPr sz="4400">
+                <a:solidFill>
+                  <a:schemeClr val="tx2"/>
+                </a:solidFill>
+                <a:latin typeface="Times New Roman" pitchFamily="18" charset="0"/>
+              </a:defRPr>
+            </a:lvl7pPr>
+            <a:lvl8pPr marL="1371600" algn="l" rtl="0" fontAlgn="base">
+              <a:spcBef>
+                <a:spcPct val="0"/>
+              </a:spcBef>
+              <a:spcAft>
+                <a:spcPct val="0"/>
+              </a:spcAft>
+              <a:defRPr sz="4400">
+                <a:solidFill>
+                  <a:schemeClr val="tx2"/>
+                </a:solidFill>
+                <a:latin typeface="Times New Roman" pitchFamily="18" charset="0"/>
+              </a:defRPr>
+            </a:lvl8pPr>
+            <a:lvl9pPr marL="1828800" algn="l" rtl="0" fontAlgn="base">
+              <a:spcBef>
+                <a:spcPct val="0"/>
+              </a:spcBef>
+              <a:spcAft>
+                <a:spcPct val="0"/>
+              </a:spcAft>
+              <a:defRPr sz="4400">
+                <a:solidFill>
+                  <a:schemeClr val="tx2"/>
+                </a:solidFill>
+                <a:latin typeface="Times New Roman" pitchFamily="18" charset="0"/>
+              </a:defRPr>
+            </a:lvl9pPr>
+          </a:lstStyle>
+          <a:p>
+            <a:pPr algn="ctr">
+              <a:buClrTx/>
+              <a:buSzTx/>
+              <a:buFontTx/>
+              <a:buNone/>
+            </a:pPr>
+            <a:r>
+              <a:rPr kumimoji="0" lang="en-US" altLang="ru-RU" b="1" kern="0" dirty="0" smtClean="0"/>
+              <a:t>VPN</a:t>
+            </a:r>
+            <a:endParaRPr kumimoji="0" lang="en-US" altLang="ru-RU" b="1" kern="0" dirty="0" smtClean="0"/>
+          </a:p>
+        </p:txBody>
+      </p:sp>
+      <p:graphicFrame>
+        <p:nvGraphicFramePr>
+          <p:cNvPr id="2" name="Таблица 1"/>
+          <p:cNvGraphicFramePr>
+            <a:graphicFrameLocks noGrp="1"/>
+          </p:cNvGraphicFramePr>
+          <p:nvPr>
+            <p:extLst>
+              <p:ext uri="{D42A27DB-BD31-4B8C-83A1-F6EECF244321}">
+                <p14:modId xmlns:p14="http://schemas.microsoft.com/office/powerpoint/2010/main" val="3520064269"/>
+              </p:ext>
+            </p:extLst>
+          </p:nvPr>
+        </p:nvGraphicFramePr>
+        <p:xfrm>
+          <a:off x="1259632" y="2492896"/>
+          <a:ext cx="7620000" cy="3139440"/>
+        </p:xfrm>
+        <a:graphic>
+          <a:graphicData uri="http://schemas.openxmlformats.org/drawingml/2006/table">
+            <a:tbl>
+              <a:tblPr firstRow="1" bandRow="1">
+                <a:tableStyleId>{5C22544A-7EE6-4342-B048-85BDC9FD1C3A}</a:tableStyleId>
+              </a:tblPr>
+              <a:tblGrid>
+                <a:gridCol w="2048093">
+                  <a:extLst>
+                    <a:ext uri="{9D8B030D-6E8A-4147-A177-3AD203B41FA5}">
+                      <a16:colId xmlns:a16="http://schemas.microsoft.com/office/drawing/2014/main" val="2132210111"/>
+                    </a:ext>
+                  </a:extLst>
+                </a:gridCol>
+                <a:gridCol w="1498507">
+                  <a:extLst>
+                    <a:ext uri="{9D8B030D-6E8A-4147-A177-3AD203B41FA5}">
+                      <a16:colId xmlns:a16="http://schemas.microsoft.com/office/drawing/2014/main" val="3232956101"/>
+                    </a:ext>
+                  </a:extLst>
+                </a:gridCol>
+                <a:gridCol w="4073400">
+                  <a:extLst>
+                    <a:ext uri="{9D8B030D-6E8A-4147-A177-3AD203B41FA5}">
+                      <a16:colId xmlns:a16="http://schemas.microsoft.com/office/drawing/2014/main" val="3284880486"/>
+                    </a:ext>
+                  </a:extLst>
+                </a:gridCol>
+              </a:tblGrid>
+              <a:tr h="370840">
+                <a:tc>
+                  <a:txBody>
+                    <a:bodyPr/>
+                    <a:lstStyle/>
+                    <a:p>
+                      <a:pPr algn="ctr"/>
+                      <a:r>
+                        <a:rPr lang="ru-RU" dirty="0" smtClean="0"/>
+                        <a:t>Уровень</a:t>
+                      </a:r>
+                      <a:r>
+                        <a:rPr lang="ru-RU" baseline="0" dirty="0" smtClean="0"/>
+                        <a:t> </a:t>
+                      </a:r>
+                      <a:r>
+                        <a:rPr lang="en-US" baseline="0" dirty="0" smtClean="0"/>
+                        <a:t>OSI</a:t>
+                      </a:r>
+                      <a:endParaRPr lang="ru-RU" dirty="0"/>
+                    </a:p>
+                  </a:txBody>
+                  <a:tcPr/>
+                </a:tc>
+                <a:tc>
+                  <a:txBody>
+                    <a:bodyPr/>
+                    <a:lstStyle/>
+                    <a:p>
+                      <a:pPr algn="ctr"/>
+                      <a:r>
+                        <a:rPr lang="ru-RU" dirty="0" smtClean="0"/>
+                        <a:t>Протокол</a:t>
+                      </a:r>
+                      <a:endParaRPr lang="ru-RU" dirty="0"/>
+                    </a:p>
+                  </a:txBody>
+                  <a:tcPr/>
+                </a:tc>
+                <a:tc>
+                  <a:txBody>
+                    <a:bodyPr/>
+                    <a:lstStyle/>
+                    <a:p>
+                      <a:r>
+                        <a:rPr lang="ru-RU" dirty="0" smtClean="0"/>
+                        <a:t>Свойства</a:t>
+                      </a:r>
+                      <a:endParaRPr lang="ru-RU" dirty="0"/>
+                    </a:p>
+                  </a:txBody>
+                  <a:tcPr/>
+                </a:tc>
+                <a:extLst>
+                  <a:ext uri="{0D108BD9-81ED-4DB2-BD59-A6C34878D82A}">
+                    <a16:rowId xmlns:a16="http://schemas.microsoft.com/office/drawing/2014/main" val="1517158652"/>
+                  </a:ext>
+                </a:extLst>
+              </a:tr>
+              <a:tr h="370840">
+                <a:tc>
+                  <a:txBody>
+                    <a:bodyPr/>
+                    <a:lstStyle/>
+                    <a:p>
+                      <a:pPr algn="ctr"/>
+                      <a:r>
+                        <a:rPr lang="ru-RU" dirty="0" smtClean="0"/>
+                        <a:t>Прикладной</a:t>
+                      </a:r>
+                      <a:endParaRPr lang="ru-RU" dirty="0"/>
+                    </a:p>
+                  </a:txBody>
+                  <a:tcPr/>
+                </a:tc>
+                <a:tc>
+                  <a:txBody>
+                    <a:bodyPr/>
+                    <a:lstStyle/>
+                    <a:p>
+                      <a:pPr algn="ctr"/>
+                      <a:r>
+                        <a:rPr lang="en-US" dirty="0" smtClean="0"/>
+                        <a:t>S/MIME</a:t>
+                      </a:r>
+                      <a:endParaRPr lang="ru-RU" dirty="0"/>
+                    </a:p>
+                  </a:txBody>
+                  <a:tcPr/>
+                </a:tc>
+                <a:tc rowSpan="4">
+                  <a:txBody>
+                    <a:bodyPr/>
+                    <a:lstStyle/>
+                    <a:p>
+                      <a:r>
+                        <a:rPr lang="ru-RU" dirty="0" smtClean="0"/>
+                        <a:t>Непрозрачность</a:t>
+                      </a:r>
+                      <a:r>
+                        <a:rPr lang="ru-RU" baseline="0" dirty="0" smtClean="0"/>
+                        <a:t> для приложений</a:t>
+                      </a:r>
+                    </a:p>
+                    <a:p>
+                      <a:r>
+                        <a:rPr lang="ru-RU" baseline="0" dirty="0" smtClean="0"/>
+                        <a:t>Независимость от транспортной инфраструктуры</a:t>
+                      </a:r>
+                      <a:endParaRPr lang="ru-RU" dirty="0"/>
+                    </a:p>
+                  </a:txBody>
+                  <a:tcPr/>
+                </a:tc>
+                <a:extLst>
+                  <a:ext uri="{0D108BD9-81ED-4DB2-BD59-A6C34878D82A}">
+                    <a16:rowId xmlns:a16="http://schemas.microsoft.com/office/drawing/2014/main" val="3643633197"/>
+                  </a:ext>
+                </a:extLst>
+              </a:tr>
+              <a:tr h="370840">
+                <a:tc>
+                  <a:txBody>
+                    <a:bodyPr/>
+                    <a:lstStyle/>
+                    <a:p>
+                      <a:pPr algn="ctr"/>
+                      <a:r>
+                        <a:rPr lang="ru-RU" dirty="0" smtClean="0"/>
+                        <a:t>Представление</a:t>
+                      </a:r>
+                      <a:endParaRPr lang="ru-RU" dirty="0"/>
+                    </a:p>
+                  </a:txBody>
+                  <a:tcPr/>
+                </a:tc>
+                <a:tc>
+                  <a:txBody>
+                    <a:bodyPr/>
+                    <a:lstStyle/>
+                    <a:p>
+                      <a:pPr algn="ctr"/>
+                      <a:r>
+                        <a:rPr lang="en-US" strike="sngStrike" dirty="0" smtClean="0"/>
+                        <a:t>SSL</a:t>
+                      </a:r>
+                      <a:r>
+                        <a:rPr lang="en-US" baseline="0" dirty="0" smtClean="0"/>
+                        <a:t> TLS</a:t>
+                      </a:r>
+                      <a:endParaRPr lang="ru-RU" dirty="0"/>
+                    </a:p>
+                  </a:txBody>
+                  <a:tcPr/>
+                </a:tc>
+                <a:tc vMerge="1">
+                  <a:txBody>
+                    <a:bodyPr/>
+                    <a:lstStyle/>
+                    <a:p>
+                      <a:endParaRPr lang="ru-RU" dirty="0"/>
+                    </a:p>
+                  </a:txBody>
+                  <a:tcPr/>
+                </a:tc>
+                <a:extLst>
+                  <a:ext uri="{0D108BD9-81ED-4DB2-BD59-A6C34878D82A}">
+                    <a16:rowId xmlns:a16="http://schemas.microsoft.com/office/drawing/2014/main" val="1810168169"/>
+                  </a:ext>
+                </a:extLst>
+              </a:tr>
+              <a:tr h="370840">
+                <a:tc>
+                  <a:txBody>
+                    <a:bodyPr/>
+                    <a:lstStyle/>
+                    <a:p>
+                      <a:pPr algn="ctr"/>
+                      <a:r>
+                        <a:rPr lang="ru-RU" dirty="0" smtClean="0"/>
+                        <a:t>Сеансовый</a:t>
+                      </a:r>
+                      <a:endParaRPr lang="ru-RU" dirty="0"/>
+                    </a:p>
+                  </a:txBody>
+                  <a:tcPr/>
+                </a:tc>
+                <a:tc>
+                  <a:txBody>
+                    <a:bodyPr/>
+                    <a:lstStyle/>
+                    <a:p>
+                      <a:pPr algn="ctr"/>
+                      <a:endParaRPr lang="ru-RU" dirty="0"/>
+                    </a:p>
+                  </a:txBody>
+                  <a:tcPr/>
+                </a:tc>
+                <a:tc vMerge="1">
+                  <a:txBody>
+                    <a:bodyPr/>
+                    <a:lstStyle/>
+                    <a:p>
+                      <a:endParaRPr lang="ru-RU" dirty="0"/>
+                    </a:p>
+                  </a:txBody>
+                  <a:tcPr/>
+                </a:tc>
+                <a:extLst>
+                  <a:ext uri="{0D108BD9-81ED-4DB2-BD59-A6C34878D82A}">
+                    <a16:rowId xmlns:a16="http://schemas.microsoft.com/office/drawing/2014/main" val="1058779309"/>
+                  </a:ext>
+                </a:extLst>
+              </a:tr>
+              <a:tr h="370840">
+                <a:tc>
+                  <a:txBody>
+                    <a:bodyPr/>
+                    <a:lstStyle/>
+                    <a:p>
+                      <a:pPr algn="ctr"/>
+                      <a:r>
+                        <a:rPr lang="ru-RU" dirty="0" smtClean="0"/>
+                        <a:t>Транспортный</a:t>
+                      </a:r>
+                      <a:endParaRPr lang="ru-RU" dirty="0"/>
+                    </a:p>
+                  </a:txBody>
+                  <a:tcPr/>
+                </a:tc>
+                <a:tc>
+                  <a:txBody>
+                    <a:bodyPr/>
+                    <a:lstStyle/>
+                    <a:p>
+                      <a:pPr algn="ctr"/>
+                      <a:endParaRPr lang="ru-RU" dirty="0"/>
+                    </a:p>
+                  </a:txBody>
+                  <a:tcPr/>
+                </a:tc>
+                <a:tc vMerge="1">
+                  <a:txBody>
+                    <a:bodyPr/>
+                    <a:lstStyle/>
+                    <a:p>
+                      <a:endParaRPr lang="ru-RU" dirty="0"/>
+                    </a:p>
+                  </a:txBody>
+                  <a:tcPr/>
+                </a:tc>
+                <a:extLst>
+                  <a:ext uri="{0D108BD9-81ED-4DB2-BD59-A6C34878D82A}">
+                    <a16:rowId xmlns:a16="http://schemas.microsoft.com/office/drawing/2014/main" val="2713402975"/>
+                  </a:ext>
+                </a:extLst>
+              </a:tr>
+              <a:tr h="370840">
+                <a:tc>
+                  <a:txBody>
+                    <a:bodyPr/>
+                    <a:lstStyle/>
+                    <a:p>
+                      <a:pPr algn="ctr"/>
+                      <a:r>
+                        <a:rPr lang="ru-RU" dirty="0" smtClean="0"/>
+                        <a:t>Сетевой</a:t>
+                      </a:r>
+                      <a:endParaRPr lang="ru-RU" dirty="0"/>
+                    </a:p>
+                  </a:txBody>
+                  <a:tcPr/>
+                </a:tc>
+                <a:tc>
+                  <a:txBody>
+                    <a:bodyPr/>
+                    <a:lstStyle/>
+                    <a:p>
+                      <a:pPr algn="ctr"/>
+                      <a:r>
+                        <a:rPr lang="en-US" dirty="0" err="1" smtClean="0"/>
+                        <a:t>IPSec</a:t>
+                      </a:r>
+                      <a:endParaRPr lang="ru-RU" dirty="0"/>
+                    </a:p>
+                  </a:txBody>
+                  <a:tcPr/>
+                </a:tc>
+                <a:tc rowSpan="2">
+                  <a:txBody>
+                    <a:bodyPr/>
+                    <a:lstStyle/>
+                    <a:p>
+                      <a:r>
+                        <a:rPr lang="ru-RU" dirty="0" smtClean="0"/>
+                        <a:t>Прозрачность для приложений</a:t>
+                      </a:r>
+                    </a:p>
+                    <a:p>
+                      <a:r>
+                        <a:rPr lang="ru-RU" dirty="0" smtClean="0"/>
+                        <a:t>Зависимость от транспортной инфраструктуры</a:t>
+                      </a:r>
+                      <a:endParaRPr lang="ru-RU" dirty="0"/>
+                    </a:p>
+                  </a:txBody>
+                  <a:tcPr/>
+                </a:tc>
+                <a:extLst>
+                  <a:ext uri="{0D108BD9-81ED-4DB2-BD59-A6C34878D82A}">
+                    <a16:rowId xmlns:a16="http://schemas.microsoft.com/office/drawing/2014/main" val="3109651551"/>
+                  </a:ext>
+                </a:extLst>
+              </a:tr>
+              <a:tr h="370840">
+                <a:tc>
+                  <a:txBody>
+                    <a:bodyPr/>
+                    <a:lstStyle/>
+                    <a:p>
+                      <a:pPr algn="ctr"/>
+                      <a:r>
+                        <a:rPr lang="ru-RU" dirty="0" smtClean="0"/>
+                        <a:t>Канальный</a:t>
+                      </a:r>
+                      <a:endParaRPr lang="ru-RU" dirty="0"/>
+                    </a:p>
+                  </a:txBody>
+                  <a:tcPr/>
+                </a:tc>
+                <a:tc>
+                  <a:txBody>
+                    <a:bodyPr/>
+                    <a:lstStyle/>
+                    <a:p>
+                      <a:pPr algn="ctr"/>
+                      <a:r>
+                        <a:rPr lang="en-US" dirty="0" smtClean="0"/>
+                        <a:t>PPTP</a:t>
+                      </a:r>
+                      <a:endParaRPr lang="ru-RU" dirty="0"/>
+                    </a:p>
+                  </a:txBody>
+                  <a:tcPr/>
+                </a:tc>
+                <a:tc vMerge="1">
+                  <a:txBody>
+                    <a:bodyPr/>
+                    <a:lstStyle/>
+                    <a:p>
+                      <a:endParaRPr lang="ru-RU" dirty="0"/>
+                    </a:p>
+                  </a:txBody>
+                  <a:tcPr/>
+                </a:tc>
+                <a:extLst>
+                  <a:ext uri="{0D108BD9-81ED-4DB2-BD59-A6C34878D82A}">
+                    <a16:rowId xmlns:a16="http://schemas.microsoft.com/office/drawing/2014/main" val="3951340117"/>
+                  </a:ext>
+                </a:extLst>
+              </a:tr>
+              <a:tr h="370840">
+                <a:tc>
+                  <a:txBody>
+                    <a:bodyPr/>
+                    <a:lstStyle/>
+                    <a:p>
+                      <a:pPr algn="ctr"/>
+                      <a:r>
+                        <a:rPr lang="ru-RU" dirty="0" smtClean="0"/>
+                        <a:t>Физический</a:t>
+                      </a:r>
+                      <a:endParaRPr lang="ru-RU" dirty="0"/>
+                    </a:p>
+                  </a:txBody>
+                  <a:tcPr/>
+                </a:tc>
+                <a:tc>
+                  <a:txBody>
+                    <a:bodyPr/>
+                    <a:lstStyle/>
+                    <a:p>
+                      <a:endParaRPr lang="ru-RU" dirty="0"/>
+                    </a:p>
+                  </a:txBody>
+                  <a:tcPr/>
+                </a:tc>
+                <a:tc>
+                  <a:txBody>
+                    <a:bodyPr/>
+                    <a:lstStyle/>
+                    <a:p>
+                      <a:endParaRPr lang="ru-RU" dirty="0"/>
+                    </a:p>
+                  </a:txBody>
+                  <a:tcPr/>
+                </a:tc>
+                <a:extLst>
+                  <a:ext uri="{0D108BD9-81ED-4DB2-BD59-A6C34878D82A}">
+                    <a16:rowId xmlns:a16="http://schemas.microsoft.com/office/drawing/2014/main" val="2843623290"/>
+                  </a:ext>
+                </a:extLst>
+              </a:tr>
+            </a:tbl>
+          </a:graphicData>
+        </a:graphic>
+      </p:graphicFrame>
+    </p:spTree>
+    <p:extLst>
+      <p:ext uri="{BB962C8B-B14F-4D97-AF65-F5344CB8AC3E}">
+        <p14:creationId xmlns:p14="http://schemas.microsoft.com/office/powerpoint/2010/main" val="15381958"/>
+      </p:ext>
+    </p:extLst>
+  </p:cSld>
+  <p:clrMapOvr>
+    <a:masterClrMapping/>
+  </p:clrMapOvr>
+  <p:timing>
+    <p:tnLst>
+      <p:par>
+        <p:cTn id="1" dur="indefinite" restart="never" nodeType="tmRoot"/>
+      </p:par>
+    </p:tnLst>
+  </p:timing>
+</p:sld>
+</file>
+
+<file path=ppt/slides/slide6.xml><?xml version="1.0" encoding="utf-8"?>
+<p:sld xmlns:a="http://schemas.openxmlformats.org/drawingml/2006/main" xmlns:r="http://schemas.openxmlformats.org/officeDocument/2006/relationships" xmlns:p="http://schemas.openxmlformats.org/presentationml/2006/main">
+  <p:cSld>
+    <p:spTree>
+      <p:nvGrpSpPr>
+        <p:cNvPr id="1" name=""/>
+        <p:cNvGrpSpPr/>
+        <p:nvPr/>
+      </p:nvGrpSpPr>
+      <p:grpSpPr>
+        <a:xfrm>
+          <a:off x="0" y="0"/>
+          <a:ext cx="0" cy="0"/>
+          <a:chOff x="0" y="0"/>
+          <a:chExt cx="0" cy="0"/>
+        </a:xfrm>
+      </p:grpSpPr>
+      <p:sp>
+        <p:nvSpPr>
+          <p:cNvPr id="19" name="Заголовок 1"/>
+          <p:cNvSpPr txBox="1">
+            <a:spLocks/>
+          </p:cNvSpPr>
+          <p:nvPr/>
+        </p:nvSpPr>
+        <p:spPr>
+          <a:xfrm>
+            <a:off x="0" y="701874"/>
+            <a:ext cx="9144000" cy="1008112"/>
+          </a:xfrm>
+          <a:prstGeom prst="rect">
+            <a:avLst/>
+          </a:prstGeom>
+        </p:spPr>
+        <p:txBody>
+          <a:bodyPr/>
+          <a:lstStyle>
+            <a:lvl1pPr algn="l" rtl="0" fontAlgn="base">
+              <a:spcBef>
+                <a:spcPct val="0"/>
+              </a:spcBef>
+              <a:spcAft>
+                <a:spcPct val="0"/>
+              </a:spcAft>
+              <a:defRPr sz="4400">
+                <a:solidFill>
+                  <a:schemeClr val="tx2"/>
+                </a:solidFill>
+                <a:latin typeface="+mj-lt"/>
+                <a:ea typeface="+mj-ea"/>
+                <a:cs typeface="+mj-cs"/>
+              </a:defRPr>
+            </a:lvl1pPr>
+            <a:lvl2pPr algn="l" rtl="0" fontAlgn="base">
+              <a:spcBef>
+                <a:spcPct val="0"/>
+              </a:spcBef>
+              <a:spcAft>
+                <a:spcPct val="0"/>
+              </a:spcAft>
+              <a:defRPr sz="4400">
+                <a:solidFill>
+                  <a:schemeClr val="tx2"/>
+                </a:solidFill>
+                <a:latin typeface="Times New Roman" pitchFamily="18" charset="0"/>
+              </a:defRPr>
+            </a:lvl2pPr>
+            <a:lvl3pPr algn="l" rtl="0" fontAlgn="base">
+              <a:spcBef>
+                <a:spcPct val="0"/>
+              </a:spcBef>
+              <a:spcAft>
+                <a:spcPct val="0"/>
+              </a:spcAft>
+              <a:defRPr sz="4400">
+                <a:solidFill>
+                  <a:schemeClr val="tx2"/>
+                </a:solidFill>
+                <a:latin typeface="Times New Roman" pitchFamily="18" charset="0"/>
+              </a:defRPr>
+            </a:lvl3pPr>
+            <a:lvl4pPr algn="l" rtl="0" fontAlgn="base">
+              <a:spcBef>
+                <a:spcPct val="0"/>
+              </a:spcBef>
+              <a:spcAft>
+                <a:spcPct val="0"/>
+              </a:spcAft>
+              <a:defRPr sz="4400">
+                <a:solidFill>
+                  <a:schemeClr val="tx2"/>
+                </a:solidFill>
+                <a:latin typeface="Times New Roman" pitchFamily="18" charset="0"/>
+              </a:defRPr>
+            </a:lvl4pPr>
+            <a:lvl5pPr algn="l" rtl="0" fontAlgn="base">
+              <a:spcBef>
+                <a:spcPct val="0"/>
+              </a:spcBef>
+              <a:spcAft>
+                <a:spcPct val="0"/>
+              </a:spcAft>
+              <a:defRPr sz="4400">
+                <a:solidFill>
+                  <a:schemeClr val="tx2"/>
+                </a:solidFill>
+                <a:latin typeface="Times New Roman" pitchFamily="18" charset="0"/>
+              </a:defRPr>
+            </a:lvl5pPr>
+            <a:lvl6pPr marL="457200" algn="l" rtl="0" fontAlgn="base">
+              <a:spcBef>
+                <a:spcPct val="0"/>
+              </a:spcBef>
+              <a:spcAft>
+                <a:spcPct val="0"/>
+              </a:spcAft>
+              <a:defRPr sz="4400">
+                <a:solidFill>
+                  <a:schemeClr val="tx2"/>
+                </a:solidFill>
+                <a:latin typeface="Times New Roman" pitchFamily="18" charset="0"/>
+              </a:defRPr>
+            </a:lvl6pPr>
+            <a:lvl7pPr marL="914400" algn="l" rtl="0" fontAlgn="base">
+              <a:spcBef>
+                <a:spcPct val="0"/>
+              </a:spcBef>
+              <a:spcAft>
+                <a:spcPct val="0"/>
+              </a:spcAft>
+              <a:defRPr sz="4400">
+                <a:solidFill>
+                  <a:schemeClr val="tx2"/>
+                </a:solidFill>
+                <a:latin typeface="Times New Roman" pitchFamily="18" charset="0"/>
+              </a:defRPr>
+            </a:lvl7pPr>
+            <a:lvl8pPr marL="1371600" algn="l" rtl="0" fontAlgn="base">
+              <a:spcBef>
+                <a:spcPct val="0"/>
+              </a:spcBef>
+              <a:spcAft>
+                <a:spcPct val="0"/>
+              </a:spcAft>
+              <a:defRPr sz="4400">
+                <a:solidFill>
+                  <a:schemeClr val="tx2"/>
+                </a:solidFill>
+                <a:latin typeface="Times New Roman" pitchFamily="18" charset="0"/>
+              </a:defRPr>
+            </a:lvl8pPr>
+            <a:lvl9pPr marL="1828800" algn="l" rtl="0" fontAlgn="base">
+              <a:spcBef>
+                <a:spcPct val="0"/>
+              </a:spcBef>
+              <a:spcAft>
+                <a:spcPct val="0"/>
+              </a:spcAft>
+              <a:defRPr sz="4400">
+                <a:solidFill>
+                  <a:schemeClr val="tx2"/>
+                </a:solidFill>
+                <a:latin typeface="Times New Roman" pitchFamily="18" charset="0"/>
+              </a:defRPr>
+            </a:lvl9pPr>
+          </a:lstStyle>
+          <a:p>
+            <a:pPr algn="ctr">
+              <a:buClrTx/>
+              <a:buSzTx/>
+              <a:buFontTx/>
+              <a:buNone/>
+            </a:pPr>
+            <a:r>
+              <a:rPr kumimoji="0" lang="ru-RU" altLang="ru-RU" b="1" kern="0" dirty="0" err="1" smtClean="0"/>
+              <a:t>Туннелирование</a:t>
+            </a:r>
+            <a:endParaRPr kumimoji="0" lang="en-US" altLang="ru-RU" b="1" kern="0" dirty="0" smtClean="0"/>
+          </a:p>
+        </p:txBody>
+      </p:sp>
+      <p:grpSp>
+        <p:nvGrpSpPr>
+          <p:cNvPr id="3" name="Группа 2"/>
+          <p:cNvGrpSpPr/>
+          <p:nvPr/>
+        </p:nvGrpSpPr>
+        <p:grpSpPr>
+          <a:xfrm>
+            <a:off x="683568" y="1988840"/>
+            <a:ext cx="8287550" cy="4432771"/>
+            <a:chOff x="840348" y="3089395"/>
+            <a:chExt cx="7037703" cy="3764264"/>
+          </a:xfrm>
+        </p:grpSpPr>
+        <p:pic>
+          <p:nvPicPr>
+            <p:cNvPr id="10" name="Рисунок 9"/>
+            <p:cNvPicPr>
+              <a:picLocks noChangeAspect="1"/>
+            </p:cNvPicPr>
+            <p:nvPr/>
+          </p:nvPicPr>
+          <p:blipFill rotWithShape="1">
+            <a:blip r:embed="rId2"/>
+            <a:srcRect l="12201" t="23001" r="12201" b="28400"/>
+            <a:stretch/>
+          </p:blipFill>
+          <p:spPr>
+            <a:xfrm>
+              <a:off x="1067480" y="3638670"/>
+              <a:ext cx="728268" cy="504185"/>
+            </a:xfrm>
+            <a:prstGeom prst="rect">
+              <a:avLst/>
+            </a:prstGeom>
+          </p:spPr>
+        </p:pic>
+        <p:pic>
+          <p:nvPicPr>
+            <p:cNvPr id="11" name="Рисунок 10"/>
+            <p:cNvPicPr>
+              <a:picLocks noChangeAspect="1"/>
+            </p:cNvPicPr>
+            <p:nvPr/>
+          </p:nvPicPr>
+          <p:blipFill rotWithShape="1">
+            <a:blip r:embed="rId3"/>
+            <a:srcRect l="9292" t="23000" r="9294" b="31100"/>
+            <a:stretch/>
+          </p:blipFill>
+          <p:spPr>
+            <a:xfrm>
+              <a:off x="2100294" y="3313699"/>
+              <a:ext cx="625274" cy="379631"/>
+            </a:xfrm>
+            <a:prstGeom prst="rect">
+              <a:avLst/>
+            </a:prstGeom>
+          </p:spPr>
+        </p:pic>
+        <p:pic>
+          <p:nvPicPr>
+            <p:cNvPr id="12" name="Рисунок 11"/>
+            <p:cNvPicPr>
+              <a:picLocks noChangeAspect="1"/>
+            </p:cNvPicPr>
+            <p:nvPr/>
+          </p:nvPicPr>
+          <p:blipFill rotWithShape="1">
+            <a:blip r:embed="rId3"/>
+            <a:srcRect l="9292" t="23000" r="9294" b="31100"/>
+            <a:stretch/>
+          </p:blipFill>
+          <p:spPr>
+            <a:xfrm>
+              <a:off x="1771589" y="4237901"/>
+              <a:ext cx="625274" cy="379631"/>
+            </a:xfrm>
+            <a:prstGeom prst="rect">
+              <a:avLst/>
+            </a:prstGeom>
+          </p:spPr>
+        </p:pic>
+        <p:sp>
+          <p:nvSpPr>
+            <p:cNvPr id="13" name="Овал 12"/>
+            <p:cNvSpPr/>
+            <p:nvPr/>
+          </p:nvSpPr>
+          <p:spPr bwMode="auto">
+            <a:xfrm>
+              <a:off x="2725568" y="5030961"/>
+              <a:ext cx="2284098" cy="1822698"/>
+            </a:xfrm>
+            <a:prstGeom prst="ellipse">
+              <a:avLst/>
+            </a:prstGeom>
+            <a:noFill/>
+            <a:ln w="9525" cap="flat" cmpd="sng" algn="ctr">
+              <a:solidFill>
+                <a:srgbClr val="7030A0"/>
+              </a:solidFill>
+              <a:prstDash val="solid"/>
+              <a:round/>
+              <a:headEnd type="none" w="med" len="med"/>
+              <a:tailEnd type="none" w="med" len="med"/>
+            </a:ln>
+            <a:effectLst/>
+            <a:extLst>
+              <a:ext uri="{909E8E84-426E-40DD-AFC4-6F175D3DCCD1}">
+                <a14:hiddenFill xmlns:a14="http://schemas.microsoft.com/office/drawing/2010/main">
+                  <a:solidFill>
+                    <a:schemeClr val="accent1"/>
+                  </a:solidFill>
+                </a14:hiddenFill>
+              </a:ext>
+              <a:ext uri="{AF507438-7753-43E0-B8FC-AC1667EBCBE1}">
+                <a14:hiddenEffects xmlns:a14="http://schemas.microsoft.com/office/drawing/2010/main">
+                  <a:effectLst>
+                    <a:outerShdw dist="35921" dir="2700000" algn="ctr" rotWithShape="0">
+                      <a:schemeClr val="bg2"/>
+                    </a:outerShdw>
+                  </a:effectLst>
+                </a14:hiddenEffects>
+              </a:ext>
+            </a:extLst>
+          </p:spPr>
+          <p:txBody>
+            <a:bodyPr vert="horz" wrap="square" lIns="91440" tIns="45720" rIns="91440" bIns="0" numCol="1" rtlCol="0" anchor="t" anchorCtr="0" compatLnSpc="1">
+              <a:prstTxWarp prst="textNoShape">
+                <a:avLst/>
+              </a:prstTxWarp>
+            </a:bodyPr>
+            <a:lstStyle/>
+            <a:p>
+              <a:pPr marL="457200" marR="0" indent="-457200" algn="l" defTabSz="914400" rtl="0" eaLnBrk="1" fontAlgn="base" latinLnBrk="0" hangingPunct="1">
+                <a:lnSpc>
+                  <a:spcPct val="100000"/>
+                </a:lnSpc>
+                <a:spcBef>
+                  <a:spcPct val="20000"/>
+                </a:spcBef>
+                <a:spcAft>
+                  <a:spcPct val="0"/>
+                </a:spcAft>
+                <a:buClr>
+                  <a:srgbClr val="A50021"/>
+                </a:buClr>
+                <a:buSzPct val="75000"/>
+                <a:buFont typeface="Wingdings" pitchFamily="2" charset="2"/>
+                <a:buChar char="n"/>
+                <a:tabLst/>
+              </a:pPr>
+              <a:endParaRPr kumimoji="1" lang="ru-RU" sz="2000" b="0" i="0" u="none" strike="noStrike" cap="none" normalizeH="0" baseline="0" smtClean="0">
+                <a:ln>
+                  <a:noFill/>
+                </a:ln>
+                <a:solidFill>
+                  <a:schemeClr val="tx1"/>
+                </a:solidFill>
+                <a:effectLst/>
+                <a:latin typeface="Times New Roman" pitchFamily="18" charset="0"/>
+                <a:cs typeface="Times New Roman" pitchFamily="18" charset="0"/>
+              </a:endParaRPr>
+            </a:p>
+          </p:txBody>
+        </p:sp>
+        <p:sp>
+          <p:nvSpPr>
+            <p:cNvPr id="14" name="Овал 13"/>
+            <p:cNvSpPr/>
+            <p:nvPr/>
+          </p:nvSpPr>
+          <p:spPr bwMode="auto">
+            <a:xfrm>
+              <a:off x="5593953" y="3089395"/>
+              <a:ext cx="2284098" cy="1822698"/>
+            </a:xfrm>
+            <a:prstGeom prst="ellipse">
+              <a:avLst/>
+            </a:prstGeom>
+            <a:noFill/>
+            <a:ln w="9525" cap="flat" cmpd="sng" algn="ctr">
+              <a:solidFill>
+                <a:srgbClr val="7030A0"/>
+              </a:solidFill>
+              <a:prstDash val="solid"/>
+              <a:round/>
+              <a:headEnd type="none" w="med" len="med"/>
+              <a:tailEnd type="none" w="med" len="med"/>
+            </a:ln>
+            <a:effectLst/>
+            <a:extLst>
+              <a:ext uri="{909E8E84-426E-40DD-AFC4-6F175D3DCCD1}">
+                <a14:hiddenFill xmlns:a14="http://schemas.microsoft.com/office/drawing/2010/main">
+                  <a:solidFill>
+                    <a:schemeClr val="accent1"/>
+                  </a:solidFill>
+                </a14:hiddenFill>
+              </a:ext>
+              <a:ext uri="{AF507438-7753-43E0-B8FC-AC1667EBCBE1}">
+                <a14:hiddenEffects xmlns:a14="http://schemas.microsoft.com/office/drawing/2010/main">
+                  <a:effectLst>
+                    <a:outerShdw dist="35921" dir="2700000" algn="ctr" rotWithShape="0">
+                      <a:schemeClr val="bg2"/>
+                    </a:outerShdw>
+                  </a:effectLst>
+                </a14:hiddenEffects>
+              </a:ext>
+            </a:extLst>
+          </p:spPr>
+          <p:txBody>
+            <a:bodyPr vert="horz" wrap="square" lIns="91440" tIns="45720" rIns="91440" bIns="0" numCol="1" rtlCol="0" anchor="t" anchorCtr="0" compatLnSpc="1">
+              <a:prstTxWarp prst="textNoShape">
+                <a:avLst/>
+              </a:prstTxWarp>
+            </a:bodyPr>
+            <a:lstStyle/>
+            <a:p>
+              <a:pPr marL="457200" marR="0" indent="-457200" algn="l" defTabSz="914400" rtl="0" eaLnBrk="1" fontAlgn="base" latinLnBrk="0" hangingPunct="1">
+                <a:lnSpc>
+                  <a:spcPct val="100000"/>
+                </a:lnSpc>
+                <a:spcBef>
+                  <a:spcPct val="20000"/>
+                </a:spcBef>
+                <a:spcAft>
+                  <a:spcPct val="0"/>
+                </a:spcAft>
+                <a:buClr>
+                  <a:srgbClr val="A50021"/>
+                </a:buClr>
+                <a:buSzPct val="75000"/>
+                <a:buFont typeface="Wingdings" pitchFamily="2" charset="2"/>
+                <a:buChar char="n"/>
+                <a:tabLst/>
+              </a:pPr>
+              <a:endParaRPr kumimoji="1" lang="ru-RU" sz="2000" b="0" i="0" u="none" strike="noStrike" cap="none" normalizeH="0" baseline="0" smtClean="0">
+                <a:ln>
+                  <a:noFill/>
+                </a:ln>
+                <a:solidFill>
+                  <a:schemeClr val="tx1"/>
+                </a:solidFill>
+                <a:effectLst/>
+                <a:latin typeface="Times New Roman" pitchFamily="18" charset="0"/>
+                <a:cs typeface="Times New Roman" pitchFamily="18" charset="0"/>
+              </a:endParaRPr>
+            </a:p>
+          </p:txBody>
+        </p:sp>
+        <p:pic>
+          <p:nvPicPr>
+            <p:cNvPr id="15" name="Рисунок 14"/>
+            <p:cNvPicPr>
+              <a:picLocks noChangeAspect="1"/>
+            </p:cNvPicPr>
+            <p:nvPr/>
+          </p:nvPicPr>
+          <p:blipFill rotWithShape="1">
+            <a:blip r:embed="rId3"/>
+            <a:srcRect l="9292" t="23000" r="9294" b="31100"/>
+            <a:stretch/>
+          </p:blipFill>
+          <p:spPr>
+            <a:xfrm>
+              <a:off x="2982164" y="5400988"/>
+              <a:ext cx="625274" cy="379631"/>
+            </a:xfrm>
+            <a:prstGeom prst="rect">
+              <a:avLst/>
+            </a:prstGeom>
+          </p:spPr>
+        </p:pic>
+        <p:pic>
+          <p:nvPicPr>
+            <p:cNvPr id="16" name="Рисунок 15"/>
+            <p:cNvPicPr>
+              <a:picLocks noChangeAspect="1"/>
+            </p:cNvPicPr>
+            <p:nvPr/>
+          </p:nvPicPr>
+          <p:blipFill rotWithShape="1">
+            <a:blip r:embed="rId2"/>
+            <a:srcRect l="12201" t="23001" r="12201" b="28400"/>
+            <a:stretch/>
+          </p:blipFill>
+          <p:spPr>
+            <a:xfrm>
+              <a:off x="3743530" y="5270511"/>
+              <a:ext cx="728268" cy="504185"/>
+            </a:xfrm>
+            <a:prstGeom prst="rect">
+              <a:avLst/>
+            </a:prstGeom>
+          </p:spPr>
+        </p:pic>
+        <p:pic>
+          <p:nvPicPr>
+            <p:cNvPr id="17" name="Рисунок 16"/>
+            <p:cNvPicPr>
+              <a:picLocks noChangeAspect="1"/>
+            </p:cNvPicPr>
+            <p:nvPr/>
+          </p:nvPicPr>
+          <p:blipFill rotWithShape="1">
+            <a:blip r:embed="rId2"/>
+            <a:srcRect l="12201" t="23001" r="12201" b="28400"/>
+            <a:stretch/>
+          </p:blipFill>
+          <p:spPr>
+            <a:xfrm>
+              <a:off x="3136344" y="6021113"/>
+              <a:ext cx="728268" cy="504185"/>
+            </a:xfrm>
+            <a:prstGeom prst="rect">
+              <a:avLst/>
+            </a:prstGeom>
+          </p:spPr>
+        </p:pic>
+        <p:pic>
+          <p:nvPicPr>
+            <p:cNvPr id="18" name="Рисунок 17"/>
+            <p:cNvPicPr>
+              <a:picLocks noChangeAspect="1"/>
+            </p:cNvPicPr>
+            <p:nvPr/>
+          </p:nvPicPr>
+          <p:blipFill rotWithShape="1">
+            <a:blip r:embed="rId3"/>
+            <a:srcRect l="9292" t="23000" r="9294" b="31100"/>
+            <a:stretch/>
+          </p:blipFill>
+          <p:spPr>
+            <a:xfrm>
+              <a:off x="4138595" y="5983755"/>
+              <a:ext cx="625274" cy="379631"/>
+            </a:xfrm>
+            <a:prstGeom prst="rect">
+              <a:avLst/>
+            </a:prstGeom>
+          </p:spPr>
+        </p:pic>
+        <p:pic>
+          <p:nvPicPr>
+            <p:cNvPr id="20" name="Рисунок 19"/>
+            <p:cNvPicPr>
+              <a:picLocks noChangeAspect="1"/>
+            </p:cNvPicPr>
+            <p:nvPr/>
+          </p:nvPicPr>
+          <p:blipFill rotWithShape="1">
+            <a:blip r:embed="rId3"/>
+            <a:srcRect l="9292" t="23000" r="9294" b="31100"/>
+            <a:stretch/>
+          </p:blipFill>
+          <p:spPr>
+            <a:xfrm>
+              <a:off x="5847742" y="3658497"/>
+              <a:ext cx="625274" cy="379631"/>
+            </a:xfrm>
+            <a:prstGeom prst="rect">
+              <a:avLst/>
+            </a:prstGeom>
+          </p:spPr>
+        </p:pic>
+        <p:pic>
+          <p:nvPicPr>
+            <p:cNvPr id="21" name="Рисунок 20"/>
+            <p:cNvPicPr>
+              <a:picLocks noChangeAspect="1"/>
+            </p:cNvPicPr>
+            <p:nvPr/>
+          </p:nvPicPr>
+          <p:blipFill rotWithShape="1">
+            <a:blip r:embed="rId3"/>
+            <a:srcRect l="9292" t="23000" r="9294" b="31100"/>
+            <a:stretch/>
+          </p:blipFill>
+          <p:spPr>
+            <a:xfrm>
+              <a:off x="6659866" y="3224197"/>
+              <a:ext cx="625274" cy="379631"/>
+            </a:xfrm>
+            <a:prstGeom prst="rect">
+              <a:avLst/>
+            </a:prstGeom>
+          </p:spPr>
+        </p:pic>
+        <p:pic>
+          <p:nvPicPr>
+            <p:cNvPr id="22" name="Рисунок 21"/>
+            <p:cNvPicPr>
+              <a:picLocks noChangeAspect="1"/>
+            </p:cNvPicPr>
+            <p:nvPr/>
+          </p:nvPicPr>
+          <p:blipFill rotWithShape="1">
+            <a:blip r:embed="rId3"/>
+            <a:srcRect l="9292" t="23000" r="9294" b="31100"/>
+            <a:stretch/>
+          </p:blipFill>
+          <p:spPr>
+            <a:xfrm>
+              <a:off x="7065927" y="3710178"/>
+              <a:ext cx="625274" cy="379631"/>
+            </a:xfrm>
+            <a:prstGeom prst="rect">
+              <a:avLst/>
+            </a:prstGeom>
+          </p:spPr>
+        </p:pic>
+        <p:pic>
+          <p:nvPicPr>
+            <p:cNvPr id="23" name="Рисунок 22"/>
+            <p:cNvPicPr>
+              <a:picLocks noChangeAspect="1"/>
+            </p:cNvPicPr>
+            <p:nvPr/>
+          </p:nvPicPr>
+          <p:blipFill rotWithShape="1">
+            <a:blip r:embed="rId2"/>
+            <a:srcRect l="12201" t="23001" r="12201" b="28400"/>
+            <a:stretch/>
+          </p:blipFill>
+          <p:spPr>
+            <a:xfrm>
+              <a:off x="6371868" y="4195267"/>
+              <a:ext cx="728268" cy="504185"/>
+            </a:xfrm>
+            <a:prstGeom prst="rect">
+              <a:avLst/>
+            </a:prstGeom>
+          </p:spPr>
+        </p:pic>
+        <p:sp>
+          <p:nvSpPr>
+            <p:cNvPr id="24" name="Овал 23"/>
+            <p:cNvSpPr/>
+            <p:nvPr/>
+          </p:nvSpPr>
+          <p:spPr bwMode="auto">
+            <a:xfrm>
+              <a:off x="840348" y="3089395"/>
+              <a:ext cx="2284098" cy="1822698"/>
+            </a:xfrm>
+            <a:prstGeom prst="ellipse">
+              <a:avLst/>
+            </a:prstGeom>
+            <a:noFill/>
+            <a:ln w="9525" cap="flat" cmpd="sng" algn="ctr">
+              <a:solidFill>
+                <a:srgbClr val="7030A0"/>
+              </a:solidFill>
+              <a:prstDash val="solid"/>
+              <a:round/>
+              <a:headEnd type="none" w="med" len="med"/>
+              <a:tailEnd type="none" w="med" len="med"/>
+            </a:ln>
+            <a:effectLst/>
+            <a:extLst>
+              <a:ext uri="{909E8E84-426E-40DD-AFC4-6F175D3DCCD1}">
+                <a14:hiddenFill xmlns:a14="http://schemas.microsoft.com/office/drawing/2010/main">
+                  <a:solidFill>
+                    <a:schemeClr val="accent1"/>
+                  </a:solidFill>
+                </a14:hiddenFill>
+              </a:ext>
+              <a:ext uri="{AF507438-7753-43E0-B8FC-AC1667EBCBE1}">
+                <a14:hiddenEffects xmlns:a14="http://schemas.microsoft.com/office/drawing/2010/main">
+                  <a:effectLst>
+                    <a:outerShdw dist="35921" dir="2700000" algn="ctr" rotWithShape="0">
+                      <a:schemeClr val="bg2"/>
+                    </a:outerShdw>
+                  </a:effectLst>
+                </a14:hiddenEffects>
+              </a:ext>
+            </a:extLst>
+          </p:spPr>
+          <p:txBody>
+            <a:bodyPr vert="horz" wrap="square" lIns="91440" tIns="45720" rIns="91440" bIns="0" numCol="1" rtlCol="0" anchor="t" anchorCtr="0" compatLnSpc="1">
+              <a:prstTxWarp prst="textNoShape">
+                <a:avLst/>
+              </a:prstTxWarp>
+            </a:bodyPr>
+            <a:lstStyle/>
+            <a:p>
+              <a:pPr marL="457200" marR="0" indent="-457200" algn="l" defTabSz="914400" rtl="0" eaLnBrk="1" fontAlgn="base" latinLnBrk="0" hangingPunct="1">
+                <a:lnSpc>
+                  <a:spcPct val="100000"/>
+                </a:lnSpc>
+                <a:spcBef>
+                  <a:spcPct val="20000"/>
+                </a:spcBef>
+                <a:spcAft>
+                  <a:spcPct val="0"/>
+                </a:spcAft>
+                <a:buClr>
+                  <a:srgbClr val="A50021"/>
+                </a:buClr>
+                <a:buSzPct val="75000"/>
+                <a:buFont typeface="Wingdings" pitchFamily="2" charset="2"/>
+                <a:buChar char="n"/>
+                <a:tabLst/>
+              </a:pPr>
+              <a:endParaRPr kumimoji="1" lang="ru-RU" sz="2000" b="0" i="0" u="none" strike="noStrike" cap="none" normalizeH="0" baseline="0" smtClean="0">
+                <a:ln>
+                  <a:noFill/>
+                </a:ln>
+                <a:solidFill>
+                  <a:schemeClr val="tx1"/>
+                </a:solidFill>
+                <a:effectLst/>
+                <a:latin typeface="Times New Roman" pitchFamily="18" charset="0"/>
+                <a:cs typeface="Times New Roman" pitchFamily="18" charset="0"/>
+              </a:endParaRPr>
+            </a:p>
+          </p:txBody>
+        </p:sp>
+        <p:pic>
+          <p:nvPicPr>
+            <p:cNvPr id="25" name="Picture 12" descr="Router | Cisco Network Topology Icons 3015"/>
+            <p:cNvPicPr>
+              <a:picLocks noChangeAspect="1" noChangeArrowheads="1"/>
+            </p:cNvPicPr>
+            <p:nvPr/>
+          </p:nvPicPr>
+          <p:blipFill>
+            <a:blip r:embed="rId4" cstate="print">
+              <a:extLst>
+                <a:ext uri="{28A0092B-C50C-407E-A947-70E740481C1C}">
+                  <a14:useLocalDpi xmlns:a14="http://schemas.microsoft.com/office/drawing/2010/main" val="0"/>
+                </a:ext>
+              </a:extLst>
+            </a:blip>
+            <a:srcRect/>
+            <a:stretch>
+              <a:fillRect/>
+            </a:stretch>
+          </p:blipFill>
+          <p:spPr bwMode="auto">
+            <a:xfrm>
+              <a:off x="3607438" y="4740196"/>
+              <a:ext cx="575208" cy="575208"/>
+            </a:xfrm>
+            <a:prstGeom prst="rect">
+              <a:avLst/>
+            </a:prstGeom>
+            <a:noFill/>
+            <a:extLst>
+              <a:ext uri="{909E8E84-426E-40DD-AFC4-6F175D3DCCD1}">
+                <a14:hiddenFill xmlns:a14="http://schemas.microsoft.com/office/drawing/2010/main">
+                  <a:solidFill>
+                    <a:srgbClr val="FFFFFF"/>
+                  </a:solidFill>
+                </a14:hiddenFill>
+              </a:ext>
+            </a:extLst>
+          </p:spPr>
+        </p:pic>
+        <p:pic>
+          <p:nvPicPr>
+            <p:cNvPr id="26" name="Picture 12" descr="Router | Cisco Network Topology Icons 3015"/>
+            <p:cNvPicPr>
+              <a:picLocks noChangeAspect="1" noChangeArrowheads="1"/>
+            </p:cNvPicPr>
+            <p:nvPr/>
+          </p:nvPicPr>
+          <p:blipFill rotWithShape="1">
+            <a:blip r:embed="rId4" cstate="print">
+              <a:extLst>
+                <a:ext uri="{28A0092B-C50C-407E-A947-70E740481C1C}">
+                  <a14:useLocalDpi xmlns:a14="http://schemas.microsoft.com/office/drawing/2010/main" val="0"/>
+                </a:ext>
+              </a:extLst>
+            </a:blip>
+            <a:srcRect t="14612" b="14794"/>
+            <a:stretch/>
+          </p:blipFill>
+          <p:spPr bwMode="auto">
+            <a:xfrm>
+              <a:off x="2821414" y="3730325"/>
+              <a:ext cx="575208" cy="406062"/>
+            </a:xfrm>
+            <a:prstGeom prst="rect">
+              <a:avLst/>
+            </a:prstGeom>
+            <a:noFill/>
+            <a:extLst>
+              <a:ext uri="{909E8E84-426E-40DD-AFC4-6F175D3DCCD1}">
+                <a14:hiddenFill xmlns:a14="http://schemas.microsoft.com/office/drawing/2010/main">
+                  <a:solidFill>
+                    <a:srgbClr val="FFFFFF"/>
+                  </a:solidFill>
+                </a14:hiddenFill>
+              </a:ext>
+            </a:extLst>
+          </p:spPr>
+        </p:pic>
+        <p:pic>
+          <p:nvPicPr>
+            <p:cNvPr id="27" name="Picture 12" descr="Router | Cisco Network Topology Icons 3015"/>
+            <p:cNvPicPr>
+              <a:picLocks noChangeAspect="1" noChangeArrowheads="1"/>
+            </p:cNvPicPr>
+            <p:nvPr/>
+          </p:nvPicPr>
+          <p:blipFill rotWithShape="1">
+            <a:blip r:embed="rId4" cstate="print">
+              <a:extLst>
+                <a:ext uri="{28A0092B-C50C-407E-A947-70E740481C1C}">
+                  <a14:useLocalDpi xmlns:a14="http://schemas.microsoft.com/office/drawing/2010/main" val="0"/>
+                </a:ext>
+              </a:extLst>
+            </a:blip>
+            <a:srcRect t="13141" b="16265"/>
+            <a:stretch/>
+          </p:blipFill>
+          <p:spPr bwMode="auto">
+            <a:xfrm>
+              <a:off x="5246124" y="3663537"/>
+              <a:ext cx="575208" cy="406062"/>
+            </a:xfrm>
+            <a:prstGeom prst="rect">
+              <a:avLst/>
+            </a:prstGeom>
+            <a:noFill/>
+            <a:extLst>
+              <a:ext uri="{909E8E84-426E-40DD-AFC4-6F175D3DCCD1}">
+                <a14:hiddenFill xmlns:a14="http://schemas.microsoft.com/office/drawing/2010/main">
+                  <a:solidFill>
+                    <a:srgbClr val="FFFFFF"/>
+                  </a:solidFill>
+                </a14:hiddenFill>
+              </a:ext>
+            </a:extLst>
+          </p:spPr>
+        </p:pic>
+      </p:grpSp>
+      <p:cxnSp>
+        <p:nvCxnSpPr>
+          <p:cNvPr id="32" name="Прямая соединительная линия 31"/>
+          <p:cNvCxnSpPr>
+            <a:stCxn id="26" idx="3"/>
+            <a:endCxn id="27" idx="1"/>
+          </p:cNvCxnSpPr>
+          <p:nvPr/>
+        </p:nvCxnSpPr>
+        <p:spPr bwMode="auto">
+          <a:xfrm flipV="1">
+            <a:off x="3693819" y="2904034"/>
+            <a:ext cx="2177960" cy="78649"/>
+          </a:xfrm>
+          <a:prstGeom prst="line">
+            <a:avLst/>
+          </a:prstGeom>
+          <a:noFill/>
+          <a:ln w="38100" cap="flat" cmpd="sng" algn="ctr">
+            <a:solidFill>
+              <a:srgbClr val="00B050"/>
+            </a:solidFill>
+            <a:prstDash val="solid"/>
+            <a:round/>
+            <a:headEnd type="none" w="med" len="med"/>
+            <a:tailEnd type="none" w="med" len="med"/>
+          </a:ln>
+          <a:effectLst/>
+          <a:extLst>
+            <a:ext uri="{909E8E84-426E-40DD-AFC4-6F175D3DCCD1}">
+              <a14:hiddenFill xmlns:a14="http://schemas.microsoft.com/office/drawing/2010/main">
+                <a:solidFill>
+                  <a:schemeClr val="accent1"/>
+                </a:solidFill>
+              </a14:hiddenFill>
+            </a:ext>
+            <a:ext uri="{AF507438-7753-43E0-B8FC-AC1667EBCBE1}">
+              <a14:hiddenEffects xmlns:a14="http://schemas.microsoft.com/office/drawing/2010/main">
+                <a:effectLst>
+                  <a:outerShdw dist="35921" dir="2700000" algn="ctr" rotWithShape="0">
+                    <a:schemeClr val="bg2"/>
+                  </a:outerShdw>
+                </a:effectLst>
+              </a14:hiddenEffects>
+            </a:ext>
+          </a:extLst>
+        </p:spPr>
+      </p:cxnSp>
+      <p:cxnSp>
+        <p:nvCxnSpPr>
+          <p:cNvPr id="34" name="Прямая соединительная линия 33"/>
+          <p:cNvCxnSpPr>
+            <a:stCxn id="27" idx="2"/>
+            <a:endCxn id="25" idx="3"/>
+          </p:cNvCxnSpPr>
+          <p:nvPr/>
+        </p:nvCxnSpPr>
+        <p:spPr bwMode="auto">
+          <a:xfrm flipH="1">
+            <a:off x="4619435" y="3143122"/>
+            <a:ext cx="1591025" cy="1128371"/>
+          </a:xfrm>
+          <a:prstGeom prst="line">
+            <a:avLst/>
+          </a:prstGeom>
+          <a:noFill/>
+          <a:ln w="38100" cap="flat" cmpd="sng" algn="ctr">
+            <a:solidFill>
+              <a:srgbClr val="00B050"/>
+            </a:solidFill>
+            <a:prstDash val="solid"/>
+            <a:round/>
+            <a:headEnd type="none" w="med" len="med"/>
+            <a:tailEnd type="none" w="med" len="med"/>
+          </a:ln>
+          <a:effectLst/>
+          <a:extLst>
+            <a:ext uri="{909E8E84-426E-40DD-AFC4-6F175D3DCCD1}">
+              <a14:hiddenFill xmlns:a14="http://schemas.microsoft.com/office/drawing/2010/main">
+                <a:solidFill>
+                  <a:schemeClr val="accent1"/>
+                </a:solidFill>
+              </a14:hiddenFill>
+            </a:ext>
+            <a:ext uri="{AF507438-7753-43E0-B8FC-AC1667EBCBE1}">
+              <a14:hiddenEffects xmlns:a14="http://schemas.microsoft.com/office/drawing/2010/main">
+                <a:effectLst>
+                  <a:outerShdw dist="35921" dir="2700000" algn="ctr" rotWithShape="0">
+                    <a:schemeClr val="bg2"/>
+                  </a:outerShdw>
+                </a:effectLst>
+              </a14:hiddenEffects>
+            </a:ext>
+          </a:extLst>
+        </p:spPr>
+      </p:cxnSp>
+      <p:cxnSp>
+        <p:nvCxnSpPr>
+          <p:cNvPr id="38" name="Прямая соединительная линия 37"/>
+          <p:cNvCxnSpPr>
+            <a:stCxn id="25" idx="1"/>
+            <a:endCxn id="26" idx="2"/>
+          </p:cNvCxnSpPr>
+          <p:nvPr/>
+        </p:nvCxnSpPr>
+        <p:spPr bwMode="auto">
+          <a:xfrm flipH="1" flipV="1">
+            <a:off x="3355139" y="3221771"/>
+            <a:ext cx="586935" cy="1049722"/>
+          </a:xfrm>
+          <a:prstGeom prst="line">
+            <a:avLst/>
+          </a:prstGeom>
+          <a:noFill/>
+          <a:ln w="38100" cap="flat" cmpd="sng" algn="ctr">
+            <a:solidFill>
+              <a:srgbClr val="00B050"/>
+            </a:solidFill>
+            <a:prstDash val="solid"/>
+            <a:round/>
+            <a:headEnd type="none" w="med" len="med"/>
+            <a:tailEnd type="none" w="med" len="med"/>
+          </a:ln>
+          <a:effectLst/>
+          <a:extLst>
+            <a:ext uri="{909E8E84-426E-40DD-AFC4-6F175D3DCCD1}">
+              <a14:hiddenFill xmlns:a14="http://schemas.microsoft.com/office/drawing/2010/main">
+                <a:solidFill>
+                  <a:schemeClr val="accent1"/>
+                </a:solidFill>
+              </a14:hiddenFill>
+            </a:ext>
+            <a:ext uri="{AF507438-7753-43E0-B8FC-AC1667EBCBE1}">
+              <a14:hiddenEffects xmlns:a14="http://schemas.microsoft.com/office/drawing/2010/main">
+                <a:effectLst>
+                  <a:outerShdw dist="35921" dir="2700000" algn="ctr" rotWithShape="0">
+                    <a:schemeClr val="bg2"/>
+                  </a:outerShdw>
+                </a:effectLst>
+              </a14:hiddenEffects>
+            </a:ext>
+          </a:extLst>
+        </p:spPr>
+      </p:cxnSp>
+    </p:spTree>
+    <p:extLst>
+      <p:ext uri="{BB962C8B-B14F-4D97-AF65-F5344CB8AC3E}">
+        <p14:creationId xmlns:p14="http://schemas.microsoft.com/office/powerpoint/2010/main" val="715605830"/>
+      </p:ext>
+    </p:extLst>
+  </p:cSld>
+  <p:clrMapOvr>
+    <a:masterClrMapping/>
+  </p:clrMapOvr>
+  <p:timing>
+    <p:tnLst>
+      <p:par>
+        <p:cTn id="1" dur="indefinite" restart="never" nodeType="tmRoot"/>
+      </p:par>
+    </p:tnLst>
+  </p:timing>
+</p:sld>
+</file>
+
+<file path=ppt/slides/slide7.xml><?xml version="1.0" encoding="utf-8"?>
+<p:sld xmlns:a="http://schemas.openxmlformats.org/drawingml/2006/main" xmlns:r="http://schemas.openxmlformats.org/officeDocument/2006/relationships" xmlns:p="http://schemas.openxmlformats.org/presentationml/2006/main">
+  <p:cSld>
+    <p:spTree>
+      <p:nvGrpSpPr>
+        <p:cNvPr id="1" name=""/>
+        <p:cNvGrpSpPr/>
+        <p:nvPr/>
+      </p:nvGrpSpPr>
+      <p:grpSpPr>
+        <a:xfrm>
+          <a:off x="0" y="0"/>
+          <a:ext cx="0" cy="0"/>
+          <a:chOff x="0" y="0"/>
+          <a:chExt cx="0" cy="0"/>
+        </a:xfrm>
+      </p:grpSpPr>
+      <p:sp>
+        <p:nvSpPr>
+          <p:cNvPr id="19" name="Заголовок 1"/>
+          <p:cNvSpPr txBox="1">
+            <a:spLocks/>
+          </p:cNvSpPr>
+          <p:nvPr/>
+        </p:nvSpPr>
+        <p:spPr>
+          <a:xfrm>
+            <a:off x="0" y="701874"/>
+            <a:ext cx="9144000" cy="1008112"/>
+          </a:xfrm>
+          <a:prstGeom prst="rect">
+            <a:avLst/>
+          </a:prstGeom>
+        </p:spPr>
+        <p:txBody>
+          <a:bodyPr/>
+          <a:lstStyle>
+            <a:lvl1pPr algn="l" rtl="0" fontAlgn="base">
+              <a:spcBef>
+                <a:spcPct val="0"/>
+              </a:spcBef>
+              <a:spcAft>
+                <a:spcPct val="0"/>
+              </a:spcAft>
+              <a:defRPr sz="4400">
+                <a:solidFill>
+                  <a:schemeClr val="tx2"/>
+                </a:solidFill>
+                <a:latin typeface="+mj-lt"/>
+                <a:ea typeface="+mj-ea"/>
+                <a:cs typeface="+mj-cs"/>
+              </a:defRPr>
+            </a:lvl1pPr>
+            <a:lvl2pPr algn="l" rtl="0" fontAlgn="base">
+              <a:spcBef>
+                <a:spcPct val="0"/>
+              </a:spcBef>
+              <a:spcAft>
+                <a:spcPct val="0"/>
+              </a:spcAft>
+              <a:defRPr sz="4400">
+                <a:solidFill>
+                  <a:schemeClr val="tx2"/>
+                </a:solidFill>
+                <a:latin typeface="Times New Roman" pitchFamily="18" charset="0"/>
+              </a:defRPr>
+            </a:lvl2pPr>
+            <a:lvl3pPr algn="l" rtl="0" fontAlgn="base">
+              <a:spcBef>
+                <a:spcPct val="0"/>
+              </a:spcBef>
+              <a:spcAft>
+                <a:spcPct val="0"/>
+              </a:spcAft>
+              <a:defRPr sz="4400">
+                <a:solidFill>
+                  <a:schemeClr val="tx2"/>
+                </a:solidFill>
+                <a:latin typeface="Times New Roman" pitchFamily="18" charset="0"/>
+              </a:defRPr>
+            </a:lvl3pPr>
+            <a:lvl4pPr algn="l" rtl="0" fontAlgn="base">
+              <a:spcBef>
+                <a:spcPct val="0"/>
+              </a:spcBef>
+              <a:spcAft>
+                <a:spcPct val="0"/>
+              </a:spcAft>
+              <a:defRPr sz="4400">
+                <a:solidFill>
+                  <a:schemeClr val="tx2"/>
+                </a:solidFill>
+                <a:latin typeface="Times New Roman" pitchFamily="18" charset="0"/>
+              </a:defRPr>
+            </a:lvl4pPr>
+            <a:lvl5pPr algn="l" rtl="0" fontAlgn="base">
+              <a:spcBef>
+                <a:spcPct val="0"/>
+              </a:spcBef>
+              <a:spcAft>
+                <a:spcPct val="0"/>
+              </a:spcAft>
+              <a:defRPr sz="4400">
+                <a:solidFill>
+                  <a:schemeClr val="tx2"/>
+                </a:solidFill>
+                <a:latin typeface="Times New Roman" pitchFamily="18" charset="0"/>
+              </a:defRPr>
+            </a:lvl5pPr>
+            <a:lvl6pPr marL="457200" algn="l" rtl="0" fontAlgn="base">
+              <a:spcBef>
+                <a:spcPct val="0"/>
+              </a:spcBef>
+              <a:spcAft>
+                <a:spcPct val="0"/>
+              </a:spcAft>
+              <a:defRPr sz="4400">
+                <a:solidFill>
+                  <a:schemeClr val="tx2"/>
+                </a:solidFill>
+                <a:latin typeface="Times New Roman" pitchFamily="18" charset="0"/>
+              </a:defRPr>
+            </a:lvl6pPr>
+            <a:lvl7pPr marL="914400" algn="l" rtl="0" fontAlgn="base">
+              <a:spcBef>
+                <a:spcPct val="0"/>
+              </a:spcBef>
+              <a:spcAft>
+                <a:spcPct val="0"/>
+              </a:spcAft>
+              <a:defRPr sz="4400">
+                <a:solidFill>
+                  <a:schemeClr val="tx2"/>
+                </a:solidFill>
+                <a:latin typeface="Times New Roman" pitchFamily="18" charset="0"/>
+              </a:defRPr>
+            </a:lvl7pPr>
+            <a:lvl8pPr marL="1371600" algn="l" rtl="0" fontAlgn="base">
+              <a:spcBef>
+                <a:spcPct val="0"/>
+              </a:spcBef>
+              <a:spcAft>
+                <a:spcPct val="0"/>
+              </a:spcAft>
+              <a:defRPr sz="4400">
+                <a:solidFill>
+                  <a:schemeClr val="tx2"/>
+                </a:solidFill>
+                <a:latin typeface="Times New Roman" pitchFamily="18" charset="0"/>
+              </a:defRPr>
+            </a:lvl8pPr>
+            <a:lvl9pPr marL="1828800" algn="l" rtl="0" fontAlgn="base">
+              <a:spcBef>
+                <a:spcPct val="0"/>
+              </a:spcBef>
+              <a:spcAft>
+                <a:spcPct val="0"/>
+              </a:spcAft>
+              <a:defRPr sz="4400">
+                <a:solidFill>
+                  <a:schemeClr val="tx2"/>
+                </a:solidFill>
+                <a:latin typeface="Times New Roman" pitchFamily="18" charset="0"/>
+              </a:defRPr>
+            </a:lvl9pPr>
+          </a:lstStyle>
+          <a:p>
+            <a:pPr algn="ctr">
+              <a:buClrTx/>
+              <a:buSzTx/>
+              <a:buFontTx/>
+              <a:buNone/>
+            </a:pPr>
+            <a:r>
+              <a:rPr kumimoji="0" lang="ru-RU" altLang="ru-RU" b="1" kern="0" dirty="0" err="1" smtClean="0"/>
+              <a:t>Туннелирование</a:t>
+            </a:r>
+            <a:endParaRPr kumimoji="0" lang="en-US" altLang="ru-RU" b="1" kern="0" dirty="0" smtClean="0"/>
+          </a:p>
+        </p:txBody>
+      </p:sp>
+      <p:grpSp>
+        <p:nvGrpSpPr>
+          <p:cNvPr id="3" name="Группа 2"/>
+          <p:cNvGrpSpPr/>
+          <p:nvPr/>
+        </p:nvGrpSpPr>
+        <p:grpSpPr>
+          <a:xfrm>
+            <a:off x="683568" y="1988840"/>
+            <a:ext cx="8287550" cy="4432771"/>
+            <a:chOff x="840348" y="3089395"/>
+            <a:chExt cx="7037703" cy="3764264"/>
+          </a:xfrm>
+        </p:grpSpPr>
+        <p:pic>
+          <p:nvPicPr>
+            <p:cNvPr id="4" name="Рисунок 3"/>
+            <p:cNvPicPr>
+              <a:picLocks noChangeAspect="1"/>
+            </p:cNvPicPr>
+            <p:nvPr/>
+          </p:nvPicPr>
+          <p:blipFill rotWithShape="1">
+            <a:blip r:embed="rId2"/>
+            <a:srcRect l="17118" t="30362" r="17280" b="31916"/>
+            <a:stretch/>
+          </p:blipFill>
+          <p:spPr>
+            <a:xfrm>
+              <a:off x="3333138" y="3512107"/>
+              <a:ext cx="2032440" cy="1168655"/>
+            </a:xfrm>
+            <a:prstGeom prst="rect">
+              <a:avLst/>
+            </a:prstGeom>
+          </p:spPr>
+        </p:pic>
+        <p:pic>
+          <p:nvPicPr>
+            <p:cNvPr id="10" name="Рисунок 9"/>
+            <p:cNvPicPr>
+              <a:picLocks noChangeAspect="1"/>
+            </p:cNvPicPr>
+            <p:nvPr/>
+          </p:nvPicPr>
+          <p:blipFill rotWithShape="1">
+            <a:blip r:embed="rId3"/>
+            <a:srcRect l="12201" t="23001" r="12201" b="28400"/>
+            <a:stretch/>
+          </p:blipFill>
+          <p:spPr>
+            <a:xfrm>
+              <a:off x="1067480" y="3638670"/>
+              <a:ext cx="728268" cy="504185"/>
+            </a:xfrm>
+            <a:prstGeom prst="rect">
+              <a:avLst/>
+            </a:prstGeom>
+          </p:spPr>
+        </p:pic>
+        <p:pic>
+          <p:nvPicPr>
+            <p:cNvPr id="11" name="Рисунок 10"/>
+            <p:cNvPicPr>
+              <a:picLocks noChangeAspect="1"/>
+            </p:cNvPicPr>
+            <p:nvPr/>
+          </p:nvPicPr>
+          <p:blipFill rotWithShape="1">
+            <a:blip r:embed="rId4"/>
+            <a:srcRect l="9292" t="23000" r="9294" b="31100"/>
+            <a:stretch/>
+          </p:blipFill>
+          <p:spPr>
+            <a:xfrm>
+              <a:off x="2100294" y="3313699"/>
+              <a:ext cx="625274" cy="379631"/>
+            </a:xfrm>
+            <a:prstGeom prst="rect">
+              <a:avLst/>
+            </a:prstGeom>
+          </p:spPr>
+        </p:pic>
+        <p:pic>
+          <p:nvPicPr>
+            <p:cNvPr id="12" name="Рисунок 11"/>
+            <p:cNvPicPr>
+              <a:picLocks noChangeAspect="1"/>
+            </p:cNvPicPr>
+            <p:nvPr/>
+          </p:nvPicPr>
+          <p:blipFill rotWithShape="1">
+            <a:blip r:embed="rId4"/>
+            <a:srcRect l="9292" t="23000" r="9294" b="31100"/>
+            <a:stretch/>
+          </p:blipFill>
+          <p:spPr>
+            <a:xfrm>
+              <a:off x="1771589" y="4237901"/>
+              <a:ext cx="625274" cy="379631"/>
+            </a:xfrm>
+            <a:prstGeom prst="rect">
+              <a:avLst/>
+            </a:prstGeom>
+          </p:spPr>
+        </p:pic>
+        <p:sp>
+          <p:nvSpPr>
+            <p:cNvPr id="13" name="Овал 12"/>
+            <p:cNvSpPr/>
+            <p:nvPr/>
+          </p:nvSpPr>
+          <p:spPr bwMode="auto">
+            <a:xfrm>
+              <a:off x="2725568" y="5030961"/>
+              <a:ext cx="2284098" cy="1822698"/>
+            </a:xfrm>
+            <a:prstGeom prst="ellipse">
+              <a:avLst/>
+            </a:prstGeom>
+            <a:noFill/>
+            <a:ln w="9525" cap="flat" cmpd="sng" algn="ctr">
+              <a:solidFill>
+                <a:srgbClr val="7030A0"/>
+              </a:solidFill>
+              <a:prstDash val="solid"/>
+              <a:round/>
+              <a:headEnd type="none" w="med" len="med"/>
+              <a:tailEnd type="none" w="med" len="med"/>
+            </a:ln>
+            <a:effectLst/>
+            <a:extLst>
+              <a:ext uri="{909E8E84-426E-40DD-AFC4-6F175D3DCCD1}">
+                <a14:hiddenFill xmlns:a14="http://schemas.microsoft.com/office/drawing/2010/main">
+                  <a:solidFill>
+                    <a:schemeClr val="accent1"/>
+                  </a:solidFill>
+                </a14:hiddenFill>
+              </a:ext>
+              <a:ext uri="{AF507438-7753-43E0-B8FC-AC1667EBCBE1}">
+                <a14:hiddenEffects xmlns:a14="http://schemas.microsoft.com/office/drawing/2010/main">
+                  <a:effectLst>
+                    <a:outerShdw dist="35921" dir="2700000" algn="ctr" rotWithShape="0">
+                      <a:schemeClr val="bg2"/>
+                    </a:outerShdw>
+                  </a:effectLst>
+                </a14:hiddenEffects>
+              </a:ext>
+            </a:extLst>
+          </p:spPr>
+          <p:txBody>
+            <a:bodyPr vert="horz" wrap="square" lIns="91440" tIns="45720" rIns="91440" bIns="0" numCol="1" rtlCol="0" anchor="t" anchorCtr="0" compatLnSpc="1">
+              <a:prstTxWarp prst="textNoShape">
+                <a:avLst/>
+              </a:prstTxWarp>
+            </a:bodyPr>
+            <a:lstStyle/>
+            <a:p>
+              <a:pPr marL="457200" marR="0" indent="-457200" algn="l" defTabSz="914400" rtl="0" eaLnBrk="1" fontAlgn="base" latinLnBrk="0" hangingPunct="1">
+                <a:lnSpc>
+                  <a:spcPct val="100000"/>
+                </a:lnSpc>
+                <a:spcBef>
+                  <a:spcPct val="20000"/>
+                </a:spcBef>
+                <a:spcAft>
+                  <a:spcPct val="0"/>
+                </a:spcAft>
+                <a:buClr>
+                  <a:srgbClr val="A50021"/>
+                </a:buClr>
+                <a:buSzPct val="75000"/>
+                <a:buFont typeface="Wingdings" pitchFamily="2" charset="2"/>
+                <a:buChar char="n"/>
+                <a:tabLst/>
+              </a:pPr>
+              <a:endParaRPr kumimoji="1" lang="ru-RU" sz="2000" b="0" i="0" u="none" strike="noStrike" cap="none" normalizeH="0" baseline="0" smtClean="0">
+                <a:ln>
+                  <a:noFill/>
+                </a:ln>
+                <a:solidFill>
+                  <a:schemeClr val="tx1"/>
+                </a:solidFill>
+                <a:effectLst/>
+                <a:latin typeface="Times New Roman" pitchFamily="18" charset="0"/>
+                <a:cs typeface="Times New Roman" pitchFamily="18" charset="0"/>
+              </a:endParaRPr>
+            </a:p>
+          </p:txBody>
+        </p:sp>
+        <p:sp>
+          <p:nvSpPr>
+            <p:cNvPr id="14" name="Овал 13"/>
+            <p:cNvSpPr/>
+            <p:nvPr/>
+          </p:nvSpPr>
+          <p:spPr bwMode="auto">
+            <a:xfrm>
+              <a:off x="5593953" y="3089395"/>
+              <a:ext cx="2284098" cy="1822698"/>
+            </a:xfrm>
+            <a:prstGeom prst="ellipse">
+              <a:avLst/>
+            </a:prstGeom>
+            <a:noFill/>
+            <a:ln w="9525" cap="flat" cmpd="sng" algn="ctr">
+              <a:solidFill>
+                <a:srgbClr val="7030A0"/>
+              </a:solidFill>
+              <a:prstDash val="solid"/>
+              <a:round/>
+              <a:headEnd type="none" w="med" len="med"/>
+              <a:tailEnd type="none" w="med" len="med"/>
+            </a:ln>
+            <a:effectLst/>
+            <a:extLst>
+              <a:ext uri="{909E8E84-426E-40DD-AFC4-6F175D3DCCD1}">
+                <a14:hiddenFill xmlns:a14="http://schemas.microsoft.com/office/drawing/2010/main">
+                  <a:solidFill>
+                    <a:schemeClr val="accent1"/>
+                  </a:solidFill>
+                </a14:hiddenFill>
+              </a:ext>
+              <a:ext uri="{AF507438-7753-43E0-B8FC-AC1667EBCBE1}">
+                <a14:hiddenEffects xmlns:a14="http://schemas.microsoft.com/office/drawing/2010/main">
+                  <a:effectLst>
+                    <a:outerShdw dist="35921" dir="2700000" algn="ctr" rotWithShape="0">
+                      <a:schemeClr val="bg2"/>
+                    </a:outerShdw>
+                  </a:effectLst>
+                </a14:hiddenEffects>
+              </a:ext>
+            </a:extLst>
+          </p:spPr>
+          <p:txBody>
+            <a:bodyPr vert="horz" wrap="square" lIns="91440" tIns="45720" rIns="91440" bIns="0" numCol="1" rtlCol="0" anchor="t" anchorCtr="0" compatLnSpc="1">
+              <a:prstTxWarp prst="textNoShape">
+                <a:avLst/>
+              </a:prstTxWarp>
+            </a:bodyPr>
+            <a:lstStyle/>
+            <a:p>
+              <a:pPr marL="457200" marR="0" indent="-457200" algn="l" defTabSz="914400" rtl="0" eaLnBrk="1" fontAlgn="base" latinLnBrk="0" hangingPunct="1">
+                <a:lnSpc>
+                  <a:spcPct val="100000"/>
+                </a:lnSpc>
+                <a:spcBef>
+                  <a:spcPct val="20000"/>
+                </a:spcBef>
+                <a:spcAft>
+                  <a:spcPct val="0"/>
+                </a:spcAft>
+                <a:buClr>
+                  <a:srgbClr val="A50021"/>
+                </a:buClr>
+                <a:buSzPct val="75000"/>
+                <a:buFont typeface="Wingdings" pitchFamily="2" charset="2"/>
+                <a:buChar char="n"/>
+                <a:tabLst/>
+              </a:pPr>
+              <a:endParaRPr kumimoji="1" lang="ru-RU" sz="2000" b="0" i="0" u="none" strike="noStrike" cap="none" normalizeH="0" baseline="0" smtClean="0">
+                <a:ln>
+                  <a:noFill/>
+                </a:ln>
+                <a:solidFill>
+                  <a:schemeClr val="tx1"/>
+                </a:solidFill>
+                <a:effectLst/>
+                <a:latin typeface="Times New Roman" pitchFamily="18" charset="0"/>
+                <a:cs typeface="Times New Roman" pitchFamily="18" charset="0"/>
+              </a:endParaRPr>
+            </a:p>
+          </p:txBody>
+        </p:sp>
+        <p:pic>
+          <p:nvPicPr>
+            <p:cNvPr id="15" name="Рисунок 14"/>
+            <p:cNvPicPr>
+              <a:picLocks noChangeAspect="1"/>
+            </p:cNvPicPr>
+            <p:nvPr/>
+          </p:nvPicPr>
+          <p:blipFill rotWithShape="1">
+            <a:blip r:embed="rId4"/>
+            <a:srcRect l="9292" t="23000" r="9294" b="31100"/>
+            <a:stretch/>
+          </p:blipFill>
+          <p:spPr>
+            <a:xfrm>
+              <a:off x="2982164" y="5400988"/>
+              <a:ext cx="625274" cy="379631"/>
+            </a:xfrm>
+            <a:prstGeom prst="rect">
+              <a:avLst/>
+            </a:prstGeom>
+          </p:spPr>
+        </p:pic>
+        <p:pic>
+          <p:nvPicPr>
+            <p:cNvPr id="16" name="Рисунок 15"/>
+            <p:cNvPicPr>
+              <a:picLocks noChangeAspect="1"/>
+            </p:cNvPicPr>
+            <p:nvPr/>
+          </p:nvPicPr>
+          <p:blipFill rotWithShape="1">
+            <a:blip r:embed="rId3"/>
+            <a:srcRect l="12201" t="23001" r="12201" b="28400"/>
+            <a:stretch/>
+          </p:blipFill>
+          <p:spPr>
+            <a:xfrm>
+              <a:off x="3743530" y="5270511"/>
+              <a:ext cx="728268" cy="504185"/>
+            </a:xfrm>
+            <a:prstGeom prst="rect">
+              <a:avLst/>
+            </a:prstGeom>
+          </p:spPr>
+        </p:pic>
+        <p:pic>
+          <p:nvPicPr>
+            <p:cNvPr id="17" name="Рисунок 16"/>
+            <p:cNvPicPr>
+              <a:picLocks noChangeAspect="1"/>
+            </p:cNvPicPr>
+            <p:nvPr/>
+          </p:nvPicPr>
+          <p:blipFill rotWithShape="1">
+            <a:blip r:embed="rId3"/>
+            <a:srcRect l="12201" t="23001" r="12201" b="28400"/>
+            <a:stretch/>
+          </p:blipFill>
+          <p:spPr>
+            <a:xfrm>
+              <a:off x="3136344" y="6021113"/>
+              <a:ext cx="728268" cy="504185"/>
+            </a:xfrm>
+            <a:prstGeom prst="rect">
+              <a:avLst/>
+            </a:prstGeom>
+          </p:spPr>
+        </p:pic>
+        <p:pic>
+          <p:nvPicPr>
+            <p:cNvPr id="18" name="Рисунок 17"/>
+            <p:cNvPicPr>
+              <a:picLocks noChangeAspect="1"/>
+            </p:cNvPicPr>
+            <p:nvPr/>
+          </p:nvPicPr>
+          <p:blipFill rotWithShape="1">
+            <a:blip r:embed="rId4"/>
+            <a:srcRect l="9292" t="23000" r="9294" b="31100"/>
+            <a:stretch/>
+          </p:blipFill>
+          <p:spPr>
+            <a:xfrm>
+              <a:off x="4138595" y="5983755"/>
+              <a:ext cx="625274" cy="379631"/>
+            </a:xfrm>
+            <a:prstGeom prst="rect">
+              <a:avLst/>
+            </a:prstGeom>
+          </p:spPr>
+        </p:pic>
+        <p:pic>
+          <p:nvPicPr>
+            <p:cNvPr id="20" name="Рисунок 19"/>
+            <p:cNvPicPr>
+              <a:picLocks noChangeAspect="1"/>
+            </p:cNvPicPr>
+            <p:nvPr/>
+          </p:nvPicPr>
+          <p:blipFill rotWithShape="1">
+            <a:blip r:embed="rId4"/>
+            <a:srcRect l="9292" t="23000" r="9294" b="31100"/>
+            <a:stretch/>
+          </p:blipFill>
+          <p:spPr>
+            <a:xfrm>
+              <a:off x="5847742" y="3658497"/>
+              <a:ext cx="625274" cy="379631"/>
+            </a:xfrm>
+            <a:prstGeom prst="rect">
+              <a:avLst/>
+            </a:prstGeom>
+          </p:spPr>
+        </p:pic>
+        <p:pic>
+          <p:nvPicPr>
+            <p:cNvPr id="21" name="Рисунок 20"/>
+            <p:cNvPicPr>
+              <a:picLocks noChangeAspect="1"/>
+            </p:cNvPicPr>
+            <p:nvPr/>
+          </p:nvPicPr>
+          <p:blipFill rotWithShape="1">
+            <a:blip r:embed="rId4"/>
+            <a:srcRect l="9292" t="23000" r="9294" b="31100"/>
+            <a:stretch/>
+          </p:blipFill>
+          <p:spPr>
+            <a:xfrm>
+              <a:off x="6659866" y="3224197"/>
+              <a:ext cx="625274" cy="379631"/>
+            </a:xfrm>
+            <a:prstGeom prst="rect">
+              <a:avLst/>
+            </a:prstGeom>
+          </p:spPr>
+        </p:pic>
+        <p:pic>
+          <p:nvPicPr>
+            <p:cNvPr id="22" name="Рисунок 21"/>
+            <p:cNvPicPr>
+              <a:picLocks noChangeAspect="1"/>
+            </p:cNvPicPr>
+            <p:nvPr/>
+          </p:nvPicPr>
+          <p:blipFill rotWithShape="1">
+            <a:blip r:embed="rId4"/>
+            <a:srcRect l="9292" t="23000" r="9294" b="31100"/>
+            <a:stretch/>
+          </p:blipFill>
+          <p:spPr>
+            <a:xfrm>
+              <a:off x="7065927" y="3710178"/>
+              <a:ext cx="625274" cy="379631"/>
+            </a:xfrm>
+            <a:prstGeom prst="rect">
+              <a:avLst/>
+            </a:prstGeom>
+          </p:spPr>
+        </p:pic>
+        <p:pic>
+          <p:nvPicPr>
+            <p:cNvPr id="23" name="Рисунок 22"/>
+            <p:cNvPicPr>
+              <a:picLocks noChangeAspect="1"/>
+            </p:cNvPicPr>
+            <p:nvPr/>
+          </p:nvPicPr>
+          <p:blipFill rotWithShape="1">
+            <a:blip r:embed="rId3"/>
+            <a:srcRect l="12201" t="23001" r="12201" b="28400"/>
+            <a:stretch/>
+          </p:blipFill>
+          <p:spPr>
+            <a:xfrm>
+              <a:off x="6371868" y="4195267"/>
+              <a:ext cx="728268" cy="504185"/>
+            </a:xfrm>
+            <a:prstGeom prst="rect">
+              <a:avLst/>
+            </a:prstGeom>
+          </p:spPr>
+        </p:pic>
+        <p:sp>
+          <p:nvSpPr>
+            <p:cNvPr id="24" name="Овал 23"/>
+            <p:cNvSpPr/>
+            <p:nvPr/>
+          </p:nvSpPr>
+          <p:spPr bwMode="auto">
+            <a:xfrm>
+              <a:off x="840348" y="3089395"/>
+              <a:ext cx="2284098" cy="1822698"/>
+            </a:xfrm>
+            <a:prstGeom prst="ellipse">
+              <a:avLst/>
+            </a:prstGeom>
+            <a:noFill/>
+            <a:ln w="9525" cap="flat" cmpd="sng" algn="ctr">
+              <a:solidFill>
+                <a:srgbClr val="7030A0"/>
+              </a:solidFill>
+              <a:prstDash val="solid"/>
+              <a:round/>
+              <a:headEnd type="none" w="med" len="med"/>
+              <a:tailEnd type="none" w="med" len="med"/>
+            </a:ln>
+            <a:effectLst/>
+            <a:extLst>
+              <a:ext uri="{909E8E84-426E-40DD-AFC4-6F175D3DCCD1}">
+                <a14:hiddenFill xmlns:a14="http://schemas.microsoft.com/office/drawing/2010/main">
+                  <a:solidFill>
+                    <a:schemeClr val="accent1"/>
+                  </a:solidFill>
+                </a14:hiddenFill>
+              </a:ext>
+              <a:ext uri="{AF507438-7753-43E0-B8FC-AC1667EBCBE1}">
+                <a14:hiddenEffects xmlns:a14="http://schemas.microsoft.com/office/drawing/2010/main">
+                  <a:effectLst>
+                    <a:outerShdw dist="35921" dir="2700000" algn="ctr" rotWithShape="0">
+                      <a:schemeClr val="bg2"/>
+                    </a:outerShdw>
+                  </a:effectLst>
+                </a14:hiddenEffects>
+              </a:ext>
+            </a:extLst>
+          </p:spPr>
+          <p:txBody>
+            <a:bodyPr vert="horz" wrap="square" lIns="91440" tIns="45720" rIns="91440" bIns="0" numCol="1" rtlCol="0" anchor="t" anchorCtr="0" compatLnSpc="1">
+              <a:prstTxWarp prst="textNoShape">
+                <a:avLst/>
+              </a:prstTxWarp>
+            </a:bodyPr>
+            <a:lstStyle/>
+            <a:p>
+              <a:pPr marL="457200" marR="0" indent="-457200" algn="l" defTabSz="914400" rtl="0" eaLnBrk="1" fontAlgn="base" latinLnBrk="0" hangingPunct="1">
+                <a:lnSpc>
+                  <a:spcPct val="100000"/>
+                </a:lnSpc>
+                <a:spcBef>
+                  <a:spcPct val="20000"/>
+                </a:spcBef>
+                <a:spcAft>
+                  <a:spcPct val="0"/>
+                </a:spcAft>
+                <a:buClr>
+                  <a:srgbClr val="A50021"/>
+                </a:buClr>
+                <a:buSzPct val="75000"/>
+                <a:buFont typeface="Wingdings" pitchFamily="2" charset="2"/>
+                <a:buChar char="n"/>
+                <a:tabLst/>
+              </a:pPr>
+              <a:endParaRPr kumimoji="1" lang="ru-RU" sz="2000" b="0" i="0" u="none" strike="noStrike" cap="none" normalizeH="0" baseline="0" smtClean="0">
+                <a:ln>
+                  <a:noFill/>
+                </a:ln>
+                <a:solidFill>
+                  <a:schemeClr val="tx1"/>
+                </a:solidFill>
+                <a:effectLst/>
+                <a:latin typeface="Times New Roman" pitchFamily="18" charset="0"/>
+                <a:cs typeface="Times New Roman" pitchFamily="18" charset="0"/>
+              </a:endParaRPr>
+            </a:p>
+          </p:txBody>
+        </p:sp>
+        <p:pic>
+          <p:nvPicPr>
+            <p:cNvPr id="25" name="Picture 12" descr="Router | Cisco Network Topology Icons 3015"/>
+            <p:cNvPicPr>
+              <a:picLocks noChangeAspect="1" noChangeArrowheads="1"/>
+            </p:cNvPicPr>
+            <p:nvPr/>
+          </p:nvPicPr>
+          <p:blipFill>
+            <a:blip r:embed="rId5" cstate="print">
+              <a:extLst>
+                <a:ext uri="{28A0092B-C50C-407E-A947-70E740481C1C}">
+                  <a14:useLocalDpi xmlns:a14="http://schemas.microsoft.com/office/drawing/2010/main" val="0"/>
+                </a:ext>
+              </a:extLst>
+            </a:blip>
+            <a:srcRect/>
+            <a:stretch>
+              <a:fillRect/>
+            </a:stretch>
+          </p:blipFill>
+          <p:spPr bwMode="auto">
+            <a:xfrm>
+              <a:off x="3607438" y="4740196"/>
+              <a:ext cx="575208" cy="575208"/>
+            </a:xfrm>
+            <a:prstGeom prst="rect">
+              <a:avLst/>
+            </a:prstGeom>
+            <a:noFill/>
+            <a:extLst>
+              <a:ext uri="{909E8E84-426E-40DD-AFC4-6F175D3DCCD1}">
+                <a14:hiddenFill xmlns:a14="http://schemas.microsoft.com/office/drawing/2010/main">
+                  <a:solidFill>
+                    <a:srgbClr val="FFFFFF"/>
+                  </a:solidFill>
+                </a14:hiddenFill>
+              </a:ext>
+            </a:extLst>
+          </p:spPr>
+        </p:pic>
+        <p:pic>
+          <p:nvPicPr>
+            <p:cNvPr id="26" name="Picture 12" descr="Router | Cisco Network Topology Icons 3015"/>
+            <p:cNvPicPr>
+              <a:picLocks noChangeAspect="1" noChangeArrowheads="1"/>
+            </p:cNvPicPr>
+            <p:nvPr/>
+          </p:nvPicPr>
+          <p:blipFill rotWithShape="1">
+            <a:blip r:embed="rId5" cstate="print">
+              <a:extLst>
+                <a:ext uri="{28A0092B-C50C-407E-A947-70E740481C1C}">
+                  <a14:useLocalDpi xmlns:a14="http://schemas.microsoft.com/office/drawing/2010/main" val="0"/>
+                </a:ext>
+              </a:extLst>
+            </a:blip>
+            <a:srcRect t="14612" b="14794"/>
+            <a:stretch/>
+          </p:blipFill>
+          <p:spPr bwMode="auto">
+            <a:xfrm>
+              <a:off x="2821414" y="3730325"/>
+              <a:ext cx="575208" cy="406062"/>
+            </a:xfrm>
+            <a:prstGeom prst="rect">
+              <a:avLst/>
+            </a:prstGeom>
+            <a:noFill/>
+            <a:extLst>
+              <a:ext uri="{909E8E84-426E-40DD-AFC4-6F175D3DCCD1}">
+                <a14:hiddenFill xmlns:a14="http://schemas.microsoft.com/office/drawing/2010/main">
+                  <a:solidFill>
+                    <a:srgbClr val="FFFFFF"/>
+                  </a:solidFill>
+                </a14:hiddenFill>
+              </a:ext>
+            </a:extLst>
+          </p:spPr>
+        </p:pic>
+        <p:pic>
+          <p:nvPicPr>
+            <p:cNvPr id="27" name="Picture 12" descr="Router | Cisco Network Topology Icons 3015"/>
+            <p:cNvPicPr>
+              <a:picLocks noChangeAspect="1" noChangeArrowheads="1"/>
+            </p:cNvPicPr>
+            <p:nvPr/>
+          </p:nvPicPr>
+          <p:blipFill rotWithShape="1">
+            <a:blip r:embed="rId5" cstate="print">
+              <a:extLst>
+                <a:ext uri="{28A0092B-C50C-407E-A947-70E740481C1C}">
+                  <a14:useLocalDpi xmlns:a14="http://schemas.microsoft.com/office/drawing/2010/main" val="0"/>
+                </a:ext>
+              </a:extLst>
+            </a:blip>
+            <a:srcRect t="13141" b="16265"/>
+            <a:stretch/>
+          </p:blipFill>
+          <p:spPr bwMode="auto">
+            <a:xfrm>
+              <a:off x="5246124" y="3663537"/>
+              <a:ext cx="575208" cy="406062"/>
+            </a:xfrm>
+            <a:prstGeom prst="rect">
+              <a:avLst/>
+            </a:prstGeom>
+            <a:noFill/>
+            <a:extLst>
+              <a:ext uri="{909E8E84-426E-40DD-AFC4-6F175D3DCCD1}">
+                <a14:hiddenFill xmlns:a14="http://schemas.microsoft.com/office/drawing/2010/main">
+                  <a:solidFill>
+                    <a:srgbClr val="FFFFFF"/>
+                  </a:solidFill>
+                </a14:hiddenFill>
+              </a:ext>
+            </a:extLst>
+          </p:spPr>
+        </p:pic>
+      </p:grpSp>
+      <p:sp>
+        <p:nvSpPr>
+          <p:cNvPr id="7" name="Стрелка вправо 6"/>
+          <p:cNvSpPr/>
+          <p:nvPr/>
+        </p:nvSpPr>
+        <p:spPr bwMode="auto">
+          <a:xfrm rot="1594425">
+            <a:off x="3688811" y="3060002"/>
+            <a:ext cx="248255" cy="238123"/>
+          </a:xfrm>
+          <a:prstGeom prst="rightArrow">
+            <a:avLst/>
+          </a:prstGeom>
+          <a:solidFill>
+            <a:srgbClr val="7030A0"/>
+          </a:solidFill>
+          <a:ln w="9525" cap="flat" cmpd="sng" algn="ctr">
+            <a:solidFill>
+              <a:schemeClr val="tx1"/>
+            </a:solidFill>
+            <a:prstDash val="solid"/>
+            <a:round/>
+            <a:headEnd type="none" w="med" len="med"/>
+            <a:tailEnd type="none" w="med" len="med"/>
+          </a:ln>
+          <a:effectLst/>
+          <a:extLst/>
+        </p:spPr>
+        <p:txBody>
+          <a:bodyPr vert="horz" wrap="square" lIns="91440" tIns="45720" rIns="91440" bIns="0" numCol="1" rtlCol="0" anchor="t" anchorCtr="0" compatLnSpc="1">
+            <a:prstTxWarp prst="textNoShape">
+              <a:avLst/>
+            </a:prstTxWarp>
+          </a:bodyPr>
+          <a:lstStyle/>
+          <a:p>
+            <a:pPr marL="457200" marR="0" indent="-457200" algn="l" defTabSz="914400" rtl="0" eaLnBrk="1" fontAlgn="base" latinLnBrk="0" hangingPunct="1">
+              <a:lnSpc>
+                <a:spcPct val="100000"/>
+              </a:lnSpc>
+              <a:spcBef>
+                <a:spcPct val="20000"/>
+              </a:spcBef>
+              <a:spcAft>
+                <a:spcPct val="0"/>
+              </a:spcAft>
+              <a:buClr>
+                <a:srgbClr val="A50021"/>
+              </a:buClr>
+              <a:buSzPct val="75000"/>
+              <a:buFont typeface="Wingdings" pitchFamily="2" charset="2"/>
+              <a:buChar char="n"/>
+              <a:tabLst/>
+            </a:pPr>
+            <a:endParaRPr kumimoji="1" lang="ru-RU" sz="2000" b="0" i="0" u="none" strike="noStrike" cap="none" normalizeH="0" baseline="0" smtClean="0">
+              <a:ln>
+                <a:noFill/>
+              </a:ln>
+              <a:solidFill>
+                <a:schemeClr val="tx1"/>
+              </a:solidFill>
+              <a:effectLst/>
+              <a:latin typeface="Times New Roman" pitchFamily="18" charset="0"/>
+              <a:cs typeface="Times New Roman" pitchFamily="18" charset="0"/>
+            </a:endParaRPr>
+          </a:p>
+        </p:txBody>
+      </p:sp>
+      <p:sp>
+        <p:nvSpPr>
+          <p:cNvPr id="28" name="Стрелка вправо 27"/>
+          <p:cNvSpPr/>
+          <p:nvPr/>
+        </p:nvSpPr>
+        <p:spPr bwMode="auto">
+          <a:xfrm rot="9053709">
+            <a:off x="5635566" y="3037979"/>
+            <a:ext cx="248255" cy="238123"/>
+          </a:xfrm>
+          <a:prstGeom prst="rightArrow">
+            <a:avLst/>
+          </a:prstGeom>
+          <a:solidFill>
+            <a:srgbClr val="7030A0"/>
+          </a:solidFill>
+          <a:ln w="9525" cap="flat" cmpd="sng" algn="ctr">
+            <a:solidFill>
+              <a:schemeClr val="tx1"/>
+            </a:solidFill>
+            <a:prstDash val="solid"/>
+            <a:round/>
+            <a:headEnd type="none" w="med" len="med"/>
+            <a:tailEnd type="none" w="med" len="med"/>
+          </a:ln>
+          <a:effectLst/>
+          <a:extLst/>
+        </p:spPr>
+        <p:txBody>
+          <a:bodyPr vert="horz" wrap="square" lIns="91440" tIns="45720" rIns="91440" bIns="0" numCol="1" rtlCol="0" anchor="t" anchorCtr="0" compatLnSpc="1">
+            <a:prstTxWarp prst="textNoShape">
+              <a:avLst/>
+            </a:prstTxWarp>
+          </a:bodyPr>
+          <a:lstStyle/>
+          <a:p>
+            <a:pPr marL="457200" marR="0" indent="-457200" algn="l" defTabSz="914400" rtl="0" eaLnBrk="1" fontAlgn="base" latinLnBrk="0" hangingPunct="1">
+              <a:lnSpc>
+                <a:spcPct val="100000"/>
+              </a:lnSpc>
+              <a:spcBef>
+                <a:spcPct val="20000"/>
+              </a:spcBef>
+              <a:spcAft>
+                <a:spcPct val="0"/>
+              </a:spcAft>
+              <a:buClr>
+                <a:srgbClr val="A50021"/>
+              </a:buClr>
+              <a:buSzPct val="75000"/>
+              <a:buFont typeface="Wingdings" pitchFamily="2" charset="2"/>
+              <a:buChar char="n"/>
+              <a:tabLst/>
+            </a:pPr>
+            <a:endParaRPr kumimoji="1" lang="ru-RU" sz="2000" b="0" i="0" u="none" strike="noStrike" cap="none" normalizeH="0" baseline="0" smtClean="0">
+              <a:ln>
+                <a:noFill/>
+              </a:ln>
+              <a:solidFill>
+                <a:schemeClr val="tx1"/>
+              </a:solidFill>
+              <a:effectLst/>
+              <a:latin typeface="Times New Roman" pitchFamily="18" charset="0"/>
+              <a:cs typeface="Times New Roman" pitchFamily="18" charset="0"/>
+            </a:endParaRPr>
+          </a:p>
+        </p:txBody>
+      </p:sp>
+      <p:sp>
+        <p:nvSpPr>
+          <p:cNvPr id="29" name="Стрелка вправо 28"/>
+          <p:cNvSpPr/>
+          <p:nvPr/>
+        </p:nvSpPr>
+        <p:spPr bwMode="auto">
+          <a:xfrm rot="17016694">
+            <a:off x="4266291" y="3763688"/>
+            <a:ext cx="248255" cy="238123"/>
+          </a:xfrm>
+          <a:prstGeom prst="rightArrow">
+            <a:avLst/>
+          </a:prstGeom>
+          <a:solidFill>
+            <a:srgbClr val="7030A0"/>
+          </a:solidFill>
+          <a:ln w="9525" cap="flat" cmpd="sng" algn="ctr">
+            <a:solidFill>
+              <a:schemeClr val="tx1"/>
+            </a:solidFill>
+            <a:prstDash val="solid"/>
+            <a:round/>
+            <a:headEnd type="none" w="med" len="med"/>
+            <a:tailEnd type="none" w="med" len="med"/>
+          </a:ln>
+          <a:effectLst/>
+          <a:extLst/>
+        </p:spPr>
+        <p:txBody>
+          <a:bodyPr vert="horz" wrap="square" lIns="91440" tIns="45720" rIns="91440" bIns="0" numCol="1" rtlCol="0" anchor="t" anchorCtr="0" compatLnSpc="1">
+            <a:prstTxWarp prst="textNoShape">
+              <a:avLst/>
+            </a:prstTxWarp>
+          </a:bodyPr>
+          <a:lstStyle/>
+          <a:p>
+            <a:pPr marL="457200" marR="0" indent="-457200" algn="l" defTabSz="914400" rtl="0" eaLnBrk="1" fontAlgn="base" latinLnBrk="0" hangingPunct="1">
+              <a:lnSpc>
+                <a:spcPct val="100000"/>
+              </a:lnSpc>
+              <a:spcBef>
+                <a:spcPct val="20000"/>
+              </a:spcBef>
+              <a:spcAft>
+                <a:spcPct val="0"/>
+              </a:spcAft>
+              <a:buClr>
+                <a:srgbClr val="A50021"/>
+              </a:buClr>
+              <a:buSzPct val="75000"/>
+              <a:buFont typeface="Wingdings" pitchFamily="2" charset="2"/>
+              <a:buChar char="n"/>
+              <a:tabLst/>
+            </a:pPr>
+            <a:endParaRPr kumimoji="1" lang="ru-RU" sz="2000" b="0" i="0" u="none" strike="noStrike" cap="none" normalizeH="0" baseline="0" smtClean="0">
+              <a:ln>
+                <a:noFill/>
+              </a:ln>
+              <a:solidFill>
+                <a:schemeClr val="tx1"/>
+              </a:solidFill>
+              <a:effectLst/>
+              <a:latin typeface="Times New Roman" pitchFamily="18" charset="0"/>
+              <a:cs typeface="Times New Roman" pitchFamily="18" charset="0"/>
+            </a:endParaRPr>
+          </a:p>
+        </p:txBody>
+      </p:sp>
+      <p:sp>
+        <p:nvSpPr>
+          <p:cNvPr id="8" name="Полилиния 7"/>
+          <p:cNvSpPr/>
+          <p:nvPr/>
+        </p:nvSpPr>
+        <p:spPr bwMode="auto">
+          <a:xfrm>
+            <a:off x="3907765" y="3226281"/>
+            <a:ext cx="470969" cy="526212"/>
+          </a:xfrm>
+          <a:custGeom>
+            <a:avLst/>
+            <a:gdLst>
+              <a:gd name="connsiteX0" fmla="*/ 0 w 452422"/>
+              <a:gd name="connsiteY0" fmla="*/ 5800 h 532011"/>
+              <a:gd name="connsiteX1" fmla="*/ 396815 w 452422"/>
+              <a:gd name="connsiteY1" fmla="*/ 74811 h 532011"/>
+              <a:gd name="connsiteX2" fmla="*/ 439947 w 452422"/>
+              <a:gd name="connsiteY2" fmla="*/ 532011 h 532011"/>
+              <a:gd name="connsiteX0" fmla="*/ 0 w 443297"/>
+              <a:gd name="connsiteY0" fmla="*/ 644 h 526855"/>
+              <a:gd name="connsiteX1" fmla="*/ 345057 w 443297"/>
+              <a:gd name="connsiteY1" fmla="*/ 173172 h 526855"/>
+              <a:gd name="connsiteX2" fmla="*/ 439947 w 443297"/>
+              <a:gd name="connsiteY2" fmla="*/ 526855 h 526855"/>
+              <a:gd name="connsiteX0" fmla="*/ 0 w 445495"/>
+              <a:gd name="connsiteY0" fmla="*/ 1438 h 527649"/>
+              <a:gd name="connsiteX1" fmla="*/ 345057 w 445495"/>
+              <a:gd name="connsiteY1" fmla="*/ 173966 h 527649"/>
+              <a:gd name="connsiteX2" fmla="*/ 439947 w 445495"/>
+              <a:gd name="connsiteY2" fmla="*/ 527649 h 527649"/>
+              <a:gd name="connsiteX0" fmla="*/ 0 w 445495"/>
+              <a:gd name="connsiteY0" fmla="*/ 769 h 526980"/>
+              <a:gd name="connsiteX1" fmla="*/ 345057 w 445495"/>
+              <a:gd name="connsiteY1" fmla="*/ 173297 h 526980"/>
+              <a:gd name="connsiteX2" fmla="*/ 439947 w 445495"/>
+              <a:gd name="connsiteY2" fmla="*/ 526980 h 526980"/>
+              <a:gd name="connsiteX0" fmla="*/ 0 w 539328"/>
+              <a:gd name="connsiteY0" fmla="*/ 692 h 518277"/>
+              <a:gd name="connsiteX1" fmla="*/ 439947 w 539328"/>
+              <a:gd name="connsiteY1" fmla="*/ 164594 h 518277"/>
+              <a:gd name="connsiteX2" fmla="*/ 534837 w 539328"/>
+              <a:gd name="connsiteY2" fmla="*/ 518277 h 518277"/>
+              <a:gd name="connsiteX0" fmla="*/ 0 w 539328"/>
+              <a:gd name="connsiteY0" fmla="*/ 0 h 517585"/>
+              <a:gd name="connsiteX1" fmla="*/ 439947 w 539328"/>
+              <a:gd name="connsiteY1" fmla="*/ 163902 h 517585"/>
+              <a:gd name="connsiteX2" fmla="*/ 534837 w 539328"/>
+              <a:gd name="connsiteY2" fmla="*/ 517585 h 517585"/>
+              <a:gd name="connsiteX0" fmla="*/ 0 w 536656"/>
+              <a:gd name="connsiteY0" fmla="*/ 0 h 517585"/>
+              <a:gd name="connsiteX1" fmla="*/ 379562 w 536656"/>
+              <a:gd name="connsiteY1" fmla="*/ 189782 h 517585"/>
+              <a:gd name="connsiteX2" fmla="*/ 534837 w 536656"/>
+              <a:gd name="connsiteY2" fmla="*/ 517585 h 517585"/>
+              <a:gd name="connsiteX0" fmla="*/ 0 w 534837"/>
+              <a:gd name="connsiteY0" fmla="*/ 0 h 517585"/>
+              <a:gd name="connsiteX1" fmla="*/ 534837 w 534837"/>
+              <a:gd name="connsiteY1" fmla="*/ 517585 h 517585"/>
+              <a:gd name="connsiteX0" fmla="*/ 0 w 534837"/>
+              <a:gd name="connsiteY0" fmla="*/ 0 h 517585"/>
+              <a:gd name="connsiteX1" fmla="*/ 534837 w 534837"/>
+              <a:gd name="connsiteY1" fmla="*/ 517585 h 517585"/>
+              <a:gd name="connsiteX0" fmla="*/ 0 w 534837"/>
+              <a:gd name="connsiteY0" fmla="*/ 0 h 517585"/>
+              <a:gd name="connsiteX1" fmla="*/ 534837 w 534837"/>
+              <a:gd name="connsiteY1" fmla="*/ 517585 h 517585"/>
+              <a:gd name="connsiteX0" fmla="*/ 0 w 465826"/>
+              <a:gd name="connsiteY0" fmla="*/ 0 h 526212"/>
+              <a:gd name="connsiteX1" fmla="*/ 465826 w 465826"/>
+              <a:gd name="connsiteY1" fmla="*/ 526212 h 526212"/>
+              <a:gd name="connsiteX0" fmla="*/ 0 w 470969"/>
+              <a:gd name="connsiteY0" fmla="*/ 0 h 526212"/>
+              <a:gd name="connsiteX1" fmla="*/ 465826 w 470969"/>
+              <a:gd name="connsiteY1" fmla="*/ 526212 h 526212"/>
+            </a:gdLst>
+            <a:ahLst/>
+            <a:cxnLst>
+              <a:cxn ang="0">
+                <a:pos x="connsiteX0" y="connsiteY0"/>
+              </a:cxn>
+              <a:cxn ang="0">
+                <a:pos x="connsiteX1" y="connsiteY1"/>
+              </a:cxn>
+            </a:cxnLst>
+            <a:rect l="l" t="t" r="r" b="b"/>
+            <a:pathLst>
+              <a:path w="470969" h="526212">
+                <a:moveTo>
+                  <a:pt x="0" y="0"/>
+                </a:moveTo>
+                <a:cubicBezTo>
+                  <a:pt x="411192" y="163902"/>
+                  <a:pt x="494581" y="276047"/>
+                  <a:pt x="465826" y="526212"/>
+                </a:cubicBezTo>
+              </a:path>
+            </a:pathLst>
+          </a:custGeom>
+          <a:noFill/>
+          <a:ln w="38100" cap="flat" cmpd="sng" algn="ctr">
+            <a:solidFill>
+              <a:srgbClr val="FF0000"/>
+            </a:solidFill>
+            <a:prstDash val="solid"/>
+            <a:round/>
+            <a:headEnd type="triangle" w="med" len="med"/>
+            <a:tailEnd type="triangle" w="med" len="med"/>
+          </a:ln>
+          <a:effectLst/>
+          <a:extLst>
+            <a:ext uri="{909E8E84-426E-40DD-AFC4-6F175D3DCCD1}">
+              <a14:hiddenFill xmlns:a14="http://schemas.microsoft.com/office/drawing/2010/main">
+                <a:solidFill>
+                  <a:schemeClr val="accent1"/>
+                </a:solidFill>
+              </a14:hiddenFill>
+            </a:ext>
+            <a:ext uri="{AF507438-7753-43E0-B8FC-AC1667EBCBE1}">
+              <a14:hiddenEffects xmlns:a14="http://schemas.microsoft.com/office/drawing/2010/main">
+                <a:effectLst>
+                  <a:outerShdw dist="35921" dir="2700000" algn="ctr" rotWithShape="0">
+                    <a:schemeClr val="bg2"/>
+                  </a:outerShdw>
+                </a:effectLst>
+              </a14:hiddenEffects>
+            </a:ext>
+          </a:extLst>
+        </p:spPr>
+        <p:txBody>
+          <a:bodyPr vert="horz" wrap="square" lIns="91440" tIns="45720" rIns="91440" bIns="0" numCol="1" rtlCol="0" anchor="t" anchorCtr="0" compatLnSpc="1">
+            <a:prstTxWarp prst="textNoShape">
+              <a:avLst/>
+            </a:prstTxWarp>
+          </a:bodyPr>
+          <a:lstStyle/>
+          <a:p>
+            <a:pPr marL="457200" marR="0" indent="-457200" algn="l" defTabSz="914400" rtl="0" eaLnBrk="1" fontAlgn="base" latinLnBrk="0" hangingPunct="1">
+              <a:lnSpc>
+                <a:spcPct val="100000"/>
+              </a:lnSpc>
+              <a:spcBef>
+                <a:spcPct val="20000"/>
+              </a:spcBef>
+              <a:spcAft>
+                <a:spcPct val="0"/>
+              </a:spcAft>
+              <a:buClr>
+                <a:srgbClr val="A50021"/>
+              </a:buClr>
+              <a:buSzPct val="75000"/>
+              <a:buFont typeface="Wingdings" pitchFamily="2" charset="2"/>
+              <a:buChar char="n"/>
+              <a:tabLst/>
+            </a:pPr>
+            <a:endParaRPr kumimoji="1" lang="ru-RU" sz="2000" b="0" i="0" u="none" strike="noStrike" cap="none" normalizeH="0" baseline="0" smtClean="0">
+              <a:ln>
+                <a:noFill/>
+              </a:ln>
+              <a:solidFill>
+                <a:schemeClr val="tx1"/>
+              </a:solidFill>
+              <a:effectLst/>
+              <a:latin typeface="Times New Roman" pitchFamily="18" charset="0"/>
+              <a:cs typeface="Times New Roman" pitchFamily="18" charset="0"/>
+            </a:endParaRPr>
+          </a:p>
+        </p:txBody>
+      </p:sp>
+      <p:sp>
+        <p:nvSpPr>
+          <p:cNvPr id="30" name="Полилиния 29"/>
+          <p:cNvSpPr/>
+          <p:nvPr/>
+        </p:nvSpPr>
+        <p:spPr bwMode="auto">
+          <a:xfrm rot="15828184">
+            <a:off x="4832748" y="2893746"/>
+            <a:ext cx="395056" cy="1177989"/>
+          </a:xfrm>
+          <a:custGeom>
+            <a:avLst/>
+            <a:gdLst>
+              <a:gd name="connsiteX0" fmla="*/ 0 w 452422"/>
+              <a:gd name="connsiteY0" fmla="*/ 5800 h 532011"/>
+              <a:gd name="connsiteX1" fmla="*/ 396815 w 452422"/>
+              <a:gd name="connsiteY1" fmla="*/ 74811 h 532011"/>
+              <a:gd name="connsiteX2" fmla="*/ 439947 w 452422"/>
+              <a:gd name="connsiteY2" fmla="*/ 532011 h 532011"/>
+              <a:gd name="connsiteX0" fmla="*/ 0 w 443297"/>
+              <a:gd name="connsiteY0" fmla="*/ 644 h 526855"/>
+              <a:gd name="connsiteX1" fmla="*/ 345057 w 443297"/>
+              <a:gd name="connsiteY1" fmla="*/ 173172 h 526855"/>
+              <a:gd name="connsiteX2" fmla="*/ 439947 w 443297"/>
+              <a:gd name="connsiteY2" fmla="*/ 526855 h 526855"/>
+              <a:gd name="connsiteX0" fmla="*/ 0 w 445495"/>
+              <a:gd name="connsiteY0" fmla="*/ 1438 h 527649"/>
+              <a:gd name="connsiteX1" fmla="*/ 345057 w 445495"/>
+              <a:gd name="connsiteY1" fmla="*/ 173966 h 527649"/>
+              <a:gd name="connsiteX2" fmla="*/ 439947 w 445495"/>
+              <a:gd name="connsiteY2" fmla="*/ 527649 h 527649"/>
+              <a:gd name="connsiteX0" fmla="*/ 0 w 445495"/>
+              <a:gd name="connsiteY0" fmla="*/ 769 h 526980"/>
+              <a:gd name="connsiteX1" fmla="*/ 345057 w 445495"/>
+              <a:gd name="connsiteY1" fmla="*/ 173297 h 526980"/>
+              <a:gd name="connsiteX2" fmla="*/ 439947 w 445495"/>
+              <a:gd name="connsiteY2" fmla="*/ 526980 h 526980"/>
+              <a:gd name="connsiteX0" fmla="*/ 0 w 539328"/>
+              <a:gd name="connsiteY0" fmla="*/ 692 h 518277"/>
+              <a:gd name="connsiteX1" fmla="*/ 439947 w 539328"/>
+              <a:gd name="connsiteY1" fmla="*/ 164594 h 518277"/>
+              <a:gd name="connsiteX2" fmla="*/ 534837 w 539328"/>
+              <a:gd name="connsiteY2" fmla="*/ 518277 h 518277"/>
+              <a:gd name="connsiteX0" fmla="*/ 0 w 539328"/>
+              <a:gd name="connsiteY0" fmla="*/ 0 h 517585"/>
+              <a:gd name="connsiteX1" fmla="*/ 439947 w 539328"/>
+              <a:gd name="connsiteY1" fmla="*/ 163902 h 517585"/>
+              <a:gd name="connsiteX2" fmla="*/ 534837 w 539328"/>
+              <a:gd name="connsiteY2" fmla="*/ 517585 h 517585"/>
+              <a:gd name="connsiteX0" fmla="*/ 0 w 536656"/>
+              <a:gd name="connsiteY0" fmla="*/ 0 h 517585"/>
+              <a:gd name="connsiteX1" fmla="*/ 379562 w 536656"/>
+              <a:gd name="connsiteY1" fmla="*/ 189782 h 517585"/>
+              <a:gd name="connsiteX2" fmla="*/ 534837 w 536656"/>
+              <a:gd name="connsiteY2" fmla="*/ 517585 h 517585"/>
+              <a:gd name="connsiteX0" fmla="*/ 0 w 534837"/>
+              <a:gd name="connsiteY0" fmla="*/ 0 h 517585"/>
+              <a:gd name="connsiteX1" fmla="*/ 534837 w 534837"/>
+              <a:gd name="connsiteY1" fmla="*/ 517585 h 517585"/>
+              <a:gd name="connsiteX0" fmla="*/ 0 w 534837"/>
+              <a:gd name="connsiteY0" fmla="*/ 0 h 517585"/>
+              <a:gd name="connsiteX1" fmla="*/ 534837 w 534837"/>
+              <a:gd name="connsiteY1" fmla="*/ 517585 h 517585"/>
+              <a:gd name="connsiteX0" fmla="*/ 0 w 534837"/>
+              <a:gd name="connsiteY0" fmla="*/ 0 h 517585"/>
+              <a:gd name="connsiteX1" fmla="*/ 534837 w 534837"/>
+              <a:gd name="connsiteY1" fmla="*/ 517585 h 517585"/>
+              <a:gd name="connsiteX0" fmla="*/ 0 w 465826"/>
+              <a:gd name="connsiteY0" fmla="*/ 0 h 526212"/>
+              <a:gd name="connsiteX1" fmla="*/ 465826 w 465826"/>
+              <a:gd name="connsiteY1" fmla="*/ 526212 h 526212"/>
+              <a:gd name="connsiteX0" fmla="*/ 0 w 470969"/>
+              <a:gd name="connsiteY0" fmla="*/ 0 h 526212"/>
+              <a:gd name="connsiteX1" fmla="*/ 465826 w 470969"/>
+              <a:gd name="connsiteY1" fmla="*/ 526212 h 526212"/>
+              <a:gd name="connsiteX0" fmla="*/ 0 w 404515"/>
+              <a:gd name="connsiteY0" fmla="*/ 0 h 1177989"/>
+              <a:gd name="connsiteX1" fmla="*/ 395056 w 404515"/>
+              <a:gd name="connsiteY1" fmla="*/ 1177989 h 1177989"/>
+              <a:gd name="connsiteX0" fmla="*/ 0 w 400296"/>
+              <a:gd name="connsiteY0" fmla="*/ 0 h 1177989"/>
+              <a:gd name="connsiteX1" fmla="*/ 395056 w 400296"/>
+              <a:gd name="connsiteY1" fmla="*/ 1177989 h 1177989"/>
+              <a:gd name="connsiteX0" fmla="*/ 0 w 400296"/>
+              <a:gd name="connsiteY0" fmla="*/ 0 h 1177989"/>
+              <a:gd name="connsiteX1" fmla="*/ 395056 w 400296"/>
+              <a:gd name="connsiteY1" fmla="*/ 1177989 h 1177989"/>
+              <a:gd name="connsiteX0" fmla="*/ 0 w 395056"/>
+              <a:gd name="connsiteY0" fmla="*/ 0 h 1177989"/>
+              <a:gd name="connsiteX1" fmla="*/ 395056 w 395056"/>
+              <a:gd name="connsiteY1" fmla="*/ 1177989 h 1177989"/>
+            </a:gdLst>
+            <a:ahLst/>
+            <a:cxnLst>
+              <a:cxn ang="0">
+                <a:pos x="connsiteX0" y="connsiteY0"/>
+              </a:cxn>
+              <a:cxn ang="0">
+                <a:pos x="connsiteX1" y="connsiteY1"/>
+              </a:cxn>
+            </a:cxnLst>
+            <a:rect l="l" t="t" r="r" b="b"/>
+            <a:pathLst>
+              <a:path w="395056" h="1177989">
+                <a:moveTo>
+                  <a:pt x="0" y="0"/>
+                </a:moveTo>
+                <a:cubicBezTo>
+                  <a:pt x="339986" y="260296"/>
+                  <a:pt x="379219" y="619283"/>
+                  <a:pt x="395056" y="1177989"/>
+                </a:cubicBezTo>
+              </a:path>
+            </a:pathLst>
+          </a:custGeom>
+          <a:noFill/>
+          <a:ln w="38100" cap="flat" cmpd="sng" algn="ctr">
+            <a:solidFill>
+              <a:srgbClr val="FF0000"/>
+            </a:solidFill>
+            <a:prstDash val="solid"/>
+            <a:round/>
+            <a:headEnd type="triangle" w="med" len="med"/>
+            <a:tailEnd type="triangle" w="med" len="med"/>
+          </a:ln>
+          <a:effectLst/>
+          <a:extLst>
+            <a:ext uri="{909E8E84-426E-40DD-AFC4-6F175D3DCCD1}">
+              <a14:hiddenFill xmlns:a14="http://schemas.microsoft.com/office/drawing/2010/main">
+                <a:solidFill>
+                  <a:schemeClr val="accent1"/>
+                </a:solidFill>
+              </a14:hiddenFill>
+            </a:ext>
+            <a:ext uri="{AF507438-7753-43E0-B8FC-AC1667EBCBE1}">
+              <a14:hiddenEffects xmlns:a14="http://schemas.microsoft.com/office/drawing/2010/main">
+                <a:effectLst>
+                  <a:outerShdw dist="35921" dir="2700000" algn="ctr" rotWithShape="0">
+                    <a:schemeClr val="bg2"/>
+                  </a:outerShdw>
+                </a:effectLst>
+              </a14:hiddenEffects>
+            </a:ext>
+          </a:extLst>
+        </p:spPr>
+        <p:txBody>
+          <a:bodyPr vert="horz" wrap="square" lIns="91440" tIns="45720" rIns="91440" bIns="0" numCol="1" rtlCol="0" anchor="t" anchorCtr="0" compatLnSpc="1">
+            <a:prstTxWarp prst="textNoShape">
+              <a:avLst/>
+            </a:prstTxWarp>
+          </a:bodyPr>
+          <a:lstStyle/>
+          <a:p>
+            <a:pPr marL="457200" marR="0" indent="-457200" algn="l" defTabSz="914400" rtl="0" eaLnBrk="1" fontAlgn="base" latinLnBrk="0" hangingPunct="1">
+              <a:lnSpc>
+                <a:spcPct val="100000"/>
+              </a:lnSpc>
+              <a:spcBef>
+                <a:spcPct val="20000"/>
+              </a:spcBef>
+              <a:spcAft>
+                <a:spcPct val="0"/>
+              </a:spcAft>
+              <a:buClr>
+                <a:srgbClr val="A50021"/>
+              </a:buClr>
+              <a:buSzPct val="75000"/>
+              <a:buFont typeface="Wingdings" pitchFamily="2" charset="2"/>
+              <a:buChar char="n"/>
+              <a:tabLst/>
+            </a:pPr>
+            <a:endParaRPr kumimoji="1" lang="ru-RU" sz="2000" b="0" i="0" u="none" strike="noStrike" cap="none" normalizeH="0" baseline="0" smtClean="0">
+              <a:ln>
+                <a:noFill/>
+              </a:ln>
+              <a:solidFill>
+                <a:schemeClr val="tx1"/>
+              </a:solidFill>
+              <a:effectLst/>
+              <a:latin typeface="Times New Roman" pitchFamily="18" charset="0"/>
+              <a:cs typeface="Times New Roman" pitchFamily="18" charset="0"/>
+            </a:endParaRPr>
+          </a:p>
+        </p:txBody>
+      </p:sp>
+      <p:sp>
+        <p:nvSpPr>
+          <p:cNvPr id="31" name="Полилиния 30"/>
+          <p:cNvSpPr/>
+          <p:nvPr/>
+        </p:nvSpPr>
+        <p:spPr bwMode="auto">
+          <a:xfrm rot="6366535">
+            <a:off x="4537722" y="2378772"/>
+            <a:ext cx="467219" cy="1552223"/>
+          </a:xfrm>
+          <a:custGeom>
+            <a:avLst/>
+            <a:gdLst>
+              <a:gd name="connsiteX0" fmla="*/ 0 w 452422"/>
+              <a:gd name="connsiteY0" fmla="*/ 5800 h 532011"/>
+              <a:gd name="connsiteX1" fmla="*/ 396815 w 452422"/>
+              <a:gd name="connsiteY1" fmla="*/ 74811 h 532011"/>
+              <a:gd name="connsiteX2" fmla="*/ 439947 w 452422"/>
+              <a:gd name="connsiteY2" fmla="*/ 532011 h 532011"/>
+              <a:gd name="connsiteX0" fmla="*/ 0 w 443297"/>
+              <a:gd name="connsiteY0" fmla="*/ 644 h 526855"/>
+              <a:gd name="connsiteX1" fmla="*/ 345057 w 443297"/>
+              <a:gd name="connsiteY1" fmla="*/ 173172 h 526855"/>
+              <a:gd name="connsiteX2" fmla="*/ 439947 w 443297"/>
+              <a:gd name="connsiteY2" fmla="*/ 526855 h 526855"/>
+              <a:gd name="connsiteX0" fmla="*/ 0 w 445495"/>
+              <a:gd name="connsiteY0" fmla="*/ 1438 h 527649"/>
+              <a:gd name="connsiteX1" fmla="*/ 345057 w 445495"/>
+              <a:gd name="connsiteY1" fmla="*/ 173966 h 527649"/>
+              <a:gd name="connsiteX2" fmla="*/ 439947 w 445495"/>
+              <a:gd name="connsiteY2" fmla="*/ 527649 h 527649"/>
+              <a:gd name="connsiteX0" fmla="*/ 0 w 445495"/>
+              <a:gd name="connsiteY0" fmla="*/ 769 h 526980"/>
+              <a:gd name="connsiteX1" fmla="*/ 345057 w 445495"/>
+              <a:gd name="connsiteY1" fmla="*/ 173297 h 526980"/>
+              <a:gd name="connsiteX2" fmla="*/ 439947 w 445495"/>
+              <a:gd name="connsiteY2" fmla="*/ 526980 h 526980"/>
+              <a:gd name="connsiteX0" fmla="*/ 0 w 539328"/>
+              <a:gd name="connsiteY0" fmla="*/ 692 h 518277"/>
+              <a:gd name="connsiteX1" fmla="*/ 439947 w 539328"/>
+              <a:gd name="connsiteY1" fmla="*/ 164594 h 518277"/>
+              <a:gd name="connsiteX2" fmla="*/ 534837 w 539328"/>
+              <a:gd name="connsiteY2" fmla="*/ 518277 h 518277"/>
+              <a:gd name="connsiteX0" fmla="*/ 0 w 539328"/>
+              <a:gd name="connsiteY0" fmla="*/ 0 h 517585"/>
+              <a:gd name="connsiteX1" fmla="*/ 439947 w 539328"/>
+              <a:gd name="connsiteY1" fmla="*/ 163902 h 517585"/>
+              <a:gd name="connsiteX2" fmla="*/ 534837 w 539328"/>
+              <a:gd name="connsiteY2" fmla="*/ 517585 h 517585"/>
+              <a:gd name="connsiteX0" fmla="*/ 0 w 536656"/>
+              <a:gd name="connsiteY0" fmla="*/ 0 h 517585"/>
+              <a:gd name="connsiteX1" fmla="*/ 379562 w 536656"/>
+              <a:gd name="connsiteY1" fmla="*/ 189782 h 517585"/>
+              <a:gd name="connsiteX2" fmla="*/ 534837 w 536656"/>
+              <a:gd name="connsiteY2" fmla="*/ 517585 h 517585"/>
+              <a:gd name="connsiteX0" fmla="*/ 0 w 534837"/>
+              <a:gd name="connsiteY0" fmla="*/ 0 h 517585"/>
+              <a:gd name="connsiteX1" fmla="*/ 534837 w 534837"/>
+              <a:gd name="connsiteY1" fmla="*/ 517585 h 517585"/>
+              <a:gd name="connsiteX0" fmla="*/ 0 w 534837"/>
+              <a:gd name="connsiteY0" fmla="*/ 0 h 517585"/>
+              <a:gd name="connsiteX1" fmla="*/ 534837 w 534837"/>
+              <a:gd name="connsiteY1" fmla="*/ 517585 h 517585"/>
+              <a:gd name="connsiteX0" fmla="*/ 0 w 534837"/>
+              <a:gd name="connsiteY0" fmla="*/ 0 h 517585"/>
+              <a:gd name="connsiteX1" fmla="*/ 534837 w 534837"/>
+              <a:gd name="connsiteY1" fmla="*/ 517585 h 517585"/>
+              <a:gd name="connsiteX0" fmla="*/ 0 w 465826"/>
+              <a:gd name="connsiteY0" fmla="*/ 0 h 526212"/>
+              <a:gd name="connsiteX1" fmla="*/ 465826 w 465826"/>
+              <a:gd name="connsiteY1" fmla="*/ 526212 h 526212"/>
+              <a:gd name="connsiteX0" fmla="*/ 0 w 470969"/>
+              <a:gd name="connsiteY0" fmla="*/ 0 h 526212"/>
+              <a:gd name="connsiteX1" fmla="*/ 465826 w 470969"/>
+              <a:gd name="connsiteY1" fmla="*/ 526212 h 526212"/>
+              <a:gd name="connsiteX0" fmla="*/ 0 w 404515"/>
+              <a:gd name="connsiteY0" fmla="*/ 0 h 1177989"/>
+              <a:gd name="connsiteX1" fmla="*/ 395056 w 404515"/>
+              <a:gd name="connsiteY1" fmla="*/ 1177989 h 1177989"/>
+              <a:gd name="connsiteX0" fmla="*/ 0 w 400296"/>
+              <a:gd name="connsiteY0" fmla="*/ 0 h 1177989"/>
+              <a:gd name="connsiteX1" fmla="*/ 395056 w 400296"/>
+              <a:gd name="connsiteY1" fmla="*/ 1177989 h 1177989"/>
+              <a:gd name="connsiteX0" fmla="*/ 0 w 400296"/>
+              <a:gd name="connsiteY0" fmla="*/ 0 h 1177989"/>
+              <a:gd name="connsiteX1" fmla="*/ 395056 w 400296"/>
+              <a:gd name="connsiteY1" fmla="*/ 1177989 h 1177989"/>
+              <a:gd name="connsiteX0" fmla="*/ 0 w 395056"/>
+              <a:gd name="connsiteY0" fmla="*/ 0 h 1177989"/>
+              <a:gd name="connsiteX1" fmla="*/ 395056 w 395056"/>
+              <a:gd name="connsiteY1" fmla="*/ 1177989 h 1177989"/>
+              <a:gd name="connsiteX0" fmla="*/ 0 w 778473"/>
+              <a:gd name="connsiteY0" fmla="*/ 0 h 1417436"/>
+              <a:gd name="connsiteX1" fmla="*/ 778473 w 778473"/>
+              <a:gd name="connsiteY1" fmla="*/ 1417436 h 1417436"/>
+              <a:gd name="connsiteX0" fmla="*/ 0 w 469433"/>
+              <a:gd name="connsiteY0" fmla="*/ 0 h 1497709"/>
+              <a:gd name="connsiteX1" fmla="*/ 469433 w 469433"/>
+              <a:gd name="connsiteY1" fmla="*/ 1497709 h 1497709"/>
+              <a:gd name="connsiteX0" fmla="*/ 0 w 469433"/>
+              <a:gd name="connsiteY0" fmla="*/ 0 h 1497709"/>
+              <a:gd name="connsiteX1" fmla="*/ 469433 w 469433"/>
+              <a:gd name="connsiteY1" fmla="*/ 1497709 h 1497709"/>
+              <a:gd name="connsiteX0" fmla="*/ 0 w 467219"/>
+              <a:gd name="connsiteY0" fmla="*/ 0 h 1552223"/>
+              <a:gd name="connsiteX1" fmla="*/ 467219 w 467219"/>
+              <a:gd name="connsiteY1" fmla="*/ 1552223 h 1552223"/>
+            </a:gdLst>
+            <a:ahLst/>
+            <a:cxnLst>
+              <a:cxn ang="0">
+                <a:pos x="connsiteX0" y="connsiteY0"/>
+              </a:cxn>
+              <a:cxn ang="0">
+                <a:pos x="connsiteX1" y="connsiteY1"/>
+              </a:cxn>
+            </a:cxnLst>
+            <a:rect l="l" t="t" r="r" b="b"/>
+            <a:pathLst>
+              <a:path w="467219" h="1552223">
+                <a:moveTo>
+                  <a:pt x="0" y="0"/>
+                </a:moveTo>
+                <a:cubicBezTo>
+                  <a:pt x="303304" y="692901"/>
+                  <a:pt x="451382" y="993517"/>
+                  <a:pt x="467219" y="1552223"/>
+                </a:cubicBezTo>
+              </a:path>
+            </a:pathLst>
+          </a:custGeom>
+          <a:noFill/>
+          <a:ln w="38100" cap="flat" cmpd="sng" algn="ctr">
+            <a:solidFill>
+              <a:srgbClr val="FF0000"/>
+            </a:solidFill>
+            <a:prstDash val="solid"/>
+            <a:round/>
+            <a:headEnd type="triangle" w="med" len="med"/>
+            <a:tailEnd type="triangle" w="med" len="med"/>
+          </a:ln>
+          <a:effectLst/>
+          <a:extLst>
+            <a:ext uri="{909E8E84-426E-40DD-AFC4-6F175D3DCCD1}">
+              <a14:hiddenFill xmlns:a14="http://schemas.microsoft.com/office/drawing/2010/main">
+                <a:solidFill>
+                  <a:schemeClr val="accent1"/>
+                </a:solidFill>
+              </a14:hiddenFill>
+            </a:ext>
+            <a:ext uri="{AF507438-7753-43E0-B8FC-AC1667EBCBE1}">
+              <a14:hiddenEffects xmlns:a14="http://schemas.microsoft.com/office/drawing/2010/main">
+                <a:effectLst>
+                  <a:outerShdw dist="35921" dir="2700000" algn="ctr" rotWithShape="0">
+                    <a:schemeClr val="bg2"/>
+                  </a:outerShdw>
+                </a:effectLst>
+              </a14:hiddenEffects>
+            </a:ext>
+          </a:extLst>
+        </p:spPr>
+        <p:txBody>
+          <a:bodyPr vert="horz" wrap="square" lIns="91440" tIns="45720" rIns="91440" bIns="0" numCol="1" rtlCol="0" anchor="t" anchorCtr="0" compatLnSpc="1">
+            <a:prstTxWarp prst="textNoShape">
+              <a:avLst/>
+            </a:prstTxWarp>
+          </a:bodyPr>
+          <a:lstStyle/>
+          <a:p>
+            <a:pPr marL="457200" marR="0" indent="-457200" algn="l" defTabSz="914400" rtl="0" eaLnBrk="1" fontAlgn="base" latinLnBrk="0" hangingPunct="1">
+              <a:lnSpc>
+                <a:spcPct val="100000"/>
+              </a:lnSpc>
+              <a:spcBef>
+                <a:spcPct val="20000"/>
+              </a:spcBef>
+              <a:spcAft>
+                <a:spcPct val="0"/>
+              </a:spcAft>
+              <a:buClr>
+                <a:srgbClr val="A50021"/>
+              </a:buClr>
+              <a:buSzPct val="75000"/>
+              <a:buFont typeface="Wingdings" pitchFamily="2" charset="2"/>
+              <a:buChar char="n"/>
+              <a:tabLst/>
+            </a:pPr>
+            <a:endParaRPr kumimoji="1" lang="ru-RU" sz="2000" b="0" i="0" u="none" strike="noStrike" cap="none" normalizeH="0" baseline="0" smtClean="0">
+              <a:ln>
+                <a:noFill/>
+              </a:ln>
+              <a:solidFill>
+                <a:schemeClr val="tx1"/>
+              </a:solidFill>
+              <a:effectLst/>
+              <a:latin typeface="Times New Roman" pitchFamily="18" charset="0"/>
+              <a:cs typeface="Times New Roman" pitchFamily="18" charset="0"/>
+            </a:endParaRPr>
+          </a:p>
+        </p:txBody>
+      </p:sp>
+    </p:spTree>
+    <p:extLst>
+      <p:ext uri="{BB962C8B-B14F-4D97-AF65-F5344CB8AC3E}">
+        <p14:creationId xmlns:p14="http://schemas.microsoft.com/office/powerpoint/2010/main" val="3448534856"/>
+      </p:ext>
+    </p:extLst>
+  </p:cSld>
+  <p:clrMapOvr>
+    <a:masterClrMapping/>
+  </p:clrMapOvr>
+  <p:timing>
+    <p:tnLst>
+      <p:par>
+        <p:cTn id="1" dur="indefinite" restart="never" nodeType="tmRoot"/>
+      </p:par>
+    </p:tnLst>
+  </p:timing>
+</p:sld>
+</file>
+
+<file path=ppt/slides/slide8.xml><?xml version="1.0" encoding="utf-8"?>
+<p:sld xmlns:a="http://schemas.openxmlformats.org/drawingml/2006/main" xmlns:r="http://schemas.openxmlformats.org/officeDocument/2006/relationships" xmlns:p="http://schemas.openxmlformats.org/presentationml/2006/main">
+  <p:cSld>
+    <p:spTree>
+      <p:nvGrpSpPr>
+        <p:cNvPr id="1" name=""/>
+        <p:cNvGrpSpPr/>
+        <p:nvPr/>
+      </p:nvGrpSpPr>
+      <p:grpSpPr>
+        <a:xfrm>
+          <a:off x="0" y="0"/>
+          <a:ext cx="0" cy="0"/>
+          <a:chOff x="0" y="0"/>
+          <a:chExt cx="0" cy="0"/>
+        </a:xfrm>
+      </p:grpSpPr>
+      <p:sp>
+        <p:nvSpPr>
+          <p:cNvPr id="19" name="Заголовок 1"/>
+          <p:cNvSpPr txBox="1">
+            <a:spLocks/>
+          </p:cNvSpPr>
+          <p:nvPr/>
+        </p:nvSpPr>
+        <p:spPr>
+          <a:xfrm>
+            <a:off x="0" y="701874"/>
+            <a:ext cx="9144000" cy="1008112"/>
+          </a:xfrm>
+          <a:prstGeom prst="rect">
+            <a:avLst/>
+          </a:prstGeom>
+        </p:spPr>
+        <p:txBody>
+          <a:bodyPr/>
+          <a:lstStyle>
+            <a:lvl1pPr algn="l" rtl="0" fontAlgn="base">
+              <a:spcBef>
+                <a:spcPct val="0"/>
+              </a:spcBef>
+              <a:spcAft>
+                <a:spcPct val="0"/>
+              </a:spcAft>
+              <a:defRPr sz="4400">
+                <a:solidFill>
+                  <a:schemeClr val="tx2"/>
+                </a:solidFill>
+                <a:latin typeface="+mj-lt"/>
+                <a:ea typeface="+mj-ea"/>
+                <a:cs typeface="+mj-cs"/>
+              </a:defRPr>
+            </a:lvl1pPr>
+            <a:lvl2pPr algn="l" rtl="0" fontAlgn="base">
+              <a:spcBef>
+                <a:spcPct val="0"/>
+              </a:spcBef>
+              <a:spcAft>
+                <a:spcPct val="0"/>
+              </a:spcAft>
+              <a:defRPr sz="4400">
+                <a:solidFill>
+                  <a:schemeClr val="tx2"/>
+                </a:solidFill>
+                <a:latin typeface="Times New Roman" pitchFamily="18" charset="0"/>
+              </a:defRPr>
+            </a:lvl2pPr>
+            <a:lvl3pPr algn="l" rtl="0" fontAlgn="base">
+              <a:spcBef>
+                <a:spcPct val="0"/>
+              </a:spcBef>
+              <a:spcAft>
+                <a:spcPct val="0"/>
+              </a:spcAft>
+              <a:defRPr sz="4400">
+                <a:solidFill>
+                  <a:schemeClr val="tx2"/>
+                </a:solidFill>
+                <a:latin typeface="Times New Roman" pitchFamily="18" charset="0"/>
+              </a:defRPr>
+            </a:lvl3pPr>
+            <a:lvl4pPr algn="l" rtl="0" fontAlgn="base">
+              <a:spcBef>
+                <a:spcPct val="0"/>
+              </a:spcBef>
+              <a:spcAft>
+                <a:spcPct val="0"/>
+              </a:spcAft>
+              <a:defRPr sz="4400">
+                <a:solidFill>
+                  <a:schemeClr val="tx2"/>
+                </a:solidFill>
+                <a:latin typeface="Times New Roman" pitchFamily="18" charset="0"/>
+              </a:defRPr>
+            </a:lvl4pPr>
+            <a:lvl5pPr algn="l" rtl="0" fontAlgn="base">
+              <a:spcBef>
+                <a:spcPct val="0"/>
+              </a:spcBef>
+              <a:spcAft>
+                <a:spcPct val="0"/>
+              </a:spcAft>
+              <a:defRPr sz="4400">
+                <a:solidFill>
+                  <a:schemeClr val="tx2"/>
+                </a:solidFill>
+                <a:latin typeface="Times New Roman" pitchFamily="18" charset="0"/>
+              </a:defRPr>
+            </a:lvl5pPr>
+            <a:lvl6pPr marL="457200" algn="l" rtl="0" fontAlgn="base">
+              <a:spcBef>
+                <a:spcPct val="0"/>
+              </a:spcBef>
+              <a:spcAft>
+                <a:spcPct val="0"/>
+              </a:spcAft>
+              <a:defRPr sz="4400">
+                <a:solidFill>
+                  <a:schemeClr val="tx2"/>
+                </a:solidFill>
+                <a:latin typeface="Times New Roman" pitchFamily="18" charset="0"/>
+              </a:defRPr>
+            </a:lvl6pPr>
+            <a:lvl7pPr marL="914400" algn="l" rtl="0" fontAlgn="base">
+              <a:spcBef>
+                <a:spcPct val="0"/>
+              </a:spcBef>
+              <a:spcAft>
+                <a:spcPct val="0"/>
+              </a:spcAft>
+              <a:defRPr sz="4400">
+                <a:solidFill>
+                  <a:schemeClr val="tx2"/>
+                </a:solidFill>
+                <a:latin typeface="Times New Roman" pitchFamily="18" charset="0"/>
+              </a:defRPr>
+            </a:lvl7pPr>
+            <a:lvl8pPr marL="1371600" algn="l" rtl="0" fontAlgn="base">
+              <a:spcBef>
+                <a:spcPct val="0"/>
+              </a:spcBef>
+              <a:spcAft>
+                <a:spcPct val="0"/>
+              </a:spcAft>
+              <a:defRPr sz="4400">
+                <a:solidFill>
+                  <a:schemeClr val="tx2"/>
+                </a:solidFill>
+                <a:latin typeface="Times New Roman" pitchFamily="18" charset="0"/>
+              </a:defRPr>
+            </a:lvl8pPr>
+            <a:lvl9pPr marL="1828800" algn="l" rtl="0" fontAlgn="base">
+              <a:spcBef>
+                <a:spcPct val="0"/>
+              </a:spcBef>
+              <a:spcAft>
+                <a:spcPct val="0"/>
+              </a:spcAft>
+              <a:defRPr sz="4400">
+                <a:solidFill>
+                  <a:schemeClr val="tx2"/>
+                </a:solidFill>
+                <a:latin typeface="Times New Roman" pitchFamily="18" charset="0"/>
+              </a:defRPr>
+            </a:lvl9pPr>
+          </a:lstStyle>
+          <a:p>
+            <a:pPr algn="ctr">
+              <a:buClrTx/>
+              <a:buSzTx/>
+              <a:buFontTx/>
+              <a:buNone/>
+            </a:pPr>
+            <a:r>
+              <a:rPr kumimoji="0" lang="ru-RU" altLang="ru-RU" b="1" kern="0" dirty="0" err="1" smtClean="0"/>
+              <a:t>Туннелирование</a:t>
+            </a:r>
+            <a:endParaRPr kumimoji="0" lang="en-US" altLang="ru-RU" b="1" kern="0" dirty="0" smtClean="0"/>
+          </a:p>
+        </p:txBody>
+      </p:sp>
+      <p:pic>
+        <p:nvPicPr>
+          <p:cNvPr id="5123" name="Picture 3" descr="Tunneling – What is Tunneling? - Computer Notes"/>
+          <p:cNvPicPr>
+            <a:picLocks noChangeAspect="1" noChangeArrowheads="1"/>
+          </p:cNvPicPr>
+          <p:nvPr/>
+        </p:nvPicPr>
+        <p:blipFill>
+          <a:blip r:embed="rId2">
+            <a:extLst>
+              <a:ext uri="{28A0092B-C50C-407E-A947-70E740481C1C}">
+                <a14:useLocalDpi xmlns:a14="http://schemas.microsoft.com/office/drawing/2010/main" val="0"/>
+              </a:ext>
+            </a:extLst>
+          </a:blip>
+          <a:srcRect/>
+          <a:stretch>
+            <a:fillRect/>
+          </a:stretch>
+        </p:blipFill>
+        <p:spPr bwMode="auto">
+          <a:xfrm>
+            <a:off x="611560" y="2420888"/>
+            <a:ext cx="8421271" cy="3312368"/>
+          </a:xfrm>
+          <a:prstGeom prst="rect">
+            <a:avLst/>
+          </a:prstGeom>
+          <a:noFill/>
+          <a:extLst>
+            <a:ext uri="{909E8E84-426E-40DD-AFC4-6F175D3DCCD1}">
+              <a14:hiddenFill xmlns:a14="http://schemas.microsoft.com/office/drawing/2010/main">
+                <a:solidFill>
+                  <a:srgbClr val="FFFFFF"/>
+                </a:solidFill>
+              </a14:hiddenFill>
+            </a:ext>
+          </a:extLst>
+        </p:spPr>
+      </p:pic>
+    </p:spTree>
+    <p:extLst>
+      <p:ext uri="{BB962C8B-B14F-4D97-AF65-F5344CB8AC3E}">
+        <p14:creationId xmlns:p14="http://schemas.microsoft.com/office/powerpoint/2010/main" val="3759574429"/>
+      </p:ext>
+    </p:extLst>
+  </p:cSld>
+  <p:clrMapOvr>
+    <a:masterClrMapping/>
+  </p:clrMapOvr>
+  <p:timing>
+    <p:tnLst>
+      <p:par>
+        <p:cTn id="1" dur="indefinite" restart="never" nodeType="tmRoot"/>
+      </p:par>
+    </p:tnLst>
+  </p:timing>
+</p:sld>
+</file>
+
+<file path=ppt/slides/slide9.xml><?xml version="1.0" encoding="utf-8"?>
+<p:sld xmlns:a="http://schemas.openxmlformats.org/drawingml/2006/main" xmlns:r="http://schemas.openxmlformats.org/officeDocument/2006/relationships" xmlns:p="http://schemas.openxmlformats.org/presentationml/2006/main">
+  <p:cSld>
+    <p:spTree>
+      <p:nvGrpSpPr>
+        <p:cNvPr id="1" name=""/>
+        <p:cNvGrpSpPr/>
+        <p:nvPr/>
+      </p:nvGrpSpPr>
+      <p:grpSpPr>
+        <a:xfrm>
+          <a:off x="0" y="0"/>
+          <a:ext cx="0" cy="0"/>
+          <a:chOff x="0" y="0"/>
+          <a:chExt cx="0" cy="0"/>
+        </a:xfrm>
+      </p:grpSpPr>
+      <p:pic>
+        <p:nvPicPr>
+          <p:cNvPr id="3" name="Рисунок 2"/>
+          <p:cNvPicPr>
+            <a:picLocks noChangeAspect="1"/>
+          </p:cNvPicPr>
+          <p:nvPr/>
+        </p:nvPicPr>
+        <p:blipFill>
+          <a:blip r:embed="rId2"/>
+          <a:stretch>
+            <a:fillRect/>
+          </a:stretch>
+        </p:blipFill>
+        <p:spPr>
+          <a:xfrm>
+            <a:off x="621551" y="941823"/>
+            <a:ext cx="8522449" cy="5688632"/>
+          </a:xfrm>
+          <a:prstGeom prst="rect">
+            <a:avLst/>
+          </a:prstGeom>
+        </p:spPr>
+      </p:pic>
+      <p:pic>
+        <p:nvPicPr>
+          <p:cNvPr id="4" name="Рисунок 3"/>
+          <p:cNvPicPr>
+            <a:picLocks noChangeAspect="1"/>
+          </p:cNvPicPr>
+          <p:nvPr/>
+        </p:nvPicPr>
+        <p:blipFill rotWithShape="1">
+          <a:blip r:embed="rId3"/>
+          <a:srcRect l="8614" t="5216"/>
+          <a:stretch/>
+        </p:blipFill>
+        <p:spPr>
+          <a:xfrm>
+            <a:off x="1979712" y="4328304"/>
+            <a:ext cx="3096344" cy="2121335"/>
+          </a:xfrm>
+          <a:prstGeom prst="rect">
+            <a:avLst/>
+          </a:prstGeom>
+        </p:spPr>
+      </p:pic>
+      <p:sp>
+        <p:nvSpPr>
+          <p:cNvPr id="5" name="TextBox 4"/>
+          <p:cNvSpPr txBox="1"/>
+          <p:nvPr/>
+        </p:nvSpPr>
+        <p:spPr>
+          <a:xfrm>
+            <a:off x="5292081" y="4328304"/>
+            <a:ext cx="3744416" cy="2308324"/>
+          </a:xfrm>
+          <a:prstGeom prst="rect">
+            <a:avLst/>
+          </a:prstGeom>
+          <a:noFill/>
+        </p:spPr>
+        <p:txBody>
+          <a:bodyPr wrap="square" rtlCol="0">
+            <a:spAutoFit/>
+          </a:bodyPr>
+          <a:lstStyle/>
+          <a:p>
+            <a:r>
+              <a:rPr lang="ru-RU" sz="1600" dirty="0" smtClean="0"/>
+              <a:t>Шифрование</a:t>
+            </a:r>
+            <a:endParaRPr lang="en-US" sz="1600" dirty="0" smtClean="0"/>
+          </a:p>
+          <a:p>
+            <a:pPr lvl="1"/>
+            <a:r>
+              <a:rPr lang="en-US" sz="1600" dirty="0" smtClean="0"/>
+              <a:t>DES, 3DES, AES, Blowfish, IDEA,</a:t>
+            </a:r>
+            <a:r>
+              <a:rPr lang="ru-RU" sz="1600" dirty="0"/>
+              <a:t> ГОСТ 28147-89</a:t>
+            </a:r>
+            <a:r>
+              <a:rPr lang="en-US" sz="1600" dirty="0" smtClean="0"/>
+              <a:t> </a:t>
+            </a:r>
+            <a:endParaRPr lang="ru-RU" sz="1600" dirty="0" smtClean="0"/>
+          </a:p>
+          <a:p>
+            <a:r>
+              <a:rPr lang="ru-RU" sz="1600" dirty="0" smtClean="0"/>
+              <a:t>ЭЦП</a:t>
+            </a:r>
+            <a:endParaRPr lang="en-US" sz="1600" dirty="0" smtClean="0"/>
+          </a:p>
+          <a:p>
+            <a:pPr lvl="1"/>
+            <a:r>
+              <a:rPr lang="en-US" sz="1600" dirty="0" smtClean="0"/>
+              <a:t>MD5, SHA-1/2/3, RIPEMD, </a:t>
+            </a:r>
+            <a:br>
+              <a:rPr lang="en-US" sz="1600" dirty="0" smtClean="0"/>
+            </a:br>
+            <a:r>
+              <a:rPr lang="ru-RU" sz="1600" dirty="0" smtClean="0"/>
+              <a:t>ГОСТ </a:t>
+            </a:r>
+            <a:r>
+              <a:rPr lang="ru-RU" sz="1600" dirty="0"/>
+              <a:t>Р 34.11-94</a:t>
+            </a:r>
+          </a:p>
+          <a:p>
+            <a:r>
+              <a:rPr lang="ru-RU" sz="1600" dirty="0" smtClean="0"/>
+              <a:t>Сжатие</a:t>
+            </a:r>
+            <a:endParaRPr lang="en-US" sz="1600" dirty="0" smtClean="0"/>
+          </a:p>
+          <a:p>
+            <a:endParaRPr lang="ru-RU" sz="1600" dirty="0"/>
+          </a:p>
+        </p:txBody>
+      </p:sp>
+      <p:sp>
+        <p:nvSpPr>
+          <p:cNvPr id="6" name="Стрелка вправо 5"/>
+          <p:cNvSpPr/>
+          <p:nvPr/>
+        </p:nvSpPr>
+        <p:spPr bwMode="auto">
+          <a:xfrm>
+            <a:off x="4799395" y="4986489"/>
+            <a:ext cx="553321" cy="504056"/>
+          </a:xfrm>
+          <a:prstGeom prst="rightArrow">
+            <a:avLst/>
+          </a:prstGeom>
+          <a:solidFill>
+            <a:srgbClr val="FFFF00"/>
+          </a:solidFill>
+          <a:ln w="9525" cap="flat" cmpd="sng" algn="ctr">
+            <a:solidFill>
+              <a:srgbClr val="FF0000"/>
+            </a:solidFill>
+            <a:prstDash val="solid"/>
+            <a:round/>
+            <a:headEnd type="none" w="med" len="med"/>
+            <a:tailEnd type="none" w="med" len="med"/>
+          </a:ln>
+          <a:effectLst>
+            <a:outerShdw blurRad="50800" dist="38100" dir="2700000" algn="tl" rotWithShape="0">
+              <a:prstClr val="black">
+                <a:alpha val="40000"/>
+              </a:prstClr>
+            </a:outerShdw>
+          </a:effectLst>
+          <a:extLst/>
+        </p:spPr>
+        <p:txBody>
+          <a:bodyPr vert="horz" wrap="square" lIns="91440" tIns="45720" rIns="91440" bIns="0" numCol="1" rtlCol="0" anchor="t" anchorCtr="0" compatLnSpc="1">
+            <a:prstTxWarp prst="textNoShape">
+              <a:avLst/>
+            </a:prstTxWarp>
+          </a:bodyPr>
+          <a:lstStyle/>
+          <a:p>
+            <a:pPr marL="457200" marR="0" indent="-457200" algn="l" defTabSz="914400" rtl="0" eaLnBrk="1" fontAlgn="base" latinLnBrk="0" hangingPunct="1">
+              <a:lnSpc>
+                <a:spcPct val="100000"/>
+              </a:lnSpc>
+              <a:spcBef>
+                <a:spcPct val="20000"/>
+              </a:spcBef>
+              <a:spcAft>
+                <a:spcPct val="0"/>
+              </a:spcAft>
+              <a:buClr>
+                <a:srgbClr val="A50021"/>
+              </a:buClr>
+              <a:buSzPct val="75000"/>
+              <a:buFont typeface="Wingdings" pitchFamily="2" charset="2"/>
+              <a:buChar char="n"/>
+              <a:tabLst/>
+            </a:pPr>
+            <a:endParaRPr kumimoji="1" lang="ru-RU" sz="2000" b="0" i="0" u="none" strike="noStrike" cap="none" normalizeH="0" baseline="0" smtClean="0">
+              <a:ln>
+                <a:noFill/>
+              </a:ln>
+              <a:solidFill>
+                <a:schemeClr val="tx1"/>
+              </a:solidFill>
+              <a:effectLst/>
+              <a:latin typeface="Times New Roman" pitchFamily="18" charset="0"/>
+              <a:cs typeface="Times New Roman" pitchFamily="18" charset="0"/>
+            </a:endParaRPr>
+          </a:p>
+        </p:txBody>
+      </p:sp>
+    </p:spTree>
+    <p:extLst>
+      <p:ext uri="{BB962C8B-B14F-4D97-AF65-F5344CB8AC3E}">
+        <p14:creationId xmlns:p14="http://schemas.microsoft.com/office/powerpoint/2010/main" val="4180716434"/>
       </p:ext>
     </p:extLst>
   </p:cSld>

--- a/lecture/vpn.pptx
+++ b/lecture/vpn.pptx
@@ -5,7 +5,7 @@
     <p:sldMasterId id="2147483649" r:id="rId1"/>
   </p:sldMasterIdLst>
   <p:notesMasterIdLst>
-    <p:notesMasterId r:id="rId11"/>
+    <p:notesMasterId r:id="rId24"/>
   </p:notesMasterIdLst>
   <p:sldIdLst>
     <p:sldId id="312" r:id="rId2"/>
@@ -17,6 +17,19 @@
     <p:sldId id="319" r:id="rId8"/>
     <p:sldId id="317" r:id="rId9"/>
     <p:sldId id="320" r:id="rId10"/>
+    <p:sldId id="321" r:id="rId11"/>
+    <p:sldId id="322" r:id="rId12"/>
+    <p:sldId id="323" r:id="rId13"/>
+    <p:sldId id="324" r:id="rId14"/>
+    <p:sldId id="328" r:id="rId15"/>
+    <p:sldId id="325" r:id="rId16"/>
+    <p:sldId id="327" r:id="rId17"/>
+    <p:sldId id="326" r:id="rId18"/>
+    <p:sldId id="329" r:id="rId19"/>
+    <p:sldId id="330" r:id="rId20"/>
+    <p:sldId id="331" r:id="rId21"/>
+    <p:sldId id="332" r:id="rId22"/>
+    <p:sldId id="333" r:id="rId23"/>
   </p:sldIdLst>
   <p:sldSz cx="9144000" cy="6858000" type="screen4x3"/>
   <p:notesSz cx="6858000" cy="9144000"/>
@@ -475,35 +488,35 @@
           <a:p>
             <a:pPr lvl="0"/>
             <a:r>
-              <a:rPr lang="ru-RU" altLang="ru-RU" smtClean="0"/>
+              <a:rPr lang="ru-RU" altLang="ru-RU"/>
               <a:t>Click to edit Master text styles</a:t>
             </a:r>
           </a:p>
           <a:p>
             <a:pPr lvl="1"/>
             <a:r>
-              <a:rPr lang="ru-RU" altLang="ru-RU" smtClean="0"/>
+              <a:rPr lang="ru-RU" altLang="ru-RU"/>
               <a:t>Second level</a:t>
             </a:r>
           </a:p>
           <a:p>
             <a:pPr lvl="2"/>
             <a:r>
-              <a:rPr lang="ru-RU" altLang="ru-RU" smtClean="0"/>
+              <a:rPr lang="ru-RU" altLang="ru-RU"/>
               <a:t>Third level</a:t>
             </a:r>
           </a:p>
           <a:p>
             <a:pPr lvl="3"/>
             <a:r>
-              <a:rPr lang="ru-RU" altLang="ru-RU" smtClean="0"/>
+              <a:rPr lang="ru-RU" altLang="ru-RU"/>
               <a:t>Fourth level</a:t>
             </a:r>
           </a:p>
           <a:p>
             <a:pPr lvl="4"/>
             <a:r>
-              <a:rPr lang="ru-RU" altLang="ru-RU" smtClean="0"/>
+              <a:rPr lang="ru-RU" altLang="ru-RU"/>
               <a:t>Fifth level</a:t>
             </a:r>
           </a:p>
@@ -1017,7 +1030,7 @@
           <a:p>
             <a:pPr lvl="0"/>
             <a:r>
-              <a:rPr lang="ru-RU" altLang="ru-RU" noProof="0" smtClean="0"/>
+              <a:rPr lang="ru-RU" altLang="ru-RU" noProof="0"/>
               <a:t>Образец заголовка</a:t>
             </a:r>
           </a:p>
@@ -1051,7 +1064,7 @@
           <a:p>
             <a:pPr lvl="0"/>
             <a:r>
-              <a:rPr lang="ru-RU" altLang="ru-RU" noProof="0" smtClean="0"/>
+              <a:rPr lang="ru-RU" altLang="ru-RU" noProof="0"/>
               <a:t>Образец подзаголовка</a:t>
             </a:r>
           </a:p>
@@ -1187,10 +1200,9 @@
           <a:lstStyle/>
           <a:p>
             <a:r>
-              <a:rPr lang="ru-RU" smtClean="0"/>
+              <a:rPr lang="ru-RU"/>
               <a:t>Образец заголовка</a:t>
             </a:r>
-            <a:endParaRPr lang="ru-RU"/>
           </a:p>
         </p:txBody>
       </p:sp>
@@ -1211,38 +1223,37 @@
           <a:p>
             <a:pPr lvl="0"/>
             <a:r>
-              <a:rPr lang="ru-RU" smtClean="0"/>
+              <a:rPr lang="ru-RU"/>
               <a:t>Образец текста</a:t>
             </a:r>
           </a:p>
           <a:p>
             <a:pPr lvl="1"/>
             <a:r>
-              <a:rPr lang="ru-RU" smtClean="0"/>
+              <a:rPr lang="ru-RU"/>
               <a:t>Второй уровень</a:t>
             </a:r>
           </a:p>
           <a:p>
             <a:pPr lvl="2"/>
             <a:r>
-              <a:rPr lang="ru-RU" smtClean="0"/>
+              <a:rPr lang="ru-RU"/>
               <a:t>Третий уровень</a:t>
             </a:r>
           </a:p>
           <a:p>
             <a:pPr lvl="3"/>
             <a:r>
-              <a:rPr lang="ru-RU" smtClean="0"/>
+              <a:rPr lang="ru-RU"/>
               <a:t>Четвертый уровень</a:t>
             </a:r>
           </a:p>
           <a:p>
             <a:pPr lvl="4"/>
             <a:r>
-              <a:rPr lang="ru-RU" smtClean="0"/>
+              <a:rPr lang="ru-RU"/>
               <a:t>Пятый уровень</a:t>
             </a:r>
-            <a:endParaRPr lang="ru-RU"/>
           </a:p>
         </p:txBody>
       </p:sp>
@@ -1371,10 +1382,9 @@
           <a:lstStyle/>
           <a:p>
             <a:r>
-              <a:rPr lang="ru-RU" smtClean="0"/>
+              <a:rPr lang="ru-RU"/>
               <a:t>Образец заголовка</a:t>
             </a:r>
-            <a:endParaRPr lang="ru-RU"/>
           </a:p>
         </p:txBody>
       </p:sp>
@@ -1400,38 +1410,37 @@
           <a:p>
             <a:pPr lvl="0"/>
             <a:r>
-              <a:rPr lang="ru-RU" smtClean="0"/>
+              <a:rPr lang="ru-RU"/>
               <a:t>Образец текста</a:t>
             </a:r>
           </a:p>
           <a:p>
             <a:pPr lvl="1"/>
             <a:r>
-              <a:rPr lang="ru-RU" smtClean="0"/>
+              <a:rPr lang="ru-RU"/>
               <a:t>Второй уровень</a:t>
             </a:r>
           </a:p>
           <a:p>
             <a:pPr lvl="2"/>
             <a:r>
-              <a:rPr lang="ru-RU" smtClean="0"/>
+              <a:rPr lang="ru-RU"/>
               <a:t>Третий уровень</a:t>
             </a:r>
           </a:p>
           <a:p>
             <a:pPr lvl="3"/>
             <a:r>
-              <a:rPr lang="ru-RU" smtClean="0"/>
+              <a:rPr lang="ru-RU"/>
               <a:t>Четвертый уровень</a:t>
             </a:r>
           </a:p>
           <a:p>
             <a:pPr lvl="4"/>
             <a:r>
-              <a:rPr lang="ru-RU" smtClean="0"/>
+              <a:rPr lang="ru-RU"/>
               <a:t>Пятый уровень</a:t>
             </a:r>
-            <a:endParaRPr lang="ru-RU"/>
           </a:p>
         </p:txBody>
       </p:sp>
@@ -1560,10 +1569,9 @@
           <a:lstStyle/>
           <a:p>
             <a:r>
-              <a:rPr lang="ru-RU" smtClean="0"/>
+              <a:rPr lang="ru-RU"/>
               <a:t>Образец заголовка</a:t>
             </a:r>
-            <a:endParaRPr lang="ru-RU"/>
           </a:p>
         </p:txBody>
       </p:sp>
@@ -1731,10 +1739,9 @@
           <a:lstStyle/>
           <a:p>
             <a:r>
-              <a:rPr lang="ru-RU" smtClean="0"/>
+              <a:rPr lang="ru-RU"/>
               <a:t>Образец заголовка</a:t>
             </a:r>
-            <a:endParaRPr lang="ru-RU"/>
           </a:p>
         </p:txBody>
       </p:sp>
@@ -1760,38 +1767,37 @@
           <a:p>
             <a:pPr lvl="0"/>
             <a:r>
-              <a:rPr lang="ru-RU" smtClean="0"/>
+              <a:rPr lang="ru-RU"/>
               <a:t>Образец текста</a:t>
             </a:r>
           </a:p>
           <a:p>
             <a:pPr lvl="1"/>
             <a:r>
-              <a:rPr lang="ru-RU" smtClean="0"/>
+              <a:rPr lang="ru-RU"/>
               <a:t>Второй уровень</a:t>
             </a:r>
           </a:p>
           <a:p>
             <a:pPr lvl="2"/>
             <a:r>
-              <a:rPr lang="ru-RU" smtClean="0"/>
+              <a:rPr lang="ru-RU"/>
               <a:t>Третий уровень</a:t>
             </a:r>
           </a:p>
           <a:p>
             <a:pPr lvl="3"/>
             <a:r>
-              <a:rPr lang="ru-RU" smtClean="0"/>
+              <a:rPr lang="ru-RU"/>
               <a:t>Четвертый уровень</a:t>
             </a:r>
           </a:p>
           <a:p>
             <a:pPr lvl="4"/>
             <a:r>
-              <a:rPr lang="ru-RU" smtClean="0"/>
+              <a:rPr lang="ru-RU"/>
               <a:t>Пятый уровень</a:t>
             </a:r>
-            <a:endParaRPr lang="ru-RU"/>
           </a:p>
         </p:txBody>
       </p:sp>
@@ -1954,10 +1960,9 @@
           <a:lstStyle/>
           <a:p>
             <a:r>
-              <a:rPr lang="ru-RU" smtClean="0"/>
+              <a:rPr lang="ru-RU"/>
               <a:t>Образец заголовка</a:t>
             </a:r>
-            <a:endParaRPr lang="ru-RU"/>
           </a:p>
         </p:txBody>
       </p:sp>
@@ -1978,38 +1983,37 @@
           <a:p>
             <a:pPr lvl="0"/>
             <a:r>
-              <a:rPr lang="ru-RU" smtClean="0"/>
+              <a:rPr lang="ru-RU"/>
               <a:t>Образец текста</a:t>
             </a:r>
           </a:p>
           <a:p>
             <a:pPr lvl="1"/>
             <a:r>
-              <a:rPr lang="ru-RU" smtClean="0"/>
+              <a:rPr lang="ru-RU"/>
               <a:t>Второй уровень</a:t>
             </a:r>
           </a:p>
           <a:p>
             <a:pPr lvl="2"/>
             <a:r>
-              <a:rPr lang="ru-RU" smtClean="0"/>
+              <a:rPr lang="ru-RU"/>
               <a:t>Третий уровень</a:t>
             </a:r>
           </a:p>
           <a:p>
             <a:pPr lvl="3"/>
             <a:r>
-              <a:rPr lang="ru-RU" smtClean="0"/>
+              <a:rPr lang="ru-RU"/>
               <a:t>Четвертый уровень</a:t>
             </a:r>
           </a:p>
           <a:p>
             <a:pPr lvl="4"/>
             <a:r>
-              <a:rPr lang="ru-RU" smtClean="0"/>
+              <a:rPr lang="ru-RU"/>
               <a:t>Пятый уровень</a:t>
             </a:r>
-            <a:endParaRPr lang="ru-RU"/>
           </a:p>
         </p:txBody>
       </p:sp>
@@ -2142,10 +2146,9 @@
           </a:lstStyle>
           <a:p>
             <a:r>
-              <a:rPr lang="ru-RU" smtClean="0"/>
+              <a:rPr lang="ru-RU"/>
               <a:t>Образец заголовка</a:t>
             </a:r>
-            <a:endParaRPr lang="ru-RU"/>
           </a:p>
         </p:txBody>
       </p:sp>
@@ -2208,7 +2211,7 @@
           <a:p>
             <a:pPr lvl="0"/>
             <a:r>
-              <a:rPr lang="ru-RU" smtClean="0"/>
+              <a:rPr lang="ru-RU"/>
               <a:t>Образец текста</a:t>
             </a:r>
           </a:p>
@@ -2334,10 +2337,9 @@
           <a:lstStyle/>
           <a:p>
             <a:r>
-              <a:rPr lang="ru-RU" smtClean="0"/>
+              <a:rPr lang="ru-RU"/>
               <a:t>Образец заголовка</a:t>
             </a:r>
-            <a:endParaRPr lang="ru-RU"/>
           </a:p>
         </p:txBody>
       </p:sp>
@@ -2391,38 +2393,37 @@
           <a:p>
             <a:pPr lvl="0"/>
             <a:r>
-              <a:rPr lang="ru-RU" smtClean="0"/>
+              <a:rPr lang="ru-RU"/>
               <a:t>Образец текста</a:t>
             </a:r>
           </a:p>
           <a:p>
             <a:pPr lvl="1"/>
             <a:r>
-              <a:rPr lang="ru-RU" smtClean="0"/>
+              <a:rPr lang="ru-RU"/>
               <a:t>Второй уровень</a:t>
             </a:r>
           </a:p>
           <a:p>
             <a:pPr lvl="2"/>
             <a:r>
-              <a:rPr lang="ru-RU" smtClean="0"/>
+              <a:rPr lang="ru-RU"/>
               <a:t>Третий уровень</a:t>
             </a:r>
           </a:p>
           <a:p>
             <a:pPr lvl="3"/>
             <a:r>
-              <a:rPr lang="ru-RU" smtClean="0"/>
+              <a:rPr lang="ru-RU"/>
               <a:t>Четвертый уровень</a:t>
             </a:r>
           </a:p>
           <a:p>
             <a:pPr lvl="4"/>
             <a:r>
-              <a:rPr lang="ru-RU" smtClean="0"/>
+              <a:rPr lang="ru-RU"/>
               <a:t>Пятый уровень</a:t>
             </a:r>
-            <a:endParaRPr lang="ru-RU"/>
           </a:p>
         </p:txBody>
       </p:sp>
@@ -2476,38 +2477,37 @@
           <a:p>
             <a:pPr lvl="0"/>
             <a:r>
-              <a:rPr lang="ru-RU" smtClean="0"/>
+              <a:rPr lang="ru-RU"/>
               <a:t>Образец текста</a:t>
             </a:r>
           </a:p>
           <a:p>
             <a:pPr lvl="1"/>
             <a:r>
-              <a:rPr lang="ru-RU" smtClean="0"/>
+              <a:rPr lang="ru-RU"/>
               <a:t>Второй уровень</a:t>
             </a:r>
           </a:p>
           <a:p>
             <a:pPr lvl="2"/>
             <a:r>
-              <a:rPr lang="ru-RU" smtClean="0"/>
+              <a:rPr lang="ru-RU"/>
               <a:t>Третий уровень</a:t>
             </a:r>
           </a:p>
           <a:p>
             <a:pPr lvl="3"/>
             <a:r>
-              <a:rPr lang="ru-RU" smtClean="0"/>
+              <a:rPr lang="ru-RU"/>
               <a:t>Четвертый уровень</a:t>
             </a:r>
           </a:p>
           <a:p>
             <a:pPr lvl="4"/>
             <a:r>
-              <a:rPr lang="ru-RU" smtClean="0"/>
+              <a:rPr lang="ru-RU"/>
               <a:t>Пятый уровень</a:t>
             </a:r>
-            <a:endParaRPr lang="ru-RU"/>
           </a:p>
         </p:txBody>
       </p:sp>
@@ -2640,10 +2640,9 @@
           </a:lstStyle>
           <a:p>
             <a:r>
-              <a:rPr lang="ru-RU" smtClean="0"/>
+              <a:rPr lang="ru-RU"/>
               <a:t>Образец заголовка</a:t>
             </a:r>
-            <a:endParaRPr lang="ru-RU"/>
           </a:p>
         </p:txBody>
       </p:sp>
@@ -2706,7 +2705,7 @@
           <a:p>
             <a:pPr lvl="0"/>
             <a:r>
-              <a:rPr lang="ru-RU" smtClean="0"/>
+              <a:rPr lang="ru-RU"/>
               <a:t>Образец текста</a:t>
             </a:r>
           </a:p>
@@ -2762,38 +2761,37 @@
           <a:p>
             <a:pPr lvl="0"/>
             <a:r>
-              <a:rPr lang="ru-RU" smtClean="0"/>
+              <a:rPr lang="ru-RU"/>
               <a:t>Образец текста</a:t>
             </a:r>
           </a:p>
           <a:p>
             <a:pPr lvl="1"/>
             <a:r>
-              <a:rPr lang="ru-RU" smtClean="0"/>
+              <a:rPr lang="ru-RU"/>
               <a:t>Второй уровень</a:t>
             </a:r>
           </a:p>
           <a:p>
             <a:pPr lvl="2"/>
             <a:r>
-              <a:rPr lang="ru-RU" smtClean="0"/>
+              <a:rPr lang="ru-RU"/>
               <a:t>Третий уровень</a:t>
             </a:r>
           </a:p>
           <a:p>
             <a:pPr lvl="3"/>
             <a:r>
-              <a:rPr lang="ru-RU" smtClean="0"/>
+              <a:rPr lang="ru-RU"/>
               <a:t>Четвертый уровень</a:t>
             </a:r>
           </a:p>
           <a:p>
             <a:pPr lvl="4"/>
             <a:r>
-              <a:rPr lang="ru-RU" smtClean="0"/>
+              <a:rPr lang="ru-RU"/>
               <a:t>Пятый уровень</a:t>
             </a:r>
-            <a:endParaRPr lang="ru-RU"/>
           </a:p>
         </p:txBody>
       </p:sp>
@@ -2856,7 +2854,7 @@
           <a:p>
             <a:pPr lvl="0"/>
             <a:r>
-              <a:rPr lang="ru-RU" smtClean="0"/>
+              <a:rPr lang="ru-RU"/>
               <a:t>Образец текста</a:t>
             </a:r>
           </a:p>
@@ -2912,38 +2910,37 @@
           <a:p>
             <a:pPr lvl="0"/>
             <a:r>
-              <a:rPr lang="ru-RU" smtClean="0"/>
+              <a:rPr lang="ru-RU"/>
               <a:t>Образец текста</a:t>
             </a:r>
           </a:p>
           <a:p>
             <a:pPr lvl="1"/>
             <a:r>
-              <a:rPr lang="ru-RU" smtClean="0"/>
+              <a:rPr lang="ru-RU"/>
               <a:t>Второй уровень</a:t>
             </a:r>
           </a:p>
           <a:p>
             <a:pPr lvl="2"/>
             <a:r>
-              <a:rPr lang="ru-RU" smtClean="0"/>
+              <a:rPr lang="ru-RU"/>
               <a:t>Третий уровень</a:t>
             </a:r>
           </a:p>
           <a:p>
             <a:pPr lvl="3"/>
             <a:r>
-              <a:rPr lang="ru-RU" smtClean="0"/>
+              <a:rPr lang="ru-RU"/>
               <a:t>Четвертый уровень</a:t>
             </a:r>
           </a:p>
           <a:p>
             <a:pPr lvl="4"/>
             <a:r>
-              <a:rPr lang="ru-RU" smtClean="0"/>
+              <a:rPr lang="ru-RU"/>
               <a:t>Пятый уровень</a:t>
             </a:r>
-            <a:endParaRPr lang="ru-RU"/>
           </a:p>
         </p:txBody>
       </p:sp>
@@ -3067,10 +3064,9 @@
           <a:lstStyle/>
           <a:p>
             <a:r>
-              <a:rPr lang="ru-RU" smtClean="0"/>
+              <a:rPr lang="ru-RU"/>
               <a:t>Образец заголовка</a:t>
             </a:r>
-            <a:endParaRPr lang="ru-RU"/>
           </a:p>
         </p:txBody>
       </p:sp>
@@ -3307,10 +3303,9 @@
           </a:lstStyle>
           <a:p>
             <a:r>
-              <a:rPr lang="ru-RU" smtClean="0"/>
+              <a:rPr lang="ru-RU"/>
               <a:t>Образец заголовка</a:t>
             </a:r>
-            <a:endParaRPr lang="ru-RU"/>
           </a:p>
         </p:txBody>
       </p:sp>
@@ -3364,38 +3359,37 @@
           <a:p>
             <a:pPr lvl="0"/>
             <a:r>
-              <a:rPr lang="ru-RU" smtClean="0"/>
+              <a:rPr lang="ru-RU"/>
               <a:t>Образец текста</a:t>
             </a:r>
           </a:p>
           <a:p>
             <a:pPr lvl="1"/>
             <a:r>
-              <a:rPr lang="ru-RU" smtClean="0"/>
+              <a:rPr lang="ru-RU"/>
               <a:t>Второй уровень</a:t>
             </a:r>
           </a:p>
           <a:p>
             <a:pPr lvl="2"/>
             <a:r>
-              <a:rPr lang="ru-RU" smtClean="0"/>
+              <a:rPr lang="ru-RU"/>
               <a:t>Третий уровень</a:t>
             </a:r>
           </a:p>
           <a:p>
             <a:pPr lvl="3"/>
             <a:r>
-              <a:rPr lang="ru-RU" smtClean="0"/>
+              <a:rPr lang="ru-RU"/>
               <a:t>Четвертый уровень</a:t>
             </a:r>
           </a:p>
           <a:p>
             <a:pPr lvl="4"/>
             <a:r>
-              <a:rPr lang="ru-RU" smtClean="0"/>
+              <a:rPr lang="ru-RU"/>
               <a:t>Пятый уровень</a:t>
             </a:r>
-            <a:endParaRPr lang="ru-RU"/>
           </a:p>
         </p:txBody>
       </p:sp>
@@ -3458,7 +3452,7 @@
           <a:p>
             <a:pPr lvl="0"/>
             <a:r>
-              <a:rPr lang="ru-RU" smtClean="0"/>
+              <a:rPr lang="ru-RU"/>
               <a:t>Образец текста</a:t>
             </a:r>
           </a:p>
@@ -3593,10 +3587,9 @@
           </a:lstStyle>
           <a:p>
             <a:r>
-              <a:rPr lang="ru-RU" smtClean="0"/>
+              <a:rPr lang="ru-RU"/>
               <a:t>Образец заголовка</a:t>
             </a:r>
-            <a:endParaRPr lang="ru-RU"/>
           </a:p>
         </p:txBody>
       </p:sp>
@@ -3720,7 +3713,7 @@
           <a:p>
             <a:pPr lvl="0"/>
             <a:r>
-              <a:rPr lang="ru-RU" smtClean="0"/>
+              <a:rPr lang="ru-RU"/>
               <a:t>Образец текста</a:t>
             </a:r>
           </a:p>
@@ -4170,7 +4163,7 @@
           <a:p>
             <a:pPr lvl="0"/>
             <a:r>
-              <a:rPr lang="ru-RU" altLang="ru-RU" smtClean="0"/>
+              <a:rPr lang="ru-RU" altLang="ru-RU"/>
               <a:t>Образец заголовка</a:t>
             </a:r>
           </a:p>
@@ -4585,35 +4578,35 @@
           <a:p>
             <a:pPr lvl="0"/>
             <a:r>
-              <a:rPr lang="ru-RU" altLang="ru-RU" smtClean="0"/>
+              <a:rPr lang="ru-RU" altLang="ru-RU"/>
               <a:t>Образец текста</a:t>
             </a:r>
           </a:p>
           <a:p>
             <a:pPr lvl="1"/>
             <a:r>
-              <a:rPr lang="ru-RU" altLang="ru-RU" smtClean="0"/>
+              <a:rPr lang="ru-RU" altLang="ru-RU"/>
               <a:t>Второй уровень</a:t>
             </a:r>
           </a:p>
           <a:p>
             <a:pPr lvl="2"/>
             <a:r>
-              <a:rPr lang="ru-RU" altLang="ru-RU" smtClean="0"/>
+              <a:rPr lang="ru-RU" altLang="ru-RU"/>
               <a:t>Третий уровень</a:t>
             </a:r>
           </a:p>
           <a:p>
             <a:pPr lvl="3"/>
             <a:r>
-              <a:rPr lang="ru-RU" altLang="ru-RU" smtClean="0"/>
+              <a:rPr lang="ru-RU" altLang="ru-RU"/>
               <a:t>Четвертый уровень</a:t>
             </a:r>
           </a:p>
           <a:p>
             <a:pPr lvl="4"/>
             <a:r>
-              <a:rPr lang="ru-RU" altLang="ru-RU" smtClean="0"/>
+              <a:rPr lang="ru-RU" altLang="ru-RU"/>
               <a:t>Пятый уровень</a:t>
             </a:r>
           </a:p>
@@ -5222,14 +5215,14 @@
               <a:buNone/>
             </a:pPr>
             <a:r>
-              <a:rPr kumimoji="0" lang="en-US" altLang="ru-RU" b="1" kern="0" dirty="0" smtClean="0"/>
+              <a:rPr kumimoji="0" lang="en-US" altLang="ru-RU" b="1" kern="0" dirty="0"/>
               <a:t>VPN: </a:t>
             </a:r>
             <a:r>
-              <a:rPr kumimoji="0" lang="ru-RU" altLang="ru-RU" b="1" kern="0" dirty="0" smtClean="0"/>
+              <a:rPr kumimoji="0" lang="ru-RU" altLang="ru-RU" b="1" kern="0" dirty="0"/>
               <a:t>Виртуальные частные сети</a:t>
             </a:r>
-            <a:endParaRPr kumimoji="0" lang="en-US" altLang="ru-RU" b="1" kern="0" dirty="0" smtClean="0"/>
+            <a:endParaRPr kumimoji="0" lang="en-US" altLang="ru-RU" b="1" kern="0" dirty="0"/>
           </a:p>
         </p:txBody>
       </p:sp>
@@ -5282,13 +5275,3586 @@
   <p:clrMapOvr>
     <a:masterClrMapping/>
   </p:clrMapOvr>
-  <p:timing>
-    <p:tnLst>
-      <p:par>
-        <p:cTn id="1" dur="indefinite" restart="never" nodeType="tmRoot"/>
-      </p:par>
-    </p:tnLst>
-  </p:timing>
+</p:sld>
+</file>
+
+<file path=ppt/slides/slide10.xml><?xml version="1.0" encoding="utf-8"?>
+<p:sld xmlns:a="http://schemas.openxmlformats.org/drawingml/2006/main" xmlns:r="http://schemas.openxmlformats.org/officeDocument/2006/relationships" xmlns:p="http://schemas.openxmlformats.org/presentationml/2006/main">
+  <p:cSld>
+    <p:spTree>
+      <p:nvGrpSpPr>
+        <p:cNvPr id="1" name=""/>
+        <p:cNvGrpSpPr/>
+        <p:nvPr/>
+      </p:nvGrpSpPr>
+      <p:grpSpPr>
+        <a:xfrm>
+          <a:off x="0" y="0"/>
+          <a:ext cx="0" cy="0"/>
+          <a:chOff x="0" y="0"/>
+          <a:chExt cx="0" cy="0"/>
+        </a:xfrm>
+      </p:grpSpPr>
+      <p:sp>
+        <p:nvSpPr>
+          <p:cNvPr id="19" name="Заголовок 1"/>
+          <p:cNvSpPr txBox="1">
+            <a:spLocks/>
+          </p:cNvSpPr>
+          <p:nvPr/>
+        </p:nvSpPr>
+        <p:spPr bwMode="auto">
+          <a:xfrm>
+            <a:off x="477627" y="548680"/>
+            <a:ext cx="7772400" cy="1143000"/>
+          </a:xfrm>
+          <a:prstGeom prst="rect">
+            <a:avLst/>
+          </a:prstGeom>
+          <a:noFill/>
+          <a:ln>
+            <a:noFill/>
+          </a:ln>
+          <a:effectLst/>
+        </p:spPr>
+        <p:txBody>
+          <a:bodyPr vert="horz" wrap="square" lIns="91440" tIns="45720" rIns="91440" bIns="45720" numCol="1" anchor="b" anchorCtr="0" compatLnSpc="1">
+            <a:prstTxWarp prst="textNoShape">
+              <a:avLst/>
+            </a:prstTxWarp>
+            <a:normAutofit/>
+          </a:bodyPr>
+          <a:lstStyle>
+            <a:lvl1pPr algn="l" rtl="0" fontAlgn="base">
+              <a:spcBef>
+                <a:spcPct val="0"/>
+              </a:spcBef>
+              <a:spcAft>
+                <a:spcPct val="0"/>
+              </a:spcAft>
+              <a:defRPr sz="4400">
+                <a:solidFill>
+                  <a:schemeClr val="tx2"/>
+                </a:solidFill>
+                <a:latin typeface="+mj-lt"/>
+                <a:ea typeface="+mj-ea"/>
+                <a:cs typeface="+mj-cs"/>
+              </a:defRPr>
+            </a:lvl1pPr>
+            <a:lvl2pPr algn="l" rtl="0" fontAlgn="base">
+              <a:spcBef>
+                <a:spcPct val="0"/>
+              </a:spcBef>
+              <a:spcAft>
+                <a:spcPct val="0"/>
+              </a:spcAft>
+              <a:defRPr sz="4400">
+                <a:solidFill>
+                  <a:schemeClr val="tx2"/>
+                </a:solidFill>
+                <a:latin typeface="Times New Roman" pitchFamily="18" charset="0"/>
+              </a:defRPr>
+            </a:lvl2pPr>
+            <a:lvl3pPr algn="l" rtl="0" fontAlgn="base">
+              <a:spcBef>
+                <a:spcPct val="0"/>
+              </a:spcBef>
+              <a:spcAft>
+                <a:spcPct val="0"/>
+              </a:spcAft>
+              <a:defRPr sz="4400">
+                <a:solidFill>
+                  <a:schemeClr val="tx2"/>
+                </a:solidFill>
+                <a:latin typeface="Times New Roman" pitchFamily="18" charset="0"/>
+              </a:defRPr>
+            </a:lvl3pPr>
+            <a:lvl4pPr algn="l" rtl="0" fontAlgn="base">
+              <a:spcBef>
+                <a:spcPct val="0"/>
+              </a:spcBef>
+              <a:spcAft>
+                <a:spcPct val="0"/>
+              </a:spcAft>
+              <a:defRPr sz="4400">
+                <a:solidFill>
+                  <a:schemeClr val="tx2"/>
+                </a:solidFill>
+                <a:latin typeface="Times New Roman" pitchFamily="18" charset="0"/>
+              </a:defRPr>
+            </a:lvl4pPr>
+            <a:lvl5pPr algn="l" rtl="0" fontAlgn="base">
+              <a:spcBef>
+                <a:spcPct val="0"/>
+              </a:spcBef>
+              <a:spcAft>
+                <a:spcPct val="0"/>
+              </a:spcAft>
+              <a:defRPr sz="4400">
+                <a:solidFill>
+                  <a:schemeClr val="tx2"/>
+                </a:solidFill>
+                <a:latin typeface="Times New Roman" pitchFamily="18" charset="0"/>
+              </a:defRPr>
+            </a:lvl5pPr>
+            <a:lvl6pPr marL="457200" algn="l" rtl="0" fontAlgn="base">
+              <a:spcBef>
+                <a:spcPct val="0"/>
+              </a:spcBef>
+              <a:spcAft>
+                <a:spcPct val="0"/>
+              </a:spcAft>
+              <a:defRPr sz="4400">
+                <a:solidFill>
+                  <a:schemeClr val="tx2"/>
+                </a:solidFill>
+                <a:latin typeface="Times New Roman" pitchFamily="18" charset="0"/>
+              </a:defRPr>
+            </a:lvl6pPr>
+            <a:lvl7pPr marL="914400" algn="l" rtl="0" fontAlgn="base">
+              <a:spcBef>
+                <a:spcPct val="0"/>
+              </a:spcBef>
+              <a:spcAft>
+                <a:spcPct val="0"/>
+              </a:spcAft>
+              <a:defRPr sz="4400">
+                <a:solidFill>
+                  <a:schemeClr val="tx2"/>
+                </a:solidFill>
+                <a:latin typeface="Times New Roman" pitchFamily="18" charset="0"/>
+              </a:defRPr>
+            </a:lvl7pPr>
+            <a:lvl8pPr marL="1371600" algn="l" rtl="0" fontAlgn="base">
+              <a:spcBef>
+                <a:spcPct val="0"/>
+              </a:spcBef>
+              <a:spcAft>
+                <a:spcPct val="0"/>
+              </a:spcAft>
+              <a:defRPr sz="4400">
+                <a:solidFill>
+                  <a:schemeClr val="tx2"/>
+                </a:solidFill>
+                <a:latin typeface="Times New Roman" pitchFamily="18" charset="0"/>
+              </a:defRPr>
+            </a:lvl8pPr>
+            <a:lvl9pPr marL="1828800" algn="l" rtl="0" fontAlgn="base">
+              <a:spcBef>
+                <a:spcPct val="0"/>
+              </a:spcBef>
+              <a:spcAft>
+                <a:spcPct val="0"/>
+              </a:spcAft>
+              <a:defRPr sz="4400">
+                <a:solidFill>
+                  <a:schemeClr val="tx2"/>
+                </a:solidFill>
+                <a:latin typeface="Times New Roman" pitchFamily="18" charset="0"/>
+              </a:defRPr>
+            </a:lvl9pPr>
+          </a:lstStyle>
+          <a:p>
+            <a:pPr>
+              <a:spcAft>
+                <a:spcPts val="600"/>
+              </a:spcAft>
+              <a:buClrTx/>
+              <a:buSzTx/>
+              <a:buFontTx/>
+              <a:buNone/>
+            </a:pPr>
+            <a:r>
+              <a:rPr kumimoji="0" lang="ru-RU" altLang="ru-RU" b="1" kern="0" dirty="0">
+                <a:latin typeface="+mj-lt"/>
+                <a:ea typeface="+mj-ea"/>
+                <a:cs typeface="+mj-cs"/>
+              </a:rPr>
+              <a:t>GRE </a:t>
+            </a:r>
+          </a:p>
+        </p:txBody>
+      </p:sp>
+      <p:pic>
+        <p:nvPicPr>
+          <p:cNvPr id="3" name="Рисунок 2" descr="Изображение выглядит как диаграмма&#10;&#10;Автоматически созданное описание">
+            <a:extLst>
+              <a:ext uri="{FF2B5EF4-FFF2-40B4-BE49-F238E27FC236}">
+                <a16:creationId xmlns:a16="http://schemas.microsoft.com/office/drawing/2014/main" id="{499B5515-F4F1-B0A2-F8E7-F6A4FC0968E4}"/>
+              </a:ext>
+            </a:extLst>
+          </p:cNvPr>
+          <p:cNvPicPr>
+            <a:picLocks noChangeAspect="1"/>
+          </p:cNvPicPr>
+          <p:nvPr/>
+        </p:nvPicPr>
+        <p:blipFill>
+          <a:blip r:embed="rId2"/>
+          <a:stretch>
+            <a:fillRect/>
+          </a:stretch>
+        </p:blipFill>
+        <p:spPr>
+          <a:xfrm>
+            <a:off x="4728369" y="1373007"/>
+            <a:ext cx="4415631" cy="2848081"/>
+          </a:xfrm>
+          <a:prstGeom prst="rect">
+            <a:avLst/>
+          </a:prstGeom>
+          <a:noFill/>
+        </p:spPr>
+      </p:pic>
+      <p:sp>
+        <p:nvSpPr>
+          <p:cNvPr id="2" name="TextBox 1">
+            <a:extLst>
+              <a:ext uri="{FF2B5EF4-FFF2-40B4-BE49-F238E27FC236}">
+                <a16:creationId xmlns:a16="http://schemas.microsoft.com/office/drawing/2014/main" id="{4D1380DF-102B-267D-9D62-89BE60708AC6}"/>
+              </a:ext>
+            </a:extLst>
+          </p:cNvPr>
+          <p:cNvSpPr txBox="1"/>
+          <p:nvPr/>
+        </p:nvSpPr>
+        <p:spPr bwMode="auto">
+          <a:xfrm>
+            <a:off x="477627" y="1484784"/>
+            <a:ext cx="4536504" cy="4752528"/>
+          </a:xfrm>
+          <a:prstGeom prst="rect">
+            <a:avLst/>
+          </a:prstGeom>
+          <a:noFill/>
+          <a:ln>
+            <a:noFill/>
+          </a:ln>
+          <a:effectLst/>
+        </p:spPr>
+        <p:txBody>
+          <a:bodyPr vert="horz" wrap="square" lIns="91440" tIns="45720" rIns="91440" bIns="45720" numCol="1" rtlCol="0" anchor="t" anchorCtr="0" compatLnSpc="1">
+            <a:prstTxWarp prst="textNoShape">
+              <a:avLst/>
+            </a:prstTxWarp>
+            <a:noAutofit/>
+          </a:bodyPr>
+          <a:lstStyle/>
+          <a:p>
+            <a:pPr>
+              <a:lnSpc>
+                <a:spcPct val="90000"/>
+              </a:lnSpc>
+            </a:pPr>
+            <a:r>
+              <a:rPr lang="ru-RU" sz="1400" b="1" dirty="0">
+                <a:latin typeface="+mn-lt"/>
+              </a:rPr>
+              <a:t>GRE</a:t>
+            </a:r>
+            <a:r>
+              <a:rPr lang="ru-RU" sz="1400" dirty="0">
+                <a:latin typeface="+mn-lt"/>
+              </a:rPr>
+              <a:t> (англ. </a:t>
+            </a:r>
+            <a:r>
+              <a:rPr lang="ru-RU" sz="1400" dirty="0" err="1">
+                <a:latin typeface="+mn-lt"/>
+              </a:rPr>
+              <a:t>Generic</a:t>
+            </a:r>
+            <a:r>
+              <a:rPr lang="ru-RU" sz="1400" dirty="0">
+                <a:latin typeface="+mn-lt"/>
+              </a:rPr>
+              <a:t> </a:t>
+            </a:r>
+            <a:r>
+              <a:rPr lang="ru-RU" sz="1400" dirty="0" err="1">
+                <a:latin typeface="+mn-lt"/>
+              </a:rPr>
+              <a:t>Routing</a:t>
+            </a:r>
+            <a:r>
+              <a:rPr lang="ru-RU" sz="1400" dirty="0">
+                <a:latin typeface="+mn-lt"/>
+              </a:rPr>
+              <a:t> </a:t>
+            </a:r>
+            <a:r>
+              <a:rPr lang="ru-RU" sz="1400" dirty="0" err="1">
+                <a:latin typeface="+mn-lt"/>
+              </a:rPr>
+              <a:t>Encapsulation</a:t>
+            </a:r>
+            <a:r>
+              <a:rPr lang="ru-RU" sz="1400" dirty="0">
+                <a:latin typeface="+mn-lt"/>
+              </a:rPr>
+              <a:t> — общая инкапсуляция маршрутов) — протокол туннелирования сетевых пакетов, разработанный компанией Cisco Systems. Его основное назначение — инкапсуляция пакетов сетевого уровня сетевой модели OSI в IP-пакеты. Номер протокола в IP — 47.</a:t>
+            </a:r>
+          </a:p>
+          <a:p>
+            <a:pPr>
+              <a:lnSpc>
+                <a:spcPct val="90000"/>
+              </a:lnSpc>
+            </a:pPr>
+            <a:endParaRPr lang="ru-RU" sz="1400" dirty="0">
+              <a:latin typeface="+mn-lt"/>
+            </a:endParaRPr>
+          </a:p>
+          <a:p>
+            <a:pPr>
+              <a:lnSpc>
+                <a:spcPct val="90000"/>
+              </a:lnSpc>
+            </a:pPr>
+            <a:r>
+              <a:rPr lang="ru-RU" sz="1400" dirty="0">
+                <a:latin typeface="+mn-lt"/>
+              </a:rPr>
+              <a:t>IP/GRE является самостоятельным транспортным протоколом, и не опирается на протоколы типа TCP или UDP. Размер заголовка GRE составляет </a:t>
+            </a:r>
+            <a:r>
+              <a:rPr lang="ru-RU" sz="1400" b="1" dirty="0">
+                <a:latin typeface="+mn-lt"/>
+              </a:rPr>
+              <a:t>4 байта</a:t>
+            </a:r>
+            <a:r>
+              <a:rPr lang="ru-RU" sz="1400" dirty="0">
+                <a:latin typeface="+mn-lt"/>
+              </a:rPr>
+              <a:t>, что совместно с заголовком IP в 20 байт уменьшает MTU полезной нагрузки в виде инкапсулируемых данных на 24 байта.</a:t>
+            </a:r>
+          </a:p>
+          <a:p>
+            <a:pPr>
+              <a:lnSpc>
+                <a:spcPct val="90000"/>
+              </a:lnSpc>
+            </a:pPr>
+            <a:endParaRPr lang="ru-RU" sz="1400" dirty="0">
+              <a:latin typeface="+mn-lt"/>
+            </a:endParaRPr>
+          </a:p>
+          <a:p>
+            <a:pPr>
+              <a:lnSpc>
+                <a:spcPct val="90000"/>
+              </a:lnSpc>
+            </a:pPr>
+            <a:r>
+              <a:rPr lang="ru-RU" sz="1400" dirty="0">
+                <a:latin typeface="+mn-lt"/>
+              </a:rPr>
+              <a:t>Туннелирование подразумевает три протокола:</a:t>
+            </a:r>
+          </a:p>
+          <a:p>
+            <a:pPr marL="285750" indent="-285750">
+              <a:lnSpc>
+                <a:spcPct val="90000"/>
+              </a:lnSpc>
+            </a:pPr>
+            <a:r>
+              <a:rPr lang="ru-RU" sz="1400" dirty="0">
+                <a:latin typeface="+mn-lt"/>
+              </a:rPr>
+              <a:t>пассажир — инкапсулированный протокол (IP, CLNP, IPX, </a:t>
+            </a:r>
+            <a:r>
+              <a:rPr lang="ru-RU" sz="1400" dirty="0" err="1">
+                <a:latin typeface="+mn-lt"/>
+              </a:rPr>
+              <a:t>AppleTalk</a:t>
+            </a:r>
+            <a:r>
+              <a:rPr lang="ru-RU" sz="1400" dirty="0">
+                <a:latin typeface="+mn-lt"/>
+              </a:rPr>
+              <a:t>, </a:t>
+            </a:r>
+            <a:r>
+              <a:rPr lang="ru-RU" sz="1400" dirty="0" err="1">
+                <a:latin typeface="+mn-lt"/>
+              </a:rPr>
+              <a:t>DECnet</a:t>
+            </a:r>
+            <a:r>
+              <a:rPr lang="ru-RU" sz="1400" dirty="0">
+                <a:latin typeface="+mn-lt"/>
+              </a:rPr>
+              <a:t> </a:t>
+            </a:r>
+            <a:r>
+              <a:rPr lang="ru-RU" sz="1400" dirty="0" err="1">
+                <a:latin typeface="+mn-lt"/>
+              </a:rPr>
+              <a:t>Phase</a:t>
+            </a:r>
+            <a:r>
+              <a:rPr lang="ru-RU" sz="1400" dirty="0">
+                <a:latin typeface="+mn-lt"/>
+              </a:rPr>
+              <a:t> IV, XNS, VINES и Apollo)</a:t>
+            </a:r>
+          </a:p>
+          <a:p>
+            <a:pPr marL="285750" indent="-285750">
+              <a:lnSpc>
+                <a:spcPct val="90000"/>
+              </a:lnSpc>
+            </a:pPr>
+            <a:r>
+              <a:rPr lang="ru-RU" sz="1400" dirty="0">
+                <a:latin typeface="+mn-lt"/>
+              </a:rPr>
+              <a:t>протокол инкапсуляции (GRE)</a:t>
+            </a:r>
+          </a:p>
+          <a:p>
+            <a:pPr marL="285750" indent="-285750">
+              <a:lnSpc>
+                <a:spcPct val="90000"/>
+              </a:lnSpc>
+            </a:pPr>
+            <a:r>
+              <a:rPr lang="ru-RU" sz="1400" dirty="0">
+                <a:latin typeface="+mn-lt"/>
+              </a:rPr>
+              <a:t>сетевой протокол (IP)</a:t>
+            </a:r>
+          </a:p>
+        </p:txBody>
+      </p:sp>
+      <p:pic>
+        <p:nvPicPr>
+          <p:cNvPr id="1026" name="Picture 2" descr="CCNA Training » GRE Tunnel Tutorial">
+            <a:extLst>
+              <a:ext uri="{FF2B5EF4-FFF2-40B4-BE49-F238E27FC236}">
+                <a16:creationId xmlns:a16="http://schemas.microsoft.com/office/drawing/2014/main" id="{785CA1EE-CC00-37B6-385B-C2BDA72B6693}"/>
+              </a:ext>
+            </a:extLst>
+          </p:cNvPr>
+          <p:cNvPicPr>
+            <a:picLocks noChangeAspect="1" noChangeArrowheads="1"/>
+          </p:cNvPicPr>
+          <p:nvPr/>
+        </p:nvPicPr>
+        <p:blipFill>
+          <a:blip r:embed="rId3">
+            <a:extLst>
+              <a:ext uri="{28A0092B-C50C-407E-A947-70E740481C1C}">
+                <a14:useLocalDpi xmlns:a14="http://schemas.microsoft.com/office/drawing/2010/main" val="0"/>
+              </a:ext>
+            </a:extLst>
+          </a:blip>
+          <a:srcRect/>
+          <a:stretch>
+            <a:fillRect/>
+          </a:stretch>
+        </p:blipFill>
+        <p:spPr bwMode="auto">
+          <a:xfrm>
+            <a:off x="3491880" y="5031090"/>
+            <a:ext cx="5569843" cy="1738878"/>
+          </a:xfrm>
+          <a:prstGeom prst="rect">
+            <a:avLst/>
+          </a:prstGeom>
+          <a:noFill/>
+          <a:extLst>
+            <a:ext uri="{909E8E84-426E-40DD-AFC4-6F175D3DCCD1}">
+              <a14:hiddenFill xmlns:a14="http://schemas.microsoft.com/office/drawing/2010/main">
+                <a:solidFill>
+                  <a:srgbClr val="FFFFFF"/>
+                </a:solidFill>
+              </a14:hiddenFill>
+            </a:ext>
+          </a:extLst>
+        </p:spPr>
+      </p:pic>
+    </p:spTree>
+    <p:extLst>
+      <p:ext uri="{BB962C8B-B14F-4D97-AF65-F5344CB8AC3E}">
+        <p14:creationId xmlns:p14="http://schemas.microsoft.com/office/powerpoint/2010/main" val="2145311599"/>
+      </p:ext>
+    </p:extLst>
+  </p:cSld>
+  <p:clrMapOvr>
+    <a:masterClrMapping/>
+  </p:clrMapOvr>
+</p:sld>
+</file>
+
+<file path=ppt/slides/slide11.xml><?xml version="1.0" encoding="utf-8"?>
+<p:sld xmlns:a="http://schemas.openxmlformats.org/drawingml/2006/main" xmlns:r="http://schemas.openxmlformats.org/officeDocument/2006/relationships" xmlns:p="http://schemas.openxmlformats.org/presentationml/2006/main">
+  <p:cSld>
+    <p:spTree>
+      <p:nvGrpSpPr>
+        <p:cNvPr id="1" name=""/>
+        <p:cNvGrpSpPr/>
+        <p:nvPr/>
+      </p:nvGrpSpPr>
+      <p:grpSpPr>
+        <a:xfrm>
+          <a:off x="0" y="0"/>
+          <a:ext cx="0" cy="0"/>
+          <a:chOff x="0" y="0"/>
+          <a:chExt cx="0" cy="0"/>
+        </a:xfrm>
+      </p:grpSpPr>
+      <p:sp>
+        <p:nvSpPr>
+          <p:cNvPr id="19" name="Заголовок 1"/>
+          <p:cNvSpPr txBox="1">
+            <a:spLocks/>
+          </p:cNvSpPr>
+          <p:nvPr/>
+        </p:nvSpPr>
+        <p:spPr>
+          <a:xfrm>
+            <a:off x="0" y="701874"/>
+            <a:ext cx="9144000" cy="1008112"/>
+          </a:xfrm>
+          <a:prstGeom prst="rect">
+            <a:avLst/>
+          </a:prstGeom>
+        </p:spPr>
+        <p:txBody>
+          <a:bodyPr/>
+          <a:lstStyle>
+            <a:lvl1pPr algn="l" rtl="0" fontAlgn="base">
+              <a:spcBef>
+                <a:spcPct val="0"/>
+              </a:spcBef>
+              <a:spcAft>
+                <a:spcPct val="0"/>
+              </a:spcAft>
+              <a:defRPr sz="4400">
+                <a:solidFill>
+                  <a:schemeClr val="tx2"/>
+                </a:solidFill>
+                <a:latin typeface="+mj-lt"/>
+                <a:ea typeface="+mj-ea"/>
+                <a:cs typeface="+mj-cs"/>
+              </a:defRPr>
+            </a:lvl1pPr>
+            <a:lvl2pPr algn="l" rtl="0" fontAlgn="base">
+              <a:spcBef>
+                <a:spcPct val="0"/>
+              </a:spcBef>
+              <a:spcAft>
+                <a:spcPct val="0"/>
+              </a:spcAft>
+              <a:defRPr sz="4400">
+                <a:solidFill>
+                  <a:schemeClr val="tx2"/>
+                </a:solidFill>
+                <a:latin typeface="Times New Roman" pitchFamily="18" charset="0"/>
+              </a:defRPr>
+            </a:lvl2pPr>
+            <a:lvl3pPr algn="l" rtl="0" fontAlgn="base">
+              <a:spcBef>
+                <a:spcPct val="0"/>
+              </a:spcBef>
+              <a:spcAft>
+                <a:spcPct val="0"/>
+              </a:spcAft>
+              <a:defRPr sz="4400">
+                <a:solidFill>
+                  <a:schemeClr val="tx2"/>
+                </a:solidFill>
+                <a:latin typeface="Times New Roman" pitchFamily="18" charset="0"/>
+              </a:defRPr>
+            </a:lvl3pPr>
+            <a:lvl4pPr algn="l" rtl="0" fontAlgn="base">
+              <a:spcBef>
+                <a:spcPct val="0"/>
+              </a:spcBef>
+              <a:spcAft>
+                <a:spcPct val="0"/>
+              </a:spcAft>
+              <a:defRPr sz="4400">
+                <a:solidFill>
+                  <a:schemeClr val="tx2"/>
+                </a:solidFill>
+                <a:latin typeface="Times New Roman" pitchFamily="18" charset="0"/>
+              </a:defRPr>
+            </a:lvl4pPr>
+            <a:lvl5pPr algn="l" rtl="0" fontAlgn="base">
+              <a:spcBef>
+                <a:spcPct val="0"/>
+              </a:spcBef>
+              <a:spcAft>
+                <a:spcPct val="0"/>
+              </a:spcAft>
+              <a:defRPr sz="4400">
+                <a:solidFill>
+                  <a:schemeClr val="tx2"/>
+                </a:solidFill>
+                <a:latin typeface="Times New Roman" pitchFamily="18" charset="0"/>
+              </a:defRPr>
+            </a:lvl5pPr>
+            <a:lvl6pPr marL="457200" algn="l" rtl="0" fontAlgn="base">
+              <a:spcBef>
+                <a:spcPct val="0"/>
+              </a:spcBef>
+              <a:spcAft>
+                <a:spcPct val="0"/>
+              </a:spcAft>
+              <a:defRPr sz="4400">
+                <a:solidFill>
+                  <a:schemeClr val="tx2"/>
+                </a:solidFill>
+                <a:latin typeface="Times New Roman" pitchFamily="18" charset="0"/>
+              </a:defRPr>
+            </a:lvl6pPr>
+            <a:lvl7pPr marL="914400" algn="l" rtl="0" fontAlgn="base">
+              <a:spcBef>
+                <a:spcPct val="0"/>
+              </a:spcBef>
+              <a:spcAft>
+                <a:spcPct val="0"/>
+              </a:spcAft>
+              <a:defRPr sz="4400">
+                <a:solidFill>
+                  <a:schemeClr val="tx2"/>
+                </a:solidFill>
+                <a:latin typeface="Times New Roman" pitchFamily="18" charset="0"/>
+              </a:defRPr>
+            </a:lvl7pPr>
+            <a:lvl8pPr marL="1371600" algn="l" rtl="0" fontAlgn="base">
+              <a:spcBef>
+                <a:spcPct val="0"/>
+              </a:spcBef>
+              <a:spcAft>
+                <a:spcPct val="0"/>
+              </a:spcAft>
+              <a:defRPr sz="4400">
+                <a:solidFill>
+                  <a:schemeClr val="tx2"/>
+                </a:solidFill>
+                <a:latin typeface="Times New Roman" pitchFamily="18" charset="0"/>
+              </a:defRPr>
+            </a:lvl8pPr>
+            <a:lvl9pPr marL="1828800" algn="l" rtl="0" fontAlgn="base">
+              <a:spcBef>
+                <a:spcPct val="0"/>
+              </a:spcBef>
+              <a:spcAft>
+                <a:spcPct val="0"/>
+              </a:spcAft>
+              <a:defRPr sz="4400">
+                <a:solidFill>
+                  <a:schemeClr val="tx2"/>
+                </a:solidFill>
+                <a:latin typeface="Times New Roman" pitchFamily="18" charset="0"/>
+              </a:defRPr>
+            </a:lvl9pPr>
+          </a:lstStyle>
+          <a:p>
+            <a:pPr algn="ctr">
+              <a:buClrTx/>
+              <a:buSzTx/>
+              <a:buFontTx/>
+              <a:buNone/>
+            </a:pPr>
+            <a:r>
+              <a:rPr kumimoji="0" lang="en-US" altLang="ru-RU" b="1" kern="0" dirty="0" err="1"/>
+              <a:t>IPSec</a:t>
+            </a:r>
+            <a:endParaRPr kumimoji="0" lang="en-US" altLang="ru-RU" b="1" kern="0" dirty="0"/>
+          </a:p>
+        </p:txBody>
+      </p:sp>
+      <p:sp>
+        <p:nvSpPr>
+          <p:cNvPr id="4" name="TextBox 3">
+            <a:extLst>
+              <a:ext uri="{FF2B5EF4-FFF2-40B4-BE49-F238E27FC236}">
+                <a16:creationId xmlns:a16="http://schemas.microsoft.com/office/drawing/2014/main" id="{BF492618-1296-64DA-4C8E-AD5A363B1D9B}"/>
+              </a:ext>
+            </a:extLst>
+          </p:cNvPr>
+          <p:cNvSpPr txBox="1"/>
+          <p:nvPr/>
+        </p:nvSpPr>
+        <p:spPr>
+          <a:xfrm>
+            <a:off x="539552" y="1484784"/>
+            <a:ext cx="8424936" cy="3477875"/>
+          </a:xfrm>
+          <a:prstGeom prst="rect">
+            <a:avLst/>
+          </a:prstGeom>
+          <a:noFill/>
+        </p:spPr>
+        <p:txBody>
+          <a:bodyPr wrap="square" rtlCol="0">
+            <a:spAutoFit/>
+          </a:bodyPr>
+          <a:lstStyle/>
+          <a:p>
+            <a:pPr algn="just">
+              <a:buNone/>
+            </a:pPr>
+            <a:r>
+              <a:rPr lang="ru-RU" b="1" dirty="0" err="1"/>
+              <a:t>IPsec</a:t>
+            </a:r>
+            <a:r>
+              <a:rPr lang="ru-RU" dirty="0"/>
+              <a:t> (сокращение от IP Security) — набор протоколов для обеспечения защиты данных, передаваемых по межсетевому протоколу IP. Позволяет осуществлять </a:t>
+            </a:r>
+            <a:endParaRPr lang="en-US" dirty="0"/>
+          </a:p>
+          <a:p>
+            <a:pPr marL="342900" indent="-342900" algn="just"/>
+            <a:r>
+              <a:rPr lang="ru-RU" dirty="0"/>
+              <a:t>подтверждение подлинности (аутентификацию)</a:t>
+            </a:r>
+            <a:endParaRPr lang="en-US" dirty="0"/>
+          </a:p>
+          <a:p>
+            <a:pPr marL="342900" indent="-342900" algn="just"/>
+            <a:r>
+              <a:rPr lang="ru-RU" dirty="0"/>
+              <a:t>проверку целостности </a:t>
+            </a:r>
+            <a:endParaRPr lang="en-US" dirty="0"/>
+          </a:p>
+          <a:p>
+            <a:pPr marL="342900" indent="-342900" algn="just"/>
+            <a:r>
+              <a:rPr lang="ru-RU" dirty="0"/>
+              <a:t>шифрование IP-пакетов. </a:t>
+            </a:r>
+            <a:endParaRPr lang="en-US" dirty="0"/>
+          </a:p>
+          <a:p>
+            <a:pPr algn="just">
+              <a:buNone/>
+            </a:pPr>
+            <a:r>
+              <a:rPr lang="ru-RU" dirty="0" err="1"/>
+              <a:t>IPsec</a:t>
+            </a:r>
+            <a:r>
+              <a:rPr lang="ru-RU" dirty="0"/>
+              <a:t> также включает в себя протоколы для защищённого обмена ключами в сети Интернет. В основном применяется для организации VPN-соединений.</a:t>
+            </a:r>
+            <a:endParaRPr lang="en-US" dirty="0"/>
+          </a:p>
+          <a:p>
+            <a:pPr algn="just">
+              <a:buNone/>
+            </a:pPr>
+            <a:endParaRPr lang="ru-RU" dirty="0"/>
+          </a:p>
+        </p:txBody>
+      </p:sp>
+      <p:pic>
+        <p:nvPicPr>
+          <p:cNvPr id="2050" name="Picture 2" descr="Configuring IPsec in Tunnel Mode between Two BIG-IP Systems">
+            <a:extLst>
+              <a:ext uri="{FF2B5EF4-FFF2-40B4-BE49-F238E27FC236}">
+                <a16:creationId xmlns:a16="http://schemas.microsoft.com/office/drawing/2014/main" id="{09227CB5-5741-1C73-FDB7-A5CB483D5A16}"/>
+              </a:ext>
+            </a:extLst>
+          </p:cNvPr>
+          <p:cNvPicPr>
+            <a:picLocks noChangeAspect="1" noChangeArrowheads="1"/>
+          </p:cNvPicPr>
+          <p:nvPr/>
+        </p:nvPicPr>
+        <p:blipFill>
+          <a:blip r:embed="rId2">
+            <a:extLst>
+              <a:ext uri="{28A0092B-C50C-407E-A947-70E740481C1C}">
+                <a14:useLocalDpi xmlns:a14="http://schemas.microsoft.com/office/drawing/2010/main" val="0"/>
+              </a:ext>
+            </a:extLst>
+          </a:blip>
+          <a:srcRect/>
+          <a:stretch>
+            <a:fillRect/>
+          </a:stretch>
+        </p:blipFill>
+        <p:spPr bwMode="auto">
+          <a:xfrm>
+            <a:off x="3059832" y="4365104"/>
+            <a:ext cx="5715000" cy="2457450"/>
+          </a:xfrm>
+          <a:prstGeom prst="rect">
+            <a:avLst/>
+          </a:prstGeom>
+          <a:noFill/>
+          <a:extLst>
+            <a:ext uri="{909E8E84-426E-40DD-AFC4-6F175D3DCCD1}">
+              <a14:hiddenFill xmlns:a14="http://schemas.microsoft.com/office/drawing/2010/main">
+                <a:solidFill>
+                  <a:srgbClr val="FFFFFF"/>
+                </a:solidFill>
+              </a14:hiddenFill>
+            </a:ext>
+          </a:extLst>
+        </p:spPr>
+      </p:pic>
+    </p:spTree>
+    <p:extLst>
+      <p:ext uri="{BB962C8B-B14F-4D97-AF65-F5344CB8AC3E}">
+        <p14:creationId xmlns:p14="http://schemas.microsoft.com/office/powerpoint/2010/main" val="3539786917"/>
+      </p:ext>
+    </p:extLst>
+  </p:cSld>
+  <p:clrMapOvr>
+    <a:masterClrMapping/>
+  </p:clrMapOvr>
+</p:sld>
+</file>
+
+<file path=ppt/slides/slide12.xml><?xml version="1.0" encoding="utf-8"?>
+<p:sld xmlns:a="http://schemas.openxmlformats.org/drawingml/2006/main" xmlns:r="http://schemas.openxmlformats.org/officeDocument/2006/relationships" xmlns:p="http://schemas.openxmlformats.org/presentationml/2006/main">
+  <p:cSld>
+    <p:spTree>
+      <p:nvGrpSpPr>
+        <p:cNvPr id="1" name=""/>
+        <p:cNvGrpSpPr/>
+        <p:nvPr/>
+      </p:nvGrpSpPr>
+      <p:grpSpPr>
+        <a:xfrm>
+          <a:off x="0" y="0"/>
+          <a:ext cx="0" cy="0"/>
+          <a:chOff x="0" y="0"/>
+          <a:chExt cx="0" cy="0"/>
+        </a:xfrm>
+      </p:grpSpPr>
+      <p:sp>
+        <p:nvSpPr>
+          <p:cNvPr id="19" name="Заголовок 1"/>
+          <p:cNvSpPr txBox="1">
+            <a:spLocks/>
+          </p:cNvSpPr>
+          <p:nvPr/>
+        </p:nvSpPr>
+        <p:spPr>
+          <a:xfrm>
+            <a:off x="0" y="701874"/>
+            <a:ext cx="9144000" cy="1008112"/>
+          </a:xfrm>
+          <a:prstGeom prst="rect">
+            <a:avLst/>
+          </a:prstGeom>
+        </p:spPr>
+        <p:txBody>
+          <a:bodyPr/>
+          <a:lstStyle>
+            <a:lvl1pPr algn="l" rtl="0" fontAlgn="base">
+              <a:spcBef>
+                <a:spcPct val="0"/>
+              </a:spcBef>
+              <a:spcAft>
+                <a:spcPct val="0"/>
+              </a:spcAft>
+              <a:defRPr sz="4400">
+                <a:solidFill>
+                  <a:schemeClr val="tx2"/>
+                </a:solidFill>
+                <a:latin typeface="+mj-lt"/>
+                <a:ea typeface="+mj-ea"/>
+                <a:cs typeface="+mj-cs"/>
+              </a:defRPr>
+            </a:lvl1pPr>
+            <a:lvl2pPr algn="l" rtl="0" fontAlgn="base">
+              <a:spcBef>
+                <a:spcPct val="0"/>
+              </a:spcBef>
+              <a:spcAft>
+                <a:spcPct val="0"/>
+              </a:spcAft>
+              <a:defRPr sz="4400">
+                <a:solidFill>
+                  <a:schemeClr val="tx2"/>
+                </a:solidFill>
+                <a:latin typeface="Times New Roman" pitchFamily="18" charset="0"/>
+              </a:defRPr>
+            </a:lvl2pPr>
+            <a:lvl3pPr algn="l" rtl="0" fontAlgn="base">
+              <a:spcBef>
+                <a:spcPct val="0"/>
+              </a:spcBef>
+              <a:spcAft>
+                <a:spcPct val="0"/>
+              </a:spcAft>
+              <a:defRPr sz="4400">
+                <a:solidFill>
+                  <a:schemeClr val="tx2"/>
+                </a:solidFill>
+                <a:latin typeface="Times New Roman" pitchFamily="18" charset="0"/>
+              </a:defRPr>
+            </a:lvl3pPr>
+            <a:lvl4pPr algn="l" rtl="0" fontAlgn="base">
+              <a:spcBef>
+                <a:spcPct val="0"/>
+              </a:spcBef>
+              <a:spcAft>
+                <a:spcPct val="0"/>
+              </a:spcAft>
+              <a:defRPr sz="4400">
+                <a:solidFill>
+                  <a:schemeClr val="tx2"/>
+                </a:solidFill>
+                <a:latin typeface="Times New Roman" pitchFamily="18" charset="0"/>
+              </a:defRPr>
+            </a:lvl4pPr>
+            <a:lvl5pPr algn="l" rtl="0" fontAlgn="base">
+              <a:spcBef>
+                <a:spcPct val="0"/>
+              </a:spcBef>
+              <a:spcAft>
+                <a:spcPct val="0"/>
+              </a:spcAft>
+              <a:defRPr sz="4400">
+                <a:solidFill>
+                  <a:schemeClr val="tx2"/>
+                </a:solidFill>
+                <a:latin typeface="Times New Roman" pitchFamily="18" charset="0"/>
+              </a:defRPr>
+            </a:lvl5pPr>
+            <a:lvl6pPr marL="457200" algn="l" rtl="0" fontAlgn="base">
+              <a:spcBef>
+                <a:spcPct val="0"/>
+              </a:spcBef>
+              <a:spcAft>
+                <a:spcPct val="0"/>
+              </a:spcAft>
+              <a:defRPr sz="4400">
+                <a:solidFill>
+                  <a:schemeClr val="tx2"/>
+                </a:solidFill>
+                <a:latin typeface="Times New Roman" pitchFamily="18" charset="0"/>
+              </a:defRPr>
+            </a:lvl6pPr>
+            <a:lvl7pPr marL="914400" algn="l" rtl="0" fontAlgn="base">
+              <a:spcBef>
+                <a:spcPct val="0"/>
+              </a:spcBef>
+              <a:spcAft>
+                <a:spcPct val="0"/>
+              </a:spcAft>
+              <a:defRPr sz="4400">
+                <a:solidFill>
+                  <a:schemeClr val="tx2"/>
+                </a:solidFill>
+                <a:latin typeface="Times New Roman" pitchFamily="18" charset="0"/>
+              </a:defRPr>
+            </a:lvl7pPr>
+            <a:lvl8pPr marL="1371600" algn="l" rtl="0" fontAlgn="base">
+              <a:spcBef>
+                <a:spcPct val="0"/>
+              </a:spcBef>
+              <a:spcAft>
+                <a:spcPct val="0"/>
+              </a:spcAft>
+              <a:defRPr sz="4400">
+                <a:solidFill>
+                  <a:schemeClr val="tx2"/>
+                </a:solidFill>
+                <a:latin typeface="Times New Roman" pitchFamily="18" charset="0"/>
+              </a:defRPr>
+            </a:lvl8pPr>
+            <a:lvl9pPr marL="1828800" algn="l" rtl="0" fontAlgn="base">
+              <a:spcBef>
+                <a:spcPct val="0"/>
+              </a:spcBef>
+              <a:spcAft>
+                <a:spcPct val="0"/>
+              </a:spcAft>
+              <a:defRPr sz="4400">
+                <a:solidFill>
+                  <a:schemeClr val="tx2"/>
+                </a:solidFill>
+                <a:latin typeface="Times New Roman" pitchFamily="18" charset="0"/>
+              </a:defRPr>
+            </a:lvl9pPr>
+          </a:lstStyle>
+          <a:p>
+            <a:pPr algn="ctr">
+              <a:buClrTx/>
+              <a:buSzTx/>
+              <a:buFontTx/>
+              <a:buNone/>
+            </a:pPr>
+            <a:r>
+              <a:rPr kumimoji="0" lang="ru-RU" altLang="ru-RU" b="1" kern="0" dirty="0"/>
+              <a:t>История </a:t>
+            </a:r>
+            <a:r>
+              <a:rPr kumimoji="0" lang="en-US" altLang="ru-RU" b="1" kern="0" dirty="0" err="1"/>
+              <a:t>IPSec</a:t>
+            </a:r>
+            <a:endParaRPr kumimoji="0" lang="en-US" altLang="ru-RU" b="1" kern="0" dirty="0"/>
+          </a:p>
+        </p:txBody>
+      </p:sp>
+      <p:sp>
+        <p:nvSpPr>
+          <p:cNvPr id="4" name="TextBox 3">
+            <a:extLst>
+              <a:ext uri="{FF2B5EF4-FFF2-40B4-BE49-F238E27FC236}">
+                <a16:creationId xmlns:a16="http://schemas.microsoft.com/office/drawing/2014/main" id="{BF492618-1296-64DA-4C8E-AD5A363B1D9B}"/>
+              </a:ext>
+            </a:extLst>
+          </p:cNvPr>
+          <p:cNvSpPr txBox="1"/>
+          <p:nvPr/>
+        </p:nvSpPr>
+        <p:spPr>
+          <a:xfrm>
+            <a:off x="539552" y="1793575"/>
+            <a:ext cx="8424936" cy="4376583"/>
+          </a:xfrm>
+          <a:prstGeom prst="rect">
+            <a:avLst/>
+          </a:prstGeom>
+          <a:noFill/>
+        </p:spPr>
+        <p:txBody>
+          <a:bodyPr wrap="square" rtlCol="0">
+            <a:spAutoFit/>
+          </a:bodyPr>
+          <a:lstStyle/>
+          <a:p>
+            <a:pPr algn="just">
+              <a:buNone/>
+            </a:pPr>
+            <a:r>
+              <a:rPr lang="ru-RU" sz="1600" dirty="0"/>
+              <a:t>Первоначально сеть Интернет была создана как безопасная среда передачи данных между военными. Так как с ней работал только определённый круг лиц, людей образованных и имеющих представления о политике безопасности, то явной нужды построения защищённых протоколов не было. Безопасность организовывалась на уровне физической изоляции объектов от посторонних лиц, и это было оправдано, когда к сети имело доступ ограниченное число машин. Однако, когда Интернет стал публичным и начал активно развиваться и разрастаться, такая потребность появилась.</a:t>
+            </a:r>
+          </a:p>
+          <a:p>
+            <a:pPr algn="just">
+              <a:buNone/>
+            </a:pPr>
+            <a:endParaRPr lang="ru-RU" sz="1600" dirty="0"/>
+          </a:p>
+          <a:p>
+            <a:pPr algn="just">
+              <a:buNone/>
+            </a:pPr>
+            <a:r>
+              <a:rPr lang="ru-RU" sz="1600" dirty="0"/>
+              <a:t>И в 1994 году Совет по архитектуре Интернета (IAB) выпустил отчёт «Безопасность архитектуры Интернета». Он посвящался в основном способам защиты от несанкционированного мониторинга, подмены пакетов и управлению потоками данных. Требовалась разработка некоторого стандарта или концепции, способной решить эту проблему. В результате появились стандарты защищённых протоколов, в числе которых и </a:t>
+            </a:r>
+            <a:r>
+              <a:rPr lang="ru-RU" sz="1600" dirty="0" err="1"/>
+              <a:t>IPsec</a:t>
+            </a:r>
+            <a:r>
+              <a:rPr lang="ru-RU" sz="1600" dirty="0"/>
+              <a:t>. Первоначально он включал в себя три базовые спецификации, описанные в документах (RFC1825, 1826 и 1827), однако впоследствии рабочая группа IP Security Protocol IETF пересмотрела их и предложила новые стандарты (RFC2401 — RFC2412), используемые и в настоящее время.</a:t>
+            </a:r>
+          </a:p>
+        </p:txBody>
+      </p:sp>
+    </p:spTree>
+    <p:extLst>
+      <p:ext uri="{BB962C8B-B14F-4D97-AF65-F5344CB8AC3E}">
+        <p14:creationId xmlns:p14="http://schemas.microsoft.com/office/powerpoint/2010/main" val="2198439580"/>
+      </p:ext>
+    </p:extLst>
+  </p:cSld>
+  <p:clrMapOvr>
+    <a:masterClrMapping/>
+  </p:clrMapOvr>
+</p:sld>
+</file>
+
+<file path=ppt/slides/slide13.xml><?xml version="1.0" encoding="utf-8"?>
+<p:sld xmlns:a="http://schemas.openxmlformats.org/drawingml/2006/main" xmlns:r="http://schemas.openxmlformats.org/officeDocument/2006/relationships" xmlns:p="http://schemas.openxmlformats.org/presentationml/2006/main">
+  <p:cSld>
+    <p:spTree>
+      <p:nvGrpSpPr>
+        <p:cNvPr id="1" name=""/>
+        <p:cNvGrpSpPr/>
+        <p:nvPr/>
+      </p:nvGrpSpPr>
+      <p:grpSpPr>
+        <a:xfrm>
+          <a:off x="0" y="0"/>
+          <a:ext cx="0" cy="0"/>
+          <a:chOff x="0" y="0"/>
+          <a:chExt cx="0" cy="0"/>
+        </a:xfrm>
+      </p:grpSpPr>
+      <p:sp>
+        <p:nvSpPr>
+          <p:cNvPr id="19" name="Заголовок 1"/>
+          <p:cNvSpPr txBox="1">
+            <a:spLocks/>
+          </p:cNvSpPr>
+          <p:nvPr/>
+        </p:nvSpPr>
+        <p:spPr>
+          <a:xfrm>
+            <a:off x="0" y="701874"/>
+            <a:ext cx="9144000" cy="1008112"/>
+          </a:xfrm>
+          <a:prstGeom prst="rect">
+            <a:avLst/>
+          </a:prstGeom>
+        </p:spPr>
+        <p:txBody>
+          <a:bodyPr/>
+          <a:lstStyle>
+            <a:lvl1pPr algn="l" rtl="0" fontAlgn="base">
+              <a:spcBef>
+                <a:spcPct val="0"/>
+              </a:spcBef>
+              <a:spcAft>
+                <a:spcPct val="0"/>
+              </a:spcAft>
+              <a:defRPr sz="4400">
+                <a:solidFill>
+                  <a:schemeClr val="tx2"/>
+                </a:solidFill>
+                <a:latin typeface="+mj-lt"/>
+                <a:ea typeface="+mj-ea"/>
+                <a:cs typeface="+mj-cs"/>
+              </a:defRPr>
+            </a:lvl1pPr>
+            <a:lvl2pPr algn="l" rtl="0" fontAlgn="base">
+              <a:spcBef>
+                <a:spcPct val="0"/>
+              </a:spcBef>
+              <a:spcAft>
+                <a:spcPct val="0"/>
+              </a:spcAft>
+              <a:defRPr sz="4400">
+                <a:solidFill>
+                  <a:schemeClr val="tx2"/>
+                </a:solidFill>
+                <a:latin typeface="Times New Roman" pitchFamily="18" charset="0"/>
+              </a:defRPr>
+            </a:lvl2pPr>
+            <a:lvl3pPr algn="l" rtl="0" fontAlgn="base">
+              <a:spcBef>
+                <a:spcPct val="0"/>
+              </a:spcBef>
+              <a:spcAft>
+                <a:spcPct val="0"/>
+              </a:spcAft>
+              <a:defRPr sz="4400">
+                <a:solidFill>
+                  <a:schemeClr val="tx2"/>
+                </a:solidFill>
+                <a:latin typeface="Times New Roman" pitchFamily="18" charset="0"/>
+              </a:defRPr>
+            </a:lvl3pPr>
+            <a:lvl4pPr algn="l" rtl="0" fontAlgn="base">
+              <a:spcBef>
+                <a:spcPct val="0"/>
+              </a:spcBef>
+              <a:spcAft>
+                <a:spcPct val="0"/>
+              </a:spcAft>
+              <a:defRPr sz="4400">
+                <a:solidFill>
+                  <a:schemeClr val="tx2"/>
+                </a:solidFill>
+                <a:latin typeface="Times New Roman" pitchFamily="18" charset="0"/>
+              </a:defRPr>
+            </a:lvl4pPr>
+            <a:lvl5pPr algn="l" rtl="0" fontAlgn="base">
+              <a:spcBef>
+                <a:spcPct val="0"/>
+              </a:spcBef>
+              <a:spcAft>
+                <a:spcPct val="0"/>
+              </a:spcAft>
+              <a:defRPr sz="4400">
+                <a:solidFill>
+                  <a:schemeClr val="tx2"/>
+                </a:solidFill>
+                <a:latin typeface="Times New Roman" pitchFamily="18" charset="0"/>
+              </a:defRPr>
+            </a:lvl5pPr>
+            <a:lvl6pPr marL="457200" algn="l" rtl="0" fontAlgn="base">
+              <a:spcBef>
+                <a:spcPct val="0"/>
+              </a:spcBef>
+              <a:spcAft>
+                <a:spcPct val="0"/>
+              </a:spcAft>
+              <a:defRPr sz="4400">
+                <a:solidFill>
+                  <a:schemeClr val="tx2"/>
+                </a:solidFill>
+                <a:latin typeface="Times New Roman" pitchFamily="18" charset="0"/>
+              </a:defRPr>
+            </a:lvl6pPr>
+            <a:lvl7pPr marL="914400" algn="l" rtl="0" fontAlgn="base">
+              <a:spcBef>
+                <a:spcPct val="0"/>
+              </a:spcBef>
+              <a:spcAft>
+                <a:spcPct val="0"/>
+              </a:spcAft>
+              <a:defRPr sz="4400">
+                <a:solidFill>
+                  <a:schemeClr val="tx2"/>
+                </a:solidFill>
+                <a:latin typeface="Times New Roman" pitchFamily="18" charset="0"/>
+              </a:defRPr>
+            </a:lvl7pPr>
+            <a:lvl8pPr marL="1371600" algn="l" rtl="0" fontAlgn="base">
+              <a:spcBef>
+                <a:spcPct val="0"/>
+              </a:spcBef>
+              <a:spcAft>
+                <a:spcPct val="0"/>
+              </a:spcAft>
+              <a:defRPr sz="4400">
+                <a:solidFill>
+                  <a:schemeClr val="tx2"/>
+                </a:solidFill>
+                <a:latin typeface="Times New Roman" pitchFamily="18" charset="0"/>
+              </a:defRPr>
+            </a:lvl8pPr>
+            <a:lvl9pPr marL="1828800" algn="l" rtl="0" fontAlgn="base">
+              <a:spcBef>
+                <a:spcPct val="0"/>
+              </a:spcBef>
+              <a:spcAft>
+                <a:spcPct val="0"/>
+              </a:spcAft>
+              <a:defRPr sz="4400">
+                <a:solidFill>
+                  <a:schemeClr val="tx2"/>
+                </a:solidFill>
+                <a:latin typeface="Times New Roman" pitchFamily="18" charset="0"/>
+              </a:defRPr>
+            </a:lvl9pPr>
+          </a:lstStyle>
+          <a:p>
+            <a:pPr algn="ctr">
+              <a:buClrTx/>
+              <a:buSzTx/>
+              <a:buFontTx/>
+              <a:buNone/>
+            </a:pPr>
+            <a:r>
+              <a:rPr kumimoji="0" lang="ru-RU" altLang="ru-RU" b="1" kern="0" dirty="0"/>
+              <a:t>Режимы </a:t>
+            </a:r>
+            <a:r>
+              <a:rPr kumimoji="0" lang="en-US" altLang="ru-RU" b="1" kern="0" dirty="0" err="1"/>
+              <a:t>IPSec</a:t>
+            </a:r>
+            <a:endParaRPr kumimoji="0" lang="en-US" altLang="ru-RU" b="1" kern="0" dirty="0"/>
+          </a:p>
+        </p:txBody>
+      </p:sp>
+      <p:cxnSp>
+        <p:nvCxnSpPr>
+          <p:cNvPr id="3" name="Прямая со стрелкой 2">
+            <a:extLst>
+              <a:ext uri="{FF2B5EF4-FFF2-40B4-BE49-F238E27FC236}">
+                <a16:creationId xmlns:a16="http://schemas.microsoft.com/office/drawing/2014/main" id="{E85EDC2E-6ED4-DF71-9EE8-076B4822DF24}"/>
+              </a:ext>
+            </a:extLst>
+          </p:cNvPr>
+          <p:cNvCxnSpPr/>
+          <p:nvPr/>
+        </p:nvCxnSpPr>
+        <p:spPr bwMode="auto">
+          <a:xfrm flipH="1">
+            <a:off x="3419872" y="1484784"/>
+            <a:ext cx="864096" cy="2736304"/>
+          </a:xfrm>
+          <a:prstGeom prst="straightConnector1">
+            <a:avLst/>
+          </a:prstGeom>
+          <a:noFill/>
+          <a:ln w="9525" cap="flat" cmpd="sng" algn="ctr">
+            <a:solidFill>
+              <a:schemeClr val="tx1"/>
+            </a:solidFill>
+            <a:prstDash val="solid"/>
+            <a:round/>
+            <a:headEnd type="none" w="med" len="med"/>
+            <a:tailEnd type="triangle"/>
+          </a:ln>
+          <a:effectLst/>
+          <a:extLst>
+            <a:ext uri="{909E8E84-426E-40DD-AFC4-6F175D3DCCD1}">
+              <a14:hiddenFill xmlns:a14="http://schemas.microsoft.com/office/drawing/2010/main">
+                <a:solidFill>
+                  <a:schemeClr val="accent1"/>
+                </a:solidFill>
+              </a14:hiddenFill>
+            </a:ext>
+            <a:ext uri="{AF507438-7753-43E0-B8FC-AC1667EBCBE1}">
+              <a14:hiddenEffects xmlns:a14="http://schemas.microsoft.com/office/drawing/2010/main">
+                <a:effectLst>
+                  <a:outerShdw dist="35921" dir="2700000" algn="ctr" rotWithShape="0">
+                    <a:schemeClr val="bg2"/>
+                  </a:outerShdw>
+                </a:effectLst>
+              </a14:hiddenEffects>
+            </a:ext>
+          </a:extLst>
+        </p:spPr>
+      </p:cxnSp>
+      <p:cxnSp>
+        <p:nvCxnSpPr>
+          <p:cNvPr id="6" name="Прямая со стрелкой 5">
+            <a:extLst>
+              <a:ext uri="{FF2B5EF4-FFF2-40B4-BE49-F238E27FC236}">
+                <a16:creationId xmlns:a16="http://schemas.microsoft.com/office/drawing/2014/main" id="{BF22F255-E687-4E6F-124E-8B8030C081F3}"/>
+              </a:ext>
+            </a:extLst>
+          </p:cNvPr>
+          <p:cNvCxnSpPr/>
+          <p:nvPr/>
+        </p:nvCxnSpPr>
+        <p:spPr bwMode="auto">
+          <a:xfrm>
+            <a:off x="4860032" y="1556792"/>
+            <a:ext cx="2160240" cy="677230"/>
+          </a:xfrm>
+          <a:prstGeom prst="straightConnector1">
+            <a:avLst/>
+          </a:prstGeom>
+          <a:noFill/>
+          <a:ln w="9525" cap="flat" cmpd="sng" algn="ctr">
+            <a:solidFill>
+              <a:schemeClr val="tx1"/>
+            </a:solidFill>
+            <a:prstDash val="solid"/>
+            <a:round/>
+            <a:headEnd type="none" w="med" len="med"/>
+            <a:tailEnd type="triangle"/>
+          </a:ln>
+          <a:effectLst/>
+          <a:extLst>
+            <a:ext uri="{909E8E84-426E-40DD-AFC4-6F175D3DCCD1}">
+              <a14:hiddenFill xmlns:a14="http://schemas.microsoft.com/office/drawing/2010/main">
+                <a:solidFill>
+                  <a:schemeClr val="accent1"/>
+                </a:solidFill>
+              </a14:hiddenFill>
+            </a:ext>
+            <a:ext uri="{AF507438-7753-43E0-B8FC-AC1667EBCBE1}">
+              <a14:hiddenEffects xmlns:a14="http://schemas.microsoft.com/office/drawing/2010/main">
+                <a:effectLst>
+                  <a:outerShdw dist="35921" dir="2700000" algn="ctr" rotWithShape="0">
+                    <a:schemeClr val="bg2"/>
+                  </a:outerShdw>
+                </a:effectLst>
+              </a14:hiddenEffects>
+            </a:ext>
+          </a:extLst>
+        </p:spPr>
+      </p:cxnSp>
+      <p:sp>
+        <p:nvSpPr>
+          <p:cNvPr id="7" name="TextBox 6">
+            <a:extLst>
+              <a:ext uri="{FF2B5EF4-FFF2-40B4-BE49-F238E27FC236}">
+                <a16:creationId xmlns:a16="http://schemas.microsoft.com/office/drawing/2014/main" id="{C42BF4FF-A5BC-A3CB-8A95-69F036F3F4C2}"/>
+              </a:ext>
+            </a:extLst>
+          </p:cNvPr>
+          <p:cNvSpPr txBox="1"/>
+          <p:nvPr/>
+        </p:nvSpPr>
+        <p:spPr>
+          <a:xfrm flipH="1">
+            <a:off x="2603223" y="4149081"/>
+            <a:ext cx="1944216" cy="400110"/>
+          </a:xfrm>
+          <a:prstGeom prst="rect">
+            <a:avLst/>
+          </a:prstGeom>
+          <a:noFill/>
+        </p:spPr>
+        <p:txBody>
+          <a:bodyPr wrap="square" rtlCol="0">
+            <a:spAutoFit/>
+          </a:bodyPr>
+          <a:lstStyle/>
+          <a:p>
+            <a:r>
+              <a:rPr lang="ru-RU" dirty="0"/>
+              <a:t>Туннельный</a:t>
+            </a:r>
+          </a:p>
+        </p:txBody>
+      </p:sp>
+      <p:sp>
+        <p:nvSpPr>
+          <p:cNvPr id="8" name="TextBox 7">
+            <a:extLst>
+              <a:ext uri="{FF2B5EF4-FFF2-40B4-BE49-F238E27FC236}">
+                <a16:creationId xmlns:a16="http://schemas.microsoft.com/office/drawing/2014/main" id="{7E343437-0125-6767-C812-05C42876F02C}"/>
+              </a:ext>
+            </a:extLst>
+          </p:cNvPr>
+          <p:cNvSpPr txBox="1"/>
+          <p:nvPr/>
+        </p:nvSpPr>
+        <p:spPr>
+          <a:xfrm flipH="1">
+            <a:off x="6588224" y="2234022"/>
+            <a:ext cx="1944216" cy="400110"/>
+          </a:xfrm>
+          <a:prstGeom prst="rect">
+            <a:avLst/>
+          </a:prstGeom>
+          <a:noFill/>
+        </p:spPr>
+        <p:txBody>
+          <a:bodyPr wrap="square" rtlCol="0">
+            <a:spAutoFit/>
+          </a:bodyPr>
+          <a:lstStyle/>
+          <a:p>
+            <a:r>
+              <a:rPr lang="ru-RU" dirty="0"/>
+              <a:t>Транспортный</a:t>
+            </a:r>
+          </a:p>
+        </p:txBody>
+      </p:sp>
+      <p:pic>
+        <p:nvPicPr>
+          <p:cNvPr id="10" name="Рисунок 9">
+            <a:extLst>
+              <a:ext uri="{FF2B5EF4-FFF2-40B4-BE49-F238E27FC236}">
+                <a16:creationId xmlns:a16="http://schemas.microsoft.com/office/drawing/2014/main" id="{D9339F8F-5016-6304-DA03-4136D3872854}"/>
+              </a:ext>
+            </a:extLst>
+          </p:cNvPr>
+          <p:cNvPicPr>
+            <a:picLocks noChangeAspect="1"/>
+          </p:cNvPicPr>
+          <p:nvPr/>
+        </p:nvPicPr>
+        <p:blipFill>
+          <a:blip r:embed="rId2"/>
+          <a:stretch>
+            <a:fillRect/>
+          </a:stretch>
+        </p:blipFill>
+        <p:spPr>
+          <a:xfrm>
+            <a:off x="5652120" y="2750661"/>
+            <a:ext cx="3324225" cy="1352550"/>
+          </a:xfrm>
+          <a:prstGeom prst="rect">
+            <a:avLst/>
+          </a:prstGeom>
+        </p:spPr>
+      </p:pic>
+      <p:pic>
+        <p:nvPicPr>
+          <p:cNvPr id="11" name="Рисунок 10">
+            <a:extLst>
+              <a:ext uri="{FF2B5EF4-FFF2-40B4-BE49-F238E27FC236}">
+                <a16:creationId xmlns:a16="http://schemas.microsoft.com/office/drawing/2014/main" id="{66359B85-0452-98EE-56B9-43C610277587}"/>
+              </a:ext>
+            </a:extLst>
+          </p:cNvPr>
+          <p:cNvPicPr>
+            <a:picLocks noChangeAspect="1"/>
+          </p:cNvPicPr>
+          <p:nvPr/>
+        </p:nvPicPr>
+        <p:blipFill>
+          <a:blip r:embed="rId3"/>
+          <a:stretch>
+            <a:fillRect/>
+          </a:stretch>
+        </p:blipFill>
+        <p:spPr>
+          <a:xfrm>
+            <a:off x="1547664" y="4541161"/>
+            <a:ext cx="4762500" cy="1905000"/>
+          </a:xfrm>
+          <a:prstGeom prst="rect">
+            <a:avLst/>
+          </a:prstGeom>
+        </p:spPr>
+      </p:pic>
+      <p:sp>
+        <p:nvSpPr>
+          <p:cNvPr id="15" name="TextBox 14">
+            <a:extLst>
+              <a:ext uri="{FF2B5EF4-FFF2-40B4-BE49-F238E27FC236}">
+                <a16:creationId xmlns:a16="http://schemas.microsoft.com/office/drawing/2014/main" id="{D93F6648-60D5-AE79-3FA9-1008FF987B31}"/>
+              </a:ext>
+            </a:extLst>
+          </p:cNvPr>
+          <p:cNvSpPr txBox="1"/>
+          <p:nvPr/>
+        </p:nvSpPr>
+        <p:spPr>
+          <a:xfrm>
+            <a:off x="6186252" y="4103211"/>
+            <a:ext cx="2957748" cy="2677656"/>
+          </a:xfrm>
+          <a:prstGeom prst="rect">
+            <a:avLst/>
+          </a:prstGeom>
+          <a:noFill/>
+        </p:spPr>
+        <p:txBody>
+          <a:bodyPr wrap="square" rtlCol="0">
+            <a:spAutoFit/>
+          </a:bodyPr>
+          <a:lstStyle/>
+          <a:p>
+            <a:pPr>
+              <a:buNone/>
+            </a:pPr>
+            <a:r>
+              <a:rPr lang="ru-RU" sz="1400" dirty="0"/>
+              <a:t>В транспортном режиме шифруются или подписываются только данные IP-пакета, исходный заголовок сохраняется. Транспортный режим, как правило, используется для установления соединения между хостами. Он может также использоваться между шлюзами для защиты туннелей, организованных каким-нибудь другим способом (см., например, L2TP).</a:t>
+            </a:r>
+          </a:p>
+        </p:txBody>
+      </p:sp>
+      <p:sp>
+        <p:nvSpPr>
+          <p:cNvPr id="16" name="TextBox 15">
+            <a:extLst>
+              <a:ext uri="{FF2B5EF4-FFF2-40B4-BE49-F238E27FC236}">
+                <a16:creationId xmlns:a16="http://schemas.microsoft.com/office/drawing/2014/main" id="{8083AED6-D7F6-659E-53A3-070F4079C8F6}"/>
+              </a:ext>
+            </a:extLst>
+          </p:cNvPr>
+          <p:cNvSpPr txBox="1"/>
+          <p:nvPr/>
+        </p:nvSpPr>
+        <p:spPr>
+          <a:xfrm>
+            <a:off x="154951" y="1298664"/>
+            <a:ext cx="3168352" cy="3108543"/>
+          </a:xfrm>
+          <a:prstGeom prst="rect">
+            <a:avLst/>
+          </a:prstGeom>
+          <a:noFill/>
+        </p:spPr>
+        <p:txBody>
+          <a:bodyPr wrap="square" rtlCol="0">
+            <a:spAutoFit/>
+          </a:bodyPr>
+          <a:lstStyle/>
+          <a:p>
+            <a:pPr>
+              <a:buNone/>
+            </a:pPr>
+            <a:r>
+              <a:rPr lang="ru-RU" sz="1400" dirty="0"/>
+              <a:t>В туннельном режиме шифруется весь исходный IP-пакет: данные, заголовок, маршрутная информация, а затем он вставляется в поле данных нового пакета, то есть происходит </a:t>
+            </a:r>
+            <a:r>
+              <a:rPr lang="ru-RU" sz="1400" i="1" dirty="0"/>
+              <a:t>инкапсуляция</a:t>
+            </a:r>
+            <a:r>
+              <a:rPr lang="ru-RU" sz="1400" dirty="0"/>
+              <a:t>. Туннельный режим может использоваться для подключения удалённых компьютеров к виртуальной частной сети или для организации безопасной передачи данных через открытые каналы связи (например, Интернет) между шлюзами для объединения разных частей виртуальной частной сети.</a:t>
+            </a:r>
+          </a:p>
+        </p:txBody>
+      </p:sp>
+    </p:spTree>
+    <p:extLst>
+      <p:ext uri="{BB962C8B-B14F-4D97-AF65-F5344CB8AC3E}">
+        <p14:creationId xmlns:p14="http://schemas.microsoft.com/office/powerpoint/2010/main" val="3463036442"/>
+      </p:ext>
+    </p:extLst>
+  </p:cSld>
+  <p:clrMapOvr>
+    <a:masterClrMapping/>
+  </p:clrMapOvr>
+</p:sld>
+</file>
+
+<file path=ppt/slides/slide14.xml><?xml version="1.0" encoding="utf-8"?>
+<p:sld xmlns:a="http://schemas.openxmlformats.org/drawingml/2006/main" xmlns:r="http://schemas.openxmlformats.org/officeDocument/2006/relationships" xmlns:p="http://schemas.openxmlformats.org/presentationml/2006/main">
+  <p:cSld>
+    <p:spTree>
+      <p:nvGrpSpPr>
+        <p:cNvPr id="1" name=""/>
+        <p:cNvGrpSpPr/>
+        <p:nvPr/>
+      </p:nvGrpSpPr>
+      <p:grpSpPr>
+        <a:xfrm>
+          <a:off x="0" y="0"/>
+          <a:ext cx="0" cy="0"/>
+          <a:chOff x="0" y="0"/>
+          <a:chExt cx="0" cy="0"/>
+        </a:xfrm>
+      </p:grpSpPr>
+      <p:sp>
+        <p:nvSpPr>
+          <p:cNvPr id="19" name="Заголовок 1"/>
+          <p:cNvSpPr txBox="1">
+            <a:spLocks/>
+          </p:cNvSpPr>
+          <p:nvPr/>
+        </p:nvSpPr>
+        <p:spPr>
+          <a:xfrm>
+            <a:off x="0" y="701874"/>
+            <a:ext cx="9144000" cy="1008112"/>
+          </a:xfrm>
+          <a:prstGeom prst="rect">
+            <a:avLst/>
+          </a:prstGeom>
+        </p:spPr>
+        <p:txBody>
+          <a:bodyPr/>
+          <a:lstStyle>
+            <a:lvl1pPr algn="l" rtl="0" fontAlgn="base">
+              <a:spcBef>
+                <a:spcPct val="0"/>
+              </a:spcBef>
+              <a:spcAft>
+                <a:spcPct val="0"/>
+              </a:spcAft>
+              <a:defRPr sz="4400">
+                <a:solidFill>
+                  <a:schemeClr val="tx2"/>
+                </a:solidFill>
+                <a:latin typeface="+mj-lt"/>
+                <a:ea typeface="+mj-ea"/>
+                <a:cs typeface="+mj-cs"/>
+              </a:defRPr>
+            </a:lvl1pPr>
+            <a:lvl2pPr algn="l" rtl="0" fontAlgn="base">
+              <a:spcBef>
+                <a:spcPct val="0"/>
+              </a:spcBef>
+              <a:spcAft>
+                <a:spcPct val="0"/>
+              </a:spcAft>
+              <a:defRPr sz="4400">
+                <a:solidFill>
+                  <a:schemeClr val="tx2"/>
+                </a:solidFill>
+                <a:latin typeface="Times New Roman" pitchFamily="18" charset="0"/>
+              </a:defRPr>
+            </a:lvl2pPr>
+            <a:lvl3pPr algn="l" rtl="0" fontAlgn="base">
+              <a:spcBef>
+                <a:spcPct val="0"/>
+              </a:spcBef>
+              <a:spcAft>
+                <a:spcPct val="0"/>
+              </a:spcAft>
+              <a:defRPr sz="4400">
+                <a:solidFill>
+                  <a:schemeClr val="tx2"/>
+                </a:solidFill>
+                <a:latin typeface="Times New Roman" pitchFamily="18" charset="0"/>
+              </a:defRPr>
+            </a:lvl3pPr>
+            <a:lvl4pPr algn="l" rtl="0" fontAlgn="base">
+              <a:spcBef>
+                <a:spcPct val="0"/>
+              </a:spcBef>
+              <a:spcAft>
+                <a:spcPct val="0"/>
+              </a:spcAft>
+              <a:defRPr sz="4400">
+                <a:solidFill>
+                  <a:schemeClr val="tx2"/>
+                </a:solidFill>
+                <a:latin typeface="Times New Roman" pitchFamily="18" charset="0"/>
+              </a:defRPr>
+            </a:lvl4pPr>
+            <a:lvl5pPr algn="l" rtl="0" fontAlgn="base">
+              <a:spcBef>
+                <a:spcPct val="0"/>
+              </a:spcBef>
+              <a:spcAft>
+                <a:spcPct val="0"/>
+              </a:spcAft>
+              <a:defRPr sz="4400">
+                <a:solidFill>
+                  <a:schemeClr val="tx2"/>
+                </a:solidFill>
+                <a:latin typeface="Times New Roman" pitchFamily="18" charset="0"/>
+              </a:defRPr>
+            </a:lvl5pPr>
+            <a:lvl6pPr marL="457200" algn="l" rtl="0" fontAlgn="base">
+              <a:spcBef>
+                <a:spcPct val="0"/>
+              </a:spcBef>
+              <a:spcAft>
+                <a:spcPct val="0"/>
+              </a:spcAft>
+              <a:defRPr sz="4400">
+                <a:solidFill>
+                  <a:schemeClr val="tx2"/>
+                </a:solidFill>
+                <a:latin typeface="Times New Roman" pitchFamily="18" charset="0"/>
+              </a:defRPr>
+            </a:lvl6pPr>
+            <a:lvl7pPr marL="914400" algn="l" rtl="0" fontAlgn="base">
+              <a:spcBef>
+                <a:spcPct val="0"/>
+              </a:spcBef>
+              <a:spcAft>
+                <a:spcPct val="0"/>
+              </a:spcAft>
+              <a:defRPr sz="4400">
+                <a:solidFill>
+                  <a:schemeClr val="tx2"/>
+                </a:solidFill>
+                <a:latin typeface="Times New Roman" pitchFamily="18" charset="0"/>
+              </a:defRPr>
+            </a:lvl7pPr>
+            <a:lvl8pPr marL="1371600" algn="l" rtl="0" fontAlgn="base">
+              <a:spcBef>
+                <a:spcPct val="0"/>
+              </a:spcBef>
+              <a:spcAft>
+                <a:spcPct val="0"/>
+              </a:spcAft>
+              <a:defRPr sz="4400">
+                <a:solidFill>
+                  <a:schemeClr val="tx2"/>
+                </a:solidFill>
+                <a:latin typeface="Times New Roman" pitchFamily="18" charset="0"/>
+              </a:defRPr>
+            </a:lvl8pPr>
+            <a:lvl9pPr marL="1828800" algn="l" rtl="0" fontAlgn="base">
+              <a:spcBef>
+                <a:spcPct val="0"/>
+              </a:spcBef>
+              <a:spcAft>
+                <a:spcPct val="0"/>
+              </a:spcAft>
+              <a:defRPr sz="4400">
+                <a:solidFill>
+                  <a:schemeClr val="tx2"/>
+                </a:solidFill>
+                <a:latin typeface="Times New Roman" pitchFamily="18" charset="0"/>
+              </a:defRPr>
+            </a:lvl9pPr>
+          </a:lstStyle>
+          <a:p>
+            <a:pPr algn="ctr">
+              <a:buClrTx/>
+              <a:buSzTx/>
+              <a:buFontTx/>
+              <a:buNone/>
+            </a:pPr>
+            <a:r>
+              <a:rPr kumimoji="0" lang="ru-RU" altLang="ru-RU" b="1" kern="0" dirty="0"/>
+              <a:t>Режимы </a:t>
+            </a:r>
+            <a:r>
+              <a:rPr kumimoji="0" lang="en-US" altLang="ru-RU" b="1" kern="0" dirty="0" err="1"/>
+              <a:t>IPSec</a:t>
+            </a:r>
+            <a:endParaRPr kumimoji="0" lang="en-US" altLang="ru-RU" b="1" kern="0" dirty="0"/>
+          </a:p>
+        </p:txBody>
+      </p:sp>
+      <p:pic>
+        <p:nvPicPr>
+          <p:cNvPr id="2" name="Рисунок 1">
+            <a:extLst>
+              <a:ext uri="{FF2B5EF4-FFF2-40B4-BE49-F238E27FC236}">
+                <a16:creationId xmlns:a16="http://schemas.microsoft.com/office/drawing/2014/main" id="{AA613917-E55D-71F7-4738-3D5FFAA917BE}"/>
+              </a:ext>
+            </a:extLst>
+          </p:cNvPr>
+          <p:cNvPicPr>
+            <a:picLocks noChangeAspect="1"/>
+          </p:cNvPicPr>
+          <p:nvPr/>
+        </p:nvPicPr>
+        <p:blipFill>
+          <a:blip r:embed="rId2"/>
+          <a:stretch>
+            <a:fillRect/>
+          </a:stretch>
+        </p:blipFill>
+        <p:spPr>
+          <a:xfrm>
+            <a:off x="1187624" y="1916832"/>
+            <a:ext cx="7769183" cy="4069220"/>
+          </a:xfrm>
+          <a:prstGeom prst="rect">
+            <a:avLst/>
+          </a:prstGeom>
+        </p:spPr>
+      </p:pic>
+    </p:spTree>
+    <p:extLst>
+      <p:ext uri="{BB962C8B-B14F-4D97-AF65-F5344CB8AC3E}">
+        <p14:creationId xmlns:p14="http://schemas.microsoft.com/office/powerpoint/2010/main" val="1302605500"/>
+      </p:ext>
+    </p:extLst>
+  </p:cSld>
+  <p:clrMapOvr>
+    <a:masterClrMapping/>
+  </p:clrMapOvr>
+</p:sld>
+</file>
+
+<file path=ppt/slides/slide15.xml><?xml version="1.0" encoding="utf-8"?>
+<p:sld xmlns:a="http://schemas.openxmlformats.org/drawingml/2006/main" xmlns:r="http://schemas.openxmlformats.org/officeDocument/2006/relationships" xmlns:p="http://schemas.openxmlformats.org/presentationml/2006/main">
+  <p:cSld>
+    <p:spTree>
+      <p:nvGrpSpPr>
+        <p:cNvPr id="1" name=""/>
+        <p:cNvGrpSpPr/>
+        <p:nvPr/>
+      </p:nvGrpSpPr>
+      <p:grpSpPr>
+        <a:xfrm>
+          <a:off x="0" y="0"/>
+          <a:ext cx="0" cy="0"/>
+          <a:chOff x="0" y="0"/>
+          <a:chExt cx="0" cy="0"/>
+        </a:xfrm>
+      </p:grpSpPr>
+      <p:sp>
+        <p:nvSpPr>
+          <p:cNvPr id="19" name="Заголовок 1"/>
+          <p:cNvSpPr txBox="1">
+            <a:spLocks/>
+          </p:cNvSpPr>
+          <p:nvPr/>
+        </p:nvSpPr>
+        <p:spPr>
+          <a:xfrm>
+            <a:off x="0" y="701874"/>
+            <a:ext cx="9144000" cy="1008112"/>
+          </a:xfrm>
+          <a:prstGeom prst="rect">
+            <a:avLst/>
+          </a:prstGeom>
+        </p:spPr>
+        <p:txBody>
+          <a:bodyPr/>
+          <a:lstStyle>
+            <a:lvl1pPr algn="l" rtl="0" fontAlgn="base">
+              <a:spcBef>
+                <a:spcPct val="0"/>
+              </a:spcBef>
+              <a:spcAft>
+                <a:spcPct val="0"/>
+              </a:spcAft>
+              <a:defRPr sz="4400">
+                <a:solidFill>
+                  <a:schemeClr val="tx2"/>
+                </a:solidFill>
+                <a:latin typeface="+mj-lt"/>
+                <a:ea typeface="+mj-ea"/>
+                <a:cs typeface="+mj-cs"/>
+              </a:defRPr>
+            </a:lvl1pPr>
+            <a:lvl2pPr algn="l" rtl="0" fontAlgn="base">
+              <a:spcBef>
+                <a:spcPct val="0"/>
+              </a:spcBef>
+              <a:spcAft>
+                <a:spcPct val="0"/>
+              </a:spcAft>
+              <a:defRPr sz="4400">
+                <a:solidFill>
+                  <a:schemeClr val="tx2"/>
+                </a:solidFill>
+                <a:latin typeface="Times New Roman" pitchFamily="18" charset="0"/>
+              </a:defRPr>
+            </a:lvl2pPr>
+            <a:lvl3pPr algn="l" rtl="0" fontAlgn="base">
+              <a:spcBef>
+                <a:spcPct val="0"/>
+              </a:spcBef>
+              <a:spcAft>
+                <a:spcPct val="0"/>
+              </a:spcAft>
+              <a:defRPr sz="4400">
+                <a:solidFill>
+                  <a:schemeClr val="tx2"/>
+                </a:solidFill>
+                <a:latin typeface="Times New Roman" pitchFamily="18" charset="0"/>
+              </a:defRPr>
+            </a:lvl3pPr>
+            <a:lvl4pPr algn="l" rtl="0" fontAlgn="base">
+              <a:spcBef>
+                <a:spcPct val="0"/>
+              </a:spcBef>
+              <a:spcAft>
+                <a:spcPct val="0"/>
+              </a:spcAft>
+              <a:defRPr sz="4400">
+                <a:solidFill>
+                  <a:schemeClr val="tx2"/>
+                </a:solidFill>
+                <a:latin typeface="Times New Roman" pitchFamily="18" charset="0"/>
+              </a:defRPr>
+            </a:lvl4pPr>
+            <a:lvl5pPr algn="l" rtl="0" fontAlgn="base">
+              <a:spcBef>
+                <a:spcPct val="0"/>
+              </a:spcBef>
+              <a:spcAft>
+                <a:spcPct val="0"/>
+              </a:spcAft>
+              <a:defRPr sz="4400">
+                <a:solidFill>
+                  <a:schemeClr val="tx2"/>
+                </a:solidFill>
+                <a:latin typeface="Times New Roman" pitchFamily="18" charset="0"/>
+              </a:defRPr>
+            </a:lvl5pPr>
+            <a:lvl6pPr marL="457200" algn="l" rtl="0" fontAlgn="base">
+              <a:spcBef>
+                <a:spcPct val="0"/>
+              </a:spcBef>
+              <a:spcAft>
+                <a:spcPct val="0"/>
+              </a:spcAft>
+              <a:defRPr sz="4400">
+                <a:solidFill>
+                  <a:schemeClr val="tx2"/>
+                </a:solidFill>
+                <a:latin typeface="Times New Roman" pitchFamily="18" charset="0"/>
+              </a:defRPr>
+            </a:lvl6pPr>
+            <a:lvl7pPr marL="914400" algn="l" rtl="0" fontAlgn="base">
+              <a:spcBef>
+                <a:spcPct val="0"/>
+              </a:spcBef>
+              <a:spcAft>
+                <a:spcPct val="0"/>
+              </a:spcAft>
+              <a:defRPr sz="4400">
+                <a:solidFill>
+                  <a:schemeClr val="tx2"/>
+                </a:solidFill>
+                <a:latin typeface="Times New Roman" pitchFamily="18" charset="0"/>
+              </a:defRPr>
+            </a:lvl7pPr>
+            <a:lvl8pPr marL="1371600" algn="l" rtl="0" fontAlgn="base">
+              <a:spcBef>
+                <a:spcPct val="0"/>
+              </a:spcBef>
+              <a:spcAft>
+                <a:spcPct val="0"/>
+              </a:spcAft>
+              <a:defRPr sz="4400">
+                <a:solidFill>
+                  <a:schemeClr val="tx2"/>
+                </a:solidFill>
+                <a:latin typeface="Times New Roman" pitchFamily="18" charset="0"/>
+              </a:defRPr>
+            </a:lvl8pPr>
+            <a:lvl9pPr marL="1828800" algn="l" rtl="0" fontAlgn="base">
+              <a:spcBef>
+                <a:spcPct val="0"/>
+              </a:spcBef>
+              <a:spcAft>
+                <a:spcPct val="0"/>
+              </a:spcAft>
+              <a:defRPr sz="4400">
+                <a:solidFill>
+                  <a:schemeClr val="tx2"/>
+                </a:solidFill>
+                <a:latin typeface="Times New Roman" pitchFamily="18" charset="0"/>
+              </a:defRPr>
+            </a:lvl9pPr>
+          </a:lstStyle>
+          <a:p>
+            <a:pPr algn="ctr">
+              <a:buClrTx/>
+              <a:buSzTx/>
+              <a:buFontTx/>
+              <a:buNone/>
+            </a:pPr>
+            <a:r>
+              <a:rPr kumimoji="0" lang="ru-RU" altLang="ru-RU" b="1" kern="0" dirty="0"/>
+              <a:t>Протоколы </a:t>
+            </a:r>
+            <a:r>
+              <a:rPr kumimoji="0" lang="en-US" altLang="ru-RU" b="1" kern="0" dirty="0" err="1"/>
+              <a:t>IPSec</a:t>
+            </a:r>
+            <a:endParaRPr kumimoji="0" lang="en-US" altLang="ru-RU" b="1" kern="0" dirty="0"/>
+          </a:p>
+        </p:txBody>
+      </p:sp>
+      <p:sp>
+        <p:nvSpPr>
+          <p:cNvPr id="2" name="TextBox 1">
+            <a:extLst>
+              <a:ext uri="{FF2B5EF4-FFF2-40B4-BE49-F238E27FC236}">
+                <a16:creationId xmlns:a16="http://schemas.microsoft.com/office/drawing/2014/main" id="{DA75FA98-DE0B-0B55-C859-4DD664B8E2CE}"/>
+              </a:ext>
+            </a:extLst>
+          </p:cNvPr>
+          <p:cNvSpPr txBox="1"/>
+          <p:nvPr/>
+        </p:nvSpPr>
+        <p:spPr>
+          <a:xfrm>
+            <a:off x="467544" y="1412776"/>
+            <a:ext cx="8568952" cy="5262979"/>
+          </a:xfrm>
+          <a:prstGeom prst="rect">
+            <a:avLst/>
+          </a:prstGeom>
+          <a:noFill/>
+        </p:spPr>
+        <p:txBody>
+          <a:bodyPr wrap="square" rtlCol="0">
+            <a:spAutoFit/>
+          </a:bodyPr>
+          <a:lstStyle/>
+          <a:p>
+            <a:pPr algn="just">
+              <a:buNone/>
+            </a:pPr>
+            <a:r>
+              <a:rPr lang="ru-RU" sz="1400" dirty="0"/>
+              <a:t>Построение защищённого канала связи может быть реализовано на разных уровнях модели OSI. </a:t>
+            </a:r>
+            <a:r>
+              <a:rPr lang="ru-RU" sz="1400" dirty="0" err="1"/>
+              <a:t>IPsec</a:t>
+            </a:r>
+            <a:r>
+              <a:rPr lang="ru-RU" sz="1400" dirty="0"/>
+              <a:t> реализован на сетевом уровне. Это является компромиссом в выборе уровня OSI. </a:t>
+            </a:r>
+            <a:r>
+              <a:rPr lang="ru-RU" sz="1400" dirty="0" err="1"/>
+              <a:t>IPsec</a:t>
+            </a:r>
+            <a:r>
+              <a:rPr lang="ru-RU" sz="1400" dirty="0"/>
+              <a:t> использует самый распространённый протокол сетевого уровня — IP, что делает применение </a:t>
+            </a:r>
+            <a:r>
+              <a:rPr lang="ru-RU" sz="1400" dirty="0" err="1"/>
+              <a:t>IPsec</a:t>
+            </a:r>
+            <a:r>
+              <a:rPr lang="ru-RU" sz="1400" dirty="0"/>
+              <a:t> гибким — он может использоваться для защиты любых протоколов, базирующихся на IP (TCP, UDP и другие). В то же время он прозрачен для большинства приложений.</a:t>
+            </a:r>
+          </a:p>
+          <a:p>
+            <a:pPr algn="just">
+              <a:buNone/>
+            </a:pPr>
+            <a:r>
+              <a:rPr lang="ru-RU" sz="1400" dirty="0" err="1"/>
+              <a:t>IPsec</a:t>
+            </a:r>
+            <a:r>
+              <a:rPr lang="ru-RU" sz="1400" dirty="0"/>
+              <a:t> является набором стандартов Интернета и своего рода «надстройкой» над IP-протоколом. Его ядро составляют три протокола:</a:t>
+            </a:r>
+          </a:p>
+          <a:p>
+            <a:pPr algn="just"/>
+            <a:r>
+              <a:rPr lang="ru-RU" sz="1400" dirty="0" err="1"/>
+              <a:t>Authentication</a:t>
+            </a:r>
+            <a:r>
+              <a:rPr lang="ru-RU" sz="1400" dirty="0"/>
+              <a:t> </a:t>
+            </a:r>
+            <a:r>
+              <a:rPr lang="ru-RU" sz="1400" dirty="0" err="1"/>
+              <a:t>Header</a:t>
+            </a:r>
+            <a:r>
+              <a:rPr lang="ru-RU" sz="1400" dirty="0"/>
+              <a:t> (</a:t>
+            </a:r>
+            <a:r>
+              <a:rPr lang="ru-RU" sz="1400" b="1" dirty="0"/>
+              <a:t>АН</a:t>
+            </a:r>
+            <a:r>
+              <a:rPr lang="ru-RU" sz="1400" dirty="0"/>
+              <a:t>) обеспечивает целостность передаваемых данных, аутентификацию источника информации и функцию по предотвращению повторной передачи пакетов</a:t>
+            </a:r>
+          </a:p>
+          <a:p>
+            <a:pPr algn="just"/>
+            <a:r>
+              <a:rPr lang="ru-RU" sz="1400" dirty="0" err="1"/>
+              <a:t>Encapsulating</a:t>
+            </a:r>
+            <a:r>
+              <a:rPr lang="ru-RU" sz="1400" dirty="0"/>
+              <a:t> Security </a:t>
+            </a:r>
+            <a:r>
+              <a:rPr lang="ru-RU" sz="1400" dirty="0" err="1"/>
+              <a:t>Payload</a:t>
+            </a:r>
+            <a:r>
+              <a:rPr lang="ru-RU" sz="1400" dirty="0"/>
+              <a:t> (</a:t>
+            </a:r>
+            <a:r>
+              <a:rPr lang="ru-RU" sz="1400" b="1" dirty="0"/>
+              <a:t>ESP</a:t>
+            </a:r>
+            <a:r>
+              <a:rPr lang="ru-RU" sz="1400" dirty="0"/>
+              <a:t>) обеспечивает конфиденциальность (шифрование) передаваемой информации, ограничение потока конфиденциального трафика. Кроме этого, он может исполнять функции AH: обеспечить целостность передаваемых данных, аутентификацию источника информации и функцию по предотвращению повторной передачи пакетов. При применении ESP в обязательном порядке должен указываться набор услуг по обеспечению безопасности: каждая из его функций может включаться опционально.</a:t>
+            </a:r>
+          </a:p>
+          <a:p>
+            <a:pPr algn="just"/>
+            <a:r>
+              <a:rPr lang="ru-RU" sz="1400" dirty="0"/>
+              <a:t>Internet Security Association </a:t>
+            </a:r>
+            <a:r>
+              <a:rPr lang="ru-RU" sz="1400" dirty="0" err="1"/>
+              <a:t>and</a:t>
+            </a:r>
+            <a:r>
+              <a:rPr lang="ru-RU" sz="1400" dirty="0"/>
+              <a:t> Key Management Protocol (ISAKMP) — протокол, используемый для первичной настройки соединения, взаимной аутентификации конечными узлами друг друга и обмена секретными ключами. Протокол предусматривает использование различных механизмов обмена ключами, включая задание фиксированных ключей, использование таких протоколов, как Internet Key Exchange, </a:t>
+            </a:r>
+            <a:r>
+              <a:rPr lang="ru-RU" sz="1400" dirty="0" err="1"/>
+              <a:t>Kerberized</a:t>
+            </a:r>
+            <a:r>
+              <a:rPr lang="ru-RU" sz="1400" dirty="0"/>
+              <a:t> Internet </a:t>
+            </a:r>
+            <a:r>
+              <a:rPr lang="ru-RU" sz="1400" dirty="0" err="1"/>
+              <a:t>Negotiation</a:t>
+            </a:r>
+            <a:r>
+              <a:rPr lang="ru-RU" sz="1400" dirty="0"/>
+              <a:t> </a:t>
+            </a:r>
+            <a:r>
+              <a:rPr lang="ru-RU" sz="1400" dirty="0" err="1"/>
+              <a:t>of</a:t>
+            </a:r>
+            <a:r>
+              <a:rPr lang="ru-RU" sz="1400" dirty="0"/>
+              <a:t> </a:t>
+            </a:r>
+            <a:r>
+              <a:rPr lang="ru-RU" sz="1400" dirty="0" err="1"/>
+              <a:t>Keys</a:t>
+            </a:r>
+            <a:r>
+              <a:rPr lang="ru-RU" sz="1400" dirty="0"/>
+              <a:t> (RFC 4430) или записей DNS типа IPSECKEY (RFC 4025).</a:t>
+            </a:r>
+          </a:p>
+          <a:p>
+            <a:pPr algn="just">
+              <a:buNone/>
+            </a:pPr>
+            <a:r>
+              <a:rPr lang="ru-RU" sz="1400" dirty="0"/>
+              <a:t>Также одним из ключевых понятий является Security Association (</a:t>
+            </a:r>
+            <a:r>
+              <a:rPr lang="ru-RU" sz="1400" b="1" dirty="0"/>
+              <a:t>SA</a:t>
+            </a:r>
+            <a:r>
+              <a:rPr lang="ru-RU" sz="1400" dirty="0"/>
+              <a:t>). По сути, SA является набором параметров, характеризующим соединение. Например, используемые алгоритм шифрования и хеш-функция, секретные ключи, номер пакета и др.</a:t>
+            </a:r>
+          </a:p>
+        </p:txBody>
+      </p:sp>
+    </p:spTree>
+    <p:extLst>
+      <p:ext uri="{BB962C8B-B14F-4D97-AF65-F5344CB8AC3E}">
+        <p14:creationId xmlns:p14="http://schemas.microsoft.com/office/powerpoint/2010/main" val="1248770346"/>
+      </p:ext>
+    </p:extLst>
+  </p:cSld>
+  <p:clrMapOvr>
+    <a:masterClrMapping/>
+  </p:clrMapOvr>
+</p:sld>
+</file>
+
+<file path=ppt/slides/slide16.xml><?xml version="1.0" encoding="utf-8"?>
+<p:sld xmlns:a="http://schemas.openxmlformats.org/drawingml/2006/main" xmlns:r="http://schemas.openxmlformats.org/officeDocument/2006/relationships" xmlns:p="http://schemas.openxmlformats.org/presentationml/2006/main">
+  <p:cSld>
+    <p:spTree>
+      <p:nvGrpSpPr>
+        <p:cNvPr id="1" name=""/>
+        <p:cNvGrpSpPr/>
+        <p:nvPr/>
+      </p:nvGrpSpPr>
+      <p:grpSpPr>
+        <a:xfrm>
+          <a:off x="0" y="0"/>
+          <a:ext cx="0" cy="0"/>
+          <a:chOff x="0" y="0"/>
+          <a:chExt cx="0" cy="0"/>
+        </a:xfrm>
+      </p:grpSpPr>
+      <p:sp>
+        <p:nvSpPr>
+          <p:cNvPr id="19" name="Заголовок 1"/>
+          <p:cNvSpPr txBox="1">
+            <a:spLocks/>
+          </p:cNvSpPr>
+          <p:nvPr/>
+        </p:nvSpPr>
+        <p:spPr>
+          <a:xfrm>
+            <a:off x="0" y="701874"/>
+            <a:ext cx="9144000" cy="1008112"/>
+          </a:xfrm>
+          <a:prstGeom prst="rect">
+            <a:avLst/>
+          </a:prstGeom>
+        </p:spPr>
+        <p:txBody>
+          <a:bodyPr/>
+          <a:lstStyle>
+            <a:lvl1pPr algn="l" rtl="0" fontAlgn="base">
+              <a:spcBef>
+                <a:spcPct val="0"/>
+              </a:spcBef>
+              <a:spcAft>
+                <a:spcPct val="0"/>
+              </a:spcAft>
+              <a:defRPr sz="4400">
+                <a:solidFill>
+                  <a:schemeClr val="tx2"/>
+                </a:solidFill>
+                <a:latin typeface="+mj-lt"/>
+                <a:ea typeface="+mj-ea"/>
+                <a:cs typeface="+mj-cs"/>
+              </a:defRPr>
+            </a:lvl1pPr>
+            <a:lvl2pPr algn="l" rtl="0" fontAlgn="base">
+              <a:spcBef>
+                <a:spcPct val="0"/>
+              </a:spcBef>
+              <a:spcAft>
+                <a:spcPct val="0"/>
+              </a:spcAft>
+              <a:defRPr sz="4400">
+                <a:solidFill>
+                  <a:schemeClr val="tx2"/>
+                </a:solidFill>
+                <a:latin typeface="Times New Roman" pitchFamily="18" charset="0"/>
+              </a:defRPr>
+            </a:lvl2pPr>
+            <a:lvl3pPr algn="l" rtl="0" fontAlgn="base">
+              <a:spcBef>
+                <a:spcPct val="0"/>
+              </a:spcBef>
+              <a:spcAft>
+                <a:spcPct val="0"/>
+              </a:spcAft>
+              <a:defRPr sz="4400">
+                <a:solidFill>
+                  <a:schemeClr val="tx2"/>
+                </a:solidFill>
+                <a:latin typeface="Times New Roman" pitchFamily="18" charset="0"/>
+              </a:defRPr>
+            </a:lvl3pPr>
+            <a:lvl4pPr algn="l" rtl="0" fontAlgn="base">
+              <a:spcBef>
+                <a:spcPct val="0"/>
+              </a:spcBef>
+              <a:spcAft>
+                <a:spcPct val="0"/>
+              </a:spcAft>
+              <a:defRPr sz="4400">
+                <a:solidFill>
+                  <a:schemeClr val="tx2"/>
+                </a:solidFill>
+                <a:latin typeface="Times New Roman" pitchFamily="18" charset="0"/>
+              </a:defRPr>
+            </a:lvl4pPr>
+            <a:lvl5pPr algn="l" rtl="0" fontAlgn="base">
+              <a:spcBef>
+                <a:spcPct val="0"/>
+              </a:spcBef>
+              <a:spcAft>
+                <a:spcPct val="0"/>
+              </a:spcAft>
+              <a:defRPr sz="4400">
+                <a:solidFill>
+                  <a:schemeClr val="tx2"/>
+                </a:solidFill>
+                <a:latin typeface="Times New Roman" pitchFamily="18" charset="0"/>
+              </a:defRPr>
+            </a:lvl5pPr>
+            <a:lvl6pPr marL="457200" algn="l" rtl="0" fontAlgn="base">
+              <a:spcBef>
+                <a:spcPct val="0"/>
+              </a:spcBef>
+              <a:spcAft>
+                <a:spcPct val="0"/>
+              </a:spcAft>
+              <a:defRPr sz="4400">
+                <a:solidFill>
+                  <a:schemeClr val="tx2"/>
+                </a:solidFill>
+                <a:latin typeface="Times New Roman" pitchFamily="18" charset="0"/>
+              </a:defRPr>
+            </a:lvl6pPr>
+            <a:lvl7pPr marL="914400" algn="l" rtl="0" fontAlgn="base">
+              <a:spcBef>
+                <a:spcPct val="0"/>
+              </a:spcBef>
+              <a:spcAft>
+                <a:spcPct val="0"/>
+              </a:spcAft>
+              <a:defRPr sz="4400">
+                <a:solidFill>
+                  <a:schemeClr val="tx2"/>
+                </a:solidFill>
+                <a:latin typeface="Times New Roman" pitchFamily="18" charset="0"/>
+              </a:defRPr>
+            </a:lvl7pPr>
+            <a:lvl8pPr marL="1371600" algn="l" rtl="0" fontAlgn="base">
+              <a:spcBef>
+                <a:spcPct val="0"/>
+              </a:spcBef>
+              <a:spcAft>
+                <a:spcPct val="0"/>
+              </a:spcAft>
+              <a:defRPr sz="4400">
+                <a:solidFill>
+                  <a:schemeClr val="tx2"/>
+                </a:solidFill>
+                <a:latin typeface="Times New Roman" pitchFamily="18" charset="0"/>
+              </a:defRPr>
+            </a:lvl8pPr>
+            <a:lvl9pPr marL="1828800" algn="l" rtl="0" fontAlgn="base">
+              <a:spcBef>
+                <a:spcPct val="0"/>
+              </a:spcBef>
+              <a:spcAft>
+                <a:spcPct val="0"/>
+              </a:spcAft>
+              <a:defRPr sz="4400">
+                <a:solidFill>
+                  <a:schemeClr val="tx2"/>
+                </a:solidFill>
+                <a:latin typeface="Times New Roman" pitchFamily="18" charset="0"/>
+              </a:defRPr>
+            </a:lvl9pPr>
+          </a:lstStyle>
+          <a:p>
+            <a:pPr algn="ctr">
+              <a:buClrTx/>
+              <a:buSzTx/>
+              <a:buFontTx/>
+              <a:buNone/>
+            </a:pPr>
+            <a:r>
+              <a:rPr kumimoji="0" lang="ru-RU" altLang="ru-RU" b="1" kern="0" dirty="0"/>
+              <a:t>Используемые протоколы</a:t>
+            </a:r>
+            <a:endParaRPr kumimoji="0" lang="en-US" altLang="ru-RU" b="1" kern="0" dirty="0"/>
+          </a:p>
+        </p:txBody>
+      </p:sp>
+      <p:pic>
+        <p:nvPicPr>
+          <p:cNvPr id="3" name="Рисунок 2">
+            <a:extLst>
+              <a:ext uri="{FF2B5EF4-FFF2-40B4-BE49-F238E27FC236}">
+                <a16:creationId xmlns:a16="http://schemas.microsoft.com/office/drawing/2014/main" id="{8C98252D-5F53-55B1-EA8D-D9C86BF7767C}"/>
+              </a:ext>
+            </a:extLst>
+          </p:cNvPr>
+          <p:cNvPicPr>
+            <a:picLocks noChangeAspect="1"/>
+          </p:cNvPicPr>
+          <p:nvPr/>
+        </p:nvPicPr>
+        <p:blipFill>
+          <a:blip r:embed="rId2"/>
+          <a:stretch>
+            <a:fillRect/>
+          </a:stretch>
+        </p:blipFill>
+        <p:spPr>
+          <a:xfrm>
+            <a:off x="1115616" y="1484784"/>
+            <a:ext cx="7740352" cy="5272414"/>
+          </a:xfrm>
+          <a:prstGeom prst="rect">
+            <a:avLst/>
+          </a:prstGeom>
+        </p:spPr>
+      </p:pic>
+    </p:spTree>
+    <p:extLst>
+      <p:ext uri="{BB962C8B-B14F-4D97-AF65-F5344CB8AC3E}">
+        <p14:creationId xmlns:p14="http://schemas.microsoft.com/office/powerpoint/2010/main" val="3280844290"/>
+      </p:ext>
+    </p:extLst>
+  </p:cSld>
+  <p:clrMapOvr>
+    <a:masterClrMapping/>
+  </p:clrMapOvr>
+</p:sld>
+</file>
+
+<file path=ppt/slides/slide17.xml><?xml version="1.0" encoding="utf-8"?>
+<p:sld xmlns:a="http://schemas.openxmlformats.org/drawingml/2006/main" xmlns:r="http://schemas.openxmlformats.org/officeDocument/2006/relationships" xmlns:p="http://schemas.openxmlformats.org/presentationml/2006/main">
+  <p:cSld>
+    <p:spTree>
+      <p:nvGrpSpPr>
+        <p:cNvPr id="1" name=""/>
+        <p:cNvGrpSpPr/>
+        <p:nvPr/>
+      </p:nvGrpSpPr>
+      <p:grpSpPr>
+        <a:xfrm>
+          <a:off x="0" y="0"/>
+          <a:ext cx="0" cy="0"/>
+          <a:chOff x="0" y="0"/>
+          <a:chExt cx="0" cy="0"/>
+        </a:xfrm>
+      </p:grpSpPr>
+      <p:sp>
+        <p:nvSpPr>
+          <p:cNvPr id="19" name="Заголовок 1"/>
+          <p:cNvSpPr txBox="1">
+            <a:spLocks/>
+          </p:cNvSpPr>
+          <p:nvPr/>
+        </p:nvSpPr>
+        <p:spPr>
+          <a:xfrm>
+            <a:off x="0" y="701874"/>
+            <a:ext cx="9144000" cy="1008112"/>
+          </a:xfrm>
+          <a:prstGeom prst="rect">
+            <a:avLst/>
+          </a:prstGeom>
+        </p:spPr>
+        <p:txBody>
+          <a:bodyPr/>
+          <a:lstStyle>
+            <a:lvl1pPr algn="l" rtl="0" fontAlgn="base">
+              <a:spcBef>
+                <a:spcPct val="0"/>
+              </a:spcBef>
+              <a:spcAft>
+                <a:spcPct val="0"/>
+              </a:spcAft>
+              <a:defRPr sz="4400">
+                <a:solidFill>
+                  <a:schemeClr val="tx2"/>
+                </a:solidFill>
+                <a:latin typeface="+mj-lt"/>
+                <a:ea typeface="+mj-ea"/>
+                <a:cs typeface="+mj-cs"/>
+              </a:defRPr>
+            </a:lvl1pPr>
+            <a:lvl2pPr algn="l" rtl="0" fontAlgn="base">
+              <a:spcBef>
+                <a:spcPct val="0"/>
+              </a:spcBef>
+              <a:spcAft>
+                <a:spcPct val="0"/>
+              </a:spcAft>
+              <a:defRPr sz="4400">
+                <a:solidFill>
+                  <a:schemeClr val="tx2"/>
+                </a:solidFill>
+                <a:latin typeface="Times New Roman" pitchFamily="18" charset="0"/>
+              </a:defRPr>
+            </a:lvl2pPr>
+            <a:lvl3pPr algn="l" rtl="0" fontAlgn="base">
+              <a:spcBef>
+                <a:spcPct val="0"/>
+              </a:spcBef>
+              <a:spcAft>
+                <a:spcPct val="0"/>
+              </a:spcAft>
+              <a:defRPr sz="4400">
+                <a:solidFill>
+                  <a:schemeClr val="tx2"/>
+                </a:solidFill>
+                <a:latin typeface="Times New Roman" pitchFamily="18" charset="0"/>
+              </a:defRPr>
+            </a:lvl3pPr>
+            <a:lvl4pPr algn="l" rtl="0" fontAlgn="base">
+              <a:spcBef>
+                <a:spcPct val="0"/>
+              </a:spcBef>
+              <a:spcAft>
+                <a:spcPct val="0"/>
+              </a:spcAft>
+              <a:defRPr sz="4400">
+                <a:solidFill>
+                  <a:schemeClr val="tx2"/>
+                </a:solidFill>
+                <a:latin typeface="Times New Roman" pitchFamily="18" charset="0"/>
+              </a:defRPr>
+            </a:lvl4pPr>
+            <a:lvl5pPr algn="l" rtl="0" fontAlgn="base">
+              <a:spcBef>
+                <a:spcPct val="0"/>
+              </a:spcBef>
+              <a:spcAft>
+                <a:spcPct val="0"/>
+              </a:spcAft>
+              <a:defRPr sz="4400">
+                <a:solidFill>
+                  <a:schemeClr val="tx2"/>
+                </a:solidFill>
+                <a:latin typeface="Times New Roman" pitchFamily="18" charset="0"/>
+              </a:defRPr>
+            </a:lvl5pPr>
+            <a:lvl6pPr marL="457200" algn="l" rtl="0" fontAlgn="base">
+              <a:spcBef>
+                <a:spcPct val="0"/>
+              </a:spcBef>
+              <a:spcAft>
+                <a:spcPct val="0"/>
+              </a:spcAft>
+              <a:defRPr sz="4400">
+                <a:solidFill>
+                  <a:schemeClr val="tx2"/>
+                </a:solidFill>
+                <a:latin typeface="Times New Roman" pitchFamily="18" charset="0"/>
+              </a:defRPr>
+            </a:lvl6pPr>
+            <a:lvl7pPr marL="914400" algn="l" rtl="0" fontAlgn="base">
+              <a:spcBef>
+                <a:spcPct val="0"/>
+              </a:spcBef>
+              <a:spcAft>
+                <a:spcPct val="0"/>
+              </a:spcAft>
+              <a:defRPr sz="4400">
+                <a:solidFill>
+                  <a:schemeClr val="tx2"/>
+                </a:solidFill>
+                <a:latin typeface="Times New Roman" pitchFamily="18" charset="0"/>
+              </a:defRPr>
+            </a:lvl7pPr>
+            <a:lvl8pPr marL="1371600" algn="l" rtl="0" fontAlgn="base">
+              <a:spcBef>
+                <a:spcPct val="0"/>
+              </a:spcBef>
+              <a:spcAft>
+                <a:spcPct val="0"/>
+              </a:spcAft>
+              <a:defRPr sz="4400">
+                <a:solidFill>
+                  <a:schemeClr val="tx2"/>
+                </a:solidFill>
+                <a:latin typeface="Times New Roman" pitchFamily="18" charset="0"/>
+              </a:defRPr>
+            </a:lvl8pPr>
+            <a:lvl9pPr marL="1828800" algn="l" rtl="0" fontAlgn="base">
+              <a:spcBef>
+                <a:spcPct val="0"/>
+              </a:spcBef>
+              <a:spcAft>
+                <a:spcPct val="0"/>
+              </a:spcAft>
+              <a:defRPr sz="4400">
+                <a:solidFill>
+                  <a:schemeClr val="tx2"/>
+                </a:solidFill>
+                <a:latin typeface="Times New Roman" pitchFamily="18" charset="0"/>
+              </a:defRPr>
+            </a:lvl9pPr>
+          </a:lstStyle>
+          <a:p>
+            <a:pPr algn="ctr">
+              <a:buClrTx/>
+              <a:buSzTx/>
+              <a:buFontTx/>
+              <a:buNone/>
+            </a:pPr>
+            <a:r>
+              <a:rPr kumimoji="0" lang="ru-RU" altLang="ru-RU" b="1" kern="0" dirty="0"/>
+              <a:t>Этапы работы </a:t>
+            </a:r>
+            <a:r>
+              <a:rPr kumimoji="0" lang="en-US" altLang="ru-RU" b="1" kern="0" dirty="0" err="1"/>
+              <a:t>IPSec</a:t>
+            </a:r>
+            <a:endParaRPr kumimoji="0" lang="en-US" altLang="ru-RU" b="1" kern="0" dirty="0"/>
+          </a:p>
+        </p:txBody>
+      </p:sp>
+      <p:sp>
+        <p:nvSpPr>
+          <p:cNvPr id="2" name="TextBox 1">
+            <a:extLst>
+              <a:ext uri="{FF2B5EF4-FFF2-40B4-BE49-F238E27FC236}">
+                <a16:creationId xmlns:a16="http://schemas.microsoft.com/office/drawing/2014/main" id="{DA75FA98-DE0B-0B55-C859-4DD664B8E2CE}"/>
+              </a:ext>
+            </a:extLst>
+          </p:cNvPr>
+          <p:cNvSpPr txBox="1"/>
+          <p:nvPr/>
+        </p:nvSpPr>
+        <p:spPr>
+          <a:xfrm>
+            <a:off x="395536" y="1484784"/>
+            <a:ext cx="8640960" cy="5349157"/>
+          </a:xfrm>
+          <a:prstGeom prst="rect">
+            <a:avLst/>
+          </a:prstGeom>
+          <a:noFill/>
+        </p:spPr>
+        <p:txBody>
+          <a:bodyPr wrap="square" rtlCol="0">
+            <a:spAutoFit/>
+          </a:bodyPr>
+          <a:lstStyle/>
+          <a:p>
+            <a:pPr algn="just">
+              <a:buNone/>
+            </a:pPr>
+            <a:r>
+              <a:rPr lang="ru-RU" sz="1400" u="sng" dirty="0"/>
+              <a:t>Первый этап</a:t>
+            </a:r>
+            <a:r>
+              <a:rPr lang="ru-RU" sz="1400" dirty="0"/>
+              <a:t> начинается с создания на каждом узле, поддерживающем стандарт </a:t>
+            </a:r>
+            <a:r>
+              <a:rPr lang="ru-RU" sz="1400" dirty="0" err="1"/>
+              <a:t>IPsec</a:t>
+            </a:r>
+            <a:r>
+              <a:rPr lang="ru-RU" sz="1400" dirty="0"/>
+              <a:t>, политики безопасности. На этом этапе определяется, какой трафик подлежит шифрованию, какие функции и алгоритмы могут быть использованы.</a:t>
+            </a:r>
+          </a:p>
+          <a:p>
+            <a:pPr algn="just">
+              <a:buNone/>
+            </a:pPr>
+            <a:r>
+              <a:rPr lang="ru-RU" sz="1400" u="sng" dirty="0"/>
+              <a:t>Второй этап</a:t>
+            </a:r>
+            <a:r>
+              <a:rPr lang="ru-RU" sz="1400" dirty="0"/>
+              <a:t> является по сути </a:t>
+            </a:r>
+            <a:r>
+              <a:rPr lang="ru-RU" sz="1400" b="1" dirty="0"/>
+              <a:t>первой фазой </a:t>
+            </a:r>
+            <a:r>
+              <a:rPr lang="ru-RU" sz="1400" dirty="0"/>
+              <a:t>IKE. Её цель — организовать безопасный канал между сторонами для второй фазы IKE. На втором этапе выполняются:</a:t>
+            </a:r>
+          </a:p>
+          <a:p>
+            <a:pPr marL="285750" indent="-285750" algn="just"/>
+            <a:r>
+              <a:rPr lang="ru-RU" sz="1400" dirty="0"/>
+              <a:t>Аутентификация и защита идентификационной информации узлов</a:t>
+            </a:r>
+          </a:p>
+          <a:p>
+            <a:pPr marL="285750" indent="-285750" algn="just"/>
+            <a:r>
+              <a:rPr lang="ru-RU" sz="1400" dirty="0"/>
+              <a:t>Проверка соответствий политик IKE SA узлов для безопасного обмена ключами</a:t>
+            </a:r>
+          </a:p>
+          <a:p>
+            <a:pPr marL="285750" indent="-285750" algn="just"/>
+            <a:r>
+              <a:rPr lang="ru-RU" sz="1400" dirty="0"/>
+              <a:t>Обмен </a:t>
+            </a:r>
+            <a:r>
+              <a:rPr lang="ru-RU" sz="1400" dirty="0" err="1"/>
+              <a:t>Диффи-Хеллмана</a:t>
+            </a:r>
+            <a:r>
+              <a:rPr lang="ru-RU" sz="1400" dirty="0"/>
+              <a:t>, в результате которого у каждого узла будет общий секретный ключ</a:t>
+            </a:r>
+          </a:p>
+          <a:p>
+            <a:pPr marL="285750" indent="-285750" algn="just"/>
+            <a:r>
+              <a:rPr lang="ru-RU" sz="1400" dirty="0"/>
+              <a:t>Создание безопасного канала для второй фазы IKE</a:t>
+            </a:r>
+          </a:p>
+          <a:p>
+            <a:pPr algn="just">
+              <a:buNone/>
+            </a:pPr>
+            <a:r>
+              <a:rPr lang="ru-RU" sz="1400" u="sng" dirty="0"/>
+              <a:t>Третий этап</a:t>
+            </a:r>
+            <a:r>
+              <a:rPr lang="ru-RU" sz="1400" dirty="0"/>
+              <a:t> является </a:t>
+            </a:r>
+            <a:r>
+              <a:rPr lang="ru-RU" sz="1400" b="1" dirty="0"/>
+              <a:t>второй фазой </a:t>
+            </a:r>
+            <a:r>
+              <a:rPr lang="ru-RU" sz="1400" dirty="0"/>
+              <a:t>IKE. Его задачей является создание </a:t>
+            </a:r>
+            <a:r>
+              <a:rPr lang="ru-RU" sz="1400" dirty="0" err="1"/>
+              <a:t>IPsec</a:t>
+            </a:r>
+            <a:r>
+              <a:rPr lang="ru-RU" sz="1400" dirty="0"/>
+              <a:t>-туннеля. На третьем этапе выполняются следующие функции:</a:t>
+            </a:r>
+          </a:p>
+          <a:p>
+            <a:pPr marL="285750" indent="-285750" algn="just"/>
+            <a:r>
+              <a:rPr lang="ru-RU" sz="1400" dirty="0"/>
+              <a:t>Согласуются параметры </a:t>
+            </a:r>
+            <a:r>
+              <a:rPr lang="ru-RU" sz="1400" dirty="0" err="1"/>
+              <a:t>IPsec</a:t>
+            </a:r>
+            <a:r>
+              <a:rPr lang="ru-RU" sz="1400" dirty="0"/>
+              <a:t> SA по защищаемому IKE SA каналу, созданному в первой фазе IKE</a:t>
+            </a:r>
+          </a:p>
+          <a:p>
+            <a:pPr marL="285750" indent="-285750" algn="just"/>
+            <a:r>
+              <a:rPr lang="ru-RU" sz="1400" dirty="0"/>
+              <a:t>Устанавливается </a:t>
+            </a:r>
+            <a:r>
+              <a:rPr lang="ru-RU" sz="1400" dirty="0" err="1"/>
+              <a:t>IPsec</a:t>
+            </a:r>
+            <a:r>
+              <a:rPr lang="ru-RU" sz="1400" dirty="0"/>
+              <a:t> SA</a:t>
+            </a:r>
+          </a:p>
+          <a:p>
+            <a:pPr marL="285750" indent="-285750" algn="just"/>
+            <a:r>
+              <a:rPr lang="ru-RU" sz="1400" dirty="0"/>
+              <a:t>Периодически осуществляется пересмотр </a:t>
+            </a:r>
+            <a:r>
+              <a:rPr lang="ru-RU" sz="1400" dirty="0" err="1"/>
+              <a:t>IPsec</a:t>
+            </a:r>
+            <a:r>
+              <a:rPr lang="ru-RU" sz="1400" dirty="0"/>
+              <a:t> SA, чтобы убедиться в её безопасности</a:t>
+            </a:r>
+          </a:p>
+          <a:p>
+            <a:pPr marL="285750" indent="-285750" algn="just"/>
+            <a:r>
+              <a:rPr lang="ru-RU" sz="1400" dirty="0"/>
+              <a:t>(Опционально) выполняется дополнительный обмен </a:t>
+            </a:r>
+            <a:r>
+              <a:rPr lang="ru-RU" sz="1400" dirty="0" err="1"/>
+              <a:t>Диффи-Хеллмана</a:t>
+            </a:r>
+            <a:endParaRPr lang="ru-RU" sz="1400" dirty="0"/>
+          </a:p>
+          <a:p>
+            <a:pPr algn="just">
+              <a:buNone/>
+            </a:pPr>
+            <a:r>
+              <a:rPr lang="ru-RU" sz="1400" u="sng" dirty="0"/>
+              <a:t>Рабочий этап</a:t>
+            </a:r>
+            <a:r>
+              <a:rPr lang="ru-RU" sz="1400" dirty="0"/>
+              <a:t>. После создания </a:t>
+            </a:r>
+            <a:r>
+              <a:rPr lang="ru-RU" sz="1400" dirty="0" err="1"/>
+              <a:t>IPsec</a:t>
+            </a:r>
+            <a:r>
+              <a:rPr lang="ru-RU" sz="1400" dirty="0"/>
+              <a:t> SA начинается обмен информацией между узлами через </a:t>
+            </a:r>
+            <a:r>
+              <a:rPr lang="ru-RU" sz="1400" dirty="0" err="1"/>
+              <a:t>IPsec</a:t>
+            </a:r>
+            <a:r>
+              <a:rPr lang="ru-RU" sz="1400" dirty="0"/>
+              <a:t>-туннель, используются протоколы и параметры, установленные в SA.</a:t>
+            </a:r>
+          </a:p>
+          <a:p>
+            <a:pPr algn="just">
+              <a:buNone/>
+            </a:pPr>
+            <a:r>
+              <a:rPr lang="ru-RU" sz="1400" u="sng" dirty="0"/>
+              <a:t>Завершение</a:t>
+            </a:r>
+            <a:r>
+              <a:rPr lang="ru-RU" sz="1400" dirty="0"/>
+              <a:t>. Прекращают действовать текущие </a:t>
+            </a:r>
+            <a:r>
+              <a:rPr lang="ru-RU" sz="1400" dirty="0" err="1"/>
+              <a:t>IPsec</a:t>
+            </a:r>
+            <a:r>
+              <a:rPr lang="ru-RU" sz="1400" dirty="0"/>
+              <a:t> SA. Это происходит при их удалении или при истечении времени жизни (определенное в SA в байтах информации, передаваемой через канал, или в секундах), значение которого содержится в SAD на каждом узле. Если требуется продолжить передачу, запускается фаза два IKE (если требуется, то и первая фаза) и далее создаются новые </a:t>
+            </a:r>
+            <a:r>
+              <a:rPr lang="ru-RU" sz="1400" dirty="0" err="1"/>
+              <a:t>IPsec</a:t>
+            </a:r>
+            <a:r>
+              <a:rPr lang="ru-RU" sz="1400" dirty="0"/>
+              <a:t> SA. Процесс создания новых SA может происходить и до завершения действия текущих, если требуется непрерывная передача данных.</a:t>
+            </a:r>
+          </a:p>
+        </p:txBody>
+      </p:sp>
+    </p:spTree>
+    <p:extLst>
+      <p:ext uri="{BB962C8B-B14F-4D97-AF65-F5344CB8AC3E}">
+        <p14:creationId xmlns:p14="http://schemas.microsoft.com/office/powerpoint/2010/main" val="2365205378"/>
+      </p:ext>
+    </p:extLst>
+  </p:cSld>
+  <p:clrMapOvr>
+    <a:masterClrMapping/>
+  </p:clrMapOvr>
+</p:sld>
+</file>
+
+<file path=ppt/slides/slide18.xml><?xml version="1.0" encoding="utf-8"?>
+<p:sld xmlns:a="http://schemas.openxmlformats.org/drawingml/2006/main" xmlns:r="http://schemas.openxmlformats.org/officeDocument/2006/relationships" xmlns:p="http://schemas.openxmlformats.org/presentationml/2006/main">
+  <p:cSld>
+    <p:spTree>
+      <p:nvGrpSpPr>
+        <p:cNvPr id="1" name=""/>
+        <p:cNvGrpSpPr/>
+        <p:nvPr/>
+      </p:nvGrpSpPr>
+      <p:grpSpPr>
+        <a:xfrm>
+          <a:off x="0" y="0"/>
+          <a:ext cx="0" cy="0"/>
+          <a:chOff x="0" y="0"/>
+          <a:chExt cx="0" cy="0"/>
+        </a:xfrm>
+      </p:grpSpPr>
+      <p:sp>
+        <p:nvSpPr>
+          <p:cNvPr id="19" name="Заголовок 1"/>
+          <p:cNvSpPr txBox="1">
+            <a:spLocks/>
+          </p:cNvSpPr>
+          <p:nvPr/>
+        </p:nvSpPr>
+        <p:spPr>
+          <a:xfrm>
+            <a:off x="0" y="701874"/>
+            <a:ext cx="9144000" cy="1008112"/>
+          </a:xfrm>
+          <a:prstGeom prst="rect">
+            <a:avLst/>
+          </a:prstGeom>
+        </p:spPr>
+        <p:txBody>
+          <a:bodyPr/>
+          <a:lstStyle>
+            <a:lvl1pPr algn="l" rtl="0" fontAlgn="base">
+              <a:spcBef>
+                <a:spcPct val="0"/>
+              </a:spcBef>
+              <a:spcAft>
+                <a:spcPct val="0"/>
+              </a:spcAft>
+              <a:defRPr sz="4400">
+                <a:solidFill>
+                  <a:schemeClr val="tx2"/>
+                </a:solidFill>
+                <a:latin typeface="+mj-lt"/>
+                <a:ea typeface="+mj-ea"/>
+                <a:cs typeface="+mj-cs"/>
+              </a:defRPr>
+            </a:lvl1pPr>
+            <a:lvl2pPr algn="l" rtl="0" fontAlgn="base">
+              <a:spcBef>
+                <a:spcPct val="0"/>
+              </a:spcBef>
+              <a:spcAft>
+                <a:spcPct val="0"/>
+              </a:spcAft>
+              <a:defRPr sz="4400">
+                <a:solidFill>
+                  <a:schemeClr val="tx2"/>
+                </a:solidFill>
+                <a:latin typeface="Times New Roman" pitchFamily="18" charset="0"/>
+              </a:defRPr>
+            </a:lvl2pPr>
+            <a:lvl3pPr algn="l" rtl="0" fontAlgn="base">
+              <a:spcBef>
+                <a:spcPct val="0"/>
+              </a:spcBef>
+              <a:spcAft>
+                <a:spcPct val="0"/>
+              </a:spcAft>
+              <a:defRPr sz="4400">
+                <a:solidFill>
+                  <a:schemeClr val="tx2"/>
+                </a:solidFill>
+                <a:latin typeface="Times New Roman" pitchFamily="18" charset="0"/>
+              </a:defRPr>
+            </a:lvl3pPr>
+            <a:lvl4pPr algn="l" rtl="0" fontAlgn="base">
+              <a:spcBef>
+                <a:spcPct val="0"/>
+              </a:spcBef>
+              <a:spcAft>
+                <a:spcPct val="0"/>
+              </a:spcAft>
+              <a:defRPr sz="4400">
+                <a:solidFill>
+                  <a:schemeClr val="tx2"/>
+                </a:solidFill>
+                <a:latin typeface="Times New Roman" pitchFamily="18" charset="0"/>
+              </a:defRPr>
+            </a:lvl4pPr>
+            <a:lvl5pPr algn="l" rtl="0" fontAlgn="base">
+              <a:spcBef>
+                <a:spcPct val="0"/>
+              </a:spcBef>
+              <a:spcAft>
+                <a:spcPct val="0"/>
+              </a:spcAft>
+              <a:defRPr sz="4400">
+                <a:solidFill>
+                  <a:schemeClr val="tx2"/>
+                </a:solidFill>
+                <a:latin typeface="Times New Roman" pitchFamily="18" charset="0"/>
+              </a:defRPr>
+            </a:lvl5pPr>
+            <a:lvl6pPr marL="457200" algn="l" rtl="0" fontAlgn="base">
+              <a:spcBef>
+                <a:spcPct val="0"/>
+              </a:spcBef>
+              <a:spcAft>
+                <a:spcPct val="0"/>
+              </a:spcAft>
+              <a:defRPr sz="4400">
+                <a:solidFill>
+                  <a:schemeClr val="tx2"/>
+                </a:solidFill>
+                <a:latin typeface="Times New Roman" pitchFamily="18" charset="0"/>
+              </a:defRPr>
+            </a:lvl6pPr>
+            <a:lvl7pPr marL="914400" algn="l" rtl="0" fontAlgn="base">
+              <a:spcBef>
+                <a:spcPct val="0"/>
+              </a:spcBef>
+              <a:spcAft>
+                <a:spcPct val="0"/>
+              </a:spcAft>
+              <a:defRPr sz="4400">
+                <a:solidFill>
+                  <a:schemeClr val="tx2"/>
+                </a:solidFill>
+                <a:latin typeface="Times New Roman" pitchFamily="18" charset="0"/>
+              </a:defRPr>
+            </a:lvl7pPr>
+            <a:lvl8pPr marL="1371600" algn="l" rtl="0" fontAlgn="base">
+              <a:spcBef>
+                <a:spcPct val="0"/>
+              </a:spcBef>
+              <a:spcAft>
+                <a:spcPct val="0"/>
+              </a:spcAft>
+              <a:defRPr sz="4400">
+                <a:solidFill>
+                  <a:schemeClr val="tx2"/>
+                </a:solidFill>
+                <a:latin typeface="Times New Roman" pitchFamily="18" charset="0"/>
+              </a:defRPr>
+            </a:lvl8pPr>
+            <a:lvl9pPr marL="1828800" algn="l" rtl="0" fontAlgn="base">
+              <a:spcBef>
+                <a:spcPct val="0"/>
+              </a:spcBef>
+              <a:spcAft>
+                <a:spcPct val="0"/>
+              </a:spcAft>
+              <a:defRPr sz="4400">
+                <a:solidFill>
+                  <a:schemeClr val="tx2"/>
+                </a:solidFill>
+                <a:latin typeface="Times New Roman" pitchFamily="18" charset="0"/>
+              </a:defRPr>
+            </a:lvl9pPr>
+          </a:lstStyle>
+          <a:p>
+            <a:pPr algn="ctr">
+              <a:buClrTx/>
+              <a:buSzTx/>
+              <a:buFontTx/>
+              <a:buNone/>
+            </a:pPr>
+            <a:r>
+              <a:rPr kumimoji="0" lang="ru-RU" altLang="ru-RU" b="1" kern="0" dirty="0"/>
+              <a:t>Этапы работы </a:t>
+            </a:r>
+            <a:r>
+              <a:rPr kumimoji="0" lang="en-US" altLang="ru-RU" b="1" kern="0" dirty="0" err="1"/>
+              <a:t>IPSec</a:t>
+            </a:r>
+            <a:endParaRPr kumimoji="0" lang="en-US" altLang="ru-RU" b="1" kern="0" dirty="0"/>
+          </a:p>
+        </p:txBody>
+      </p:sp>
+      <p:pic>
+        <p:nvPicPr>
+          <p:cNvPr id="3" name="Рисунок 2">
+            <a:extLst>
+              <a:ext uri="{FF2B5EF4-FFF2-40B4-BE49-F238E27FC236}">
+                <a16:creationId xmlns:a16="http://schemas.microsoft.com/office/drawing/2014/main" id="{CC228BDB-6AFB-3A57-0651-9EC0485824C3}"/>
+              </a:ext>
+            </a:extLst>
+          </p:cNvPr>
+          <p:cNvPicPr>
+            <a:picLocks noChangeAspect="1"/>
+          </p:cNvPicPr>
+          <p:nvPr/>
+        </p:nvPicPr>
+        <p:blipFill>
+          <a:blip r:embed="rId2"/>
+          <a:stretch>
+            <a:fillRect/>
+          </a:stretch>
+        </p:blipFill>
+        <p:spPr>
+          <a:xfrm>
+            <a:off x="1187624" y="1412776"/>
+            <a:ext cx="7740352" cy="5363393"/>
+          </a:xfrm>
+          <a:prstGeom prst="rect">
+            <a:avLst/>
+          </a:prstGeom>
+        </p:spPr>
+      </p:pic>
+    </p:spTree>
+    <p:extLst>
+      <p:ext uri="{BB962C8B-B14F-4D97-AF65-F5344CB8AC3E}">
+        <p14:creationId xmlns:p14="http://schemas.microsoft.com/office/powerpoint/2010/main" val="2938270095"/>
+      </p:ext>
+    </p:extLst>
+  </p:cSld>
+  <p:clrMapOvr>
+    <a:masterClrMapping/>
+  </p:clrMapOvr>
+</p:sld>
+</file>
+
+<file path=ppt/slides/slide19.xml><?xml version="1.0" encoding="utf-8"?>
+<p:sld xmlns:a="http://schemas.openxmlformats.org/drawingml/2006/main" xmlns:r="http://schemas.openxmlformats.org/officeDocument/2006/relationships" xmlns:p="http://schemas.openxmlformats.org/presentationml/2006/main">
+  <p:cSld>
+    <p:spTree>
+      <p:nvGrpSpPr>
+        <p:cNvPr id="1" name=""/>
+        <p:cNvGrpSpPr/>
+        <p:nvPr/>
+      </p:nvGrpSpPr>
+      <p:grpSpPr>
+        <a:xfrm>
+          <a:off x="0" y="0"/>
+          <a:ext cx="0" cy="0"/>
+          <a:chOff x="0" y="0"/>
+          <a:chExt cx="0" cy="0"/>
+        </a:xfrm>
+      </p:grpSpPr>
+      <p:pic>
+        <p:nvPicPr>
+          <p:cNvPr id="4098" name="Picture 2" descr="Что такое VPN? Виртуальная частная сеть 101 - Surfshark 2023">
+            <a:extLst>
+              <a:ext uri="{FF2B5EF4-FFF2-40B4-BE49-F238E27FC236}">
+                <a16:creationId xmlns:a16="http://schemas.microsoft.com/office/drawing/2014/main" id="{D46929C1-D775-237C-AE8B-51E519E1B309}"/>
+              </a:ext>
+            </a:extLst>
+          </p:cNvPr>
+          <p:cNvPicPr>
+            <a:picLocks noChangeAspect="1" noChangeArrowheads="1"/>
+          </p:cNvPicPr>
+          <p:nvPr/>
+        </p:nvPicPr>
+        <p:blipFill>
+          <a:blip r:embed="rId2">
+            <a:extLst>
+              <a:ext uri="{28A0092B-C50C-407E-A947-70E740481C1C}">
+                <a14:useLocalDpi xmlns:a14="http://schemas.microsoft.com/office/drawing/2010/main" val="0"/>
+              </a:ext>
+            </a:extLst>
+          </a:blip>
+          <a:srcRect/>
+          <a:stretch>
+            <a:fillRect/>
+          </a:stretch>
+        </p:blipFill>
+        <p:spPr bwMode="auto">
+          <a:xfrm>
+            <a:off x="5292080" y="3580308"/>
+            <a:ext cx="3829227" cy="3277692"/>
+          </a:xfrm>
+          <a:prstGeom prst="rect">
+            <a:avLst/>
+          </a:prstGeom>
+          <a:noFill/>
+          <a:extLst>
+            <a:ext uri="{909E8E84-426E-40DD-AFC4-6F175D3DCCD1}">
+              <a14:hiddenFill xmlns:a14="http://schemas.microsoft.com/office/drawing/2010/main">
+                <a:solidFill>
+                  <a:srgbClr val="FFFFFF"/>
+                </a:solidFill>
+              </a14:hiddenFill>
+            </a:ext>
+          </a:extLst>
+        </p:spPr>
+      </p:pic>
+      <p:sp>
+        <p:nvSpPr>
+          <p:cNvPr id="19" name="Заголовок 1"/>
+          <p:cNvSpPr txBox="1">
+            <a:spLocks/>
+          </p:cNvSpPr>
+          <p:nvPr/>
+        </p:nvSpPr>
+        <p:spPr>
+          <a:xfrm>
+            <a:off x="0" y="701874"/>
+            <a:ext cx="9144000" cy="1008112"/>
+          </a:xfrm>
+          <a:prstGeom prst="rect">
+            <a:avLst/>
+          </a:prstGeom>
+        </p:spPr>
+        <p:txBody>
+          <a:bodyPr/>
+          <a:lstStyle>
+            <a:lvl1pPr algn="l" rtl="0" fontAlgn="base">
+              <a:spcBef>
+                <a:spcPct val="0"/>
+              </a:spcBef>
+              <a:spcAft>
+                <a:spcPct val="0"/>
+              </a:spcAft>
+              <a:defRPr sz="4400">
+                <a:solidFill>
+                  <a:schemeClr val="tx2"/>
+                </a:solidFill>
+                <a:latin typeface="+mj-lt"/>
+                <a:ea typeface="+mj-ea"/>
+                <a:cs typeface="+mj-cs"/>
+              </a:defRPr>
+            </a:lvl1pPr>
+            <a:lvl2pPr algn="l" rtl="0" fontAlgn="base">
+              <a:spcBef>
+                <a:spcPct val="0"/>
+              </a:spcBef>
+              <a:spcAft>
+                <a:spcPct val="0"/>
+              </a:spcAft>
+              <a:defRPr sz="4400">
+                <a:solidFill>
+                  <a:schemeClr val="tx2"/>
+                </a:solidFill>
+                <a:latin typeface="Times New Roman" pitchFamily="18" charset="0"/>
+              </a:defRPr>
+            </a:lvl2pPr>
+            <a:lvl3pPr algn="l" rtl="0" fontAlgn="base">
+              <a:spcBef>
+                <a:spcPct val="0"/>
+              </a:spcBef>
+              <a:spcAft>
+                <a:spcPct val="0"/>
+              </a:spcAft>
+              <a:defRPr sz="4400">
+                <a:solidFill>
+                  <a:schemeClr val="tx2"/>
+                </a:solidFill>
+                <a:latin typeface="Times New Roman" pitchFamily="18" charset="0"/>
+              </a:defRPr>
+            </a:lvl3pPr>
+            <a:lvl4pPr algn="l" rtl="0" fontAlgn="base">
+              <a:spcBef>
+                <a:spcPct val="0"/>
+              </a:spcBef>
+              <a:spcAft>
+                <a:spcPct val="0"/>
+              </a:spcAft>
+              <a:defRPr sz="4400">
+                <a:solidFill>
+                  <a:schemeClr val="tx2"/>
+                </a:solidFill>
+                <a:latin typeface="Times New Roman" pitchFamily="18" charset="0"/>
+              </a:defRPr>
+            </a:lvl4pPr>
+            <a:lvl5pPr algn="l" rtl="0" fontAlgn="base">
+              <a:spcBef>
+                <a:spcPct val="0"/>
+              </a:spcBef>
+              <a:spcAft>
+                <a:spcPct val="0"/>
+              </a:spcAft>
+              <a:defRPr sz="4400">
+                <a:solidFill>
+                  <a:schemeClr val="tx2"/>
+                </a:solidFill>
+                <a:latin typeface="Times New Roman" pitchFamily="18" charset="0"/>
+              </a:defRPr>
+            </a:lvl5pPr>
+            <a:lvl6pPr marL="457200" algn="l" rtl="0" fontAlgn="base">
+              <a:spcBef>
+                <a:spcPct val="0"/>
+              </a:spcBef>
+              <a:spcAft>
+                <a:spcPct val="0"/>
+              </a:spcAft>
+              <a:defRPr sz="4400">
+                <a:solidFill>
+                  <a:schemeClr val="tx2"/>
+                </a:solidFill>
+                <a:latin typeface="Times New Roman" pitchFamily="18" charset="0"/>
+              </a:defRPr>
+            </a:lvl6pPr>
+            <a:lvl7pPr marL="914400" algn="l" rtl="0" fontAlgn="base">
+              <a:spcBef>
+                <a:spcPct val="0"/>
+              </a:spcBef>
+              <a:spcAft>
+                <a:spcPct val="0"/>
+              </a:spcAft>
+              <a:defRPr sz="4400">
+                <a:solidFill>
+                  <a:schemeClr val="tx2"/>
+                </a:solidFill>
+                <a:latin typeface="Times New Roman" pitchFamily="18" charset="0"/>
+              </a:defRPr>
+            </a:lvl7pPr>
+            <a:lvl8pPr marL="1371600" algn="l" rtl="0" fontAlgn="base">
+              <a:spcBef>
+                <a:spcPct val="0"/>
+              </a:spcBef>
+              <a:spcAft>
+                <a:spcPct val="0"/>
+              </a:spcAft>
+              <a:defRPr sz="4400">
+                <a:solidFill>
+                  <a:schemeClr val="tx2"/>
+                </a:solidFill>
+                <a:latin typeface="Times New Roman" pitchFamily="18" charset="0"/>
+              </a:defRPr>
+            </a:lvl8pPr>
+            <a:lvl9pPr marL="1828800" algn="l" rtl="0" fontAlgn="base">
+              <a:spcBef>
+                <a:spcPct val="0"/>
+              </a:spcBef>
+              <a:spcAft>
+                <a:spcPct val="0"/>
+              </a:spcAft>
+              <a:defRPr sz="4400">
+                <a:solidFill>
+                  <a:schemeClr val="tx2"/>
+                </a:solidFill>
+                <a:latin typeface="Times New Roman" pitchFamily="18" charset="0"/>
+              </a:defRPr>
+            </a:lvl9pPr>
+          </a:lstStyle>
+          <a:p>
+            <a:pPr algn="ctr">
+              <a:buClrTx/>
+              <a:buSzTx/>
+              <a:buFontTx/>
+              <a:buNone/>
+            </a:pPr>
+            <a:r>
+              <a:rPr kumimoji="0" lang="ru-RU" altLang="ru-RU" b="1" kern="0" dirty="0"/>
+              <a:t>Другие </a:t>
+            </a:r>
+            <a:r>
+              <a:rPr kumimoji="0" lang="ru-RU" altLang="ru-RU" b="1" kern="0" dirty="0" err="1"/>
+              <a:t>протколы</a:t>
+            </a:r>
+            <a:r>
+              <a:rPr kumimoji="0" lang="en-US" altLang="ru-RU" b="1" kern="0" dirty="0"/>
+              <a:t> VPN</a:t>
+            </a:r>
+          </a:p>
+        </p:txBody>
+      </p:sp>
+      <p:sp>
+        <p:nvSpPr>
+          <p:cNvPr id="4" name="TextBox 3">
+            <a:extLst>
+              <a:ext uri="{FF2B5EF4-FFF2-40B4-BE49-F238E27FC236}">
+                <a16:creationId xmlns:a16="http://schemas.microsoft.com/office/drawing/2014/main" id="{65723F79-03FD-8C61-144F-E0F0CE0CA89C}"/>
+              </a:ext>
+            </a:extLst>
+          </p:cNvPr>
+          <p:cNvSpPr txBox="1"/>
+          <p:nvPr/>
+        </p:nvSpPr>
+        <p:spPr>
+          <a:xfrm>
+            <a:off x="611560" y="1484784"/>
+            <a:ext cx="4572000" cy="3293209"/>
+          </a:xfrm>
+          <a:prstGeom prst="rect">
+            <a:avLst/>
+          </a:prstGeom>
+          <a:noFill/>
+        </p:spPr>
+        <p:txBody>
+          <a:bodyPr wrap="square">
+            <a:spAutoFit/>
+          </a:bodyPr>
+          <a:lstStyle/>
+          <a:p>
+            <a:pPr marL="342900" indent="-342900"/>
+            <a:r>
+              <a:rPr lang="en-US" b="0" i="0" dirty="0">
+                <a:solidFill>
+                  <a:srgbClr val="100E0C"/>
+                </a:solidFill>
+                <a:effectLst/>
+                <a:latin typeface="Open Sans" panose="020B0606030504020204" pitchFamily="34" charset="0"/>
+              </a:rPr>
+              <a:t>OpenVPN</a:t>
+            </a:r>
+            <a:endParaRPr lang="en-US" dirty="0">
+              <a:solidFill>
+                <a:srgbClr val="100E0C"/>
+              </a:solidFill>
+              <a:latin typeface="Open Sans" panose="020B0606030504020204" pitchFamily="34" charset="0"/>
+            </a:endParaRPr>
+          </a:p>
+          <a:p>
+            <a:pPr marL="342900" indent="-342900"/>
+            <a:r>
+              <a:rPr lang="en-US" b="0" i="0" dirty="0" err="1">
+                <a:solidFill>
+                  <a:srgbClr val="100E0C"/>
+                </a:solidFill>
+                <a:effectLst/>
+                <a:latin typeface="Open Sans" panose="020B0606030504020204" pitchFamily="34" charset="0"/>
+              </a:rPr>
+              <a:t>WireGuard</a:t>
+            </a:r>
+            <a:endParaRPr lang="en-US" dirty="0">
+              <a:solidFill>
+                <a:srgbClr val="100E0C"/>
+              </a:solidFill>
+              <a:latin typeface="Open Sans" panose="020B0606030504020204" pitchFamily="34" charset="0"/>
+            </a:endParaRPr>
+          </a:p>
+          <a:p>
+            <a:pPr marL="342900" indent="-342900"/>
+            <a:r>
+              <a:rPr lang="en-US" b="0" i="0" dirty="0" err="1">
+                <a:solidFill>
+                  <a:srgbClr val="100E0C"/>
+                </a:solidFill>
+                <a:effectLst/>
+                <a:latin typeface="Open Sans" panose="020B0606030504020204" pitchFamily="34" charset="0"/>
+              </a:rPr>
+              <a:t>SoftEther</a:t>
+            </a:r>
+            <a:endParaRPr lang="en-US" b="0" i="0" dirty="0">
+              <a:solidFill>
+                <a:srgbClr val="100E0C"/>
+              </a:solidFill>
+              <a:effectLst/>
+              <a:latin typeface="Open Sans" panose="020B0606030504020204" pitchFamily="34" charset="0"/>
+            </a:endParaRPr>
+          </a:p>
+          <a:p>
+            <a:pPr marL="342900" indent="-342900"/>
+            <a:r>
+              <a:rPr lang="en-US" b="0" i="0" dirty="0">
+                <a:solidFill>
+                  <a:srgbClr val="100E0C"/>
+                </a:solidFill>
+                <a:effectLst/>
+                <a:latin typeface="Open Sans" panose="020B0606030504020204" pitchFamily="34" charset="0"/>
+              </a:rPr>
+              <a:t>L2TP/</a:t>
+            </a:r>
+            <a:r>
+              <a:rPr lang="en-US" b="0" i="0" dirty="0" err="1">
+                <a:solidFill>
+                  <a:srgbClr val="100E0C"/>
+                </a:solidFill>
+                <a:effectLst/>
+                <a:latin typeface="Open Sans" panose="020B0606030504020204" pitchFamily="34" charset="0"/>
+              </a:rPr>
+              <a:t>IPSec</a:t>
+            </a:r>
+            <a:endParaRPr lang="en-US" dirty="0">
+              <a:solidFill>
+                <a:srgbClr val="100E0C"/>
+              </a:solidFill>
+              <a:latin typeface="Open Sans" panose="020B0606030504020204" pitchFamily="34" charset="0"/>
+            </a:endParaRPr>
+          </a:p>
+          <a:p>
+            <a:pPr marL="342900" indent="-342900"/>
+            <a:r>
+              <a:rPr lang="en-US" b="0" i="0" dirty="0">
+                <a:solidFill>
+                  <a:srgbClr val="100E0C"/>
+                </a:solidFill>
+                <a:effectLst/>
+                <a:latin typeface="Open Sans" panose="020B0606030504020204" pitchFamily="34" charset="0"/>
+              </a:rPr>
+              <a:t>SSTP</a:t>
+            </a:r>
+          </a:p>
+          <a:p>
+            <a:pPr marL="342900" indent="-342900"/>
+            <a:r>
+              <a:rPr lang="en-US" b="0" i="0" dirty="0">
+                <a:solidFill>
+                  <a:srgbClr val="100E0C"/>
+                </a:solidFill>
+                <a:effectLst/>
+                <a:latin typeface="Open Sans" panose="020B0606030504020204" pitchFamily="34" charset="0"/>
+              </a:rPr>
+              <a:t>PPTP</a:t>
+            </a:r>
+          </a:p>
+          <a:p>
+            <a:pPr marL="342900" indent="-342900"/>
+            <a:r>
+              <a:rPr lang="ru-RU" b="0" i="0" dirty="0">
+                <a:solidFill>
+                  <a:srgbClr val="100E0C"/>
+                </a:solidFill>
+                <a:effectLst/>
+                <a:latin typeface="Open Sans" panose="020B0606030504020204" pitchFamily="34" charset="0"/>
+              </a:rPr>
+              <a:t>Частные </a:t>
+            </a:r>
+            <a:r>
+              <a:rPr lang="en-US" b="0" i="0" dirty="0">
+                <a:solidFill>
+                  <a:srgbClr val="100E0C"/>
+                </a:solidFill>
+                <a:effectLst/>
+                <a:latin typeface="Open Sans" panose="020B0606030504020204" pitchFamily="34" charset="0"/>
+              </a:rPr>
+              <a:t>(proprietary)</a:t>
+            </a:r>
+            <a:r>
+              <a:rPr lang="ru-RU" b="0" i="0" dirty="0">
+                <a:solidFill>
+                  <a:srgbClr val="100E0C"/>
+                </a:solidFill>
+                <a:effectLst/>
+                <a:latin typeface="Open Sans" panose="020B0606030504020204" pitchFamily="34" charset="0"/>
+              </a:rPr>
+              <a:t> протоколы</a:t>
+            </a:r>
+          </a:p>
+          <a:p>
+            <a:pPr marL="342900" indent="-342900"/>
+            <a:r>
+              <a:rPr lang="en-US" dirty="0">
+                <a:solidFill>
+                  <a:srgbClr val="100E0C"/>
+                </a:solidFill>
+                <a:latin typeface="Open Sans" panose="020B0606030504020204" pitchFamily="34" charset="0"/>
+              </a:rPr>
+              <a:t>…</a:t>
+            </a:r>
+            <a:br>
+              <a:rPr lang="en-US" dirty="0">
+                <a:solidFill>
+                  <a:srgbClr val="100E0C"/>
+                </a:solidFill>
+              </a:rPr>
+            </a:br>
+            <a:endParaRPr lang="ru-RU" dirty="0">
+              <a:solidFill>
+                <a:srgbClr val="100E0C"/>
+              </a:solidFill>
+            </a:endParaRPr>
+          </a:p>
+        </p:txBody>
+      </p:sp>
+    </p:spTree>
+    <p:extLst>
+      <p:ext uri="{BB962C8B-B14F-4D97-AF65-F5344CB8AC3E}">
+        <p14:creationId xmlns:p14="http://schemas.microsoft.com/office/powerpoint/2010/main" val="3919989616"/>
+      </p:ext>
+    </p:extLst>
+  </p:cSld>
+  <p:clrMapOvr>
+    <a:masterClrMapping/>
+  </p:clrMapOvr>
 </p:sld>
 </file>
 
@@ -5466,10 +9032,9 @@
               <a:buNone/>
             </a:pPr>
             <a:r>
-              <a:rPr kumimoji="0" lang="en-US" altLang="ru-RU" b="1" kern="0" dirty="0" smtClean="0"/>
+              <a:rPr kumimoji="0" lang="en-US" altLang="ru-RU" b="1" kern="0" dirty="0"/>
               <a:t>VPN</a:t>
             </a:r>
-            <a:endParaRPr kumimoji="0" lang="en-US" altLang="ru-RU" b="1" kern="0" dirty="0" smtClean="0"/>
           </a:p>
         </p:txBody>
       </p:sp>
@@ -5525,28 +9090,15 @@
             </a:r>
             <a:r>
               <a:rPr lang="ru-RU" sz="1600" dirty="0"/>
-              <a:t> — «виртуальная частная сеть») — обобщённое название технологий, позволяющих обеспечить одно или несколько сетевых соединений поверх чьей-либо другой </a:t>
-            </a:r>
-            <a:r>
-              <a:rPr lang="ru-RU" sz="1600" dirty="0" smtClean="0"/>
-              <a:t>сети. </a:t>
-            </a:r>
+              <a:t> — «виртуальная частная сеть») — обобщённое название технологий, позволяющих обеспечить одно или несколько сетевых соединений поверх чьей-либо другой сети. Несмотря на то, что для коммуникации используются сети с меньшим или неизвестным уровнем доверия (например, публичные сети), уровень доверия к построенной логической сети не зависит от уровня доверия к базовым сетям благодаря использованию средств криптографии (шифрования, аутентификации, инфраструктуры открытых ключей, средств защиты от повторов и изменений передаваемых по логической сети сообщений).</a:t>
+            </a:r>
+          </a:p>
+          <a:p>
+            <a:pPr algn="just"/>
             <a:r>
               <a:rPr lang="ru-RU" sz="1600" dirty="0"/>
-              <a:t>Несмотря на то, что для коммуникации используются сети с меньшим или неизвестным уровнем доверия (например, публичные сети), уровень доверия к построенной логической сети не зависит от уровня доверия к базовым сетям благодаря использованию средств криптографии (шифрования, аутентификации, инфраструктуры открытых ключей, средств защиты от повторов и изменений передаваемых по логической сети сообщений).</a:t>
-            </a:r>
-          </a:p>
-          <a:p>
-            <a:pPr algn="just"/>
-            <a:r>
-              <a:rPr lang="ru-RU" sz="1600" dirty="0" smtClean="0"/>
-              <a:t>В </a:t>
-            </a:r>
-            <a:r>
-              <a:rPr lang="ru-RU" sz="1600" dirty="0"/>
-              <a:t>зависимости от применяемых протоколов и назначения VPN может обеспечивать соединения трёх видов: узел-узел, узел-сеть и сеть-сеть.</a:t>
-            </a:r>
-            <a:endParaRPr lang="ru-RU" sz="1600" dirty="0"/>
+              <a:t>В зависимости от применяемых протоколов и назначения VPN может обеспечивать соединения трёх видов: узел-узел, узел-сеть и сеть-сеть.</a:t>
+            </a:r>
           </a:p>
         </p:txBody>
       </p:sp>
@@ -5601,13 +9153,1104 @@
   <p:clrMapOvr>
     <a:masterClrMapping/>
   </p:clrMapOvr>
-  <p:timing>
-    <p:tnLst>
-      <p:par>
-        <p:cTn id="1" dur="indefinite" restart="never" nodeType="tmRoot"/>
-      </p:par>
-    </p:tnLst>
-  </p:timing>
+</p:sld>
+</file>
+
+<file path=ppt/slides/slide20.xml><?xml version="1.0" encoding="utf-8"?>
+<p:sld xmlns:a="http://schemas.openxmlformats.org/drawingml/2006/main" xmlns:r="http://schemas.openxmlformats.org/officeDocument/2006/relationships" xmlns:p="http://schemas.openxmlformats.org/presentationml/2006/main">
+  <p:cSld>
+    <p:spTree>
+      <p:nvGrpSpPr>
+        <p:cNvPr id="1" name=""/>
+        <p:cNvGrpSpPr/>
+        <p:nvPr/>
+      </p:nvGrpSpPr>
+      <p:grpSpPr>
+        <a:xfrm>
+          <a:off x="0" y="0"/>
+          <a:ext cx="0" cy="0"/>
+          <a:chOff x="0" y="0"/>
+          <a:chExt cx="0" cy="0"/>
+        </a:xfrm>
+      </p:grpSpPr>
+      <p:sp>
+        <p:nvSpPr>
+          <p:cNvPr id="19" name="Заголовок 1"/>
+          <p:cNvSpPr txBox="1">
+            <a:spLocks/>
+          </p:cNvSpPr>
+          <p:nvPr/>
+        </p:nvSpPr>
+        <p:spPr>
+          <a:xfrm>
+            <a:off x="0" y="701874"/>
+            <a:ext cx="9144000" cy="1008112"/>
+          </a:xfrm>
+          <a:prstGeom prst="rect">
+            <a:avLst/>
+          </a:prstGeom>
+        </p:spPr>
+        <p:txBody>
+          <a:bodyPr/>
+          <a:lstStyle>
+            <a:lvl1pPr algn="l" rtl="0" fontAlgn="base">
+              <a:spcBef>
+                <a:spcPct val="0"/>
+              </a:spcBef>
+              <a:spcAft>
+                <a:spcPct val="0"/>
+              </a:spcAft>
+              <a:defRPr sz="4400">
+                <a:solidFill>
+                  <a:schemeClr val="tx2"/>
+                </a:solidFill>
+                <a:latin typeface="+mj-lt"/>
+                <a:ea typeface="+mj-ea"/>
+                <a:cs typeface="+mj-cs"/>
+              </a:defRPr>
+            </a:lvl1pPr>
+            <a:lvl2pPr algn="l" rtl="0" fontAlgn="base">
+              <a:spcBef>
+                <a:spcPct val="0"/>
+              </a:spcBef>
+              <a:spcAft>
+                <a:spcPct val="0"/>
+              </a:spcAft>
+              <a:defRPr sz="4400">
+                <a:solidFill>
+                  <a:schemeClr val="tx2"/>
+                </a:solidFill>
+                <a:latin typeface="Times New Roman" pitchFamily="18" charset="0"/>
+              </a:defRPr>
+            </a:lvl2pPr>
+            <a:lvl3pPr algn="l" rtl="0" fontAlgn="base">
+              <a:spcBef>
+                <a:spcPct val="0"/>
+              </a:spcBef>
+              <a:spcAft>
+                <a:spcPct val="0"/>
+              </a:spcAft>
+              <a:defRPr sz="4400">
+                <a:solidFill>
+                  <a:schemeClr val="tx2"/>
+                </a:solidFill>
+                <a:latin typeface="Times New Roman" pitchFamily="18" charset="0"/>
+              </a:defRPr>
+            </a:lvl3pPr>
+            <a:lvl4pPr algn="l" rtl="0" fontAlgn="base">
+              <a:spcBef>
+                <a:spcPct val="0"/>
+              </a:spcBef>
+              <a:spcAft>
+                <a:spcPct val="0"/>
+              </a:spcAft>
+              <a:defRPr sz="4400">
+                <a:solidFill>
+                  <a:schemeClr val="tx2"/>
+                </a:solidFill>
+                <a:latin typeface="Times New Roman" pitchFamily="18" charset="0"/>
+              </a:defRPr>
+            </a:lvl4pPr>
+            <a:lvl5pPr algn="l" rtl="0" fontAlgn="base">
+              <a:spcBef>
+                <a:spcPct val="0"/>
+              </a:spcBef>
+              <a:spcAft>
+                <a:spcPct val="0"/>
+              </a:spcAft>
+              <a:defRPr sz="4400">
+                <a:solidFill>
+                  <a:schemeClr val="tx2"/>
+                </a:solidFill>
+                <a:latin typeface="Times New Roman" pitchFamily="18" charset="0"/>
+              </a:defRPr>
+            </a:lvl5pPr>
+            <a:lvl6pPr marL="457200" algn="l" rtl="0" fontAlgn="base">
+              <a:spcBef>
+                <a:spcPct val="0"/>
+              </a:spcBef>
+              <a:spcAft>
+                <a:spcPct val="0"/>
+              </a:spcAft>
+              <a:defRPr sz="4400">
+                <a:solidFill>
+                  <a:schemeClr val="tx2"/>
+                </a:solidFill>
+                <a:latin typeface="Times New Roman" pitchFamily="18" charset="0"/>
+              </a:defRPr>
+            </a:lvl6pPr>
+            <a:lvl7pPr marL="914400" algn="l" rtl="0" fontAlgn="base">
+              <a:spcBef>
+                <a:spcPct val="0"/>
+              </a:spcBef>
+              <a:spcAft>
+                <a:spcPct val="0"/>
+              </a:spcAft>
+              <a:defRPr sz="4400">
+                <a:solidFill>
+                  <a:schemeClr val="tx2"/>
+                </a:solidFill>
+                <a:latin typeface="Times New Roman" pitchFamily="18" charset="0"/>
+              </a:defRPr>
+            </a:lvl7pPr>
+            <a:lvl8pPr marL="1371600" algn="l" rtl="0" fontAlgn="base">
+              <a:spcBef>
+                <a:spcPct val="0"/>
+              </a:spcBef>
+              <a:spcAft>
+                <a:spcPct val="0"/>
+              </a:spcAft>
+              <a:defRPr sz="4400">
+                <a:solidFill>
+                  <a:schemeClr val="tx2"/>
+                </a:solidFill>
+                <a:latin typeface="Times New Roman" pitchFamily="18" charset="0"/>
+              </a:defRPr>
+            </a:lvl8pPr>
+            <a:lvl9pPr marL="1828800" algn="l" rtl="0" fontAlgn="base">
+              <a:spcBef>
+                <a:spcPct val="0"/>
+              </a:spcBef>
+              <a:spcAft>
+                <a:spcPct val="0"/>
+              </a:spcAft>
+              <a:defRPr sz="4400">
+                <a:solidFill>
+                  <a:schemeClr val="tx2"/>
+                </a:solidFill>
+                <a:latin typeface="Times New Roman" pitchFamily="18" charset="0"/>
+              </a:defRPr>
+            </a:lvl9pPr>
+          </a:lstStyle>
+          <a:p>
+            <a:pPr algn="ctr">
+              <a:buClrTx/>
+              <a:buSzTx/>
+              <a:buFontTx/>
+              <a:buNone/>
+            </a:pPr>
+            <a:r>
+              <a:rPr kumimoji="0" lang="en-US" altLang="ru-RU" b="1" kern="0" dirty="0"/>
+              <a:t>PPTP</a:t>
+            </a:r>
+          </a:p>
+        </p:txBody>
+      </p:sp>
+      <p:sp>
+        <p:nvSpPr>
+          <p:cNvPr id="2" name="TextBox 1">
+            <a:extLst>
+              <a:ext uri="{FF2B5EF4-FFF2-40B4-BE49-F238E27FC236}">
+                <a16:creationId xmlns:a16="http://schemas.microsoft.com/office/drawing/2014/main" id="{1D992F6E-A7E3-7864-7ADE-E73DB8A9DF17}"/>
+              </a:ext>
+            </a:extLst>
+          </p:cNvPr>
+          <p:cNvSpPr txBox="1"/>
+          <p:nvPr/>
+        </p:nvSpPr>
+        <p:spPr>
+          <a:xfrm>
+            <a:off x="467544" y="1412776"/>
+            <a:ext cx="8568952" cy="4228850"/>
+          </a:xfrm>
+          <a:prstGeom prst="rect">
+            <a:avLst/>
+          </a:prstGeom>
+          <a:noFill/>
+        </p:spPr>
+        <p:txBody>
+          <a:bodyPr wrap="square" rtlCol="0">
+            <a:spAutoFit/>
+          </a:bodyPr>
+          <a:lstStyle/>
+          <a:p>
+            <a:pPr algn="just">
+              <a:buNone/>
+            </a:pPr>
+            <a:r>
+              <a:rPr lang="ru-RU" sz="1600" b="1" dirty="0"/>
+              <a:t>PPTP</a:t>
+            </a:r>
+            <a:r>
+              <a:rPr lang="ru-RU" sz="1600" dirty="0"/>
+              <a:t> (англ. Point-</a:t>
+            </a:r>
+            <a:r>
+              <a:rPr lang="ru-RU" sz="1600" dirty="0" err="1"/>
+              <a:t>to</a:t>
+            </a:r>
+            <a:r>
+              <a:rPr lang="ru-RU" sz="1600" dirty="0"/>
+              <a:t>-Point </a:t>
+            </a:r>
+            <a:r>
+              <a:rPr lang="ru-RU" sz="1600" dirty="0" err="1"/>
+              <a:t>Tunneling</a:t>
+            </a:r>
+            <a:r>
+              <a:rPr lang="ru-RU" sz="1600" dirty="0"/>
+              <a:t> Protocol) — туннельный протокол типа точка-точка, позволяющий компьютеру устанавливать защищённое соединение с сервером за счёт создания специального туннеля в стандартной, незащищённой сети. PPTP помещает (инкапсулирует) кадры </a:t>
+            </a:r>
+            <a:r>
+              <a:rPr lang="ru-RU" sz="1600" b="1" dirty="0"/>
+              <a:t>PPP</a:t>
+            </a:r>
+            <a:r>
+              <a:rPr lang="ru-RU" sz="1600" dirty="0"/>
+              <a:t> в </a:t>
+            </a:r>
+            <a:r>
+              <a:rPr lang="ru-RU" sz="1600" b="1" dirty="0"/>
+              <a:t>IP-пакеты</a:t>
+            </a:r>
+            <a:r>
+              <a:rPr lang="ru-RU" sz="1600" dirty="0"/>
+              <a:t> для передачи по глобальной IP-сети, например, Интернет. PPTP может также использоваться для организации туннеля между двумя локальными сетями. РРТР использует дополнительное TCP-соединение для обслуживания туннеля.</a:t>
+            </a:r>
+            <a:endParaRPr lang="en-US" sz="1600" dirty="0"/>
+          </a:p>
+          <a:p>
+            <a:pPr algn="just">
+              <a:buNone/>
+            </a:pPr>
+            <a:endParaRPr lang="en-US" sz="1600" dirty="0"/>
+          </a:p>
+          <a:p>
+            <a:pPr algn="just">
+              <a:buNone/>
+            </a:pPr>
+            <a:r>
+              <a:rPr lang="ru-RU" sz="1600" dirty="0"/>
+              <a:t>Спецификация протокола была опубликована как «информационная» RFC 2637 в 1999 году. Она не была ратифицирована IETF. Протокол считается </a:t>
+            </a:r>
+            <a:r>
+              <a:rPr lang="ru-RU" sz="1600" i="1" dirty="0"/>
+              <a:t>менее безопасным</a:t>
+            </a:r>
+            <a:r>
+              <a:rPr lang="ru-RU" sz="1600" dirty="0"/>
+              <a:t>, чем </a:t>
+            </a:r>
+            <a:r>
+              <a:rPr lang="ru-RU" sz="1600" dirty="0" err="1"/>
+              <a:t>IPSec</a:t>
+            </a:r>
+            <a:r>
+              <a:rPr lang="ru-RU" sz="1600" dirty="0"/>
+              <a:t>. PPTP работает, устанавливая обычную PPP сессию с противоположной стороной с помощью протокола </a:t>
+            </a:r>
+            <a:r>
+              <a:rPr lang="ru-RU" sz="1600" dirty="0" err="1"/>
+              <a:t>Generic</a:t>
+            </a:r>
+            <a:r>
+              <a:rPr lang="ru-RU" sz="1600" dirty="0"/>
+              <a:t> </a:t>
+            </a:r>
+            <a:r>
+              <a:rPr lang="ru-RU" sz="1600" dirty="0" err="1"/>
+              <a:t>Routing</a:t>
+            </a:r>
+            <a:r>
+              <a:rPr lang="ru-RU" sz="1600" dirty="0"/>
+              <a:t> </a:t>
+            </a:r>
+            <a:r>
+              <a:rPr lang="ru-RU" sz="1600" dirty="0" err="1"/>
+              <a:t>Encapsulation</a:t>
+            </a:r>
+            <a:r>
+              <a:rPr lang="ru-RU" sz="1600" dirty="0"/>
+              <a:t>. </a:t>
+            </a:r>
+            <a:r>
+              <a:rPr lang="ru-RU" sz="1600" u="sng" dirty="0"/>
+              <a:t>Второе</a:t>
+            </a:r>
+            <a:r>
+              <a:rPr lang="ru-RU" sz="1600" dirty="0"/>
+              <a:t> соединение на TCP-порту </a:t>
+            </a:r>
+            <a:r>
+              <a:rPr lang="ru-RU" sz="1600" b="1" dirty="0"/>
+              <a:t>1723</a:t>
+            </a:r>
+            <a:r>
+              <a:rPr lang="ru-RU" sz="1600" dirty="0"/>
+              <a:t> используется для инициации и управления GRE-соединением. PPTP сложно перенаправлять за сетевой экран, так как он требует одновременного установления двух сетевых сессий.</a:t>
+            </a:r>
+          </a:p>
+          <a:p>
+            <a:pPr algn="just">
+              <a:buNone/>
+            </a:pPr>
+            <a:endParaRPr lang="ru-RU" sz="1600" dirty="0"/>
+          </a:p>
+          <a:p>
+            <a:pPr algn="just">
+              <a:buNone/>
+            </a:pPr>
+            <a:r>
+              <a:rPr lang="ru-RU" sz="1600" dirty="0"/>
+              <a:t>PPTP-трафик может быть зашифрован с помощью MPPE. Для аутентификации клиентов могут использоваться различные механизмы, наиболее безопасные из них — MS-CHAPv2 и EAP-TLS.</a:t>
+            </a:r>
+          </a:p>
+        </p:txBody>
+      </p:sp>
+    </p:spTree>
+    <p:extLst>
+      <p:ext uri="{BB962C8B-B14F-4D97-AF65-F5344CB8AC3E}">
+        <p14:creationId xmlns:p14="http://schemas.microsoft.com/office/powerpoint/2010/main" val="481528629"/>
+      </p:ext>
+    </p:extLst>
+  </p:cSld>
+  <p:clrMapOvr>
+    <a:masterClrMapping/>
+  </p:clrMapOvr>
+</p:sld>
+</file>
+
+<file path=ppt/slides/slide21.xml><?xml version="1.0" encoding="utf-8"?>
+<p:sld xmlns:a="http://schemas.openxmlformats.org/drawingml/2006/main" xmlns:r="http://schemas.openxmlformats.org/officeDocument/2006/relationships" xmlns:p="http://schemas.openxmlformats.org/presentationml/2006/main">
+  <p:cSld>
+    <p:spTree>
+      <p:nvGrpSpPr>
+        <p:cNvPr id="1" name=""/>
+        <p:cNvGrpSpPr/>
+        <p:nvPr/>
+      </p:nvGrpSpPr>
+      <p:grpSpPr>
+        <a:xfrm>
+          <a:off x="0" y="0"/>
+          <a:ext cx="0" cy="0"/>
+          <a:chOff x="0" y="0"/>
+          <a:chExt cx="0" cy="0"/>
+        </a:xfrm>
+      </p:grpSpPr>
+      <p:sp>
+        <p:nvSpPr>
+          <p:cNvPr id="19" name="Заголовок 1"/>
+          <p:cNvSpPr txBox="1">
+            <a:spLocks/>
+          </p:cNvSpPr>
+          <p:nvPr/>
+        </p:nvSpPr>
+        <p:spPr bwMode="auto">
+          <a:xfrm>
+            <a:off x="5505636" y="1111250"/>
+            <a:ext cx="2857128" cy="1143000"/>
+          </a:xfrm>
+          <a:prstGeom prst="rect">
+            <a:avLst/>
+          </a:prstGeom>
+          <a:noFill/>
+          <a:ln>
+            <a:noFill/>
+          </a:ln>
+          <a:effectLst/>
+        </p:spPr>
+        <p:txBody>
+          <a:bodyPr vert="horz" wrap="square" lIns="91440" tIns="45720" rIns="91440" bIns="45720" numCol="1" anchor="b" anchorCtr="0" compatLnSpc="1">
+            <a:prstTxWarp prst="textNoShape">
+              <a:avLst/>
+            </a:prstTxWarp>
+            <a:normAutofit/>
+          </a:bodyPr>
+          <a:lstStyle>
+            <a:lvl1pPr algn="l" rtl="0" fontAlgn="base">
+              <a:spcBef>
+                <a:spcPct val="0"/>
+              </a:spcBef>
+              <a:spcAft>
+                <a:spcPct val="0"/>
+              </a:spcAft>
+              <a:defRPr sz="4400">
+                <a:solidFill>
+                  <a:schemeClr val="tx2"/>
+                </a:solidFill>
+                <a:latin typeface="+mj-lt"/>
+                <a:ea typeface="+mj-ea"/>
+                <a:cs typeface="+mj-cs"/>
+              </a:defRPr>
+            </a:lvl1pPr>
+            <a:lvl2pPr algn="l" rtl="0" fontAlgn="base">
+              <a:spcBef>
+                <a:spcPct val="0"/>
+              </a:spcBef>
+              <a:spcAft>
+                <a:spcPct val="0"/>
+              </a:spcAft>
+              <a:defRPr sz="4400">
+                <a:solidFill>
+                  <a:schemeClr val="tx2"/>
+                </a:solidFill>
+                <a:latin typeface="Times New Roman" pitchFamily="18" charset="0"/>
+              </a:defRPr>
+            </a:lvl2pPr>
+            <a:lvl3pPr algn="l" rtl="0" fontAlgn="base">
+              <a:spcBef>
+                <a:spcPct val="0"/>
+              </a:spcBef>
+              <a:spcAft>
+                <a:spcPct val="0"/>
+              </a:spcAft>
+              <a:defRPr sz="4400">
+                <a:solidFill>
+                  <a:schemeClr val="tx2"/>
+                </a:solidFill>
+                <a:latin typeface="Times New Roman" pitchFamily="18" charset="0"/>
+              </a:defRPr>
+            </a:lvl3pPr>
+            <a:lvl4pPr algn="l" rtl="0" fontAlgn="base">
+              <a:spcBef>
+                <a:spcPct val="0"/>
+              </a:spcBef>
+              <a:spcAft>
+                <a:spcPct val="0"/>
+              </a:spcAft>
+              <a:defRPr sz="4400">
+                <a:solidFill>
+                  <a:schemeClr val="tx2"/>
+                </a:solidFill>
+                <a:latin typeface="Times New Roman" pitchFamily="18" charset="0"/>
+              </a:defRPr>
+            </a:lvl4pPr>
+            <a:lvl5pPr algn="l" rtl="0" fontAlgn="base">
+              <a:spcBef>
+                <a:spcPct val="0"/>
+              </a:spcBef>
+              <a:spcAft>
+                <a:spcPct val="0"/>
+              </a:spcAft>
+              <a:defRPr sz="4400">
+                <a:solidFill>
+                  <a:schemeClr val="tx2"/>
+                </a:solidFill>
+                <a:latin typeface="Times New Roman" pitchFamily="18" charset="0"/>
+              </a:defRPr>
+            </a:lvl5pPr>
+            <a:lvl6pPr marL="457200" algn="l" rtl="0" fontAlgn="base">
+              <a:spcBef>
+                <a:spcPct val="0"/>
+              </a:spcBef>
+              <a:spcAft>
+                <a:spcPct val="0"/>
+              </a:spcAft>
+              <a:defRPr sz="4400">
+                <a:solidFill>
+                  <a:schemeClr val="tx2"/>
+                </a:solidFill>
+                <a:latin typeface="Times New Roman" pitchFamily="18" charset="0"/>
+              </a:defRPr>
+            </a:lvl6pPr>
+            <a:lvl7pPr marL="914400" algn="l" rtl="0" fontAlgn="base">
+              <a:spcBef>
+                <a:spcPct val="0"/>
+              </a:spcBef>
+              <a:spcAft>
+                <a:spcPct val="0"/>
+              </a:spcAft>
+              <a:defRPr sz="4400">
+                <a:solidFill>
+                  <a:schemeClr val="tx2"/>
+                </a:solidFill>
+                <a:latin typeface="Times New Roman" pitchFamily="18" charset="0"/>
+              </a:defRPr>
+            </a:lvl7pPr>
+            <a:lvl8pPr marL="1371600" algn="l" rtl="0" fontAlgn="base">
+              <a:spcBef>
+                <a:spcPct val="0"/>
+              </a:spcBef>
+              <a:spcAft>
+                <a:spcPct val="0"/>
+              </a:spcAft>
+              <a:defRPr sz="4400">
+                <a:solidFill>
+                  <a:schemeClr val="tx2"/>
+                </a:solidFill>
+                <a:latin typeface="Times New Roman" pitchFamily="18" charset="0"/>
+              </a:defRPr>
+            </a:lvl8pPr>
+            <a:lvl9pPr marL="1828800" algn="l" rtl="0" fontAlgn="base">
+              <a:spcBef>
+                <a:spcPct val="0"/>
+              </a:spcBef>
+              <a:spcAft>
+                <a:spcPct val="0"/>
+              </a:spcAft>
+              <a:defRPr sz="4400">
+                <a:solidFill>
+                  <a:schemeClr val="tx2"/>
+                </a:solidFill>
+                <a:latin typeface="Times New Roman" pitchFamily="18" charset="0"/>
+              </a:defRPr>
+            </a:lvl9pPr>
+          </a:lstStyle>
+          <a:p>
+            <a:pPr>
+              <a:spcAft>
+                <a:spcPts val="600"/>
+              </a:spcAft>
+              <a:buClrTx/>
+              <a:buSzTx/>
+              <a:buFontTx/>
+              <a:buNone/>
+            </a:pPr>
+            <a:r>
+              <a:rPr kumimoji="0" lang="ru-RU" altLang="ru-RU" b="1" kern="0" dirty="0" err="1">
+                <a:latin typeface="+mj-lt"/>
+                <a:ea typeface="+mj-ea"/>
+                <a:cs typeface="+mj-cs"/>
+              </a:rPr>
+              <a:t>OpenVPN</a:t>
+            </a:r>
+            <a:endParaRPr kumimoji="0" lang="ru-RU" altLang="ru-RU" b="1" kern="0" dirty="0">
+              <a:latin typeface="+mj-lt"/>
+              <a:ea typeface="+mj-ea"/>
+              <a:cs typeface="+mj-cs"/>
+            </a:endParaRPr>
+          </a:p>
+        </p:txBody>
+      </p:sp>
+      <p:sp>
+        <p:nvSpPr>
+          <p:cNvPr id="2" name="TextBox 1">
+            <a:extLst>
+              <a:ext uri="{FF2B5EF4-FFF2-40B4-BE49-F238E27FC236}">
+                <a16:creationId xmlns:a16="http://schemas.microsoft.com/office/drawing/2014/main" id="{1D992F6E-A7E3-7864-7ADE-E73DB8A9DF17}"/>
+              </a:ext>
+            </a:extLst>
+          </p:cNvPr>
+          <p:cNvSpPr txBox="1"/>
+          <p:nvPr/>
+        </p:nvSpPr>
+        <p:spPr bwMode="auto">
+          <a:xfrm>
+            <a:off x="467544" y="908720"/>
+            <a:ext cx="4337248" cy="4114800"/>
+          </a:xfrm>
+          <a:prstGeom prst="rect">
+            <a:avLst/>
+          </a:prstGeom>
+          <a:noFill/>
+          <a:ln>
+            <a:noFill/>
+          </a:ln>
+          <a:effectLst/>
+        </p:spPr>
+        <p:txBody>
+          <a:bodyPr vert="horz" wrap="square" lIns="91440" tIns="45720" rIns="91440" bIns="45720" numCol="1" rtlCol="0" anchor="t" anchorCtr="0" compatLnSpc="1">
+            <a:prstTxWarp prst="textNoShape">
+              <a:avLst/>
+            </a:prstTxWarp>
+            <a:noAutofit/>
+          </a:bodyPr>
+          <a:lstStyle/>
+          <a:p>
+            <a:pPr>
+              <a:lnSpc>
+                <a:spcPct val="90000"/>
+              </a:lnSpc>
+              <a:buNone/>
+            </a:pPr>
+            <a:r>
+              <a:rPr lang="ru-RU" sz="1400" b="1" dirty="0" err="1">
+                <a:latin typeface="+mn-lt"/>
+              </a:rPr>
+              <a:t>OpenVPN</a:t>
+            </a:r>
+            <a:r>
+              <a:rPr lang="ru-RU" sz="1400" dirty="0">
+                <a:latin typeface="+mn-lt"/>
+              </a:rPr>
+              <a:t> — свободная реализация технологии виртуальной частной сети (VPN) с открытым исходным кодом для создания зашифрованных </a:t>
+            </a:r>
+            <a:r>
+              <a:rPr lang="ru-RU" sz="1400" dirty="0" err="1">
+                <a:latin typeface="+mn-lt"/>
+              </a:rPr>
+              <a:t>каналoв</a:t>
+            </a:r>
+            <a:r>
+              <a:rPr lang="ru-RU" sz="1400" dirty="0">
+                <a:latin typeface="+mn-lt"/>
+              </a:rPr>
+              <a:t> типа точка-точка или сервер-клиенты между компьютерами. Она позволяет устанавливать соединения между компьютерами, находящимися за </a:t>
+            </a:r>
+            <a:r>
+              <a:rPr lang="ru-RU" sz="1400" i="1" dirty="0">
+                <a:latin typeface="+mn-lt"/>
+              </a:rPr>
+              <a:t>NAT</a:t>
+            </a:r>
+            <a:r>
+              <a:rPr lang="ru-RU" sz="1400" dirty="0">
+                <a:latin typeface="+mn-lt"/>
+              </a:rPr>
+              <a:t> и сетевым экраном, без необходимости изменения их настроек.</a:t>
+            </a:r>
+          </a:p>
+          <a:p>
+            <a:pPr>
+              <a:lnSpc>
+                <a:spcPct val="90000"/>
+              </a:lnSpc>
+              <a:buNone/>
+            </a:pPr>
+            <a:r>
+              <a:rPr lang="ru-RU" sz="1400" dirty="0" err="1">
+                <a:latin typeface="+mn-lt"/>
+              </a:rPr>
+              <a:t>OpenVPN</a:t>
+            </a:r>
+            <a:r>
+              <a:rPr lang="ru-RU" sz="1400" dirty="0">
+                <a:latin typeface="+mn-lt"/>
+              </a:rPr>
+              <a:t> проводит все </a:t>
+            </a:r>
+            <a:r>
+              <a:rPr lang="en-US" sz="1400" dirty="0">
+                <a:latin typeface="+mn-lt"/>
+              </a:rPr>
+              <a:t>`</a:t>
+            </a:r>
+            <a:r>
+              <a:rPr lang="ru-RU" sz="1400" dirty="0">
+                <a:latin typeface="+mn-lt"/>
+              </a:rPr>
+              <a:t>сетевые операции через TCP- или UDP-транспорт. Используемый порт 1194 выделен Internet </a:t>
+            </a:r>
+            <a:r>
+              <a:rPr lang="ru-RU" sz="1400" dirty="0" err="1">
+                <a:latin typeface="+mn-lt"/>
+              </a:rPr>
+              <a:t>Assigned</a:t>
+            </a:r>
+            <a:r>
+              <a:rPr lang="ru-RU" sz="1400" dirty="0">
+                <a:latin typeface="+mn-lt"/>
+              </a:rPr>
+              <a:t> </a:t>
+            </a:r>
+            <a:r>
+              <a:rPr lang="ru-RU" sz="1400" dirty="0" err="1">
+                <a:latin typeface="+mn-lt"/>
+              </a:rPr>
+              <a:t>Numbers</a:t>
+            </a:r>
+            <a:r>
+              <a:rPr lang="ru-RU" sz="1400" dirty="0">
+                <a:latin typeface="+mn-lt"/>
+              </a:rPr>
+              <a:t> Authority для работы данной программы. В общем случае предпочтительным является UDP по той причине, что через туннель проходит трафик сетевого уровня и выше по OSI. Это значит, что </a:t>
+            </a:r>
+            <a:r>
+              <a:rPr lang="ru-RU" sz="1400" dirty="0" err="1">
+                <a:latin typeface="+mn-lt"/>
+              </a:rPr>
+              <a:t>OpenVPN</a:t>
+            </a:r>
+            <a:r>
+              <a:rPr lang="ru-RU" sz="1400" dirty="0">
+                <a:latin typeface="+mn-lt"/>
+              </a:rPr>
+              <a:t> для клиента выступает протоколом канального или даже физического уровня, а значит, надежность передачи данных может обеспечиваться вышестоящими по OSI уровнями, если это необходимо.</a:t>
+            </a:r>
+          </a:p>
+          <a:p>
+            <a:pPr>
+              <a:lnSpc>
+                <a:spcPct val="90000"/>
+              </a:lnSpc>
+              <a:buNone/>
+            </a:pPr>
+            <a:r>
+              <a:rPr lang="ru-RU" sz="1400" dirty="0">
+                <a:latin typeface="+mn-lt"/>
+              </a:rPr>
+              <a:t>Также возможна работа через большую часть прокси-серверов, включая HTTP, SOCKS, через NAT и сетевые фильтры. Сервер может быть настроен на назначение сетевых настроек клиенту. Например: IP-адрес, настройки маршрутизации и параметры соединения.</a:t>
+            </a:r>
+          </a:p>
+          <a:p>
+            <a:pPr>
+              <a:lnSpc>
+                <a:spcPct val="90000"/>
+              </a:lnSpc>
+              <a:buNone/>
+            </a:pPr>
+            <a:r>
+              <a:rPr lang="ru-RU" sz="1400" dirty="0">
+                <a:latin typeface="+mn-lt"/>
+              </a:rPr>
+              <a:t>Использование в </a:t>
+            </a:r>
+            <a:r>
+              <a:rPr lang="ru-RU" sz="1400" dirty="0" err="1">
+                <a:latin typeface="+mn-lt"/>
+              </a:rPr>
+              <a:t>OpenVPN</a:t>
+            </a:r>
+            <a:r>
+              <a:rPr lang="ru-RU" sz="1400" dirty="0">
+                <a:latin typeface="+mn-lt"/>
+              </a:rPr>
+              <a:t> стандартных протоколов TCP и UDP позволяет ему стать альтернативой </a:t>
+            </a:r>
+            <a:r>
+              <a:rPr lang="ru-RU" sz="1400" i="1" dirty="0" err="1">
+                <a:latin typeface="+mn-lt"/>
+              </a:rPr>
+              <a:t>IPsec</a:t>
+            </a:r>
+            <a:r>
+              <a:rPr lang="ru-RU" sz="1400" dirty="0">
+                <a:latin typeface="+mn-lt"/>
+              </a:rPr>
+              <a:t> в ситуациях, когда Интернет-провайдер блокирует некоторые VPN-протоколы.</a:t>
+            </a:r>
+          </a:p>
+        </p:txBody>
+      </p:sp>
+      <p:pic>
+        <p:nvPicPr>
+          <p:cNvPr id="5" name="Рисунок 4">
+            <a:extLst>
+              <a:ext uri="{FF2B5EF4-FFF2-40B4-BE49-F238E27FC236}">
+                <a16:creationId xmlns:a16="http://schemas.microsoft.com/office/drawing/2014/main" id="{C7FB9D71-4C19-4D50-666D-D1A149488176}"/>
+              </a:ext>
+            </a:extLst>
+          </p:cNvPr>
+          <p:cNvPicPr>
+            <a:picLocks noChangeAspect="1"/>
+          </p:cNvPicPr>
+          <p:nvPr/>
+        </p:nvPicPr>
+        <p:blipFill>
+          <a:blip r:embed="rId2"/>
+          <a:stretch>
+            <a:fillRect/>
+          </a:stretch>
+        </p:blipFill>
+        <p:spPr>
+          <a:xfrm>
+            <a:off x="5029200" y="2254250"/>
+            <a:ext cx="3810000" cy="3810000"/>
+          </a:xfrm>
+          <a:prstGeom prst="rect">
+            <a:avLst/>
+          </a:prstGeom>
+          <a:noFill/>
+        </p:spPr>
+      </p:pic>
+    </p:spTree>
+    <p:extLst>
+      <p:ext uri="{BB962C8B-B14F-4D97-AF65-F5344CB8AC3E}">
+        <p14:creationId xmlns:p14="http://schemas.microsoft.com/office/powerpoint/2010/main" val="302692051"/>
+      </p:ext>
+    </p:extLst>
+  </p:cSld>
+  <p:clrMapOvr>
+    <a:masterClrMapping/>
+  </p:clrMapOvr>
+</p:sld>
+</file>
+
+<file path=ppt/slides/slide22.xml><?xml version="1.0" encoding="utf-8"?>
+<p:sld xmlns:a="http://schemas.openxmlformats.org/drawingml/2006/main" xmlns:r="http://schemas.openxmlformats.org/officeDocument/2006/relationships" xmlns:p="http://schemas.openxmlformats.org/presentationml/2006/main">
+  <p:cSld>
+    <p:spTree>
+      <p:nvGrpSpPr>
+        <p:cNvPr id="1" name=""/>
+        <p:cNvGrpSpPr/>
+        <p:nvPr/>
+      </p:nvGrpSpPr>
+      <p:grpSpPr>
+        <a:xfrm>
+          <a:off x="0" y="0"/>
+          <a:ext cx="0" cy="0"/>
+          <a:chOff x="0" y="0"/>
+          <a:chExt cx="0" cy="0"/>
+        </a:xfrm>
+      </p:grpSpPr>
+      <p:sp>
+        <p:nvSpPr>
+          <p:cNvPr id="19" name="Заголовок 1"/>
+          <p:cNvSpPr txBox="1">
+            <a:spLocks/>
+          </p:cNvSpPr>
+          <p:nvPr/>
+        </p:nvSpPr>
+        <p:spPr>
+          <a:xfrm>
+            <a:off x="0" y="701874"/>
+            <a:ext cx="9144000" cy="1008112"/>
+          </a:xfrm>
+          <a:prstGeom prst="rect">
+            <a:avLst/>
+          </a:prstGeom>
+        </p:spPr>
+        <p:txBody>
+          <a:bodyPr/>
+          <a:lstStyle>
+            <a:lvl1pPr algn="l" rtl="0" fontAlgn="base">
+              <a:spcBef>
+                <a:spcPct val="0"/>
+              </a:spcBef>
+              <a:spcAft>
+                <a:spcPct val="0"/>
+              </a:spcAft>
+              <a:defRPr sz="4400">
+                <a:solidFill>
+                  <a:schemeClr val="tx2"/>
+                </a:solidFill>
+                <a:latin typeface="+mj-lt"/>
+                <a:ea typeface="+mj-ea"/>
+                <a:cs typeface="+mj-cs"/>
+              </a:defRPr>
+            </a:lvl1pPr>
+            <a:lvl2pPr algn="l" rtl="0" fontAlgn="base">
+              <a:spcBef>
+                <a:spcPct val="0"/>
+              </a:spcBef>
+              <a:spcAft>
+                <a:spcPct val="0"/>
+              </a:spcAft>
+              <a:defRPr sz="4400">
+                <a:solidFill>
+                  <a:schemeClr val="tx2"/>
+                </a:solidFill>
+                <a:latin typeface="Times New Roman" pitchFamily="18" charset="0"/>
+              </a:defRPr>
+            </a:lvl2pPr>
+            <a:lvl3pPr algn="l" rtl="0" fontAlgn="base">
+              <a:spcBef>
+                <a:spcPct val="0"/>
+              </a:spcBef>
+              <a:spcAft>
+                <a:spcPct val="0"/>
+              </a:spcAft>
+              <a:defRPr sz="4400">
+                <a:solidFill>
+                  <a:schemeClr val="tx2"/>
+                </a:solidFill>
+                <a:latin typeface="Times New Roman" pitchFamily="18" charset="0"/>
+              </a:defRPr>
+            </a:lvl3pPr>
+            <a:lvl4pPr algn="l" rtl="0" fontAlgn="base">
+              <a:spcBef>
+                <a:spcPct val="0"/>
+              </a:spcBef>
+              <a:spcAft>
+                <a:spcPct val="0"/>
+              </a:spcAft>
+              <a:defRPr sz="4400">
+                <a:solidFill>
+                  <a:schemeClr val="tx2"/>
+                </a:solidFill>
+                <a:latin typeface="Times New Roman" pitchFamily="18" charset="0"/>
+              </a:defRPr>
+            </a:lvl4pPr>
+            <a:lvl5pPr algn="l" rtl="0" fontAlgn="base">
+              <a:spcBef>
+                <a:spcPct val="0"/>
+              </a:spcBef>
+              <a:spcAft>
+                <a:spcPct val="0"/>
+              </a:spcAft>
+              <a:defRPr sz="4400">
+                <a:solidFill>
+                  <a:schemeClr val="tx2"/>
+                </a:solidFill>
+                <a:latin typeface="Times New Roman" pitchFamily="18" charset="0"/>
+              </a:defRPr>
+            </a:lvl5pPr>
+            <a:lvl6pPr marL="457200" algn="l" rtl="0" fontAlgn="base">
+              <a:spcBef>
+                <a:spcPct val="0"/>
+              </a:spcBef>
+              <a:spcAft>
+                <a:spcPct val="0"/>
+              </a:spcAft>
+              <a:defRPr sz="4400">
+                <a:solidFill>
+                  <a:schemeClr val="tx2"/>
+                </a:solidFill>
+                <a:latin typeface="Times New Roman" pitchFamily="18" charset="0"/>
+              </a:defRPr>
+            </a:lvl6pPr>
+            <a:lvl7pPr marL="914400" algn="l" rtl="0" fontAlgn="base">
+              <a:spcBef>
+                <a:spcPct val="0"/>
+              </a:spcBef>
+              <a:spcAft>
+                <a:spcPct val="0"/>
+              </a:spcAft>
+              <a:defRPr sz="4400">
+                <a:solidFill>
+                  <a:schemeClr val="tx2"/>
+                </a:solidFill>
+                <a:latin typeface="Times New Roman" pitchFamily="18" charset="0"/>
+              </a:defRPr>
+            </a:lvl7pPr>
+            <a:lvl8pPr marL="1371600" algn="l" rtl="0" fontAlgn="base">
+              <a:spcBef>
+                <a:spcPct val="0"/>
+              </a:spcBef>
+              <a:spcAft>
+                <a:spcPct val="0"/>
+              </a:spcAft>
+              <a:defRPr sz="4400">
+                <a:solidFill>
+                  <a:schemeClr val="tx2"/>
+                </a:solidFill>
+                <a:latin typeface="Times New Roman" pitchFamily="18" charset="0"/>
+              </a:defRPr>
+            </a:lvl8pPr>
+            <a:lvl9pPr marL="1828800" algn="l" rtl="0" fontAlgn="base">
+              <a:spcBef>
+                <a:spcPct val="0"/>
+              </a:spcBef>
+              <a:spcAft>
+                <a:spcPct val="0"/>
+              </a:spcAft>
+              <a:defRPr sz="4400">
+                <a:solidFill>
+                  <a:schemeClr val="tx2"/>
+                </a:solidFill>
+                <a:latin typeface="Times New Roman" pitchFamily="18" charset="0"/>
+              </a:defRPr>
+            </a:lvl9pPr>
+          </a:lstStyle>
+          <a:p>
+            <a:pPr algn="ctr">
+              <a:buClrTx/>
+              <a:buSzTx/>
+              <a:buFontTx/>
+              <a:buNone/>
+            </a:pPr>
+            <a:r>
+              <a:rPr kumimoji="0" lang="en-US" altLang="ru-RU" b="1" kern="0" dirty="0" err="1"/>
+              <a:t>WireGuard</a:t>
+            </a:r>
+            <a:endParaRPr kumimoji="0" lang="en-US" altLang="ru-RU" b="1" kern="0" dirty="0"/>
+          </a:p>
+        </p:txBody>
+      </p:sp>
+      <p:sp>
+        <p:nvSpPr>
+          <p:cNvPr id="2" name="TextBox 1">
+            <a:extLst>
+              <a:ext uri="{FF2B5EF4-FFF2-40B4-BE49-F238E27FC236}">
+                <a16:creationId xmlns:a16="http://schemas.microsoft.com/office/drawing/2014/main" id="{1D992F6E-A7E3-7864-7ADE-E73DB8A9DF17}"/>
+              </a:ext>
+            </a:extLst>
+          </p:cNvPr>
+          <p:cNvSpPr txBox="1"/>
+          <p:nvPr/>
+        </p:nvSpPr>
+        <p:spPr>
+          <a:xfrm>
+            <a:off x="467544" y="1412776"/>
+            <a:ext cx="4680520" cy="3046988"/>
+          </a:xfrm>
+          <a:prstGeom prst="rect">
+            <a:avLst/>
+          </a:prstGeom>
+          <a:noFill/>
+        </p:spPr>
+        <p:txBody>
+          <a:bodyPr wrap="square" rtlCol="0">
+            <a:spAutoFit/>
+          </a:bodyPr>
+          <a:lstStyle/>
+          <a:p>
+            <a:pPr algn="just">
+              <a:buNone/>
+            </a:pPr>
+            <a:r>
+              <a:rPr lang="ru-RU" sz="1600" b="1" dirty="0" err="1"/>
+              <a:t>WireGuard</a:t>
+            </a:r>
+            <a:r>
+              <a:rPr lang="ru-RU" sz="1600" dirty="0"/>
+              <a:t> — коммуникационный протокол и бесплатное программное обеспечение с открытым исходным кодом, который реализует зашифрованные виртуальные частные сети (VPN). Он был разработан для простого использования технологии VPN, высокой производительности и низкой поверхности атаки. </a:t>
+            </a:r>
+            <a:r>
+              <a:rPr lang="ru-RU" sz="1600" dirty="0" err="1"/>
+              <a:t>WireGuard</a:t>
+            </a:r>
+            <a:r>
+              <a:rPr lang="ru-RU" sz="1600" dirty="0"/>
+              <a:t> нацелен на лучшую производительность и большую мощность, чем </a:t>
+            </a:r>
+            <a:r>
+              <a:rPr lang="ru-RU" sz="1600" dirty="0" err="1"/>
+              <a:t>IPsec</a:t>
+            </a:r>
+            <a:r>
+              <a:rPr lang="ru-RU" sz="1600" dirty="0"/>
+              <a:t> и </a:t>
+            </a:r>
+            <a:r>
+              <a:rPr lang="ru-RU" sz="1600" dirty="0" err="1"/>
+              <a:t>OpenVPN</a:t>
+            </a:r>
+            <a:r>
+              <a:rPr lang="ru-RU" sz="1600" dirty="0"/>
+              <a:t>, два других распространенных протокола туннелирования. Протокол </a:t>
+            </a:r>
+            <a:r>
+              <a:rPr lang="ru-RU" sz="1600" dirty="0" err="1"/>
+              <a:t>WireGuard</a:t>
+            </a:r>
+            <a:r>
+              <a:rPr lang="ru-RU" sz="1600" dirty="0"/>
+              <a:t> передаёт трафик по протоколу UDP.</a:t>
+            </a:r>
+          </a:p>
+        </p:txBody>
+      </p:sp>
+      <p:pic>
+        <p:nvPicPr>
+          <p:cNvPr id="3" name="Рисунок 2">
+            <a:extLst>
+              <a:ext uri="{FF2B5EF4-FFF2-40B4-BE49-F238E27FC236}">
+                <a16:creationId xmlns:a16="http://schemas.microsoft.com/office/drawing/2014/main" id="{D88EC44D-2110-634E-3317-DB0CBE11EE9F}"/>
+              </a:ext>
+            </a:extLst>
+          </p:cNvPr>
+          <p:cNvPicPr>
+            <a:picLocks noChangeAspect="1"/>
+          </p:cNvPicPr>
+          <p:nvPr/>
+        </p:nvPicPr>
+        <p:blipFill>
+          <a:blip r:embed="rId2"/>
+          <a:stretch>
+            <a:fillRect/>
+          </a:stretch>
+        </p:blipFill>
+        <p:spPr>
+          <a:xfrm>
+            <a:off x="4499992" y="2410480"/>
+            <a:ext cx="4893998" cy="4594960"/>
+          </a:xfrm>
+          <a:prstGeom prst="rect">
+            <a:avLst/>
+          </a:prstGeom>
+        </p:spPr>
+      </p:pic>
+    </p:spTree>
+    <p:extLst>
+      <p:ext uri="{BB962C8B-B14F-4D97-AF65-F5344CB8AC3E}">
+        <p14:creationId xmlns:p14="http://schemas.microsoft.com/office/powerpoint/2010/main" val="3537543530"/>
+      </p:ext>
+    </p:extLst>
+  </p:cSld>
+  <p:clrMapOvr>
+    <a:masterClrMapping/>
+  </p:clrMapOvr>
 </p:sld>
 </file>
 
@@ -5679,13 +10322,6 @@
   <p:clrMapOvr>
     <a:masterClrMapping/>
   </p:clrMapOvr>
-  <p:timing>
-    <p:tnLst>
-      <p:par>
-        <p:cTn id="1" dur="indefinite" restart="never" nodeType="tmRoot"/>
-      </p:par>
-    </p:tnLst>
-  </p:timing>
 </p:sld>
 </file>
 
@@ -5863,14 +10499,13 @@
               <a:buNone/>
             </a:pPr>
             <a:r>
-              <a:rPr kumimoji="0" lang="ru-RU" altLang="ru-RU" b="1" kern="0" dirty="0" smtClean="0"/>
+              <a:rPr kumimoji="0" lang="ru-RU" altLang="ru-RU" b="1" kern="0" dirty="0"/>
               <a:t>Назначение </a:t>
             </a:r>
             <a:r>
-              <a:rPr kumimoji="0" lang="en-US" altLang="ru-RU" b="1" kern="0" dirty="0" smtClean="0"/>
+              <a:rPr kumimoji="0" lang="en-US" altLang="ru-RU" b="1" kern="0" dirty="0"/>
               <a:t>VPN</a:t>
             </a:r>
-            <a:endParaRPr kumimoji="0" lang="en-US" altLang="ru-RU" b="1" kern="0" dirty="0" smtClean="0"/>
           </a:p>
         </p:txBody>
       </p:sp>
@@ -5897,16 +10532,12 @@
           <a:lstStyle/>
           <a:p>
             <a:r>
-              <a:rPr lang="ru-RU" sz="1400" dirty="0" err="1" smtClean="0"/>
+              <a:rPr lang="ru-RU" sz="1400" dirty="0" err="1"/>
               <a:t>Intranet</a:t>
             </a:r>
             <a:r>
-              <a:rPr lang="ru-RU" sz="1400" dirty="0" smtClean="0"/>
-              <a:t> </a:t>
-            </a:r>
-            <a:r>
               <a:rPr lang="ru-RU" sz="1400" dirty="0"/>
-              <a:t>VPN</a:t>
+              <a:t> VPN</a:t>
             </a:r>
           </a:p>
           <a:p>
@@ -5920,16 +10551,12 @@
           </a:p>
           <a:p>
             <a:r>
-              <a:rPr lang="ru-RU" sz="1400" dirty="0" err="1" smtClean="0"/>
+              <a:rPr lang="ru-RU" sz="1400" dirty="0" err="1"/>
               <a:t>Remote-access</a:t>
             </a:r>
             <a:r>
-              <a:rPr lang="ru-RU" sz="1400" dirty="0" smtClean="0"/>
-              <a:t> </a:t>
-            </a:r>
-            <a:r>
               <a:rPr lang="ru-RU" sz="1400" dirty="0"/>
-              <a:t>VPN</a:t>
+              <a:t> VPN</a:t>
             </a:r>
           </a:p>
           <a:p>
@@ -5943,16 +10570,12 @@
           </a:p>
           <a:p>
             <a:r>
-              <a:rPr lang="ru-RU" sz="1400" dirty="0" err="1" smtClean="0"/>
+              <a:rPr lang="ru-RU" sz="1400" dirty="0" err="1"/>
               <a:t>Extranet</a:t>
             </a:r>
             <a:r>
-              <a:rPr lang="ru-RU" sz="1400" dirty="0" smtClean="0"/>
-              <a:t> </a:t>
-            </a:r>
-            <a:r>
               <a:rPr lang="ru-RU" sz="1400" dirty="0"/>
-              <a:t>VPN</a:t>
+              <a:t> VPN</a:t>
             </a:r>
           </a:p>
           <a:p>
@@ -5966,16 +10589,12 @@
           </a:p>
           <a:p>
             <a:r>
-              <a:rPr lang="ru-RU" sz="1400" dirty="0" err="1" smtClean="0"/>
+              <a:rPr lang="ru-RU" sz="1400" dirty="0" err="1"/>
               <a:t>Internet</a:t>
             </a:r>
             <a:r>
-              <a:rPr lang="ru-RU" sz="1400" dirty="0" smtClean="0"/>
-              <a:t> </a:t>
-            </a:r>
-            <a:r>
               <a:rPr lang="ru-RU" sz="1400" dirty="0"/>
-              <a:t>VPN</a:t>
+              <a:t> VPN</a:t>
             </a:r>
           </a:p>
           <a:p>
@@ -5984,34 +10603,25 @@
             </a:pPr>
             <a:r>
               <a:rPr lang="ru-RU" sz="1400" i="1" dirty="0"/>
-              <a:t>Используется провайдерами для предоставления доступа к интернету, обычно если по одному физическому каналу подключаются несколько пользователей</a:t>
-            </a:r>
-            <a:r>
-              <a:rPr lang="ru-RU" sz="1400" i="1" dirty="0" smtClean="0"/>
-              <a:t>.</a:t>
-            </a:r>
-            <a:endParaRPr lang="ru-RU" sz="1400" i="1" dirty="0"/>
-          </a:p>
-          <a:p>
-            <a:r>
-              <a:rPr lang="ru-RU" sz="1400" dirty="0" err="1" smtClean="0"/>
+              <a:t>Используется провайдерами для предоставления доступа к интернету, обычно если по одному физическому каналу подключаются несколько пользователей.</a:t>
+            </a:r>
+          </a:p>
+          <a:p>
+            <a:r>
+              <a:rPr lang="ru-RU" sz="1400" dirty="0" err="1"/>
               <a:t>Client</a:t>
             </a:r>
             <a:r>
-              <a:rPr lang="ru-RU" sz="1400" dirty="0" smtClean="0"/>
+              <a:rPr lang="ru-RU" sz="1400" dirty="0"/>
               <a:t>/</a:t>
             </a:r>
             <a:r>
-              <a:rPr lang="ru-RU" sz="1400" dirty="0" err="1" smtClean="0"/>
+              <a:rPr lang="ru-RU" sz="1400" dirty="0" err="1"/>
               <a:t>server</a:t>
             </a:r>
             <a:r>
-              <a:rPr lang="ru-RU" sz="1400" dirty="0" smtClean="0"/>
-              <a:t> </a:t>
-            </a:r>
-            <a:r>
               <a:rPr lang="ru-RU" sz="1400" dirty="0"/>
-              <a:t>VPN</a:t>
+              <a:t> VPN</a:t>
             </a:r>
           </a:p>
           <a:p>
@@ -6035,13 +10645,6 @@
   <p:clrMapOvr>
     <a:masterClrMapping/>
   </p:clrMapOvr>
-  <p:timing>
-    <p:tnLst>
-      <p:par>
-        <p:cTn id="1" dur="indefinite" restart="never" nodeType="tmRoot"/>
-      </p:par>
-    </p:tnLst>
-  </p:timing>
 </p:sld>
 </file>
 
@@ -6219,10 +10822,9 @@
               <a:buNone/>
             </a:pPr>
             <a:r>
-              <a:rPr kumimoji="0" lang="en-US" altLang="ru-RU" b="1" kern="0" dirty="0" smtClean="0"/>
+              <a:rPr kumimoji="0" lang="en-US" altLang="ru-RU" b="1" kern="0" dirty="0"/>
               <a:t>VPN</a:t>
             </a:r>
-            <a:endParaRPr kumimoji="0" lang="en-US" altLang="ru-RU" b="1" kern="0" dirty="0" smtClean="0"/>
           </a:p>
         </p:txBody>
       </p:sp>
@@ -6281,15 +10883,15 @@
                     <a:p>
                       <a:pPr algn="ctr"/>
                       <a:r>
-                        <a:rPr lang="ru-RU" dirty="0" smtClean="0"/>
+                        <a:rPr lang="ru-RU" dirty="0"/>
                         <a:t>Уровень</a:t>
                       </a:r>
                       <a:r>
-                        <a:rPr lang="ru-RU" baseline="0" dirty="0" smtClean="0"/>
+                        <a:rPr lang="ru-RU" baseline="0" dirty="0"/>
                         <a:t> </a:t>
                       </a:r>
                       <a:r>
-                        <a:rPr lang="en-US" baseline="0" dirty="0" smtClean="0"/>
+                        <a:rPr lang="en-US" baseline="0" dirty="0"/>
                         <a:t>OSI</a:t>
                       </a:r>
                       <a:endParaRPr lang="ru-RU" dirty="0"/>
@@ -6304,10 +10906,9 @@
                     <a:p>
                       <a:pPr algn="ctr"/>
                       <a:r>
-                        <a:rPr lang="ru-RU" dirty="0" smtClean="0"/>
+                        <a:rPr lang="ru-RU" dirty="0"/>
                         <a:t>Протокол</a:t>
                       </a:r>
-                      <a:endParaRPr lang="ru-RU" dirty="0"/>
                     </a:p>
                   </a:txBody>
                   <a:tcPr/>
@@ -6318,10 +10919,9 @@
                     <a:lstStyle/>
                     <a:p>
                       <a:r>
-                        <a:rPr lang="ru-RU" dirty="0" smtClean="0"/>
+                        <a:rPr lang="ru-RU" dirty="0"/>
                         <a:t>Свойства</a:t>
                       </a:r>
-                      <a:endParaRPr lang="ru-RU" dirty="0"/>
                     </a:p>
                   </a:txBody>
                   <a:tcPr/>
@@ -6340,10 +10940,9 @@
                     <a:p>
                       <a:pPr algn="ctr"/>
                       <a:r>
-                        <a:rPr lang="ru-RU" dirty="0" smtClean="0"/>
+                        <a:rPr lang="ru-RU" dirty="0"/>
                         <a:t>Прикладной</a:t>
                       </a:r>
-                      <a:endParaRPr lang="ru-RU" dirty="0"/>
                     </a:p>
                   </a:txBody>
                   <a:tcPr/>
@@ -6355,7 +10954,7 @@
                     <a:p>
                       <a:pPr algn="ctr"/>
                       <a:r>
-                        <a:rPr lang="en-US" dirty="0" smtClean="0"/>
+                        <a:rPr lang="en-US" dirty="0"/>
                         <a:t>S/MIME</a:t>
                       </a:r>
                       <a:endParaRPr lang="ru-RU" dirty="0"/>
@@ -6369,17 +10968,17 @@
                     <a:lstStyle/>
                     <a:p>
                       <a:r>
-                        <a:rPr lang="ru-RU" dirty="0" smtClean="0"/>
+                        <a:rPr lang="ru-RU" dirty="0"/>
                         <a:t>Непрозрачность</a:t>
                       </a:r>
                       <a:r>
-                        <a:rPr lang="ru-RU" baseline="0" dirty="0" smtClean="0"/>
+                        <a:rPr lang="ru-RU" baseline="0" dirty="0"/>
                         <a:t> для приложений</a:t>
                       </a:r>
                     </a:p>
                     <a:p>
                       <a:r>
-                        <a:rPr lang="ru-RU" baseline="0" dirty="0" smtClean="0"/>
+                        <a:rPr lang="ru-RU" baseline="0" dirty="0"/>
                         <a:t>Независимость от транспортной инфраструктуры</a:t>
                       </a:r>
                       <a:endParaRPr lang="ru-RU" dirty="0"/>
@@ -6401,10 +11000,9 @@
                     <a:p>
                       <a:pPr algn="ctr"/>
                       <a:r>
-                        <a:rPr lang="ru-RU" dirty="0" smtClean="0"/>
+                        <a:rPr lang="ru-RU" dirty="0"/>
                         <a:t>Представление</a:t>
                       </a:r>
-                      <a:endParaRPr lang="ru-RU" dirty="0"/>
                     </a:p>
                   </a:txBody>
                   <a:tcPr/>
@@ -6416,11 +11014,11 @@
                     <a:p>
                       <a:pPr algn="ctr"/>
                       <a:r>
-                        <a:rPr lang="en-US" strike="sngStrike" dirty="0" smtClean="0"/>
+                        <a:rPr lang="en-US" strike="sngStrike" dirty="0"/>
                         <a:t>SSL</a:t>
                       </a:r>
                       <a:r>
-                        <a:rPr lang="en-US" baseline="0" dirty="0" smtClean="0"/>
+                        <a:rPr lang="en-US" baseline="0" dirty="0"/>
                         <a:t> TLS</a:t>
                       </a:r>
                       <a:endParaRPr lang="ru-RU" dirty="0"/>
@@ -6452,10 +11050,9 @@
                     <a:p>
                       <a:pPr algn="ctr"/>
                       <a:r>
-                        <a:rPr lang="ru-RU" dirty="0" smtClean="0"/>
+                        <a:rPr lang="ru-RU" dirty="0"/>
                         <a:t>Сеансовый</a:t>
                       </a:r>
-                      <a:endParaRPr lang="ru-RU" dirty="0"/>
                     </a:p>
                   </a:txBody>
                   <a:tcPr/>
@@ -6495,10 +11092,9 @@
                     <a:p>
                       <a:pPr algn="ctr"/>
                       <a:r>
-                        <a:rPr lang="ru-RU" dirty="0" smtClean="0"/>
+                        <a:rPr lang="ru-RU" dirty="0"/>
                         <a:t>Транспортный</a:t>
                       </a:r>
-                      <a:endParaRPr lang="ru-RU" dirty="0"/>
                     </a:p>
                   </a:txBody>
                   <a:tcPr/>
@@ -6538,10 +11134,9 @@
                     <a:p>
                       <a:pPr algn="ctr"/>
                       <a:r>
-                        <a:rPr lang="ru-RU" dirty="0" smtClean="0"/>
+                        <a:rPr lang="ru-RU" dirty="0"/>
                         <a:t>Сетевой</a:t>
                       </a:r>
-                      <a:endParaRPr lang="ru-RU" dirty="0"/>
                     </a:p>
                   </a:txBody>
                   <a:tcPr/>
@@ -6553,7 +11148,7 @@
                     <a:p>
                       <a:pPr algn="ctr"/>
                       <a:r>
-                        <a:rPr lang="en-US" dirty="0" err="1" smtClean="0"/>
+                        <a:rPr lang="en-US" dirty="0" err="1"/>
                         <a:t>IPSec</a:t>
                       </a:r>
                       <a:endParaRPr lang="ru-RU" dirty="0"/>
@@ -6567,16 +11162,15 @@
                     <a:lstStyle/>
                     <a:p>
                       <a:r>
-                        <a:rPr lang="ru-RU" dirty="0" smtClean="0"/>
+                        <a:rPr lang="ru-RU" dirty="0"/>
                         <a:t>Прозрачность для приложений</a:t>
                       </a:r>
                     </a:p>
                     <a:p>
                       <a:r>
-                        <a:rPr lang="ru-RU" dirty="0" smtClean="0"/>
+                        <a:rPr lang="ru-RU" dirty="0"/>
                         <a:t>Зависимость от транспортной инфраструктуры</a:t>
                       </a:r>
-                      <a:endParaRPr lang="ru-RU" dirty="0"/>
                     </a:p>
                   </a:txBody>
                   <a:tcPr/>
@@ -6595,10 +11189,9 @@
                     <a:p>
                       <a:pPr algn="ctr"/>
                       <a:r>
-                        <a:rPr lang="ru-RU" dirty="0" smtClean="0"/>
+                        <a:rPr lang="ru-RU" dirty="0"/>
                         <a:t>Канальный</a:t>
                       </a:r>
-                      <a:endParaRPr lang="ru-RU" dirty="0"/>
                     </a:p>
                   </a:txBody>
                   <a:tcPr/>
@@ -6610,7 +11203,7 @@
                     <a:p>
                       <a:pPr algn="ctr"/>
                       <a:r>
-                        <a:rPr lang="en-US" dirty="0" smtClean="0"/>
+                        <a:rPr lang="en-US" dirty="0"/>
                         <a:t>PPTP</a:t>
                       </a:r>
                       <a:endParaRPr lang="ru-RU" dirty="0"/>
@@ -6642,10 +11235,9 @@
                     <a:p>
                       <a:pPr algn="ctr"/>
                       <a:r>
-                        <a:rPr lang="ru-RU" dirty="0" smtClean="0"/>
+                        <a:rPr lang="ru-RU" dirty="0"/>
                         <a:t>Физический</a:t>
                       </a:r>
-                      <a:endParaRPr lang="ru-RU" dirty="0"/>
                     </a:p>
                   </a:txBody>
                   <a:tcPr/>
@@ -6690,13 +11282,6 @@
   <p:clrMapOvr>
     <a:masterClrMapping/>
   </p:clrMapOvr>
-  <p:timing>
-    <p:tnLst>
-      <p:par>
-        <p:cTn id="1" dur="indefinite" restart="never" nodeType="tmRoot"/>
-      </p:par>
-    </p:tnLst>
-  </p:timing>
 </p:sld>
 </file>
 
@@ -6874,10 +11459,10 @@
               <a:buNone/>
             </a:pPr>
             <a:r>
-              <a:rPr kumimoji="0" lang="ru-RU" altLang="ru-RU" b="1" kern="0" dirty="0" err="1" smtClean="0"/>
+              <a:rPr kumimoji="0" lang="ru-RU" altLang="ru-RU" b="1" kern="0" dirty="0" err="1"/>
               <a:t>Туннелирование</a:t>
             </a:r>
-            <a:endParaRPr kumimoji="0" lang="en-US" altLang="ru-RU" b="1" kern="0" dirty="0" smtClean="0"/>
+            <a:endParaRPr kumimoji="0" lang="en-US" altLang="ru-RU" b="1" kern="0" dirty="0"/>
           </a:p>
         </p:txBody>
       </p:sp>
@@ -7034,7 +11619,7 @@
                 <a:buChar char="n"/>
                 <a:tabLst/>
               </a:pPr>
-              <a:endParaRPr kumimoji="1" lang="ru-RU" sz="2000" b="0" i="0" u="none" strike="noStrike" cap="none" normalizeH="0" baseline="0" smtClean="0">
+              <a:endParaRPr kumimoji="1" lang="ru-RU" sz="2000" b="0" i="0" u="none" strike="noStrike" cap="none" normalizeH="0" baseline="0">
                 <a:ln>
                   <a:noFill/>
                 </a:ln>
@@ -7118,7 +11703,7 @@
                 <a:buChar char="n"/>
                 <a:tabLst/>
               </a:pPr>
-              <a:endParaRPr kumimoji="1" lang="ru-RU" sz="2000" b="0" i="0" u="none" strike="noStrike" cap="none" normalizeH="0" baseline="0" smtClean="0">
+              <a:endParaRPr kumimoji="1" lang="ru-RU" sz="2000" b="0" i="0" u="none" strike="noStrike" cap="none" normalizeH="0" baseline="0">
                 <a:ln>
                   <a:noFill/>
                 </a:ln>
@@ -7386,7 +11971,7 @@
                 <a:buChar char="n"/>
                 <a:tabLst/>
               </a:pPr>
-              <a:endParaRPr kumimoji="1" lang="ru-RU" sz="2000" b="0" i="0" u="none" strike="noStrike" cap="none" normalizeH="0" baseline="0" smtClean="0">
+              <a:endParaRPr kumimoji="1" lang="ru-RU" sz="2000" b="0" i="0" u="none" strike="noStrike" cap="none" normalizeH="0" baseline="0">
                 <a:ln>
                   <a:noFill/>
                 </a:ln>
@@ -7674,13 +12259,6 @@
   <p:clrMapOvr>
     <a:masterClrMapping/>
   </p:clrMapOvr>
-  <p:timing>
-    <p:tnLst>
-      <p:par>
-        <p:cTn id="1" dur="indefinite" restart="never" nodeType="tmRoot"/>
-      </p:par>
-    </p:tnLst>
-  </p:timing>
 </p:sld>
 </file>
 
@@ -7858,10 +12436,10 @@
               <a:buNone/>
             </a:pPr>
             <a:r>
-              <a:rPr kumimoji="0" lang="ru-RU" altLang="ru-RU" b="1" kern="0" dirty="0" err="1" smtClean="0"/>
+              <a:rPr kumimoji="0" lang="ru-RU" altLang="ru-RU" b="1" kern="0" dirty="0" err="1"/>
               <a:t>Туннелирование</a:t>
             </a:r>
-            <a:endParaRPr kumimoji="0" lang="en-US" altLang="ru-RU" b="1" kern="0" dirty="0" smtClean="0"/>
+            <a:endParaRPr kumimoji="0" lang="en-US" altLang="ru-RU" b="1" kern="0" dirty="0"/>
           </a:p>
         </p:txBody>
       </p:sp>
@@ -8041,7 +12619,7 @@
                 <a:buChar char="n"/>
                 <a:tabLst/>
               </a:pPr>
-              <a:endParaRPr kumimoji="1" lang="ru-RU" sz="2000" b="0" i="0" u="none" strike="noStrike" cap="none" normalizeH="0" baseline="0" smtClean="0">
+              <a:endParaRPr kumimoji="1" lang="ru-RU" sz="2000" b="0" i="0" u="none" strike="noStrike" cap="none" normalizeH="0" baseline="0">
                 <a:ln>
                   <a:noFill/>
                 </a:ln>
@@ -8125,7 +12703,7 @@
                 <a:buChar char="n"/>
                 <a:tabLst/>
               </a:pPr>
-              <a:endParaRPr kumimoji="1" lang="ru-RU" sz="2000" b="0" i="0" u="none" strike="noStrike" cap="none" normalizeH="0" baseline="0" smtClean="0">
+              <a:endParaRPr kumimoji="1" lang="ru-RU" sz="2000" b="0" i="0" u="none" strike="noStrike" cap="none" normalizeH="0" baseline="0">
                 <a:ln>
                   <a:noFill/>
                 </a:ln>
@@ -8393,7 +12971,7 @@
                 <a:buChar char="n"/>
                 <a:tabLst/>
               </a:pPr>
-              <a:endParaRPr kumimoji="1" lang="ru-RU" sz="2000" b="0" i="0" u="none" strike="noStrike" cap="none" normalizeH="0" baseline="0" smtClean="0">
+              <a:endParaRPr kumimoji="1" lang="ru-RU" sz="2000" b="0" i="0" u="none" strike="noStrike" cap="none" normalizeH="0" baseline="0">
                 <a:ln>
                   <a:noFill/>
                 </a:ln>
@@ -8554,7 +13132,6 @@
             <a:tailEnd type="none" w="med" len="med"/>
           </a:ln>
           <a:effectLst/>
-          <a:extLst/>
         </p:spPr>
         <p:txBody>
           <a:bodyPr vert="horz" wrap="square" lIns="91440" tIns="45720" rIns="91440" bIns="0" numCol="1" rtlCol="0" anchor="t" anchorCtr="0" compatLnSpc="1">
@@ -8582,7 +13159,7 @@
               <a:buChar char="n"/>
               <a:tabLst/>
             </a:pPr>
-            <a:endParaRPr kumimoji="1" lang="ru-RU" sz="2000" b="0" i="0" u="none" strike="noStrike" cap="none" normalizeH="0" baseline="0" smtClean="0">
+            <a:endParaRPr kumimoji="1" lang="ru-RU" sz="2000" b="0" i="0" u="none" strike="noStrike" cap="none" normalizeH="0" baseline="0">
               <a:ln>
                 <a:noFill/>
               </a:ln>
@@ -8623,7 +13200,6 @@
             <a:tailEnd type="none" w="med" len="med"/>
           </a:ln>
           <a:effectLst/>
-          <a:extLst/>
         </p:spPr>
         <p:txBody>
           <a:bodyPr vert="horz" wrap="square" lIns="91440" tIns="45720" rIns="91440" bIns="0" numCol="1" rtlCol="0" anchor="t" anchorCtr="0" compatLnSpc="1">
@@ -8651,7 +13227,7 @@
               <a:buChar char="n"/>
               <a:tabLst/>
             </a:pPr>
-            <a:endParaRPr kumimoji="1" lang="ru-RU" sz="2000" b="0" i="0" u="none" strike="noStrike" cap="none" normalizeH="0" baseline="0" smtClean="0">
+            <a:endParaRPr kumimoji="1" lang="ru-RU" sz="2000" b="0" i="0" u="none" strike="noStrike" cap="none" normalizeH="0" baseline="0">
               <a:ln>
                 <a:noFill/>
               </a:ln>
@@ -8692,7 +13268,6 @@
             <a:tailEnd type="none" w="med" len="med"/>
           </a:ln>
           <a:effectLst/>
-          <a:extLst/>
         </p:spPr>
         <p:txBody>
           <a:bodyPr vert="horz" wrap="square" lIns="91440" tIns="45720" rIns="91440" bIns="0" numCol="1" rtlCol="0" anchor="t" anchorCtr="0" compatLnSpc="1">
@@ -8720,7 +13295,7 @@
               <a:buChar char="n"/>
               <a:tabLst/>
             </a:pPr>
-            <a:endParaRPr kumimoji="1" lang="ru-RU" sz="2000" b="0" i="0" u="none" strike="noStrike" cap="none" normalizeH="0" baseline="0" smtClean="0">
+            <a:endParaRPr kumimoji="1" lang="ru-RU" sz="2000" b="0" i="0" u="none" strike="noStrike" cap="none" normalizeH="0" baseline="0">
               <a:ln>
                 <a:noFill/>
               </a:ln>
@@ -8890,7 +13465,7 @@
               <a:buChar char="n"/>
               <a:tabLst/>
             </a:pPr>
-            <a:endParaRPr kumimoji="1" lang="ru-RU" sz="2000" b="0" i="0" u="none" strike="noStrike" cap="none" normalizeH="0" baseline="0" smtClean="0">
+            <a:endParaRPr kumimoji="1" lang="ru-RU" sz="2000" b="0" i="0" u="none" strike="noStrike" cap="none" normalizeH="0" baseline="0">
               <a:ln>
                 <a:noFill/>
               </a:ln>
@@ -9076,7 +13651,7 @@
               <a:buChar char="n"/>
               <a:tabLst/>
             </a:pPr>
-            <a:endParaRPr kumimoji="1" lang="ru-RU" sz="2000" b="0" i="0" u="none" strike="noStrike" cap="none" normalizeH="0" baseline="0" smtClean="0">
+            <a:endParaRPr kumimoji="1" lang="ru-RU" sz="2000" b="0" i="0" u="none" strike="noStrike" cap="none" normalizeH="0" baseline="0">
               <a:ln>
                 <a:noFill/>
               </a:ln>
@@ -9278,7 +13853,7 @@
               <a:buChar char="n"/>
               <a:tabLst/>
             </a:pPr>
-            <a:endParaRPr kumimoji="1" lang="ru-RU" sz="2000" b="0" i="0" u="none" strike="noStrike" cap="none" normalizeH="0" baseline="0" smtClean="0">
+            <a:endParaRPr kumimoji="1" lang="ru-RU" sz="2000" b="0" i="0" u="none" strike="noStrike" cap="none" normalizeH="0" baseline="0">
               <a:ln>
                 <a:noFill/>
               </a:ln>
@@ -9302,13 +13877,6 @@
   <p:clrMapOvr>
     <a:masterClrMapping/>
   </p:clrMapOvr>
-  <p:timing>
-    <p:tnLst>
-      <p:par>
-        <p:cTn id="1" dur="indefinite" restart="never" nodeType="tmRoot"/>
-      </p:par>
-    </p:tnLst>
-  </p:timing>
 </p:sld>
 </file>
 
@@ -9486,10 +14054,10 @@
               <a:buNone/>
             </a:pPr>
             <a:r>
-              <a:rPr kumimoji="0" lang="ru-RU" altLang="ru-RU" b="1" kern="0" dirty="0" err="1" smtClean="0"/>
+              <a:rPr kumimoji="0" lang="ru-RU" altLang="ru-RU" b="1" kern="0" dirty="0" err="1"/>
               <a:t>Туннелирование</a:t>
             </a:r>
-            <a:endParaRPr kumimoji="0" lang="en-US" altLang="ru-RU" b="1" kern="0" dirty="0" smtClean="0"/>
+            <a:endParaRPr kumimoji="0" lang="en-US" altLang="ru-RU" b="1" kern="0" dirty="0"/>
           </a:p>
         </p:txBody>
       </p:sp>
@@ -9544,13 +14112,6 @@
   <p:clrMapOvr>
     <a:masterClrMapping/>
   </p:clrMapOvr>
-  <p:timing>
-    <p:tnLst>
-      <p:par>
-        <p:cTn id="1" dur="indefinite" restart="never" nodeType="tmRoot"/>
-      </p:par>
-    </p:tnLst>
-  </p:timing>
 </p:sld>
 </file>
 
@@ -9641,15 +14202,15 @@
           <a:lstStyle/>
           <a:p>
             <a:r>
-              <a:rPr lang="ru-RU" sz="1600" dirty="0" smtClean="0"/>
+              <a:rPr lang="ru-RU" sz="1600" dirty="0"/>
               <a:t>Шифрование</a:t>
             </a:r>
-            <a:endParaRPr lang="en-US" sz="1600" dirty="0" smtClean="0"/>
+            <a:endParaRPr lang="en-US" sz="1600" dirty="0"/>
           </a:p>
           <a:p>
             <a:pPr lvl="1"/>
             <a:r>
-              <a:rPr lang="en-US" sz="1600" dirty="0" smtClean="0"/>
+              <a:rPr lang="en-US" sz="1600" dirty="0"/>
               <a:t>DES, 3DES, AES, Blowfish, IDEA,</a:t>
             </a:r>
             <a:r>
@@ -9657,42 +14218,38 @@
               <a:t> ГОСТ 28147-89</a:t>
             </a:r>
             <a:r>
-              <a:rPr lang="en-US" sz="1600" dirty="0" smtClean="0"/>
+              <a:rPr lang="en-US" sz="1600" dirty="0"/>
               <a:t> </a:t>
             </a:r>
-            <a:endParaRPr lang="ru-RU" sz="1600" dirty="0" smtClean="0"/>
-          </a:p>
-          <a:p>
-            <a:r>
-              <a:rPr lang="ru-RU" sz="1600" dirty="0" smtClean="0"/>
+            <a:endParaRPr lang="ru-RU" sz="1600" dirty="0"/>
+          </a:p>
+          <a:p>
+            <a:r>
+              <a:rPr lang="ru-RU" sz="1600" dirty="0"/>
               <a:t>ЭЦП</a:t>
             </a:r>
-            <a:endParaRPr lang="en-US" sz="1600" dirty="0" smtClean="0"/>
+            <a:endParaRPr lang="en-US" sz="1600" dirty="0"/>
           </a:p>
           <a:p>
             <a:pPr lvl="1"/>
             <a:r>
-              <a:rPr lang="en-US" sz="1600" dirty="0" smtClean="0"/>
+              <a:rPr lang="en-US" sz="1600" dirty="0"/>
               <a:t>MD5, SHA-1/2/3, RIPEMD, </a:t>
             </a:r>
             <a:br>
-              <a:rPr lang="en-US" sz="1600" dirty="0" smtClean="0"/>
+              <a:rPr lang="en-US" sz="1600" dirty="0"/>
             </a:br>
             <a:r>
-              <a:rPr lang="ru-RU" sz="1600" dirty="0" smtClean="0"/>
-              <a:t>ГОСТ </a:t>
-            </a:r>
-            <a:r>
               <a:rPr lang="ru-RU" sz="1600" dirty="0"/>
-              <a:t>Р 34.11-94</a:t>
-            </a:r>
-          </a:p>
-          <a:p>
-            <a:r>
-              <a:rPr lang="ru-RU" sz="1600" dirty="0" smtClean="0"/>
+              <a:t>ГОСТ Р 34.11-94</a:t>
+            </a:r>
+          </a:p>
+          <a:p>
+            <a:r>
+              <a:rPr lang="ru-RU" sz="1600" dirty="0"/>
               <a:t>Сжатие</a:t>
             </a:r>
-            <a:endParaRPr lang="en-US" sz="1600" dirty="0" smtClean="0"/>
+            <a:endParaRPr lang="en-US" sz="1600" dirty="0"/>
           </a:p>
           <a:p>
             <a:endParaRPr lang="ru-RU" sz="1600" dirty="0"/>
@@ -9732,7 +14289,6 @@
               </a:prstClr>
             </a:outerShdw>
           </a:effectLst>
-          <a:extLst/>
         </p:spPr>
         <p:txBody>
           <a:bodyPr vert="horz" wrap="square" lIns="91440" tIns="45720" rIns="91440" bIns="0" numCol="1" rtlCol="0" anchor="t" anchorCtr="0" compatLnSpc="1">
@@ -9760,7 +14316,7 @@
               <a:buChar char="n"/>
               <a:tabLst/>
             </a:pPr>
-            <a:endParaRPr kumimoji="1" lang="ru-RU" sz="2000" b="0" i="0" u="none" strike="noStrike" cap="none" normalizeH="0" baseline="0" smtClean="0">
+            <a:endParaRPr kumimoji="1" lang="ru-RU" sz="2000" b="0" i="0" u="none" strike="noStrike" cap="none" normalizeH="0" baseline="0">
               <a:ln>
                 <a:noFill/>
               </a:ln>
@@ -9784,13 +14340,6 @@
   <p:clrMapOvr>
     <a:masterClrMapping/>
   </p:clrMapOvr>
-  <p:timing>
-    <p:tnLst>
-      <p:par>
-        <p:cTn id="1" dur="indefinite" restart="never" nodeType="tmRoot"/>
-      </p:par>
-    </p:tnLst>
-  </p:timing>
 </p:sld>
 </file>
 

--- a/lecture/vpn.pptx
+++ b/lecture/vpn.pptx
@@ -12,21 +12,21 @@
     <p:sldId id="313" r:id="rId3"/>
     <p:sldId id="314" r:id="rId4"/>
     <p:sldId id="315" r:id="rId5"/>
-    <p:sldId id="316" r:id="rId6"/>
-    <p:sldId id="318" r:id="rId7"/>
-    <p:sldId id="319" r:id="rId8"/>
-    <p:sldId id="317" r:id="rId9"/>
-    <p:sldId id="320" r:id="rId10"/>
-    <p:sldId id="321" r:id="rId11"/>
-    <p:sldId id="322" r:id="rId12"/>
-    <p:sldId id="323" r:id="rId13"/>
-    <p:sldId id="324" r:id="rId14"/>
-    <p:sldId id="328" r:id="rId15"/>
-    <p:sldId id="325" r:id="rId16"/>
-    <p:sldId id="327" r:id="rId17"/>
-    <p:sldId id="326" r:id="rId18"/>
-    <p:sldId id="329" r:id="rId19"/>
-    <p:sldId id="330" r:id="rId20"/>
+    <p:sldId id="318" r:id="rId6"/>
+    <p:sldId id="319" r:id="rId7"/>
+    <p:sldId id="317" r:id="rId8"/>
+    <p:sldId id="320" r:id="rId9"/>
+    <p:sldId id="321" r:id="rId10"/>
+    <p:sldId id="322" r:id="rId11"/>
+    <p:sldId id="323" r:id="rId12"/>
+    <p:sldId id="324" r:id="rId13"/>
+    <p:sldId id="328" r:id="rId14"/>
+    <p:sldId id="325" r:id="rId15"/>
+    <p:sldId id="327" r:id="rId16"/>
+    <p:sldId id="326" r:id="rId17"/>
+    <p:sldId id="329" r:id="rId18"/>
+    <p:sldId id="330" r:id="rId19"/>
+    <p:sldId id="316" r:id="rId20"/>
     <p:sldId id="331" r:id="rId21"/>
     <p:sldId id="332" r:id="rId22"/>
     <p:sldId id="333" r:id="rId23"/>
@@ -5303,27 +5303,17 @@
           </p:cNvSpPr>
           <p:nvPr/>
         </p:nvSpPr>
-        <p:spPr bwMode="auto">
+        <p:spPr>
           <a:xfrm>
-            <a:off x="477627" y="548680"/>
-            <a:ext cx="7772400" cy="1143000"/>
+            <a:off x="0" y="701874"/>
+            <a:ext cx="9144000" cy="1008112"/>
           </a:xfrm>
           <a:prstGeom prst="rect">
             <a:avLst/>
           </a:prstGeom>
-          <a:noFill/>
-          <a:ln>
-            <a:noFill/>
-          </a:ln>
-          <a:effectLst/>
         </p:spPr>
         <p:txBody>
-          <a:bodyPr vert="horz" wrap="square" lIns="91440" tIns="45720" rIns="91440" bIns="45720" numCol="1" anchor="b" anchorCtr="0" compatLnSpc="1">
-            <a:prstTxWarp prst="textNoShape">
-              <a:avLst/>
-            </a:prstTxWarp>
-            <a:normAutofit/>
-          </a:bodyPr>
+          <a:bodyPr/>
           <a:lstStyle>
             <a:lvl1pPr algn="l" rtl="0" fontAlgn="base">
               <a:spcBef>
@@ -5455,287 +5445,113 @@
             </a:lvl9pPr>
           </a:lstStyle>
           <a:p>
-            <a:pPr>
-              <a:spcAft>
-                <a:spcPts val="600"/>
-              </a:spcAft>
+            <a:pPr algn="ctr">
               <a:buClrTx/>
               <a:buSzTx/>
               <a:buFontTx/>
               <a:buNone/>
             </a:pPr>
             <a:r>
-              <a:rPr kumimoji="0" lang="ru-RU" altLang="ru-RU" b="1" kern="0" dirty="0">
-                <a:latin typeface="+mj-lt"/>
-                <a:ea typeface="+mj-ea"/>
-                <a:cs typeface="+mj-cs"/>
-              </a:rPr>
-              <a:t>GRE </a:t>
-            </a:r>
+              <a:rPr kumimoji="0" lang="en-US" altLang="ru-RU" b="1" kern="0" dirty="0" err="1"/>
+              <a:t>IPSec</a:t>
+            </a:r>
+            <a:endParaRPr kumimoji="0" lang="en-US" altLang="ru-RU" b="1" kern="0" dirty="0"/>
           </a:p>
         </p:txBody>
       </p:sp>
-      <p:pic>
-        <p:nvPicPr>
-          <p:cNvPr id="3" name="Рисунок 2" descr="Изображение выглядит как диаграмма&#10;&#10;Автоматически созданное описание">
+      <p:sp>
+        <p:nvSpPr>
+          <p:cNvPr id="4" name="TextBox 3">
             <a:extLst>
               <a:ext uri="{FF2B5EF4-FFF2-40B4-BE49-F238E27FC236}">
-                <a16:creationId xmlns:a16="http://schemas.microsoft.com/office/drawing/2014/main" id="{499B5515-F4F1-B0A2-F8E7-F6A4FC0968E4}"/>
+                <a16:creationId xmlns:a16="http://schemas.microsoft.com/office/drawing/2014/main" id="{BF492618-1296-64DA-4C8E-AD5A363B1D9B}"/>
               </a:ext>
             </a:extLst>
           </p:cNvPr>
-          <p:cNvPicPr>
-            <a:picLocks noChangeAspect="1"/>
-          </p:cNvPicPr>
+          <p:cNvSpPr txBox="1"/>
           <p:nvPr/>
-        </p:nvPicPr>
-        <p:blipFill>
-          <a:blip r:embed="rId2"/>
-          <a:stretch>
-            <a:fillRect/>
-          </a:stretch>
-        </p:blipFill>
+        </p:nvSpPr>
         <p:spPr>
           <a:xfrm>
-            <a:off x="4728369" y="1373007"/>
-            <a:ext cx="4415631" cy="2848081"/>
+            <a:off x="539552" y="1484784"/>
+            <a:ext cx="8424936" cy="3477875"/>
           </a:xfrm>
           <a:prstGeom prst="rect">
             <a:avLst/>
           </a:prstGeom>
           <a:noFill/>
         </p:spPr>
-      </p:pic>
-      <p:sp>
-        <p:nvSpPr>
-          <p:cNvPr id="2" name="TextBox 1">
-            <a:extLst>
-              <a:ext uri="{FF2B5EF4-FFF2-40B4-BE49-F238E27FC236}">
-                <a16:creationId xmlns:a16="http://schemas.microsoft.com/office/drawing/2014/main" id="{4D1380DF-102B-267D-9D62-89BE60708AC6}"/>
-              </a:ext>
-            </a:extLst>
-          </p:cNvPr>
-          <p:cNvSpPr txBox="1"/>
-          <p:nvPr/>
-        </p:nvSpPr>
-        <p:spPr bwMode="auto">
-          <a:xfrm>
-            <a:off x="477627" y="1484784"/>
-            <a:ext cx="4536504" cy="4752528"/>
-          </a:xfrm>
-          <a:prstGeom prst="rect">
-            <a:avLst/>
-          </a:prstGeom>
-          <a:noFill/>
-          <a:ln>
-            <a:noFill/>
-          </a:ln>
-          <a:effectLst/>
-        </p:spPr>
         <p:txBody>
-          <a:bodyPr vert="horz" wrap="square" lIns="91440" tIns="45720" rIns="91440" bIns="45720" numCol="1" rtlCol="0" anchor="t" anchorCtr="0" compatLnSpc="1">
-            <a:prstTxWarp prst="textNoShape">
-              <a:avLst/>
-            </a:prstTxWarp>
-            <a:noAutofit/>
+          <a:bodyPr wrap="square" rtlCol="0">
+            <a:spAutoFit/>
           </a:bodyPr>
           <a:lstStyle/>
           <a:p>
-            <a:pPr>
-              <a:lnSpc>
-                <a:spcPct val="90000"/>
-              </a:lnSpc>
+            <a:pPr algn="just">
+              <a:buNone/>
             </a:pPr>
             <a:r>
-              <a:rPr lang="ru-RU" sz="1400" b="1" dirty="0">
-                <a:latin typeface="+mn-lt"/>
-              </a:rPr>
-              <a:t>GRE</a:t>
-            </a:r>
-            <a:r>
-              <a:rPr lang="ru-RU" sz="1400" dirty="0">
-                <a:latin typeface="+mn-lt"/>
-              </a:rPr>
-              <a:t> (англ. </a:t>
-            </a:r>
-            <a:r>
-              <a:rPr lang="ru-RU" sz="1400" dirty="0" err="1">
-                <a:latin typeface="+mn-lt"/>
-              </a:rPr>
-              <a:t>Generic</a:t>
-            </a:r>
-            <a:r>
-              <a:rPr lang="ru-RU" sz="1400" dirty="0">
-                <a:latin typeface="+mn-lt"/>
-              </a:rPr>
-              <a:t> </a:t>
-            </a:r>
-            <a:r>
-              <a:rPr lang="ru-RU" sz="1400" dirty="0" err="1">
-                <a:latin typeface="+mn-lt"/>
-              </a:rPr>
-              <a:t>Routing</a:t>
-            </a:r>
-            <a:r>
-              <a:rPr lang="ru-RU" sz="1400" dirty="0">
-                <a:latin typeface="+mn-lt"/>
-              </a:rPr>
-              <a:t> </a:t>
-            </a:r>
-            <a:r>
-              <a:rPr lang="ru-RU" sz="1400" dirty="0" err="1">
-                <a:latin typeface="+mn-lt"/>
-              </a:rPr>
-              <a:t>Encapsulation</a:t>
-            </a:r>
-            <a:r>
-              <a:rPr lang="ru-RU" sz="1400" dirty="0">
-                <a:latin typeface="+mn-lt"/>
-              </a:rPr>
-              <a:t> — общая инкапсуляция маршрутов) — протокол туннелирования сетевых пакетов, разработанный компанией Cisco Systems. Его основное назначение — инкапсуляция пакетов сетевого уровня сетевой модели OSI в IP-пакеты. Номер протокола в IP — 47.</a:t>
-            </a:r>
-          </a:p>
-          <a:p>
-            <a:pPr>
-              <a:lnSpc>
-                <a:spcPct val="90000"/>
-              </a:lnSpc>
+              <a:rPr lang="ru-RU" b="1" dirty="0" err="1"/>
+              <a:t>IPsec</a:t>
+            </a:r>
+            <a:r>
+              <a:rPr lang="ru-RU" dirty="0"/>
+              <a:t> (сокращение от IP Security) — набор протоколов для обеспечения защиты данных, передаваемых по межсетевому протоколу IP. Позволяет осуществлять </a:t>
+            </a:r>
+            <a:endParaRPr lang="en-US" dirty="0"/>
+          </a:p>
+          <a:p>
+            <a:pPr marL="342900" indent="-342900" algn="just"/>
+            <a:r>
+              <a:rPr lang="ru-RU" dirty="0"/>
+              <a:t>подтверждение подлинности (аутентификацию)</a:t>
+            </a:r>
+            <a:endParaRPr lang="en-US" dirty="0"/>
+          </a:p>
+          <a:p>
+            <a:pPr marL="342900" indent="-342900" algn="just"/>
+            <a:r>
+              <a:rPr lang="ru-RU" dirty="0"/>
+              <a:t>проверку целостности </a:t>
+            </a:r>
+            <a:endParaRPr lang="en-US" dirty="0"/>
+          </a:p>
+          <a:p>
+            <a:pPr marL="342900" indent="-342900" algn="just"/>
+            <a:r>
+              <a:rPr lang="ru-RU" dirty="0"/>
+              <a:t>шифрование IP-пакетов. </a:t>
+            </a:r>
+            <a:endParaRPr lang="en-US" dirty="0"/>
+          </a:p>
+          <a:p>
+            <a:pPr algn="just">
+              <a:buNone/>
             </a:pPr>
-            <a:endParaRPr lang="ru-RU" sz="1400" dirty="0">
-              <a:latin typeface="+mn-lt"/>
-            </a:endParaRPr>
-          </a:p>
-          <a:p>
-            <a:pPr>
-              <a:lnSpc>
-                <a:spcPct val="90000"/>
-              </a:lnSpc>
+            <a:r>
+              <a:rPr lang="ru-RU" dirty="0" err="1"/>
+              <a:t>IPsec</a:t>
+            </a:r>
+            <a:r>
+              <a:rPr lang="ru-RU" dirty="0"/>
+              <a:t> также включает в себя протоколы для защищённого обмена ключами в сети Интернет. В основном применяется для организации VPN-соединений.</a:t>
+            </a:r>
+            <a:endParaRPr lang="en-US" dirty="0"/>
+          </a:p>
+          <a:p>
+            <a:pPr algn="just">
+              <a:buNone/>
             </a:pPr>
-            <a:r>
-              <a:rPr lang="ru-RU" sz="1400" dirty="0">
-                <a:latin typeface="+mn-lt"/>
-              </a:rPr>
-              <a:t>IP/GRE является самостоятельным транспортным протоколом, и не опирается на протоколы типа TCP или UDP. Размер заголовка GRE составляет </a:t>
-            </a:r>
-            <a:r>
-              <a:rPr lang="ru-RU" sz="1400" b="1" dirty="0">
-                <a:latin typeface="+mn-lt"/>
-              </a:rPr>
-              <a:t>4 байта</a:t>
-            </a:r>
-            <a:r>
-              <a:rPr lang="ru-RU" sz="1400" dirty="0">
-                <a:latin typeface="+mn-lt"/>
-              </a:rPr>
-              <a:t>, что совместно с заголовком IP в 20 байт уменьшает MTU полезной нагрузки в виде инкапсулируемых данных на 24 байта.</a:t>
-            </a:r>
-          </a:p>
-          <a:p>
-            <a:pPr>
-              <a:lnSpc>
-                <a:spcPct val="90000"/>
-              </a:lnSpc>
-            </a:pPr>
-            <a:endParaRPr lang="ru-RU" sz="1400" dirty="0">
-              <a:latin typeface="+mn-lt"/>
-            </a:endParaRPr>
-          </a:p>
-          <a:p>
-            <a:pPr>
-              <a:lnSpc>
-                <a:spcPct val="90000"/>
-              </a:lnSpc>
-            </a:pPr>
-            <a:r>
-              <a:rPr lang="ru-RU" sz="1400" dirty="0">
-                <a:latin typeface="+mn-lt"/>
-              </a:rPr>
-              <a:t>Туннелирование подразумевает три протокола:</a:t>
-            </a:r>
-          </a:p>
-          <a:p>
-            <a:pPr marL="285750" indent="-285750">
-              <a:lnSpc>
-                <a:spcPct val="90000"/>
-              </a:lnSpc>
-            </a:pPr>
-            <a:r>
-              <a:rPr lang="ru-RU" sz="1400" dirty="0">
-                <a:latin typeface="+mn-lt"/>
-              </a:rPr>
-              <a:t>пассажир — инкапсулированный протокол (IP, CLNP, IPX, </a:t>
-            </a:r>
-            <a:r>
-              <a:rPr lang="ru-RU" sz="1400" dirty="0" err="1">
-                <a:latin typeface="+mn-lt"/>
-              </a:rPr>
-              <a:t>AppleTalk</a:t>
-            </a:r>
-            <a:r>
-              <a:rPr lang="ru-RU" sz="1400" dirty="0">
-                <a:latin typeface="+mn-lt"/>
-              </a:rPr>
-              <a:t>, </a:t>
-            </a:r>
-            <a:r>
-              <a:rPr lang="ru-RU" sz="1400" dirty="0" err="1">
-                <a:latin typeface="+mn-lt"/>
-              </a:rPr>
-              <a:t>DECnet</a:t>
-            </a:r>
-            <a:r>
-              <a:rPr lang="ru-RU" sz="1400" dirty="0">
-                <a:latin typeface="+mn-lt"/>
-              </a:rPr>
-              <a:t> </a:t>
-            </a:r>
-            <a:r>
-              <a:rPr lang="ru-RU" sz="1400" dirty="0" err="1">
-                <a:latin typeface="+mn-lt"/>
-              </a:rPr>
-              <a:t>Phase</a:t>
-            </a:r>
-            <a:r>
-              <a:rPr lang="ru-RU" sz="1400" dirty="0">
-                <a:latin typeface="+mn-lt"/>
-              </a:rPr>
-              <a:t> IV, XNS, VINES и Apollo)</a:t>
-            </a:r>
-          </a:p>
-          <a:p>
-            <a:pPr marL="285750" indent="-285750">
-              <a:lnSpc>
-                <a:spcPct val="90000"/>
-              </a:lnSpc>
-            </a:pPr>
-            <a:r>
-              <a:rPr lang="ru-RU" sz="1400" dirty="0">
-                <a:latin typeface="+mn-lt"/>
-              </a:rPr>
-              <a:t>протокол инкапсуляции (GRE)</a:t>
-            </a:r>
-          </a:p>
-          <a:p>
-            <a:pPr marL="285750" indent="-285750">
-              <a:lnSpc>
-                <a:spcPct val="90000"/>
-              </a:lnSpc>
-            </a:pPr>
-            <a:r>
-              <a:rPr lang="ru-RU" sz="1400" dirty="0">
-                <a:latin typeface="+mn-lt"/>
-              </a:rPr>
-              <a:t>сетевой протокол (IP)</a:t>
-            </a:r>
+            <a:endParaRPr lang="ru-RU" dirty="0"/>
           </a:p>
         </p:txBody>
       </p:sp>
       <p:pic>
         <p:nvPicPr>
-          <p:cNvPr id="1026" name="Picture 2" descr="CCNA Training » GRE Tunnel Tutorial">
+          <p:cNvPr id="2050" name="Picture 2" descr="Configuring IPsec in Tunnel Mode between Two BIG-IP Systems">
             <a:extLst>
               <a:ext uri="{FF2B5EF4-FFF2-40B4-BE49-F238E27FC236}">
-                <a16:creationId xmlns:a16="http://schemas.microsoft.com/office/drawing/2014/main" id="{785CA1EE-CC00-37B6-385B-C2BDA72B6693}"/>
+                <a16:creationId xmlns:a16="http://schemas.microsoft.com/office/drawing/2014/main" id="{09227CB5-5741-1C73-FDB7-A5CB483D5A16}"/>
               </a:ext>
             </a:extLst>
           </p:cNvPr>
@@ -5745,7 +5561,7 @@
           <p:nvPr/>
         </p:nvPicPr>
         <p:blipFill>
-          <a:blip r:embed="rId3">
+          <a:blip r:embed="rId2">
             <a:extLst>
               <a:ext uri="{28A0092B-C50C-407E-A947-70E740481C1C}">
                 <a14:useLocalDpi xmlns:a14="http://schemas.microsoft.com/office/drawing/2010/main" val="0"/>
@@ -5759,8 +5575,8 @@
         </p:blipFill>
         <p:spPr bwMode="auto">
           <a:xfrm>
-            <a:off x="3491880" y="5031090"/>
-            <a:ext cx="5569843" cy="1738878"/>
+            <a:off x="3059832" y="4365104"/>
+            <a:ext cx="5715000" cy="2457450"/>
           </a:xfrm>
           <a:prstGeom prst="rect">
             <a:avLst/>
@@ -5780,7 +5596,7 @@
     </p:spTree>
     <p:extLst>
       <p:ext uri="{BB962C8B-B14F-4D97-AF65-F5344CB8AC3E}">
-        <p14:creationId xmlns:p14="http://schemas.microsoft.com/office/powerpoint/2010/main" val="2145311599"/>
+        <p14:creationId xmlns:p14="http://schemas.microsoft.com/office/powerpoint/2010/main" val="3539786917"/>
       </p:ext>
     </p:extLst>
   </p:cSld>
@@ -5964,334 +5780,6 @@
               <a:buNone/>
             </a:pPr>
             <a:r>
-              <a:rPr kumimoji="0" lang="en-US" altLang="ru-RU" b="1" kern="0" dirty="0" err="1"/>
-              <a:t>IPSec</a:t>
-            </a:r>
-            <a:endParaRPr kumimoji="0" lang="en-US" altLang="ru-RU" b="1" kern="0" dirty="0"/>
-          </a:p>
-        </p:txBody>
-      </p:sp>
-      <p:sp>
-        <p:nvSpPr>
-          <p:cNvPr id="4" name="TextBox 3">
-            <a:extLst>
-              <a:ext uri="{FF2B5EF4-FFF2-40B4-BE49-F238E27FC236}">
-                <a16:creationId xmlns:a16="http://schemas.microsoft.com/office/drawing/2014/main" id="{BF492618-1296-64DA-4C8E-AD5A363B1D9B}"/>
-              </a:ext>
-            </a:extLst>
-          </p:cNvPr>
-          <p:cNvSpPr txBox="1"/>
-          <p:nvPr/>
-        </p:nvSpPr>
-        <p:spPr>
-          <a:xfrm>
-            <a:off x="539552" y="1484784"/>
-            <a:ext cx="8424936" cy="3477875"/>
-          </a:xfrm>
-          <a:prstGeom prst="rect">
-            <a:avLst/>
-          </a:prstGeom>
-          <a:noFill/>
-        </p:spPr>
-        <p:txBody>
-          <a:bodyPr wrap="square" rtlCol="0">
-            <a:spAutoFit/>
-          </a:bodyPr>
-          <a:lstStyle/>
-          <a:p>
-            <a:pPr algn="just">
-              <a:buNone/>
-            </a:pPr>
-            <a:r>
-              <a:rPr lang="ru-RU" b="1" dirty="0" err="1"/>
-              <a:t>IPsec</a:t>
-            </a:r>
-            <a:r>
-              <a:rPr lang="ru-RU" dirty="0"/>
-              <a:t> (сокращение от IP Security) — набор протоколов для обеспечения защиты данных, передаваемых по межсетевому протоколу IP. Позволяет осуществлять </a:t>
-            </a:r>
-            <a:endParaRPr lang="en-US" dirty="0"/>
-          </a:p>
-          <a:p>
-            <a:pPr marL="342900" indent="-342900" algn="just"/>
-            <a:r>
-              <a:rPr lang="ru-RU" dirty="0"/>
-              <a:t>подтверждение подлинности (аутентификацию)</a:t>
-            </a:r>
-            <a:endParaRPr lang="en-US" dirty="0"/>
-          </a:p>
-          <a:p>
-            <a:pPr marL="342900" indent="-342900" algn="just"/>
-            <a:r>
-              <a:rPr lang="ru-RU" dirty="0"/>
-              <a:t>проверку целостности </a:t>
-            </a:r>
-            <a:endParaRPr lang="en-US" dirty="0"/>
-          </a:p>
-          <a:p>
-            <a:pPr marL="342900" indent="-342900" algn="just"/>
-            <a:r>
-              <a:rPr lang="ru-RU" dirty="0"/>
-              <a:t>шифрование IP-пакетов. </a:t>
-            </a:r>
-            <a:endParaRPr lang="en-US" dirty="0"/>
-          </a:p>
-          <a:p>
-            <a:pPr algn="just">
-              <a:buNone/>
-            </a:pPr>
-            <a:r>
-              <a:rPr lang="ru-RU" dirty="0" err="1"/>
-              <a:t>IPsec</a:t>
-            </a:r>
-            <a:r>
-              <a:rPr lang="ru-RU" dirty="0"/>
-              <a:t> также включает в себя протоколы для защищённого обмена ключами в сети Интернет. В основном применяется для организации VPN-соединений.</a:t>
-            </a:r>
-            <a:endParaRPr lang="en-US" dirty="0"/>
-          </a:p>
-          <a:p>
-            <a:pPr algn="just">
-              <a:buNone/>
-            </a:pPr>
-            <a:endParaRPr lang="ru-RU" dirty="0"/>
-          </a:p>
-        </p:txBody>
-      </p:sp>
-      <p:pic>
-        <p:nvPicPr>
-          <p:cNvPr id="2050" name="Picture 2" descr="Configuring IPsec in Tunnel Mode between Two BIG-IP Systems">
-            <a:extLst>
-              <a:ext uri="{FF2B5EF4-FFF2-40B4-BE49-F238E27FC236}">
-                <a16:creationId xmlns:a16="http://schemas.microsoft.com/office/drawing/2014/main" id="{09227CB5-5741-1C73-FDB7-A5CB483D5A16}"/>
-              </a:ext>
-            </a:extLst>
-          </p:cNvPr>
-          <p:cNvPicPr>
-            <a:picLocks noChangeAspect="1" noChangeArrowheads="1"/>
-          </p:cNvPicPr>
-          <p:nvPr/>
-        </p:nvPicPr>
-        <p:blipFill>
-          <a:blip r:embed="rId2">
-            <a:extLst>
-              <a:ext uri="{28A0092B-C50C-407E-A947-70E740481C1C}">
-                <a14:useLocalDpi xmlns:a14="http://schemas.microsoft.com/office/drawing/2010/main" val="0"/>
-              </a:ext>
-            </a:extLst>
-          </a:blip>
-          <a:srcRect/>
-          <a:stretch>
-            <a:fillRect/>
-          </a:stretch>
-        </p:blipFill>
-        <p:spPr bwMode="auto">
-          <a:xfrm>
-            <a:off x="3059832" y="4365104"/>
-            <a:ext cx="5715000" cy="2457450"/>
-          </a:xfrm>
-          <a:prstGeom prst="rect">
-            <a:avLst/>
-          </a:prstGeom>
-          <a:noFill/>
-          <a:extLst>
-            <a:ext uri="{909E8E84-426E-40DD-AFC4-6F175D3DCCD1}">
-              <a14:hiddenFill xmlns:a14="http://schemas.microsoft.com/office/drawing/2010/main">
-                <a:solidFill>
-                  <a:srgbClr val="FFFFFF"/>
-                </a:solidFill>
-              </a14:hiddenFill>
-            </a:ext>
-          </a:extLst>
-        </p:spPr>
-      </p:pic>
-    </p:spTree>
-    <p:extLst>
-      <p:ext uri="{BB962C8B-B14F-4D97-AF65-F5344CB8AC3E}">
-        <p14:creationId xmlns:p14="http://schemas.microsoft.com/office/powerpoint/2010/main" val="3539786917"/>
-      </p:ext>
-    </p:extLst>
-  </p:cSld>
-  <p:clrMapOvr>
-    <a:masterClrMapping/>
-  </p:clrMapOvr>
-</p:sld>
-</file>
-
-<file path=ppt/slides/slide12.xml><?xml version="1.0" encoding="utf-8"?>
-<p:sld xmlns:a="http://schemas.openxmlformats.org/drawingml/2006/main" xmlns:r="http://schemas.openxmlformats.org/officeDocument/2006/relationships" xmlns:p="http://schemas.openxmlformats.org/presentationml/2006/main">
-  <p:cSld>
-    <p:spTree>
-      <p:nvGrpSpPr>
-        <p:cNvPr id="1" name=""/>
-        <p:cNvGrpSpPr/>
-        <p:nvPr/>
-      </p:nvGrpSpPr>
-      <p:grpSpPr>
-        <a:xfrm>
-          <a:off x="0" y="0"/>
-          <a:ext cx="0" cy="0"/>
-          <a:chOff x="0" y="0"/>
-          <a:chExt cx="0" cy="0"/>
-        </a:xfrm>
-      </p:grpSpPr>
-      <p:sp>
-        <p:nvSpPr>
-          <p:cNvPr id="19" name="Заголовок 1"/>
-          <p:cNvSpPr txBox="1">
-            <a:spLocks/>
-          </p:cNvSpPr>
-          <p:nvPr/>
-        </p:nvSpPr>
-        <p:spPr>
-          <a:xfrm>
-            <a:off x="0" y="701874"/>
-            <a:ext cx="9144000" cy="1008112"/>
-          </a:xfrm>
-          <a:prstGeom prst="rect">
-            <a:avLst/>
-          </a:prstGeom>
-        </p:spPr>
-        <p:txBody>
-          <a:bodyPr/>
-          <a:lstStyle>
-            <a:lvl1pPr algn="l" rtl="0" fontAlgn="base">
-              <a:spcBef>
-                <a:spcPct val="0"/>
-              </a:spcBef>
-              <a:spcAft>
-                <a:spcPct val="0"/>
-              </a:spcAft>
-              <a:defRPr sz="4400">
-                <a:solidFill>
-                  <a:schemeClr val="tx2"/>
-                </a:solidFill>
-                <a:latin typeface="+mj-lt"/>
-                <a:ea typeface="+mj-ea"/>
-                <a:cs typeface="+mj-cs"/>
-              </a:defRPr>
-            </a:lvl1pPr>
-            <a:lvl2pPr algn="l" rtl="0" fontAlgn="base">
-              <a:spcBef>
-                <a:spcPct val="0"/>
-              </a:spcBef>
-              <a:spcAft>
-                <a:spcPct val="0"/>
-              </a:spcAft>
-              <a:defRPr sz="4400">
-                <a:solidFill>
-                  <a:schemeClr val="tx2"/>
-                </a:solidFill>
-                <a:latin typeface="Times New Roman" pitchFamily="18" charset="0"/>
-              </a:defRPr>
-            </a:lvl2pPr>
-            <a:lvl3pPr algn="l" rtl="0" fontAlgn="base">
-              <a:spcBef>
-                <a:spcPct val="0"/>
-              </a:spcBef>
-              <a:spcAft>
-                <a:spcPct val="0"/>
-              </a:spcAft>
-              <a:defRPr sz="4400">
-                <a:solidFill>
-                  <a:schemeClr val="tx2"/>
-                </a:solidFill>
-                <a:latin typeface="Times New Roman" pitchFamily="18" charset="0"/>
-              </a:defRPr>
-            </a:lvl3pPr>
-            <a:lvl4pPr algn="l" rtl="0" fontAlgn="base">
-              <a:spcBef>
-                <a:spcPct val="0"/>
-              </a:spcBef>
-              <a:spcAft>
-                <a:spcPct val="0"/>
-              </a:spcAft>
-              <a:defRPr sz="4400">
-                <a:solidFill>
-                  <a:schemeClr val="tx2"/>
-                </a:solidFill>
-                <a:latin typeface="Times New Roman" pitchFamily="18" charset="0"/>
-              </a:defRPr>
-            </a:lvl4pPr>
-            <a:lvl5pPr algn="l" rtl="0" fontAlgn="base">
-              <a:spcBef>
-                <a:spcPct val="0"/>
-              </a:spcBef>
-              <a:spcAft>
-                <a:spcPct val="0"/>
-              </a:spcAft>
-              <a:defRPr sz="4400">
-                <a:solidFill>
-                  <a:schemeClr val="tx2"/>
-                </a:solidFill>
-                <a:latin typeface="Times New Roman" pitchFamily="18" charset="0"/>
-              </a:defRPr>
-            </a:lvl5pPr>
-            <a:lvl6pPr marL="457200" algn="l" rtl="0" fontAlgn="base">
-              <a:spcBef>
-                <a:spcPct val="0"/>
-              </a:spcBef>
-              <a:spcAft>
-                <a:spcPct val="0"/>
-              </a:spcAft>
-              <a:defRPr sz="4400">
-                <a:solidFill>
-                  <a:schemeClr val="tx2"/>
-                </a:solidFill>
-                <a:latin typeface="Times New Roman" pitchFamily="18" charset="0"/>
-              </a:defRPr>
-            </a:lvl6pPr>
-            <a:lvl7pPr marL="914400" algn="l" rtl="0" fontAlgn="base">
-              <a:spcBef>
-                <a:spcPct val="0"/>
-              </a:spcBef>
-              <a:spcAft>
-                <a:spcPct val="0"/>
-              </a:spcAft>
-              <a:defRPr sz="4400">
-                <a:solidFill>
-                  <a:schemeClr val="tx2"/>
-                </a:solidFill>
-                <a:latin typeface="Times New Roman" pitchFamily="18" charset="0"/>
-              </a:defRPr>
-            </a:lvl7pPr>
-            <a:lvl8pPr marL="1371600" algn="l" rtl="0" fontAlgn="base">
-              <a:spcBef>
-                <a:spcPct val="0"/>
-              </a:spcBef>
-              <a:spcAft>
-                <a:spcPct val="0"/>
-              </a:spcAft>
-              <a:defRPr sz="4400">
-                <a:solidFill>
-                  <a:schemeClr val="tx2"/>
-                </a:solidFill>
-                <a:latin typeface="Times New Roman" pitchFamily="18" charset="0"/>
-              </a:defRPr>
-            </a:lvl8pPr>
-            <a:lvl9pPr marL="1828800" algn="l" rtl="0" fontAlgn="base">
-              <a:spcBef>
-                <a:spcPct val="0"/>
-              </a:spcBef>
-              <a:spcAft>
-                <a:spcPct val="0"/>
-              </a:spcAft>
-              <a:defRPr sz="4400">
-                <a:solidFill>
-                  <a:schemeClr val="tx2"/>
-                </a:solidFill>
-                <a:latin typeface="Times New Roman" pitchFamily="18" charset="0"/>
-              </a:defRPr>
-            </a:lvl9pPr>
-          </a:lstStyle>
-          <a:p>
-            <a:pPr algn="ctr">
-              <a:buClrTx/>
-              <a:buSzTx/>
-              <a:buFontTx/>
-              <a:buNone/>
-            </a:pPr>
-            <a:r>
               <a:rPr kumimoji="0" lang="ru-RU" altLang="ru-RU" b="1" kern="0" dirty="0"/>
               <a:t>История </a:t>
             </a:r>
@@ -6377,7 +5865,7 @@
 </p:sld>
 </file>
 
-<file path=ppt/slides/slide13.xml><?xml version="1.0" encoding="utf-8"?>
+<file path=ppt/slides/slide12.xml><?xml version="1.0" encoding="utf-8"?>
 <p:sld xmlns:a="http://schemas.openxmlformats.org/drawingml/2006/main" xmlns:r="http://schemas.openxmlformats.org/officeDocument/2006/relationships" xmlns:p="http://schemas.openxmlformats.org/presentationml/2006/main">
   <p:cSld>
     <p:spTree>
@@ -6891,6 +6379,234 @@
 </p:sld>
 </file>
 
+<file path=ppt/slides/slide13.xml><?xml version="1.0" encoding="utf-8"?>
+<p:sld xmlns:a="http://schemas.openxmlformats.org/drawingml/2006/main" xmlns:r="http://schemas.openxmlformats.org/officeDocument/2006/relationships" xmlns:p="http://schemas.openxmlformats.org/presentationml/2006/main">
+  <p:cSld>
+    <p:spTree>
+      <p:nvGrpSpPr>
+        <p:cNvPr id="1" name=""/>
+        <p:cNvGrpSpPr/>
+        <p:nvPr/>
+      </p:nvGrpSpPr>
+      <p:grpSpPr>
+        <a:xfrm>
+          <a:off x="0" y="0"/>
+          <a:ext cx="0" cy="0"/>
+          <a:chOff x="0" y="0"/>
+          <a:chExt cx="0" cy="0"/>
+        </a:xfrm>
+      </p:grpSpPr>
+      <p:sp>
+        <p:nvSpPr>
+          <p:cNvPr id="19" name="Заголовок 1"/>
+          <p:cNvSpPr txBox="1">
+            <a:spLocks/>
+          </p:cNvSpPr>
+          <p:nvPr/>
+        </p:nvSpPr>
+        <p:spPr>
+          <a:xfrm>
+            <a:off x="0" y="701874"/>
+            <a:ext cx="9144000" cy="1008112"/>
+          </a:xfrm>
+          <a:prstGeom prst="rect">
+            <a:avLst/>
+          </a:prstGeom>
+        </p:spPr>
+        <p:txBody>
+          <a:bodyPr/>
+          <a:lstStyle>
+            <a:lvl1pPr algn="l" rtl="0" fontAlgn="base">
+              <a:spcBef>
+                <a:spcPct val="0"/>
+              </a:spcBef>
+              <a:spcAft>
+                <a:spcPct val="0"/>
+              </a:spcAft>
+              <a:defRPr sz="4400">
+                <a:solidFill>
+                  <a:schemeClr val="tx2"/>
+                </a:solidFill>
+                <a:latin typeface="+mj-lt"/>
+                <a:ea typeface="+mj-ea"/>
+                <a:cs typeface="+mj-cs"/>
+              </a:defRPr>
+            </a:lvl1pPr>
+            <a:lvl2pPr algn="l" rtl="0" fontAlgn="base">
+              <a:spcBef>
+                <a:spcPct val="0"/>
+              </a:spcBef>
+              <a:spcAft>
+                <a:spcPct val="0"/>
+              </a:spcAft>
+              <a:defRPr sz="4400">
+                <a:solidFill>
+                  <a:schemeClr val="tx2"/>
+                </a:solidFill>
+                <a:latin typeface="Times New Roman" pitchFamily="18" charset="0"/>
+              </a:defRPr>
+            </a:lvl2pPr>
+            <a:lvl3pPr algn="l" rtl="0" fontAlgn="base">
+              <a:spcBef>
+                <a:spcPct val="0"/>
+              </a:spcBef>
+              <a:spcAft>
+                <a:spcPct val="0"/>
+              </a:spcAft>
+              <a:defRPr sz="4400">
+                <a:solidFill>
+                  <a:schemeClr val="tx2"/>
+                </a:solidFill>
+                <a:latin typeface="Times New Roman" pitchFamily="18" charset="0"/>
+              </a:defRPr>
+            </a:lvl3pPr>
+            <a:lvl4pPr algn="l" rtl="0" fontAlgn="base">
+              <a:spcBef>
+                <a:spcPct val="0"/>
+              </a:spcBef>
+              <a:spcAft>
+                <a:spcPct val="0"/>
+              </a:spcAft>
+              <a:defRPr sz="4400">
+                <a:solidFill>
+                  <a:schemeClr val="tx2"/>
+                </a:solidFill>
+                <a:latin typeface="Times New Roman" pitchFamily="18" charset="0"/>
+              </a:defRPr>
+            </a:lvl4pPr>
+            <a:lvl5pPr algn="l" rtl="0" fontAlgn="base">
+              <a:spcBef>
+                <a:spcPct val="0"/>
+              </a:spcBef>
+              <a:spcAft>
+                <a:spcPct val="0"/>
+              </a:spcAft>
+              <a:defRPr sz="4400">
+                <a:solidFill>
+                  <a:schemeClr val="tx2"/>
+                </a:solidFill>
+                <a:latin typeface="Times New Roman" pitchFamily="18" charset="0"/>
+              </a:defRPr>
+            </a:lvl5pPr>
+            <a:lvl6pPr marL="457200" algn="l" rtl="0" fontAlgn="base">
+              <a:spcBef>
+                <a:spcPct val="0"/>
+              </a:spcBef>
+              <a:spcAft>
+                <a:spcPct val="0"/>
+              </a:spcAft>
+              <a:defRPr sz="4400">
+                <a:solidFill>
+                  <a:schemeClr val="tx2"/>
+                </a:solidFill>
+                <a:latin typeface="Times New Roman" pitchFamily="18" charset="0"/>
+              </a:defRPr>
+            </a:lvl6pPr>
+            <a:lvl7pPr marL="914400" algn="l" rtl="0" fontAlgn="base">
+              <a:spcBef>
+                <a:spcPct val="0"/>
+              </a:spcBef>
+              <a:spcAft>
+                <a:spcPct val="0"/>
+              </a:spcAft>
+              <a:defRPr sz="4400">
+                <a:solidFill>
+                  <a:schemeClr val="tx2"/>
+                </a:solidFill>
+                <a:latin typeface="Times New Roman" pitchFamily="18" charset="0"/>
+              </a:defRPr>
+            </a:lvl7pPr>
+            <a:lvl8pPr marL="1371600" algn="l" rtl="0" fontAlgn="base">
+              <a:spcBef>
+                <a:spcPct val="0"/>
+              </a:spcBef>
+              <a:spcAft>
+                <a:spcPct val="0"/>
+              </a:spcAft>
+              <a:defRPr sz="4400">
+                <a:solidFill>
+                  <a:schemeClr val="tx2"/>
+                </a:solidFill>
+                <a:latin typeface="Times New Roman" pitchFamily="18" charset="0"/>
+              </a:defRPr>
+            </a:lvl8pPr>
+            <a:lvl9pPr marL="1828800" algn="l" rtl="0" fontAlgn="base">
+              <a:spcBef>
+                <a:spcPct val="0"/>
+              </a:spcBef>
+              <a:spcAft>
+                <a:spcPct val="0"/>
+              </a:spcAft>
+              <a:defRPr sz="4400">
+                <a:solidFill>
+                  <a:schemeClr val="tx2"/>
+                </a:solidFill>
+                <a:latin typeface="Times New Roman" pitchFamily="18" charset="0"/>
+              </a:defRPr>
+            </a:lvl9pPr>
+          </a:lstStyle>
+          <a:p>
+            <a:pPr algn="ctr">
+              <a:buClrTx/>
+              <a:buSzTx/>
+              <a:buFontTx/>
+              <a:buNone/>
+            </a:pPr>
+            <a:r>
+              <a:rPr kumimoji="0" lang="ru-RU" altLang="ru-RU" b="1" kern="0" dirty="0"/>
+              <a:t>Режимы </a:t>
+            </a:r>
+            <a:r>
+              <a:rPr kumimoji="0" lang="en-US" altLang="ru-RU" b="1" kern="0" dirty="0" err="1"/>
+              <a:t>IPSec</a:t>
+            </a:r>
+            <a:endParaRPr kumimoji="0" lang="en-US" altLang="ru-RU" b="1" kern="0" dirty="0"/>
+          </a:p>
+        </p:txBody>
+      </p:sp>
+      <p:pic>
+        <p:nvPicPr>
+          <p:cNvPr id="2" name="Рисунок 1">
+            <a:extLst>
+              <a:ext uri="{FF2B5EF4-FFF2-40B4-BE49-F238E27FC236}">
+                <a16:creationId xmlns:a16="http://schemas.microsoft.com/office/drawing/2014/main" id="{AA613917-E55D-71F7-4738-3D5FFAA917BE}"/>
+              </a:ext>
+            </a:extLst>
+          </p:cNvPr>
+          <p:cNvPicPr>
+            <a:picLocks noChangeAspect="1"/>
+          </p:cNvPicPr>
+          <p:nvPr/>
+        </p:nvPicPr>
+        <p:blipFill>
+          <a:blip r:embed="rId2"/>
+          <a:stretch>
+            <a:fillRect/>
+          </a:stretch>
+        </p:blipFill>
+        <p:spPr>
+          <a:xfrm>
+            <a:off x="1187624" y="1916832"/>
+            <a:ext cx="7769183" cy="4069220"/>
+          </a:xfrm>
+          <a:prstGeom prst="rect">
+            <a:avLst/>
+          </a:prstGeom>
+        </p:spPr>
+      </p:pic>
+    </p:spTree>
+    <p:extLst>
+      <p:ext uri="{BB962C8B-B14F-4D97-AF65-F5344CB8AC3E}">
+        <p14:creationId xmlns:p14="http://schemas.microsoft.com/office/powerpoint/2010/main" val="1302605500"/>
+      </p:ext>
+    </p:extLst>
+  </p:cSld>
+  <p:clrMapOvr>
+    <a:masterClrMapping/>
+  </p:clrMapOvr>
+</p:sld>
+</file>
+
 <file path=ppt/slides/slide14.xml><?xml version="1.0" encoding="utf-8"?>
 <p:sld xmlns:a="http://schemas.openxmlformats.org/drawingml/2006/main" xmlns:r="http://schemas.openxmlformats.org/officeDocument/2006/relationships" xmlns:p="http://schemas.openxmlformats.org/presentationml/2006/main">
   <p:cSld>
@@ -7066,7 +6782,7 @@
             </a:pPr>
             <a:r>
               <a:rPr kumimoji="0" lang="ru-RU" altLang="ru-RU" b="1" kern="0" dirty="0"/>
-              <a:t>Режимы </a:t>
+              <a:t>Протоколы </a:t>
             </a:r>
             <a:r>
               <a:rPr kumimoji="0" lang="en-US" altLang="ru-RU" b="1" kern="0" dirty="0" err="1"/>
@@ -7076,40 +6792,203 @@
           </a:p>
         </p:txBody>
       </p:sp>
-      <p:pic>
-        <p:nvPicPr>
-          <p:cNvPr id="2" name="Рисунок 1">
+      <p:sp>
+        <p:nvSpPr>
+          <p:cNvPr id="2" name="TextBox 1">
             <a:extLst>
               <a:ext uri="{FF2B5EF4-FFF2-40B4-BE49-F238E27FC236}">
-                <a16:creationId xmlns:a16="http://schemas.microsoft.com/office/drawing/2014/main" id="{AA613917-E55D-71F7-4738-3D5FFAA917BE}"/>
+                <a16:creationId xmlns:a16="http://schemas.microsoft.com/office/drawing/2014/main" id="{DA75FA98-DE0B-0B55-C859-4DD664B8E2CE}"/>
               </a:ext>
             </a:extLst>
           </p:cNvPr>
-          <p:cNvPicPr>
-            <a:picLocks noChangeAspect="1"/>
-          </p:cNvPicPr>
+          <p:cNvSpPr txBox="1"/>
           <p:nvPr/>
-        </p:nvPicPr>
-        <p:blipFill>
-          <a:blip r:embed="rId2"/>
-          <a:stretch>
-            <a:fillRect/>
-          </a:stretch>
-        </p:blipFill>
+        </p:nvSpPr>
         <p:spPr>
           <a:xfrm>
-            <a:off x="1187624" y="1916832"/>
-            <a:ext cx="7769183" cy="4069220"/>
+            <a:off x="467544" y="1412776"/>
+            <a:ext cx="8568952" cy="5262979"/>
           </a:xfrm>
           <a:prstGeom prst="rect">
             <a:avLst/>
           </a:prstGeom>
+          <a:noFill/>
         </p:spPr>
-      </p:pic>
+        <p:txBody>
+          <a:bodyPr wrap="square" rtlCol="0">
+            <a:spAutoFit/>
+          </a:bodyPr>
+          <a:lstStyle/>
+          <a:p>
+            <a:pPr algn="just">
+              <a:buNone/>
+            </a:pPr>
+            <a:r>
+              <a:rPr lang="ru-RU" sz="1400" dirty="0"/>
+              <a:t>Построение защищённого канала связи может быть реализовано на разных уровнях модели OSI. </a:t>
+            </a:r>
+            <a:r>
+              <a:rPr lang="ru-RU" sz="1400" dirty="0" err="1"/>
+              <a:t>IPsec</a:t>
+            </a:r>
+            <a:r>
+              <a:rPr lang="ru-RU" sz="1400" dirty="0"/>
+              <a:t> реализован на сетевом уровне. Это является компромиссом в выборе уровня OSI. </a:t>
+            </a:r>
+            <a:r>
+              <a:rPr lang="ru-RU" sz="1400" dirty="0" err="1"/>
+              <a:t>IPsec</a:t>
+            </a:r>
+            <a:r>
+              <a:rPr lang="ru-RU" sz="1400" dirty="0"/>
+              <a:t> использует самый распространённый протокол сетевого уровня — IP, что делает применение </a:t>
+            </a:r>
+            <a:r>
+              <a:rPr lang="ru-RU" sz="1400" dirty="0" err="1"/>
+              <a:t>IPsec</a:t>
+            </a:r>
+            <a:r>
+              <a:rPr lang="ru-RU" sz="1400" dirty="0"/>
+              <a:t> гибким — он может использоваться для защиты любых протоколов, базирующихся на IP (TCP, UDP и другие). В то же время он прозрачен для большинства приложений.</a:t>
+            </a:r>
+          </a:p>
+          <a:p>
+            <a:pPr algn="just">
+              <a:buNone/>
+            </a:pPr>
+            <a:r>
+              <a:rPr lang="ru-RU" sz="1400" dirty="0" err="1"/>
+              <a:t>IPsec</a:t>
+            </a:r>
+            <a:r>
+              <a:rPr lang="ru-RU" sz="1400" dirty="0"/>
+              <a:t> является набором стандартов Интернета и своего рода «надстройкой» над IP-протоколом. Его ядро составляют три протокола:</a:t>
+            </a:r>
+          </a:p>
+          <a:p>
+            <a:pPr algn="just"/>
+            <a:r>
+              <a:rPr lang="ru-RU" sz="1400" dirty="0" err="1"/>
+              <a:t>Authentication</a:t>
+            </a:r>
+            <a:r>
+              <a:rPr lang="ru-RU" sz="1400" dirty="0"/>
+              <a:t> </a:t>
+            </a:r>
+            <a:r>
+              <a:rPr lang="ru-RU" sz="1400" dirty="0" err="1"/>
+              <a:t>Header</a:t>
+            </a:r>
+            <a:r>
+              <a:rPr lang="ru-RU" sz="1400" dirty="0"/>
+              <a:t> (</a:t>
+            </a:r>
+            <a:r>
+              <a:rPr lang="ru-RU" sz="1400" b="1" dirty="0"/>
+              <a:t>АН</a:t>
+            </a:r>
+            <a:r>
+              <a:rPr lang="ru-RU" sz="1400" dirty="0"/>
+              <a:t>) обеспечивает целостность передаваемых данных, аутентификацию источника информации и функцию по предотвращению повторной передачи пакетов</a:t>
+            </a:r>
+          </a:p>
+          <a:p>
+            <a:pPr algn="just"/>
+            <a:r>
+              <a:rPr lang="ru-RU" sz="1400" dirty="0" err="1"/>
+              <a:t>Encapsulating</a:t>
+            </a:r>
+            <a:r>
+              <a:rPr lang="ru-RU" sz="1400" dirty="0"/>
+              <a:t> Security </a:t>
+            </a:r>
+            <a:r>
+              <a:rPr lang="ru-RU" sz="1400" dirty="0" err="1"/>
+              <a:t>Payload</a:t>
+            </a:r>
+            <a:r>
+              <a:rPr lang="ru-RU" sz="1400" dirty="0"/>
+              <a:t> (</a:t>
+            </a:r>
+            <a:r>
+              <a:rPr lang="ru-RU" sz="1400" b="1" dirty="0"/>
+              <a:t>ESP</a:t>
+            </a:r>
+            <a:r>
+              <a:rPr lang="ru-RU" sz="1400" dirty="0"/>
+              <a:t>) обеспечивает конфиденциальность (шифрование) передаваемой информации, ограничение потока конфиденциального трафика. Кроме этого, он может исполнять функции AH: обеспечить целостность передаваемых данных, аутентификацию источника информации и функцию по предотвращению повторной передачи пакетов. При применении ESP в обязательном порядке должен указываться набор услуг по обеспечению безопасности: каждая из его функций может включаться опционально.</a:t>
+            </a:r>
+          </a:p>
+          <a:p>
+            <a:pPr algn="just"/>
+            <a:r>
+              <a:rPr lang="ru-RU" sz="1400" dirty="0"/>
+              <a:t>Internet Security Association </a:t>
+            </a:r>
+            <a:r>
+              <a:rPr lang="ru-RU" sz="1400" dirty="0" err="1"/>
+              <a:t>and</a:t>
+            </a:r>
+            <a:r>
+              <a:rPr lang="ru-RU" sz="1400" dirty="0"/>
+              <a:t> Key Management Protocol (ISAKMP) — протокол, используемый для первичной настройки соединения, взаимной аутентификации конечными узлами друг друга и обмена секретными ключами. Протокол предусматривает использование различных механизмов обмена ключами, включая задание фиксированных ключей, использование таких протоколов, как Internet Key Exchange, </a:t>
+            </a:r>
+            <a:r>
+              <a:rPr lang="ru-RU" sz="1400" dirty="0" err="1"/>
+              <a:t>Kerberized</a:t>
+            </a:r>
+            <a:r>
+              <a:rPr lang="ru-RU" sz="1400" dirty="0"/>
+              <a:t> Internet </a:t>
+            </a:r>
+            <a:r>
+              <a:rPr lang="ru-RU" sz="1400" dirty="0" err="1"/>
+              <a:t>Negotiation</a:t>
+            </a:r>
+            <a:r>
+              <a:rPr lang="ru-RU" sz="1400" dirty="0"/>
+              <a:t> </a:t>
+            </a:r>
+            <a:r>
+              <a:rPr lang="ru-RU" sz="1400" dirty="0" err="1"/>
+              <a:t>of</a:t>
+            </a:r>
+            <a:r>
+              <a:rPr lang="ru-RU" sz="1400" dirty="0"/>
+              <a:t> </a:t>
+            </a:r>
+            <a:r>
+              <a:rPr lang="ru-RU" sz="1400" dirty="0" err="1"/>
+              <a:t>Keys</a:t>
+            </a:r>
+            <a:r>
+              <a:rPr lang="ru-RU" sz="1400" dirty="0"/>
+              <a:t> (RFC 4430) или записей DNS типа IPSECKEY (RFC 4025).</a:t>
+            </a:r>
+          </a:p>
+          <a:p>
+            <a:pPr algn="just">
+              <a:buNone/>
+            </a:pPr>
+            <a:r>
+              <a:rPr lang="ru-RU" sz="1400" dirty="0"/>
+              <a:t>Также одним из ключевых понятий является Security Association (</a:t>
+            </a:r>
+            <a:r>
+              <a:rPr lang="ru-RU" sz="1400" b="1" dirty="0"/>
+              <a:t>SA</a:t>
+            </a:r>
+            <a:r>
+              <a:rPr lang="ru-RU" sz="1400" dirty="0"/>
+              <a:t>). По сути, SA является набором параметров, характеризующим соединение. Например, используемые алгоритм шифрования и хеш-функция, секретные ключи, номер пакета и др.</a:t>
+            </a:r>
+          </a:p>
+        </p:txBody>
+      </p:sp>
     </p:spTree>
     <p:extLst>
       <p:ext uri="{BB962C8B-B14F-4D97-AF65-F5344CB8AC3E}">
-        <p14:creationId xmlns:p14="http://schemas.microsoft.com/office/powerpoint/2010/main" val="1302605500"/>
+        <p14:creationId xmlns:p14="http://schemas.microsoft.com/office/powerpoint/2010/main" val="1248770346"/>
       </p:ext>
     </p:extLst>
   </p:cSld>
@@ -7294,213 +7173,46 @@
             </a:pPr>
             <a:r>
               <a:rPr kumimoji="0" lang="ru-RU" altLang="ru-RU" b="1" kern="0" dirty="0"/>
-              <a:t>Протоколы </a:t>
-            </a:r>
-            <a:r>
-              <a:rPr kumimoji="0" lang="en-US" altLang="ru-RU" b="1" kern="0" dirty="0" err="1"/>
-              <a:t>IPSec</a:t>
+              <a:t>Используемые протоколы</a:t>
             </a:r>
             <a:endParaRPr kumimoji="0" lang="en-US" altLang="ru-RU" b="1" kern="0" dirty="0"/>
           </a:p>
         </p:txBody>
       </p:sp>
-      <p:sp>
-        <p:nvSpPr>
-          <p:cNvPr id="2" name="TextBox 1">
+      <p:pic>
+        <p:nvPicPr>
+          <p:cNvPr id="3" name="Рисунок 2">
             <a:extLst>
               <a:ext uri="{FF2B5EF4-FFF2-40B4-BE49-F238E27FC236}">
-                <a16:creationId xmlns:a16="http://schemas.microsoft.com/office/drawing/2014/main" id="{DA75FA98-DE0B-0B55-C859-4DD664B8E2CE}"/>
+                <a16:creationId xmlns:a16="http://schemas.microsoft.com/office/drawing/2014/main" id="{8C98252D-5F53-55B1-EA8D-D9C86BF7767C}"/>
               </a:ext>
             </a:extLst>
           </p:cNvPr>
-          <p:cNvSpPr txBox="1"/>
+          <p:cNvPicPr>
+            <a:picLocks noChangeAspect="1"/>
+          </p:cNvPicPr>
           <p:nvPr/>
-        </p:nvSpPr>
+        </p:nvPicPr>
+        <p:blipFill>
+          <a:blip r:embed="rId2"/>
+          <a:stretch>
+            <a:fillRect/>
+          </a:stretch>
+        </p:blipFill>
         <p:spPr>
           <a:xfrm>
-            <a:off x="467544" y="1412776"/>
-            <a:ext cx="8568952" cy="5262979"/>
+            <a:off x="1115616" y="1484784"/>
+            <a:ext cx="7740352" cy="5272414"/>
           </a:xfrm>
           <a:prstGeom prst="rect">
             <a:avLst/>
           </a:prstGeom>
-          <a:noFill/>
         </p:spPr>
-        <p:txBody>
-          <a:bodyPr wrap="square" rtlCol="0">
-            <a:spAutoFit/>
-          </a:bodyPr>
-          <a:lstStyle/>
-          <a:p>
-            <a:pPr algn="just">
-              <a:buNone/>
-            </a:pPr>
-            <a:r>
-              <a:rPr lang="ru-RU" sz="1400" dirty="0"/>
-              <a:t>Построение защищённого канала связи может быть реализовано на разных уровнях модели OSI. </a:t>
-            </a:r>
-            <a:r>
-              <a:rPr lang="ru-RU" sz="1400" dirty="0" err="1"/>
-              <a:t>IPsec</a:t>
-            </a:r>
-            <a:r>
-              <a:rPr lang="ru-RU" sz="1400" dirty="0"/>
-              <a:t> реализован на сетевом уровне. Это является компромиссом в выборе уровня OSI. </a:t>
-            </a:r>
-            <a:r>
-              <a:rPr lang="ru-RU" sz="1400" dirty="0" err="1"/>
-              <a:t>IPsec</a:t>
-            </a:r>
-            <a:r>
-              <a:rPr lang="ru-RU" sz="1400" dirty="0"/>
-              <a:t> использует самый распространённый протокол сетевого уровня — IP, что делает применение </a:t>
-            </a:r>
-            <a:r>
-              <a:rPr lang="ru-RU" sz="1400" dirty="0" err="1"/>
-              <a:t>IPsec</a:t>
-            </a:r>
-            <a:r>
-              <a:rPr lang="ru-RU" sz="1400" dirty="0"/>
-              <a:t> гибким — он может использоваться для защиты любых протоколов, базирующихся на IP (TCP, UDP и другие). В то же время он прозрачен для большинства приложений.</a:t>
-            </a:r>
-          </a:p>
-          <a:p>
-            <a:pPr algn="just">
-              <a:buNone/>
-            </a:pPr>
-            <a:r>
-              <a:rPr lang="ru-RU" sz="1400" dirty="0" err="1"/>
-              <a:t>IPsec</a:t>
-            </a:r>
-            <a:r>
-              <a:rPr lang="ru-RU" sz="1400" dirty="0"/>
-              <a:t> является набором стандартов Интернета и своего рода «надстройкой» над IP-протоколом. Его ядро составляют три протокола:</a:t>
-            </a:r>
-          </a:p>
-          <a:p>
-            <a:pPr algn="just"/>
-            <a:r>
-              <a:rPr lang="ru-RU" sz="1400" dirty="0" err="1"/>
-              <a:t>Authentication</a:t>
-            </a:r>
-            <a:r>
-              <a:rPr lang="ru-RU" sz="1400" dirty="0"/>
-              <a:t> </a:t>
-            </a:r>
-            <a:r>
-              <a:rPr lang="ru-RU" sz="1400" dirty="0" err="1"/>
-              <a:t>Header</a:t>
-            </a:r>
-            <a:r>
-              <a:rPr lang="ru-RU" sz="1400" dirty="0"/>
-              <a:t> (</a:t>
-            </a:r>
-            <a:r>
-              <a:rPr lang="ru-RU" sz="1400" b="1" dirty="0"/>
-              <a:t>АН</a:t>
-            </a:r>
-            <a:r>
-              <a:rPr lang="ru-RU" sz="1400" dirty="0"/>
-              <a:t>) обеспечивает целостность передаваемых данных, аутентификацию источника информации и функцию по предотвращению повторной передачи пакетов</a:t>
-            </a:r>
-          </a:p>
-          <a:p>
-            <a:pPr algn="just"/>
-            <a:r>
-              <a:rPr lang="ru-RU" sz="1400" dirty="0" err="1"/>
-              <a:t>Encapsulating</a:t>
-            </a:r>
-            <a:r>
-              <a:rPr lang="ru-RU" sz="1400" dirty="0"/>
-              <a:t> Security </a:t>
-            </a:r>
-            <a:r>
-              <a:rPr lang="ru-RU" sz="1400" dirty="0" err="1"/>
-              <a:t>Payload</a:t>
-            </a:r>
-            <a:r>
-              <a:rPr lang="ru-RU" sz="1400" dirty="0"/>
-              <a:t> (</a:t>
-            </a:r>
-            <a:r>
-              <a:rPr lang="ru-RU" sz="1400" b="1" dirty="0"/>
-              <a:t>ESP</a:t>
-            </a:r>
-            <a:r>
-              <a:rPr lang="ru-RU" sz="1400" dirty="0"/>
-              <a:t>) обеспечивает конфиденциальность (шифрование) передаваемой информации, ограничение потока конфиденциального трафика. Кроме этого, он может исполнять функции AH: обеспечить целостность передаваемых данных, аутентификацию источника информации и функцию по предотвращению повторной передачи пакетов. При применении ESP в обязательном порядке должен указываться набор услуг по обеспечению безопасности: каждая из его функций может включаться опционально.</a:t>
-            </a:r>
-          </a:p>
-          <a:p>
-            <a:pPr algn="just"/>
-            <a:r>
-              <a:rPr lang="ru-RU" sz="1400" dirty="0"/>
-              <a:t>Internet Security Association </a:t>
-            </a:r>
-            <a:r>
-              <a:rPr lang="ru-RU" sz="1400" dirty="0" err="1"/>
-              <a:t>and</a:t>
-            </a:r>
-            <a:r>
-              <a:rPr lang="ru-RU" sz="1400" dirty="0"/>
-              <a:t> Key Management Protocol (ISAKMP) — протокол, используемый для первичной настройки соединения, взаимной аутентификации конечными узлами друг друга и обмена секретными ключами. Протокол предусматривает использование различных механизмов обмена ключами, включая задание фиксированных ключей, использование таких протоколов, как Internet Key Exchange, </a:t>
-            </a:r>
-            <a:r>
-              <a:rPr lang="ru-RU" sz="1400" dirty="0" err="1"/>
-              <a:t>Kerberized</a:t>
-            </a:r>
-            <a:r>
-              <a:rPr lang="ru-RU" sz="1400" dirty="0"/>
-              <a:t> Internet </a:t>
-            </a:r>
-            <a:r>
-              <a:rPr lang="ru-RU" sz="1400" dirty="0" err="1"/>
-              <a:t>Negotiation</a:t>
-            </a:r>
-            <a:r>
-              <a:rPr lang="ru-RU" sz="1400" dirty="0"/>
-              <a:t> </a:t>
-            </a:r>
-            <a:r>
-              <a:rPr lang="ru-RU" sz="1400" dirty="0" err="1"/>
-              <a:t>of</a:t>
-            </a:r>
-            <a:r>
-              <a:rPr lang="ru-RU" sz="1400" dirty="0"/>
-              <a:t> </a:t>
-            </a:r>
-            <a:r>
-              <a:rPr lang="ru-RU" sz="1400" dirty="0" err="1"/>
-              <a:t>Keys</a:t>
-            </a:r>
-            <a:r>
-              <a:rPr lang="ru-RU" sz="1400" dirty="0"/>
-              <a:t> (RFC 4430) или записей DNS типа IPSECKEY (RFC 4025).</a:t>
-            </a:r>
-          </a:p>
-          <a:p>
-            <a:pPr algn="just">
-              <a:buNone/>
-            </a:pPr>
-            <a:r>
-              <a:rPr lang="ru-RU" sz="1400" dirty="0"/>
-              <a:t>Также одним из ключевых понятий является Security Association (</a:t>
-            </a:r>
-            <a:r>
-              <a:rPr lang="ru-RU" sz="1400" b="1" dirty="0"/>
-              <a:t>SA</a:t>
-            </a:r>
-            <a:r>
-              <a:rPr lang="ru-RU" sz="1400" dirty="0"/>
-              <a:t>). По сути, SA является набором параметров, характеризующим соединение. Например, используемые алгоритм шифрования и хеш-функция, секретные ключи, номер пакета и др.</a:t>
-            </a:r>
-          </a:p>
-        </p:txBody>
-      </p:sp>
+      </p:pic>
     </p:spTree>
     <p:extLst>
       <p:ext uri="{BB962C8B-B14F-4D97-AF65-F5344CB8AC3E}">
-        <p14:creationId xmlns:p14="http://schemas.microsoft.com/office/powerpoint/2010/main" val="1248770346"/>
+        <p14:creationId xmlns:p14="http://schemas.microsoft.com/office/powerpoint/2010/main" val="3280844290"/>
       </p:ext>
     </p:extLst>
   </p:cSld>
@@ -7685,46 +7397,271 @@
             </a:pPr>
             <a:r>
               <a:rPr kumimoji="0" lang="ru-RU" altLang="ru-RU" b="1" kern="0" dirty="0"/>
-              <a:t>Используемые протоколы</a:t>
+              <a:t>Этапы работы </a:t>
+            </a:r>
+            <a:r>
+              <a:rPr kumimoji="0" lang="en-US" altLang="ru-RU" b="1" kern="0" dirty="0" err="1"/>
+              <a:t>IPSec</a:t>
             </a:r>
             <a:endParaRPr kumimoji="0" lang="en-US" altLang="ru-RU" b="1" kern="0" dirty="0"/>
           </a:p>
         </p:txBody>
       </p:sp>
-      <p:pic>
-        <p:nvPicPr>
-          <p:cNvPr id="3" name="Рисунок 2">
+      <p:sp>
+        <p:nvSpPr>
+          <p:cNvPr id="2" name="TextBox 1">
             <a:extLst>
               <a:ext uri="{FF2B5EF4-FFF2-40B4-BE49-F238E27FC236}">
-                <a16:creationId xmlns:a16="http://schemas.microsoft.com/office/drawing/2014/main" id="{8C98252D-5F53-55B1-EA8D-D9C86BF7767C}"/>
+                <a16:creationId xmlns:a16="http://schemas.microsoft.com/office/drawing/2014/main" id="{DA75FA98-DE0B-0B55-C859-4DD664B8E2CE}"/>
               </a:ext>
             </a:extLst>
           </p:cNvPr>
-          <p:cNvPicPr>
-            <a:picLocks noChangeAspect="1"/>
-          </p:cNvPicPr>
+          <p:cNvSpPr txBox="1"/>
           <p:nvPr/>
-        </p:nvPicPr>
-        <p:blipFill>
-          <a:blip r:embed="rId2"/>
-          <a:stretch>
-            <a:fillRect/>
-          </a:stretch>
-        </p:blipFill>
+        </p:nvSpPr>
         <p:spPr>
           <a:xfrm>
-            <a:off x="1115616" y="1484784"/>
-            <a:ext cx="7740352" cy="5272414"/>
+            <a:off x="395536" y="1484784"/>
+            <a:ext cx="8640960" cy="5349157"/>
           </a:xfrm>
           <a:prstGeom prst="rect">
             <a:avLst/>
           </a:prstGeom>
+          <a:noFill/>
         </p:spPr>
-      </p:pic>
+        <p:txBody>
+          <a:bodyPr wrap="square" rtlCol="0">
+            <a:spAutoFit/>
+          </a:bodyPr>
+          <a:lstStyle/>
+          <a:p>
+            <a:pPr algn="just">
+              <a:buNone/>
+            </a:pPr>
+            <a:r>
+              <a:rPr lang="ru-RU" sz="1400" u="sng" dirty="0"/>
+              <a:t>Первый этап</a:t>
+            </a:r>
+            <a:r>
+              <a:rPr lang="ru-RU" sz="1400" dirty="0"/>
+              <a:t> начинается с создания на каждом узле, поддерживающем стандарт </a:t>
+            </a:r>
+            <a:r>
+              <a:rPr lang="ru-RU" sz="1400" dirty="0" err="1"/>
+              <a:t>IPsec</a:t>
+            </a:r>
+            <a:r>
+              <a:rPr lang="ru-RU" sz="1400" dirty="0"/>
+              <a:t>, политики безопасности. На этом этапе определяется, какой трафик подлежит шифрованию, какие функции и алгоритмы могут быть использованы.</a:t>
+            </a:r>
+          </a:p>
+          <a:p>
+            <a:pPr algn="just">
+              <a:buNone/>
+            </a:pPr>
+            <a:r>
+              <a:rPr lang="ru-RU" sz="1400" u="sng" dirty="0"/>
+              <a:t>Второй этап</a:t>
+            </a:r>
+            <a:r>
+              <a:rPr lang="ru-RU" sz="1400" dirty="0"/>
+              <a:t> является по сути </a:t>
+            </a:r>
+            <a:r>
+              <a:rPr lang="ru-RU" sz="1400" b="1" dirty="0"/>
+              <a:t>первой фазой </a:t>
+            </a:r>
+            <a:r>
+              <a:rPr lang="ru-RU" sz="1400" dirty="0"/>
+              <a:t>IKE. Её цель — организовать безопасный канал между сторонами для второй фазы IKE. На втором этапе выполняются:</a:t>
+            </a:r>
+          </a:p>
+          <a:p>
+            <a:pPr marL="285750" indent="-285750" algn="just"/>
+            <a:r>
+              <a:rPr lang="ru-RU" sz="1400" dirty="0"/>
+              <a:t>Аутентификация и защита идентификационной информации узлов</a:t>
+            </a:r>
+          </a:p>
+          <a:p>
+            <a:pPr marL="285750" indent="-285750" algn="just"/>
+            <a:r>
+              <a:rPr lang="ru-RU" sz="1400" dirty="0"/>
+              <a:t>Проверка соответствий политик IKE SA узлов для безопасного обмена ключами</a:t>
+            </a:r>
+          </a:p>
+          <a:p>
+            <a:pPr marL="285750" indent="-285750" algn="just"/>
+            <a:r>
+              <a:rPr lang="ru-RU" sz="1400" dirty="0"/>
+              <a:t>Обмен </a:t>
+            </a:r>
+            <a:r>
+              <a:rPr lang="ru-RU" sz="1400" dirty="0" err="1"/>
+              <a:t>Диффи-Хеллмана</a:t>
+            </a:r>
+            <a:r>
+              <a:rPr lang="ru-RU" sz="1400" dirty="0"/>
+              <a:t>, в результате которого у каждого узла будет общий секретный ключ</a:t>
+            </a:r>
+          </a:p>
+          <a:p>
+            <a:pPr marL="285750" indent="-285750" algn="just"/>
+            <a:r>
+              <a:rPr lang="ru-RU" sz="1400" dirty="0"/>
+              <a:t>Создание безопасного канала для второй фазы IKE</a:t>
+            </a:r>
+          </a:p>
+          <a:p>
+            <a:pPr algn="just">
+              <a:buNone/>
+            </a:pPr>
+            <a:r>
+              <a:rPr lang="ru-RU" sz="1400" u="sng" dirty="0"/>
+              <a:t>Третий этап</a:t>
+            </a:r>
+            <a:r>
+              <a:rPr lang="ru-RU" sz="1400" dirty="0"/>
+              <a:t> является </a:t>
+            </a:r>
+            <a:r>
+              <a:rPr lang="ru-RU" sz="1400" b="1" dirty="0"/>
+              <a:t>второй фазой </a:t>
+            </a:r>
+            <a:r>
+              <a:rPr lang="ru-RU" sz="1400" dirty="0"/>
+              <a:t>IKE. Его задачей является создание </a:t>
+            </a:r>
+            <a:r>
+              <a:rPr lang="ru-RU" sz="1400" dirty="0" err="1"/>
+              <a:t>IPsec</a:t>
+            </a:r>
+            <a:r>
+              <a:rPr lang="ru-RU" sz="1400" dirty="0"/>
+              <a:t>-туннеля. На третьем этапе выполняются следующие функции:</a:t>
+            </a:r>
+          </a:p>
+          <a:p>
+            <a:pPr marL="285750" indent="-285750" algn="just"/>
+            <a:r>
+              <a:rPr lang="ru-RU" sz="1400" dirty="0"/>
+              <a:t>Согласуются параметры </a:t>
+            </a:r>
+            <a:r>
+              <a:rPr lang="ru-RU" sz="1400" dirty="0" err="1"/>
+              <a:t>IPsec</a:t>
+            </a:r>
+            <a:r>
+              <a:rPr lang="ru-RU" sz="1400" dirty="0"/>
+              <a:t> SA по защищаемому IKE SA каналу, созданному в первой фазе IKE</a:t>
+            </a:r>
+          </a:p>
+          <a:p>
+            <a:pPr marL="285750" indent="-285750" algn="just"/>
+            <a:r>
+              <a:rPr lang="ru-RU" sz="1400" dirty="0"/>
+              <a:t>Устанавливается </a:t>
+            </a:r>
+            <a:r>
+              <a:rPr lang="ru-RU" sz="1400" dirty="0" err="1"/>
+              <a:t>IPsec</a:t>
+            </a:r>
+            <a:r>
+              <a:rPr lang="ru-RU" sz="1400" dirty="0"/>
+              <a:t> SA</a:t>
+            </a:r>
+          </a:p>
+          <a:p>
+            <a:pPr marL="285750" indent="-285750" algn="just"/>
+            <a:r>
+              <a:rPr lang="ru-RU" sz="1400" dirty="0"/>
+              <a:t>Периодически осуществляется пересмотр </a:t>
+            </a:r>
+            <a:r>
+              <a:rPr lang="ru-RU" sz="1400" dirty="0" err="1"/>
+              <a:t>IPsec</a:t>
+            </a:r>
+            <a:r>
+              <a:rPr lang="ru-RU" sz="1400" dirty="0"/>
+              <a:t> SA, чтобы убедиться в её безопасности</a:t>
+            </a:r>
+          </a:p>
+          <a:p>
+            <a:pPr marL="285750" indent="-285750" algn="just"/>
+            <a:r>
+              <a:rPr lang="ru-RU" sz="1400" dirty="0"/>
+              <a:t>(Опционально) выполняется дополнительный обмен </a:t>
+            </a:r>
+            <a:r>
+              <a:rPr lang="ru-RU" sz="1400" dirty="0" err="1"/>
+              <a:t>Диффи-Хеллмана</a:t>
+            </a:r>
+            <a:endParaRPr lang="ru-RU" sz="1400" dirty="0"/>
+          </a:p>
+          <a:p>
+            <a:pPr algn="just">
+              <a:buNone/>
+            </a:pPr>
+            <a:r>
+              <a:rPr lang="ru-RU" sz="1400" u="sng" dirty="0"/>
+              <a:t>Рабочий этап</a:t>
+            </a:r>
+            <a:r>
+              <a:rPr lang="ru-RU" sz="1400" dirty="0"/>
+              <a:t>. После создания </a:t>
+            </a:r>
+            <a:r>
+              <a:rPr lang="ru-RU" sz="1400" dirty="0" err="1"/>
+              <a:t>IPsec</a:t>
+            </a:r>
+            <a:r>
+              <a:rPr lang="ru-RU" sz="1400" dirty="0"/>
+              <a:t> SA начинается обмен информацией между узлами через </a:t>
+            </a:r>
+            <a:r>
+              <a:rPr lang="ru-RU" sz="1400" dirty="0" err="1"/>
+              <a:t>IPsec</a:t>
+            </a:r>
+            <a:r>
+              <a:rPr lang="ru-RU" sz="1400" dirty="0"/>
+              <a:t>-туннель, используются протоколы и параметры, установленные в SA.</a:t>
+            </a:r>
+          </a:p>
+          <a:p>
+            <a:pPr algn="just">
+              <a:buNone/>
+            </a:pPr>
+            <a:r>
+              <a:rPr lang="ru-RU" sz="1400" u="sng" dirty="0"/>
+              <a:t>Завершение</a:t>
+            </a:r>
+            <a:r>
+              <a:rPr lang="ru-RU" sz="1400" dirty="0"/>
+              <a:t>. Прекращают действовать текущие </a:t>
+            </a:r>
+            <a:r>
+              <a:rPr lang="ru-RU" sz="1400" dirty="0" err="1"/>
+              <a:t>IPsec</a:t>
+            </a:r>
+            <a:r>
+              <a:rPr lang="ru-RU" sz="1400" dirty="0"/>
+              <a:t> SA. Это происходит при их удалении или при истечении времени жизни (определенное в SA в байтах информации, передаваемой через канал, или в секундах), значение которого содержится в SAD на каждом узле. Если требуется продолжить передачу, запускается фаза два IKE (если требуется, то и первая фаза) и далее создаются новые </a:t>
+            </a:r>
+            <a:r>
+              <a:rPr lang="ru-RU" sz="1400" dirty="0" err="1"/>
+              <a:t>IPsec</a:t>
+            </a:r>
+            <a:r>
+              <a:rPr lang="ru-RU" sz="1400" dirty="0"/>
+              <a:t> SA. Процесс создания новых SA может происходить и до завершения действия текущих, если требуется непрерывная передача данных.</a:t>
+            </a:r>
+          </a:p>
+        </p:txBody>
+      </p:sp>
     </p:spTree>
     <p:extLst>
       <p:ext uri="{BB962C8B-B14F-4D97-AF65-F5344CB8AC3E}">
-        <p14:creationId xmlns:p14="http://schemas.microsoft.com/office/powerpoint/2010/main" val="3280844290"/>
+        <p14:creationId xmlns:p14="http://schemas.microsoft.com/office/powerpoint/2010/main" val="2365205378"/>
       </p:ext>
     </p:extLst>
   </p:cSld>
@@ -7919,455 +7856,6 @@
           </a:p>
         </p:txBody>
       </p:sp>
-      <p:sp>
-        <p:nvSpPr>
-          <p:cNvPr id="2" name="TextBox 1">
-            <a:extLst>
-              <a:ext uri="{FF2B5EF4-FFF2-40B4-BE49-F238E27FC236}">
-                <a16:creationId xmlns:a16="http://schemas.microsoft.com/office/drawing/2014/main" id="{DA75FA98-DE0B-0B55-C859-4DD664B8E2CE}"/>
-              </a:ext>
-            </a:extLst>
-          </p:cNvPr>
-          <p:cNvSpPr txBox="1"/>
-          <p:nvPr/>
-        </p:nvSpPr>
-        <p:spPr>
-          <a:xfrm>
-            <a:off x="395536" y="1484784"/>
-            <a:ext cx="8640960" cy="5349157"/>
-          </a:xfrm>
-          <a:prstGeom prst="rect">
-            <a:avLst/>
-          </a:prstGeom>
-          <a:noFill/>
-        </p:spPr>
-        <p:txBody>
-          <a:bodyPr wrap="square" rtlCol="0">
-            <a:spAutoFit/>
-          </a:bodyPr>
-          <a:lstStyle/>
-          <a:p>
-            <a:pPr algn="just">
-              <a:buNone/>
-            </a:pPr>
-            <a:r>
-              <a:rPr lang="ru-RU" sz="1400" u="sng" dirty="0"/>
-              <a:t>Первый этап</a:t>
-            </a:r>
-            <a:r>
-              <a:rPr lang="ru-RU" sz="1400" dirty="0"/>
-              <a:t> начинается с создания на каждом узле, поддерживающем стандарт </a:t>
-            </a:r>
-            <a:r>
-              <a:rPr lang="ru-RU" sz="1400" dirty="0" err="1"/>
-              <a:t>IPsec</a:t>
-            </a:r>
-            <a:r>
-              <a:rPr lang="ru-RU" sz="1400" dirty="0"/>
-              <a:t>, политики безопасности. На этом этапе определяется, какой трафик подлежит шифрованию, какие функции и алгоритмы могут быть использованы.</a:t>
-            </a:r>
-          </a:p>
-          <a:p>
-            <a:pPr algn="just">
-              <a:buNone/>
-            </a:pPr>
-            <a:r>
-              <a:rPr lang="ru-RU" sz="1400" u="sng" dirty="0"/>
-              <a:t>Второй этап</a:t>
-            </a:r>
-            <a:r>
-              <a:rPr lang="ru-RU" sz="1400" dirty="0"/>
-              <a:t> является по сути </a:t>
-            </a:r>
-            <a:r>
-              <a:rPr lang="ru-RU" sz="1400" b="1" dirty="0"/>
-              <a:t>первой фазой </a:t>
-            </a:r>
-            <a:r>
-              <a:rPr lang="ru-RU" sz="1400" dirty="0"/>
-              <a:t>IKE. Её цель — организовать безопасный канал между сторонами для второй фазы IKE. На втором этапе выполняются:</a:t>
-            </a:r>
-          </a:p>
-          <a:p>
-            <a:pPr marL="285750" indent="-285750" algn="just"/>
-            <a:r>
-              <a:rPr lang="ru-RU" sz="1400" dirty="0"/>
-              <a:t>Аутентификация и защита идентификационной информации узлов</a:t>
-            </a:r>
-          </a:p>
-          <a:p>
-            <a:pPr marL="285750" indent="-285750" algn="just"/>
-            <a:r>
-              <a:rPr lang="ru-RU" sz="1400" dirty="0"/>
-              <a:t>Проверка соответствий политик IKE SA узлов для безопасного обмена ключами</a:t>
-            </a:r>
-          </a:p>
-          <a:p>
-            <a:pPr marL="285750" indent="-285750" algn="just"/>
-            <a:r>
-              <a:rPr lang="ru-RU" sz="1400" dirty="0"/>
-              <a:t>Обмен </a:t>
-            </a:r>
-            <a:r>
-              <a:rPr lang="ru-RU" sz="1400" dirty="0" err="1"/>
-              <a:t>Диффи-Хеллмана</a:t>
-            </a:r>
-            <a:r>
-              <a:rPr lang="ru-RU" sz="1400" dirty="0"/>
-              <a:t>, в результате которого у каждого узла будет общий секретный ключ</a:t>
-            </a:r>
-          </a:p>
-          <a:p>
-            <a:pPr marL="285750" indent="-285750" algn="just"/>
-            <a:r>
-              <a:rPr lang="ru-RU" sz="1400" dirty="0"/>
-              <a:t>Создание безопасного канала для второй фазы IKE</a:t>
-            </a:r>
-          </a:p>
-          <a:p>
-            <a:pPr algn="just">
-              <a:buNone/>
-            </a:pPr>
-            <a:r>
-              <a:rPr lang="ru-RU" sz="1400" u="sng" dirty="0"/>
-              <a:t>Третий этап</a:t>
-            </a:r>
-            <a:r>
-              <a:rPr lang="ru-RU" sz="1400" dirty="0"/>
-              <a:t> является </a:t>
-            </a:r>
-            <a:r>
-              <a:rPr lang="ru-RU" sz="1400" b="1" dirty="0"/>
-              <a:t>второй фазой </a:t>
-            </a:r>
-            <a:r>
-              <a:rPr lang="ru-RU" sz="1400" dirty="0"/>
-              <a:t>IKE. Его задачей является создание </a:t>
-            </a:r>
-            <a:r>
-              <a:rPr lang="ru-RU" sz="1400" dirty="0" err="1"/>
-              <a:t>IPsec</a:t>
-            </a:r>
-            <a:r>
-              <a:rPr lang="ru-RU" sz="1400" dirty="0"/>
-              <a:t>-туннеля. На третьем этапе выполняются следующие функции:</a:t>
-            </a:r>
-          </a:p>
-          <a:p>
-            <a:pPr marL="285750" indent="-285750" algn="just"/>
-            <a:r>
-              <a:rPr lang="ru-RU" sz="1400" dirty="0"/>
-              <a:t>Согласуются параметры </a:t>
-            </a:r>
-            <a:r>
-              <a:rPr lang="ru-RU" sz="1400" dirty="0" err="1"/>
-              <a:t>IPsec</a:t>
-            </a:r>
-            <a:r>
-              <a:rPr lang="ru-RU" sz="1400" dirty="0"/>
-              <a:t> SA по защищаемому IKE SA каналу, созданному в первой фазе IKE</a:t>
-            </a:r>
-          </a:p>
-          <a:p>
-            <a:pPr marL="285750" indent="-285750" algn="just"/>
-            <a:r>
-              <a:rPr lang="ru-RU" sz="1400" dirty="0"/>
-              <a:t>Устанавливается </a:t>
-            </a:r>
-            <a:r>
-              <a:rPr lang="ru-RU" sz="1400" dirty="0" err="1"/>
-              <a:t>IPsec</a:t>
-            </a:r>
-            <a:r>
-              <a:rPr lang="ru-RU" sz="1400" dirty="0"/>
-              <a:t> SA</a:t>
-            </a:r>
-          </a:p>
-          <a:p>
-            <a:pPr marL="285750" indent="-285750" algn="just"/>
-            <a:r>
-              <a:rPr lang="ru-RU" sz="1400" dirty="0"/>
-              <a:t>Периодически осуществляется пересмотр </a:t>
-            </a:r>
-            <a:r>
-              <a:rPr lang="ru-RU" sz="1400" dirty="0" err="1"/>
-              <a:t>IPsec</a:t>
-            </a:r>
-            <a:r>
-              <a:rPr lang="ru-RU" sz="1400" dirty="0"/>
-              <a:t> SA, чтобы убедиться в её безопасности</a:t>
-            </a:r>
-          </a:p>
-          <a:p>
-            <a:pPr marL="285750" indent="-285750" algn="just"/>
-            <a:r>
-              <a:rPr lang="ru-RU" sz="1400" dirty="0"/>
-              <a:t>(Опционально) выполняется дополнительный обмен </a:t>
-            </a:r>
-            <a:r>
-              <a:rPr lang="ru-RU" sz="1400" dirty="0" err="1"/>
-              <a:t>Диффи-Хеллмана</a:t>
-            </a:r>
-            <a:endParaRPr lang="ru-RU" sz="1400" dirty="0"/>
-          </a:p>
-          <a:p>
-            <a:pPr algn="just">
-              <a:buNone/>
-            </a:pPr>
-            <a:r>
-              <a:rPr lang="ru-RU" sz="1400" u="sng" dirty="0"/>
-              <a:t>Рабочий этап</a:t>
-            </a:r>
-            <a:r>
-              <a:rPr lang="ru-RU" sz="1400" dirty="0"/>
-              <a:t>. После создания </a:t>
-            </a:r>
-            <a:r>
-              <a:rPr lang="ru-RU" sz="1400" dirty="0" err="1"/>
-              <a:t>IPsec</a:t>
-            </a:r>
-            <a:r>
-              <a:rPr lang="ru-RU" sz="1400" dirty="0"/>
-              <a:t> SA начинается обмен информацией между узлами через </a:t>
-            </a:r>
-            <a:r>
-              <a:rPr lang="ru-RU" sz="1400" dirty="0" err="1"/>
-              <a:t>IPsec</a:t>
-            </a:r>
-            <a:r>
-              <a:rPr lang="ru-RU" sz="1400" dirty="0"/>
-              <a:t>-туннель, используются протоколы и параметры, установленные в SA.</a:t>
-            </a:r>
-          </a:p>
-          <a:p>
-            <a:pPr algn="just">
-              <a:buNone/>
-            </a:pPr>
-            <a:r>
-              <a:rPr lang="ru-RU" sz="1400" u="sng" dirty="0"/>
-              <a:t>Завершение</a:t>
-            </a:r>
-            <a:r>
-              <a:rPr lang="ru-RU" sz="1400" dirty="0"/>
-              <a:t>. Прекращают действовать текущие </a:t>
-            </a:r>
-            <a:r>
-              <a:rPr lang="ru-RU" sz="1400" dirty="0" err="1"/>
-              <a:t>IPsec</a:t>
-            </a:r>
-            <a:r>
-              <a:rPr lang="ru-RU" sz="1400" dirty="0"/>
-              <a:t> SA. Это происходит при их удалении или при истечении времени жизни (определенное в SA в байтах информации, передаваемой через канал, или в секундах), значение которого содержится в SAD на каждом узле. Если требуется продолжить передачу, запускается фаза два IKE (если требуется, то и первая фаза) и далее создаются новые </a:t>
-            </a:r>
-            <a:r>
-              <a:rPr lang="ru-RU" sz="1400" dirty="0" err="1"/>
-              <a:t>IPsec</a:t>
-            </a:r>
-            <a:r>
-              <a:rPr lang="ru-RU" sz="1400" dirty="0"/>
-              <a:t> SA. Процесс создания новых SA может происходить и до завершения действия текущих, если требуется непрерывная передача данных.</a:t>
-            </a:r>
-          </a:p>
-        </p:txBody>
-      </p:sp>
-    </p:spTree>
-    <p:extLst>
-      <p:ext uri="{BB962C8B-B14F-4D97-AF65-F5344CB8AC3E}">
-        <p14:creationId xmlns:p14="http://schemas.microsoft.com/office/powerpoint/2010/main" val="2365205378"/>
-      </p:ext>
-    </p:extLst>
-  </p:cSld>
-  <p:clrMapOvr>
-    <a:masterClrMapping/>
-  </p:clrMapOvr>
-</p:sld>
-</file>
-
-<file path=ppt/slides/slide18.xml><?xml version="1.0" encoding="utf-8"?>
-<p:sld xmlns:a="http://schemas.openxmlformats.org/drawingml/2006/main" xmlns:r="http://schemas.openxmlformats.org/officeDocument/2006/relationships" xmlns:p="http://schemas.openxmlformats.org/presentationml/2006/main">
-  <p:cSld>
-    <p:spTree>
-      <p:nvGrpSpPr>
-        <p:cNvPr id="1" name=""/>
-        <p:cNvGrpSpPr/>
-        <p:nvPr/>
-      </p:nvGrpSpPr>
-      <p:grpSpPr>
-        <a:xfrm>
-          <a:off x="0" y="0"/>
-          <a:ext cx="0" cy="0"/>
-          <a:chOff x="0" y="0"/>
-          <a:chExt cx="0" cy="0"/>
-        </a:xfrm>
-      </p:grpSpPr>
-      <p:sp>
-        <p:nvSpPr>
-          <p:cNvPr id="19" name="Заголовок 1"/>
-          <p:cNvSpPr txBox="1">
-            <a:spLocks/>
-          </p:cNvSpPr>
-          <p:nvPr/>
-        </p:nvSpPr>
-        <p:spPr>
-          <a:xfrm>
-            <a:off x="0" y="701874"/>
-            <a:ext cx="9144000" cy="1008112"/>
-          </a:xfrm>
-          <a:prstGeom prst="rect">
-            <a:avLst/>
-          </a:prstGeom>
-        </p:spPr>
-        <p:txBody>
-          <a:bodyPr/>
-          <a:lstStyle>
-            <a:lvl1pPr algn="l" rtl="0" fontAlgn="base">
-              <a:spcBef>
-                <a:spcPct val="0"/>
-              </a:spcBef>
-              <a:spcAft>
-                <a:spcPct val="0"/>
-              </a:spcAft>
-              <a:defRPr sz="4400">
-                <a:solidFill>
-                  <a:schemeClr val="tx2"/>
-                </a:solidFill>
-                <a:latin typeface="+mj-lt"/>
-                <a:ea typeface="+mj-ea"/>
-                <a:cs typeface="+mj-cs"/>
-              </a:defRPr>
-            </a:lvl1pPr>
-            <a:lvl2pPr algn="l" rtl="0" fontAlgn="base">
-              <a:spcBef>
-                <a:spcPct val="0"/>
-              </a:spcBef>
-              <a:spcAft>
-                <a:spcPct val="0"/>
-              </a:spcAft>
-              <a:defRPr sz="4400">
-                <a:solidFill>
-                  <a:schemeClr val="tx2"/>
-                </a:solidFill>
-                <a:latin typeface="Times New Roman" pitchFamily="18" charset="0"/>
-              </a:defRPr>
-            </a:lvl2pPr>
-            <a:lvl3pPr algn="l" rtl="0" fontAlgn="base">
-              <a:spcBef>
-                <a:spcPct val="0"/>
-              </a:spcBef>
-              <a:spcAft>
-                <a:spcPct val="0"/>
-              </a:spcAft>
-              <a:defRPr sz="4400">
-                <a:solidFill>
-                  <a:schemeClr val="tx2"/>
-                </a:solidFill>
-                <a:latin typeface="Times New Roman" pitchFamily="18" charset="0"/>
-              </a:defRPr>
-            </a:lvl3pPr>
-            <a:lvl4pPr algn="l" rtl="0" fontAlgn="base">
-              <a:spcBef>
-                <a:spcPct val="0"/>
-              </a:spcBef>
-              <a:spcAft>
-                <a:spcPct val="0"/>
-              </a:spcAft>
-              <a:defRPr sz="4400">
-                <a:solidFill>
-                  <a:schemeClr val="tx2"/>
-                </a:solidFill>
-                <a:latin typeface="Times New Roman" pitchFamily="18" charset="0"/>
-              </a:defRPr>
-            </a:lvl4pPr>
-            <a:lvl5pPr algn="l" rtl="0" fontAlgn="base">
-              <a:spcBef>
-                <a:spcPct val="0"/>
-              </a:spcBef>
-              <a:spcAft>
-                <a:spcPct val="0"/>
-              </a:spcAft>
-              <a:defRPr sz="4400">
-                <a:solidFill>
-                  <a:schemeClr val="tx2"/>
-                </a:solidFill>
-                <a:latin typeface="Times New Roman" pitchFamily="18" charset="0"/>
-              </a:defRPr>
-            </a:lvl5pPr>
-            <a:lvl6pPr marL="457200" algn="l" rtl="0" fontAlgn="base">
-              <a:spcBef>
-                <a:spcPct val="0"/>
-              </a:spcBef>
-              <a:spcAft>
-                <a:spcPct val="0"/>
-              </a:spcAft>
-              <a:defRPr sz="4400">
-                <a:solidFill>
-                  <a:schemeClr val="tx2"/>
-                </a:solidFill>
-                <a:latin typeface="Times New Roman" pitchFamily="18" charset="0"/>
-              </a:defRPr>
-            </a:lvl6pPr>
-            <a:lvl7pPr marL="914400" algn="l" rtl="0" fontAlgn="base">
-              <a:spcBef>
-                <a:spcPct val="0"/>
-              </a:spcBef>
-              <a:spcAft>
-                <a:spcPct val="0"/>
-              </a:spcAft>
-              <a:defRPr sz="4400">
-                <a:solidFill>
-                  <a:schemeClr val="tx2"/>
-                </a:solidFill>
-                <a:latin typeface="Times New Roman" pitchFamily="18" charset="0"/>
-              </a:defRPr>
-            </a:lvl7pPr>
-            <a:lvl8pPr marL="1371600" algn="l" rtl="0" fontAlgn="base">
-              <a:spcBef>
-                <a:spcPct val="0"/>
-              </a:spcBef>
-              <a:spcAft>
-                <a:spcPct val="0"/>
-              </a:spcAft>
-              <a:defRPr sz="4400">
-                <a:solidFill>
-                  <a:schemeClr val="tx2"/>
-                </a:solidFill>
-                <a:latin typeface="Times New Roman" pitchFamily="18" charset="0"/>
-              </a:defRPr>
-            </a:lvl8pPr>
-            <a:lvl9pPr marL="1828800" algn="l" rtl="0" fontAlgn="base">
-              <a:spcBef>
-                <a:spcPct val="0"/>
-              </a:spcBef>
-              <a:spcAft>
-                <a:spcPct val="0"/>
-              </a:spcAft>
-              <a:defRPr sz="4400">
-                <a:solidFill>
-                  <a:schemeClr val="tx2"/>
-                </a:solidFill>
-                <a:latin typeface="Times New Roman" pitchFamily="18" charset="0"/>
-              </a:defRPr>
-            </a:lvl9pPr>
-          </a:lstStyle>
-          <a:p>
-            <a:pPr algn="ctr">
-              <a:buClrTx/>
-              <a:buSzTx/>
-              <a:buFontTx/>
-              <a:buNone/>
-            </a:pPr>
-            <a:r>
-              <a:rPr kumimoji="0" lang="ru-RU" altLang="ru-RU" b="1" kern="0" dirty="0"/>
-              <a:t>Этапы работы </a:t>
-            </a:r>
-            <a:r>
-              <a:rPr kumimoji="0" lang="en-US" altLang="ru-RU" b="1" kern="0" dirty="0" err="1"/>
-              <a:t>IPSec</a:t>
-            </a:r>
-            <a:endParaRPr kumimoji="0" lang="en-US" altLang="ru-RU" b="1" kern="0" dirty="0"/>
-          </a:p>
-        </p:txBody>
-      </p:sp>
       <p:pic>
         <p:nvPicPr>
           <p:cNvPr id="3" name="Рисунок 2">
@@ -8411,7 +7899,7 @@
 </p:sld>
 </file>
 
-<file path=ppt/slides/slide19.xml><?xml version="1.0" encoding="utf-8"?>
+<file path=ppt/slides/slide18.xml><?xml version="1.0" encoding="utf-8"?>
 <p:sld xmlns:a="http://schemas.openxmlformats.org/drawingml/2006/main" xmlns:r="http://schemas.openxmlformats.org/officeDocument/2006/relationships" xmlns:p="http://schemas.openxmlformats.org/presentationml/2006/main">
   <p:cSld>
     <p:spTree>
@@ -8636,12 +8124,24 @@
               <a:t>Другие </a:t>
             </a:r>
             <a:r>
-              <a:rPr kumimoji="0" lang="ru-RU" altLang="ru-RU" b="1" kern="0" dirty="0" err="1"/>
-              <a:t>протколы</a:t>
+              <a:rPr kumimoji="0" lang="ru-RU" altLang="ru-RU" b="1" kern="0" dirty="0" smtClean="0"/>
+              <a:t>прот</a:t>
+            </a:r>
+            <a:r>
+              <a:rPr kumimoji="0" lang="ru-RU" altLang="ru-RU" b="1" kern="0" dirty="0"/>
+              <a:t>о</a:t>
+            </a:r>
+            <a:r>
+              <a:rPr kumimoji="0" lang="ru-RU" altLang="ru-RU" b="1" kern="0" dirty="0" smtClean="0"/>
+              <a:t>колы</a:t>
+            </a:r>
+            <a:r>
+              <a:rPr kumimoji="0" lang="en-US" altLang="ru-RU" b="1" kern="0" dirty="0" smtClean="0"/>
+              <a:t> </a:t>
             </a:r>
             <a:r>
               <a:rPr kumimoji="0" lang="en-US" altLang="ru-RU" b="1" kern="0" dirty="0"/>
-              <a:t> VPN</a:t>
+              <a:t>VPN</a:t>
             </a:r>
           </a:p>
         </p:txBody>
@@ -8830,6 +8330,14 @@
               </a:rPr>
               <a:t>…</a:t>
             </a:r>
+            <a:r>
+              <a:rPr lang="en-US" dirty="0">
+                <a:solidFill>
+                  <a:srgbClr val="100E0C"/>
+                </a:solidFill>
+              </a:rPr>
+              <a:t/>
+            </a:r>
             <a:br>
               <a:rPr lang="en-US" dirty="0">
                 <a:solidFill>
@@ -8858,1797 +8366,7 @@
 </p:sld>
 </file>
 
-<file path=ppt/slides/slide2.xml><?xml version="1.0" encoding="utf-8"?>
-<p:sld xmlns:a="http://schemas.openxmlformats.org/drawingml/2006/main" xmlns:r="http://schemas.openxmlformats.org/officeDocument/2006/relationships" xmlns:p="http://schemas.openxmlformats.org/presentationml/2006/main">
-  <p:cSld>
-    <p:spTree>
-      <p:nvGrpSpPr>
-        <p:cNvPr id="1" name=""/>
-        <p:cNvGrpSpPr/>
-        <p:nvPr/>
-      </p:nvGrpSpPr>
-      <p:grpSpPr>
-        <a:xfrm>
-          <a:off x="0" y="0"/>
-          <a:ext cx="0" cy="0"/>
-          <a:chOff x="0" y="0"/>
-          <a:chExt cx="0" cy="0"/>
-        </a:xfrm>
-      </p:grpSpPr>
-      <p:sp>
-        <p:nvSpPr>
-          <p:cNvPr id="19" name="Заголовок 1"/>
-          <p:cNvSpPr txBox="1">
-            <a:spLocks/>
-          </p:cNvSpPr>
-          <p:nvPr/>
-        </p:nvSpPr>
-        <p:spPr>
-          <a:xfrm>
-            <a:off x="0" y="701874"/>
-            <a:ext cx="9144000" cy="1008112"/>
-          </a:xfrm>
-          <a:prstGeom prst="rect">
-            <a:avLst/>
-          </a:prstGeom>
-        </p:spPr>
-        <p:txBody>
-          <a:bodyPr/>
-          <a:lstStyle>
-            <a:lvl1pPr algn="l" rtl="0" fontAlgn="base">
-              <a:spcBef>
-                <a:spcPct val="0"/>
-              </a:spcBef>
-              <a:spcAft>
-                <a:spcPct val="0"/>
-              </a:spcAft>
-              <a:defRPr sz="4400">
-                <a:solidFill>
-                  <a:schemeClr val="tx2"/>
-                </a:solidFill>
-                <a:latin typeface="+mj-lt"/>
-                <a:ea typeface="+mj-ea"/>
-                <a:cs typeface="+mj-cs"/>
-              </a:defRPr>
-            </a:lvl1pPr>
-            <a:lvl2pPr algn="l" rtl="0" fontAlgn="base">
-              <a:spcBef>
-                <a:spcPct val="0"/>
-              </a:spcBef>
-              <a:spcAft>
-                <a:spcPct val="0"/>
-              </a:spcAft>
-              <a:defRPr sz="4400">
-                <a:solidFill>
-                  <a:schemeClr val="tx2"/>
-                </a:solidFill>
-                <a:latin typeface="Times New Roman" pitchFamily="18" charset="0"/>
-              </a:defRPr>
-            </a:lvl2pPr>
-            <a:lvl3pPr algn="l" rtl="0" fontAlgn="base">
-              <a:spcBef>
-                <a:spcPct val="0"/>
-              </a:spcBef>
-              <a:spcAft>
-                <a:spcPct val="0"/>
-              </a:spcAft>
-              <a:defRPr sz="4400">
-                <a:solidFill>
-                  <a:schemeClr val="tx2"/>
-                </a:solidFill>
-                <a:latin typeface="Times New Roman" pitchFamily="18" charset="0"/>
-              </a:defRPr>
-            </a:lvl3pPr>
-            <a:lvl4pPr algn="l" rtl="0" fontAlgn="base">
-              <a:spcBef>
-                <a:spcPct val="0"/>
-              </a:spcBef>
-              <a:spcAft>
-                <a:spcPct val="0"/>
-              </a:spcAft>
-              <a:defRPr sz="4400">
-                <a:solidFill>
-                  <a:schemeClr val="tx2"/>
-                </a:solidFill>
-                <a:latin typeface="Times New Roman" pitchFamily="18" charset="0"/>
-              </a:defRPr>
-            </a:lvl4pPr>
-            <a:lvl5pPr algn="l" rtl="0" fontAlgn="base">
-              <a:spcBef>
-                <a:spcPct val="0"/>
-              </a:spcBef>
-              <a:spcAft>
-                <a:spcPct val="0"/>
-              </a:spcAft>
-              <a:defRPr sz="4400">
-                <a:solidFill>
-                  <a:schemeClr val="tx2"/>
-                </a:solidFill>
-                <a:latin typeface="Times New Roman" pitchFamily="18" charset="0"/>
-              </a:defRPr>
-            </a:lvl5pPr>
-            <a:lvl6pPr marL="457200" algn="l" rtl="0" fontAlgn="base">
-              <a:spcBef>
-                <a:spcPct val="0"/>
-              </a:spcBef>
-              <a:spcAft>
-                <a:spcPct val="0"/>
-              </a:spcAft>
-              <a:defRPr sz="4400">
-                <a:solidFill>
-                  <a:schemeClr val="tx2"/>
-                </a:solidFill>
-                <a:latin typeface="Times New Roman" pitchFamily="18" charset="0"/>
-              </a:defRPr>
-            </a:lvl6pPr>
-            <a:lvl7pPr marL="914400" algn="l" rtl="0" fontAlgn="base">
-              <a:spcBef>
-                <a:spcPct val="0"/>
-              </a:spcBef>
-              <a:spcAft>
-                <a:spcPct val="0"/>
-              </a:spcAft>
-              <a:defRPr sz="4400">
-                <a:solidFill>
-                  <a:schemeClr val="tx2"/>
-                </a:solidFill>
-                <a:latin typeface="Times New Roman" pitchFamily="18" charset="0"/>
-              </a:defRPr>
-            </a:lvl7pPr>
-            <a:lvl8pPr marL="1371600" algn="l" rtl="0" fontAlgn="base">
-              <a:spcBef>
-                <a:spcPct val="0"/>
-              </a:spcBef>
-              <a:spcAft>
-                <a:spcPct val="0"/>
-              </a:spcAft>
-              <a:defRPr sz="4400">
-                <a:solidFill>
-                  <a:schemeClr val="tx2"/>
-                </a:solidFill>
-                <a:latin typeface="Times New Roman" pitchFamily="18" charset="0"/>
-              </a:defRPr>
-            </a:lvl8pPr>
-            <a:lvl9pPr marL="1828800" algn="l" rtl="0" fontAlgn="base">
-              <a:spcBef>
-                <a:spcPct val="0"/>
-              </a:spcBef>
-              <a:spcAft>
-                <a:spcPct val="0"/>
-              </a:spcAft>
-              <a:defRPr sz="4400">
-                <a:solidFill>
-                  <a:schemeClr val="tx2"/>
-                </a:solidFill>
-                <a:latin typeface="Times New Roman" pitchFamily="18" charset="0"/>
-              </a:defRPr>
-            </a:lvl9pPr>
-          </a:lstStyle>
-          <a:p>
-            <a:pPr algn="ctr">
-              <a:buClrTx/>
-              <a:buSzTx/>
-              <a:buFontTx/>
-              <a:buNone/>
-            </a:pPr>
-            <a:r>
-              <a:rPr kumimoji="0" lang="en-US" altLang="ru-RU" b="1" kern="0" dirty="0"/>
-              <a:t>VPN</a:t>
-            </a:r>
-          </a:p>
-        </p:txBody>
-      </p:sp>
-      <p:sp>
-        <p:nvSpPr>
-          <p:cNvPr id="4" name="Прямоугольник 3"/>
-          <p:cNvSpPr/>
-          <p:nvPr/>
-        </p:nvSpPr>
-        <p:spPr>
-          <a:xfrm>
-            <a:off x="485292" y="1556792"/>
-            <a:ext cx="8173416" cy="2603790"/>
-          </a:xfrm>
-          <a:prstGeom prst="rect">
-            <a:avLst/>
-          </a:prstGeom>
-        </p:spPr>
-        <p:txBody>
-          <a:bodyPr wrap="square">
-            <a:spAutoFit/>
-          </a:bodyPr>
-          <a:lstStyle/>
-          <a:p>
-            <a:pPr algn="just"/>
-            <a:r>
-              <a:rPr lang="ru-RU" sz="1600" b="1" dirty="0"/>
-              <a:t>VPN</a:t>
-            </a:r>
-            <a:r>
-              <a:rPr lang="ru-RU" sz="1600" dirty="0"/>
-              <a:t> (англ. </a:t>
-            </a:r>
-            <a:r>
-              <a:rPr lang="ru-RU" sz="1600" dirty="0" err="1"/>
-              <a:t>virtual</a:t>
-            </a:r>
-            <a:r>
-              <a:rPr lang="ru-RU" sz="1600" dirty="0"/>
-              <a:t> </a:t>
-            </a:r>
-            <a:r>
-              <a:rPr lang="ru-RU" sz="1600" dirty="0" err="1"/>
-              <a:t>private</a:t>
-            </a:r>
-            <a:r>
-              <a:rPr lang="ru-RU" sz="1600" dirty="0"/>
-              <a:t> </a:t>
-            </a:r>
-            <a:r>
-              <a:rPr lang="ru-RU" sz="1600" dirty="0" err="1"/>
-              <a:t>network</a:t>
-            </a:r>
-            <a:r>
-              <a:rPr lang="ru-RU" sz="1600" dirty="0"/>
-              <a:t> — «виртуальная частная сеть») — обобщённое название технологий, позволяющих обеспечить одно или несколько сетевых соединений поверх чьей-либо другой сети. Несмотря на то, что для коммуникации используются сети с меньшим или неизвестным уровнем доверия (например, публичные сети), уровень доверия к построенной логической сети не зависит от уровня доверия к базовым сетям благодаря использованию средств криптографии (шифрования, аутентификации, инфраструктуры открытых ключей, средств защиты от повторов и изменений передаваемых по логической сети сообщений).</a:t>
-            </a:r>
-          </a:p>
-          <a:p>
-            <a:pPr algn="just"/>
-            <a:r>
-              <a:rPr lang="ru-RU" sz="1600" dirty="0"/>
-              <a:t>В зависимости от применяемых протоколов и назначения VPN может обеспечивать соединения трёх видов: узел-узел, узел-сеть и сеть-сеть.</a:t>
-            </a:r>
-          </a:p>
-        </p:txBody>
-      </p:sp>
-      <p:pic>
-        <p:nvPicPr>
-          <p:cNvPr id="2050" name="Picture 2" descr="Что такое VPN на роутере и зачем он вам нужен? | FS сообщество"/>
-          <p:cNvPicPr>
-            <a:picLocks noChangeAspect="1" noChangeArrowheads="1"/>
-          </p:cNvPicPr>
-          <p:nvPr/>
-        </p:nvPicPr>
-        <p:blipFill>
-          <a:blip r:embed="rId2" cstate="print">
-            <a:extLst>
-              <a:ext uri="{28A0092B-C50C-407E-A947-70E740481C1C}">
-                <a14:useLocalDpi xmlns:a14="http://schemas.microsoft.com/office/drawing/2010/main" val="0"/>
-              </a:ext>
-            </a:extLst>
-          </a:blip>
-          <a:srcRect/>
-          <a:stretch>
-            <a:fillRect/>
-          </a:stretch>
-        </p:blipFill>
-        <p:spPr bwMode="auto">
-          <a:xfrm>
-            <a:off x="1691680" y="3894149"/>
-            <a:ext cx="6237153" cy="2996952"/>
-          </a:xfrm>
-          <a:prstGeom prst="rect">
-            <a:avLst/>
-          </a:prstGeom>
-          <a:noFill/>
-          <a:extLst>
-            <a:ext uri="{909E8E84-426E-40DD-AFC4-6F175D3DCCD1}">
-              <a14:hiddenFill xmlns:a14="http://schemas.microsoft.com/office/drawing/2010/main">
-                <a:solidFill>
-                  <a:srgbClr val="FFFFFF"/>
-                </a:solidFill>
-              </a14:hiddenFill>
-            </a:ext>
-          </a:extLst>
-        </p:spPr>
-      </p:pic>
-    </p:spTree>
-    <p:extLst>
-      <p:ext uri="{BB962C8B-B14F-4D97-AF65-F5344CB8AC3E}">
-        <p14:creationId xmlns:p14="http://schemas.microsoft.com/office/powerpoint/2010/main" val="2883663532"/>
-      </p:ext>
-    </p:extLst>
-  </p:cSld>
-  <p:clrMapOvr>
-    <a:masterClrMapping/>
-  </p:clrMapOvr>
-</p:sld>
-</file>
-
-<file path=ppt/slides/slide20.xml><?xml version="1.0" encoding="utf-8"?>
-<p:sld xmlns:a="http://schemas.openxmlformats.org/drawingml/2006/main" xmlns:r="http://schemas.openxmlformats.org/officeDocument/2006/relationships" xmlns:p="http://schemas.openxmlformats.org/presentationml/2006/main">
-  <p:cSld>
-    <p:spTree>
-      <p:nvGrpSpPr>
-        <p:cNvPr id="1" name=""/>
-        <p:cNvGrpSpPr/>
-        <p:nvPr/>
-      </p:nvGrpSpPr>
-      <p:grpSpPr>
-        <a:xfrm>
-          <a:off x="0" y="0"/>
-          <a:ext cx="0" cy="0"/>
-          <a:chOff x="0" y="0"/>
-          <a:chExt cx="0" cy="0"/>
-        </a:xfrm>
-      </p:grpSpPr>
-      <p:sp>
-        <p:nvSpPr>
-          <p:cNvPr id="19" name="Заголовок 1"/>
-          <p:cNvSpPr txBox="1">
-            <a:spLocks/>
-          </p:cNvSpPr>
-          <p:nvPr/>
-        </p:nvSpPr>
-        <p:spPr>
-          <a:xfrm>
-            <a:off x="0" y="701874"/>
-            <a:ext cx="9144000" cy="1008112"/>
-          </a:xfrm>
-          <a:prstGeom prst="rect">
-            <a:avLst/>
-          </a:prstGeom>
-        </p:spPr>
-        <p:txBody>
-          <a:bodyPr/>
-          <a:lstStyle>
-            <a:lvl1pPr algn="l" rtl="0" fontAlgn="base">
-              <a:spcBef>
-                <a:spcPct val="0"/>
-              </a:spcBef>
-              <a:spcAft>
-                <a:spcPct val="0"/>
-              </a:spcAft>
-              <a:defRPr sz="4400">
-                <a:solidFill>
-                  <a:schemeClr val="tx2"/>
-                </a:solidFill>
-                <a:latin typeface="+mj-lt"/>
-                <a:ea typeface="+mj-ea"/>
-                <a:cs typeface="+mj-cs"/>
-              </a:defRPr>
-            </a:lvl1pPr>
-            <a:lvl2pPr algn="l" rtl="0" fontAlgn="base">
-              <a:spcBef>
-                <a:spcPct val="0"/>
-              </a:spcBef>
-              <a:spcAft>
-                <a:spcPct val="0"/>
-              </a:spcAft>
-              <a:defRPr sz="4400">
-                <a:solidFill>
-                  <a:schemeClr val="tx2"/>
-                </a:solidFill>
-                <a:latin typeface="Times New Roman" pitchFamily="18" charset="0"/>
-              </a:defRPr>
-            </a:lvl2pPr>
-            <a:lvl3pPr algn="l" rtl="0" fontAlgn="base">
-              <a:spcBef>
-                <a:spcPct val="0"/>
-              </a:spcBef>
-              <a:spcAft>
-                <a:spcPct val="0"/>
-              </a:spcAft>
-              <a:defRPr sz="4400">
-                <a:solidFill>
-                  <a:schemeClr val="tx2"/>
-                </a:solidFill>
-                <a:latin typeface="Times New Roman" pitchFamily="18" charset="0"/>
-              </a:defRPr>
-            </a:lvl3pPr>
-            <a:lvl4pPr algn="l" rtl="0" fontAlgn="base">
-              <a:spcBef>
-                <a:spcPct val="0"/>
-              </a:spcBef>
-              <a:spcAft>
-                <a:spcPct val="0"/>
-              </a:spcAft>
-              <a:defRPr sz="4400">
-                <a:solidFill>
-                  <a:schemeClr val="tx2"/>
-                </a:solidFill>
-                <a:latin typeface="Times New Roman" pitchFamily="18" charset="0"/>
-              </a:defRPr>
-            </a:lvl4pPr>
-            <a:lvl5pPr algn="l" rtl="0" fontAlgn="base">
-              <a:spcBef>
-                <a:spcPct val="0"/>
-              </a:spcBef>
-              <a:spcAft>
-                <a:spcPct val="0"/>
-              </a:spcAft>
-              <a:defRPr sz="4400">
-                <a:solidFill>
-                  <a:schemeClr val="tx2"/>
-                </a:solidFill>
-                <a:latin typeface="Times New Roman" pitchFamily="18" charset="0"/>
-              </a:defRPr>
-            </a:lvl5pPr>
-            <a:lvl6pPr marL="457200" algn="l" rtl="0" fontAlgn="base">
-              <a:spcBef>
-                <a:spcPct val="0"/>
-              </a:spcBef>
-              <a:spcAft>
-                <a:spcPct val="0"/>
-              </a:spcAft>
-              <a:defRPr sz="4400">
-                <a:solidFill>
-                  <a:schemeClr val="tx2"/>
-                </a:solidFill>
-                <a:latin typeface="Times New Roman" pitchFamily="18" charset="0"/>
-              </a:defRPr>
-            </a:lvl6pPr>
-            <a:lvl7pPr marL="914400" algn="l" rtl="0" fontAlgn="base">
-              <a:spcBef>
-                <a:spcPct val="0"/>
-              </a:spcBef>
-              <a:spcAft>
-                <a:spcPct val="0"/>
-              </a:spcAft>
-              <a:defRPr sz="4400">
-                <a:solidFill>
-                  <a:schemeClr val="tx2"/>
-                </a:solidFill>
-                <a:latin typeface="Times New Roman" pitchFamily="18" charset="0"/>
-              </a:defRPr>
-            </a:lvl7pPr>
-            <a:lvl8pPr marL="1371600" algn="l" rtl="0" fontAlgn="base">
-              <a:spcBef>
-                <a:spcPct val="0"/>
-              </a:spcBef>
-              <a:spcAft>
-                <a:spcPct val="0"/>
-              </a:spcAft>
-              <a:defRPr sz="4400">
-                <a:solidFill>
-                  <a:schemeClr val="tx2"/>
-                </a:solidFill>
-                <a:latin typeface="Times New Roman" pitchFamily="18" charset="0"/>
-              </a:defRPr>
-            </a:lvl8pPr>
-            <a:lvl9pPr marL="1828800" algn="l" rtl="0" fontAlgn="base">
-              <a:spcBef>
-                <a:spcPct val="0"/>
-              </a:spcBef>
-              <a:spcAft>
-                <a:spcPct val="0"/>
-              </a:spcAft>
-              <a:defRPr sz="4400">
-                <a:solidFill>
-                  <a:schemeClr val="tx2"/>
-                </a:solidFill>
-                <a:latin typeface="Times New Roman" pitchFamily="18" charset="0"/>
-              </a:defRPr>
-            </a:lvl9pPr>
-          </a:lstStyle>
-          <a:p>
-            <a:pPr algn="ctr">
-              <a:buClrTx/>
-              <a:buSzTx/>
-              <a:buFontTx/>
-              <a:buNone/>
-            </a:pPr>
-            <a:r>
-              <a:rPr kumimoji="0" lang="en-US" altLang="ru-RU" b="1" kern="0" dirty="0"/>
-              <a:t>PPTP</a:t>
-            </a:r>
-          </a:p>
-        </p:txBody>
-      </p:sp>
-      <p:sp>
-        <p:nvSpPr>
-          <p:cNvPr id="2" name="TextBox 1">
-            <a:extLst>
-              <a:ext uri="{FF2B5EF4-FFF2-40B4-BE49-F238E27FC236}">
-                <a16:creationId xmlns:a16="http://schemas.microsoft.com/office/drawing/2014/main" id="{1D992F6E-A7E3-7864-7ADE-E73DB8A9DF17}"/>
-              </a:ext>
-            </a:extLst>
-          </p:cNvPr>
-          <p:cNvSpPr txBox="1"/>
-          <p:nvPr/>
-        </p:nvSpPr>
-        <p:spPr>
-          <a:xfrm>
-            <a:off x="467544" y="1412776"/>
-            <a:ext cx="8568952" cy="4228850"/>
-          </a:xfrm>
-          <a:prstGeom prst="rect">
-            <a:avLst/>
-          </a:prstGeom>
-          <a:noFill/>
-        </p:spPr>
-        <p:txBody>
-          <a:bodyPr wrap="square" rtlCol="0">
-            <a:spAutoFit/>
-          </a:bodyPr>
-          <a:lstStyle/>
-          <a:p>
-            <a:pPr algn="just">
-              <a:buNone/>
-            </a:pPr>
-            <a:r>
-              <a:rPr lang="ru-RU" sz="1600" b="1" dirty="0"/>
-              <a:t>PPTP</a:t>
-            </a:r>
-            <a:r>
-              <a:rPr lang="ru-RU" sz="1600" dirty="0"/>
-              <a:t> (англ. Point-</a:t>
-            </a:r>
-            <a:r>
-              <a:rPr lang="ru-RU" sz="1600" dirty="0" err="1"/>
-              <a:t>to</a:t>
-            </a:r>
-            <a:r>
-              <a:rPr lang="ru-RU" sz="1600" dirty="0"/>
-              <a:t>-Point </a:t>
-            </a:r>
-            <a:r>
-              <a:rPr lang="ru-RU" sz="1600" dirty="0" err="1"/>
-              <a:t>Tunneling</a:t>
-            </a:r>
-            <a:r>
-              <a:rPr lang="ru-RU" sz="1600" dirty="0"/>
-              <a:t> Protocol) — туннельный протокол типа точка-точка, позволяющий компьютеру устанавливать защищённое соединение с сервером за счёт создания специального туннеля в стандартной, незащищённой сети. PPTP помещает (инкапсулирует) кадры </a:t>
-            </a:r>
-            <a:r>
-              <a:rPr lang="ru-RU" sz="1600" b="1" dirty="0"/>
-              <a:t>PPP</a:t>
-            </a:r>
-            <a:r>
-              <a:rPr lang="ru-RU" sz="1600" dirty="0"/>
-              <a:t> в </a:t>
-            </a:r>
-            <a:r>
-              <a:rPr lang="ru-RU" sz="1600" b="1" dirty="0"/>
-              <a:t>IP-пакеты</a:t>
-            </a:r>
-            <a:r>
-              <a:rPr lang="ru-RU" sz="1600" dirty="0"/>
-              <a:t> для передачи по глобальной IP-сети, например, Интернет. PPTP может также использоваться для организации туннеля между двумя локальными сетями. РРТР использует дополнительное TCP-соединение для обслуживания туннеля.</a:t>
-            </a:r>
-            <a:endParaRPr lang="en-US" sz="1600" dirty="0"/>
-          </a:p>
-          <a:p>
-            <a:pPr algn="just">
-              <a:buNone/>
-            </a:pPr>
-            <a:endParaRPr lang="en-US" sz="1600" dirty="0"/>
-          </a:p>
-          <a:p>
-            <a:pPr algn="just">
-              <a:buNone/>
-            </a:pPr>
-            <a:r>
-              <a:rPr lang="ru-RU" sz="1600" dirty="0"/>
-              <a:t>Спецификация протокола была опубликована как «информационная» RFC 2637 в 1999 году. Она не была ратифицирована IETF. Протокол считается </a:t>
-            </a:r>
-            <a:r>
-              <a:rPr lang="ru-RU" sz="1600" i="1" dirty="0"/>
-              <a:t>менее безопасным</a:t>
-            </a:r>
-            <a:r>
-              <a:rPr lang="ru-RU" sz="1600" dirty="0"/>
-              <a:t>, чем </a:t>
-            </a:r>
-            <a:r>
-              <a:rPr lang="ru-RU" sz="1600" dirty="0" err="1"/>
-              <a:t>IPSec</a:t>
-            </a:r>
-            <a:r>
-              <a:rPr lang="ru-RU" sz="1600" dirty="0"/>
-              <a:t>. PPTP работает, устанавливая обычную PPP сессию с противоположной стороной с помощью протокола </a:t>
-            </a:r>
-            <a:r>
-              <a:rPr lang="ru-RU" sz="1600" dirty="0" err="1"/>
-              <a:t>Generic</a:t>
-            </a:r>
-            <a:r>
-              <a:rPr lang="ru-RU" sz="1600" dirty="0"/>
-              <a:t> </a:t>
-            </a:r>
-            <a:r>
-              <a:rPr lang="ru-RU" sz="1600" dirty="0" err="1"/>
-              <a:t>Routing</a:t>
-            </a:r>
-            <a:r>
-              <a:rPr lang="ru-RU" sz="1600" dirty="0"/>
-              <a:t> </a:t>
-            </a:r>
-            <a:r>
-              <a:rPr lang="ru-RU" sz="1600" dirty="0" err="1"/>
-              <a:t>Encapsulation</a:t>
-            </a:r>
-            <a:r>
-              <a:rPr lang="ru-RU" sz="1600" dirty="0"/>
-              <a:t>. </a:t>
-            </a:r>
-            <a:r>
-              <a:rPr lang="ru-RU" sz="1600" u="sng" dirty="0"/>
-              <a:t>Второе</a:t>
-            </a:r>
-            <a:r>
-              <a:rPr lang="ru-RU" sz="1600" dirty="0"/>
-              <a:t> соединение на TCP-порту </a:t>
-            </a:r>
-            <a:r>
-              <a:rPr lang="ru-RU" sz="1600" b="1" dirty="0"/>
-              <a:t>1723</a:t>
-            </a:r>
-            <a:r>
-              <a:rPr lang="ru-RU" sz="1600" dirty="0"/>
-              <a:t> используется для инициации и управления GRE-соединением. PPTP сложно перенаправлять за сетевой экран, так как он требует одновременного установления двух сетевых сессий.</a:t>
-            </a:r>
-          </a:p>
-          <a:p>
-            <a:pPr algn="just">
-              <a:buNone/>
-            </a:pPr>
-            <a:endParaRPr lang="ru-RU" sz="1600" dirty="0"/>
-          </a:p>
-          <a:p>
-            <a:pPr algn="just">
-              <a:buNone/>
-            </a:pPr>
-            <a:r>
-              <a:rPr lang="ru-RU" sz="1600" dirty="0"/>
-              <a:t>PPTP-трафик может быть зашифрован с помощью MPPE. Для аутентификации клиентов могут использоваться различные механизмы, наиболее безопасные из них — MS-CHAPv2 и EAP-TLS.</a:t>
-            </a:r>
-          </a:p>
-        </p:txBody>
-      </p:sp>
-    </p:spTree>
-    <p:extLst>
-      <p:ext uri="{BB962C8B-B14F-4D97-AF65-F5344CB8AC3E}">
-        <p14:creationId xmlns:p14="http://schemas.microsoft.com/office/powerpoint/2010/main" val="481528629"/>
-      </p:ext>
-    </p:extLst>
-  </p:cSld>
-  <p:clrMapOvr>
-    <a:masterClrMapping/>
-  </p:clrMapOvr>
-</p:sld>
-</file>
-
-<file path=ppt/slides/slide21.xml><?xml version="1.0" encoding="utf-8"?>
-<p:sld xmlns:a="http://schemas.openxmlformats.org/drawingml/2006/main" xmlns:r="http://schemas.openxmlformats.org/officeDocument/2006/relationships" xmlns:p="http://schemas.openxmlformats.org/presentationml/2006/main">
-  <p:cSld>
-    <p:spTree>
-      <p:nvGrpSpPr>
-        <p:cNvPr id="1" name=""/>
-        <p:cNvGrpSpPr/>
-        <p:nvPr/>
-      </p:nvGrpSpPr>
-      <p:grpSpPr>
-        <a:xfrm>
-          <a:off x="0" y="0"/>
-          <a:ext cx="0" cy="0"/>
-          <a:chOff x="0" y="0"/>
-          <a:chExt cx="0" cy="0"/>
-        </a:xfrm>
-      </p:grpSpPr>
-      <p:sp>
-        <p:nvSpPr>
-          <p:cNvPr id="19" name="Заголовок 1"/>
-          <p:cNvSpPr txBox="1">
-            <a:spLocks/>
-          </p:cNvSpPr>
-          <p:nvPr/>
-        </p:nvSpPr>
-        <p:spPr bwMode="auto">
-          <a:xfrm>
-            <a:off x="5505636" y="1111250"/>
-            <a:ext cx="2857128" cy="1143000"/>
-          </a:xfrm>
-          <a:prstGeom prst="rect">
-            <a:avLst/>
-          </a:prstGeom>
-          <a:noFill/>
-          <a:ln>
-            <a:noFill/>
-          </a:ln>
-          <a:effectLst/>
-        </p:spPr>
-        <p:txBody>
-          <a:bodyPr vert="horz" wrap="square" lIns="91440" tIns="45720" rIns="91440" bIns="45720" numCol="1" anchor="b" anchorCtr="0" compatLnSpc="1">
-            <a:prstTxWarp prst="textNoShape">
-              <a:avLst/>
-            </a:prstTxWarp>
-            <a:normAutofit/>
-          </a:bodyPr>
-          <a:lstStyle>
-            <a:lvl1pPr algn="l" rtl="0" fontAlgn="base">
-              <a:spcBef>
-                <a:spcPct val="0"/>
-              </a:spcBef>
-              <a:spcAft>
-                <a:spcPct val="0"/>
-              </a:spcAft>
-              <a:defRPr sz="4400">
-                <a:solidFill>
-                  <a:schemeClr val="tx2"/>
-                </a:solidFill>
-                <a:latin typeface="+mj-lt"/>
-                <a:ea typeface="+mj-ea"/>
-                <a:cs typeface="+mj-cs"/>
-              </a:defRPr>
-            </a:lvl1pPr>
-            <a:lvl2pPr algn="l" rtl="0" fontAlgn="base">
-              <a:spcBef>
-                <a:spcPct val="0"/>
-              </a:spcBef>
-              <a:spcAft>
-                <a:spcPct val="0"/>
-              </a:spcAft>
-              <a:defRPr sz="4400">
-                <a:solidFill>
-                  <a:schemeClr val="tx2"/>
-                </a:solidFill>
-                <a:latin typeface="Times New Roman" pitchFamily="18" charset="0"/>
-              </a:defRPr>
-            </a:lvl2pPr>
-            <a:lvl3pPr algn="l" rtl="0" fontAlgn="base">
-              <a:spcBef>
-                <a:spcPct val="0"/>
-              </a:spcBef>
-              <a:spcAft>
-                <a:spcPct val="0"/>
-              </a:spcAft>
-              <a:defRPr sz="4400">
-                <a:solidFill>
-                  <a:schemeClr val="tx2"/>
-                </a:solidFill>
-                <a:latin typeface="Times New Roman" pitchFamily="18" charset="0"/>
-              </a:defRPr>
-            </a:lvl3pPr>
-            <a:lvl4pPr algn="l" rtl="0" fontAlgn="base">
-              <a:spcBef>
-                <a:spcPct val="0"/>
-              </a:spcBef>
-              <a:spcAft>
-                <a:spcPct val="0"/>
-              </a:spcAft>
-              <a:defRPr sz="4400">
-                <a:solidFill>
-                  <a:schemeClr val="tx2"/>
-                </a:solidFill>
-                <a:latin typeface="Times New Roman" pitchFamily="18" charset="0"/>
-              </a:defRPr>
-            </a:lvl4pPr>
-            <a:lvl5pPr algn="l" rtl="0" fontAlgn="base">
-              <a:spcBef>
-                <a:spcPct val="0"/>
-              </a:spcBef>
-              <a:spcAft>
-                <a:spcPct val="0"/>
-              </a:spcAft>
-              <a:defRPr sz="4400">
-                <a:solidFill>
-                  <a:schemeClr val="tx2"/>
-                </a:solidFill>
-                <a:latin typeface="Times New Roman" pitchFamily="18" charset="0"/>
-              </a:defRPr>
-            </a:lvl5pPr>
-            <a:lvl6pPr marL="457200" algn="l" rtl="0" fontAlgn="base">
-              <a:spcBef>
-                <a:spcPct val="0"/>
-              </a:spcBef>
-              <a:spcAft>
-                <a:spcPct val="0"/>
-              </a:spcAft>
-              <a:defRPr sz="4400">
-                <a:solidFill>
-                  <a:schemeClr val="tx2"/>
-                </a:solidFill>
-                <a:latin typeface="Times New Roman" pitchFamily="18" charset="0"/>
-              </a:defRPr>
-            </a:lvl6pPr>
-            <a:lvl7pPr marL="914400" algn="l" rtl="0" fontAlgn="base">
-              <a:spcBef>
-                <a:spcPct val="0"/>
-              </a:spcBef>
-              <a:spcAft>
-                <a:spcPct val="0"/>
-              </a:spcAft>
-              <a:defRPr sz="4400">
-                <a:solidFill>
-                  <a:schemeClr val="tx2"/>
-                </a:solidFill>
-                <a:latin typeface="Times New Roman" pitchFamily="18" charset="0"/>
-              </a:defRPr>
-            </a:lvl7pPr>
-            <a:lvl8pPr marL="1371600" algn="l" rtl="0" fontAlgn="base">
-              <a:spcBef>
-                <a:spcPct val="0"/>
-              </a:spcBef>
-              <a:spcAft>
-                <a:spcPct val="0"/>
-              </a:spcAft>
-              <a:defRPr sz="4400">
-                <a:solidFill>
-                  <a:schemeClr val="tx2"/>
-                </a:solidFill>
-                <a:latin typeface="Times New Roman" pitchFamily="18" charset="0"/>
-              </a:defRPr>
-            </a:lvl8pPr>
-            <a:lvl9pPr marL="1828800" algn="l" rtl="0" fontAlgn="base">
-              <a:spcBef>
-                <a:spcPct val="0"/>
-              </a:spcBef>
-              <a:spcAft>
-                <a:spcPct val="0"/>
-              </a:spcAft>
-              <a:defRPr sz="4400">
-                <a:solidFill>
-                  <a:schemeClr val="tx2"/>
-                </a:solidFill>
-                <a:latin typeface="Times New Roman" pitchFamily="18" charset="0"/>
-              </a:defRPr>
-            </a:lvl9pPr>
-          </a:lstStyle>
-          <a:p>
-            <a:pPr>
-              <a:spcAft>
-                <a:spcPts val="600"/>
-              </a:spcAft>
-              <a:buClrTx/>
-              <a:buSzTx/>
-              <a:buFontTx/>
-              <a:buNone/>
-            </a:pPr>
-            <a:r>
-              <a:rPr kumimoji="0" lang="ru-RU" altLang="ru-RU" b="1" kern="0" dirty="0" err="1">
-                <a:latin typeface="+mj-lt"/>
-                <a:ea typeface="+mj-ea"/>
-                <a:cs typeface="+mj-cs"/>
-              </a:rPr>
-              <a:t>OpenVPN</a:t>
-            </a:r>
-            <a:endParaRPr kumimoji="0" lang="ru-RU" altLang="ru-RU" b="1" kern="0" dirty="0">
-              <a:latin typeface="+mj-lt"/>
-              <a:ea typeface="+mj-ea"/>
-              <a:cs typeface="+mj-cs"/>
-            </a:endParaRPr>
-          </a:p>
-        </p:txBody>
-      </p:sp>
-      <p:sp>
-        <p:nvSpPr>
-          <p:cNvPr id="2" name="TextBox 1">
-            <a:extLst>
-              <a:ext uri="{FF2B5EF4-FFF2-40B4-BE49-F238E27FC236}">
-                <a16:creationId xmlns:a16="http://schemas.microsoft.com/office/drawing/2014/main" id="{1D992F6E-A7E3-7864-7ADE-E73DB8A9DF17}"/>
-              </a:ext>
-            </a:extLst>
-          </p:cNvPr>
-          <p:cNvSpPr txBox="1"/>
-          <p:nvPr/>
-        </p:nvSpPr>
-        <p:spPr bwMode="auto">
-          <a:xfrm>
-            <a:off x="467544" y="908720"/>
-            <a:ext cx="4337248" cy="4114800"/>
-          </a:xfrm>
-          <a:prstGeom prst="rect">
-            <a:avLst/>
-          </a:prstGeom>
-          <a:noFill/>
-          <a:ln>
-            <a:noFill/>
-          </a:ln>
-          <a:effectLst/>
-        </p:spPr>
-        <p:txBody>
-          <a:bodyPr vert="horz" wrap="square" lIns="91440" tIns="45720" rIns="91440" bIns="45720" numCol="1" rtlCol="0" anchor="t" anchorCtr="0" compatLnSpc="1">
-            <a:prstTxWarp prst="textNoShape">
-              <a:avLst/>
-            </a:prstTxWarp>
-            <a:noAutofit/>
-          </a:bodyPr>
-          <a:lstStyle/>
-          <a:p>
-            <a:pPr>
-              <a:lnSpc>
-                <a:spcPct val="90000"/>
-              </a:lnSpc>
-              <a:buNone/>
-            </a:pPr>
-            <a:r>
-              <a:rPr lang="ru-RU" sz="1400" b="1" dirty="0" err="1">
-                <a:latin typeface="+mn-lt"/>
-              </a:rPr>
-              <a:t>OpenVPN</a:t>
-            </a:r>
-            <a:r>
-              <a:rPr lang="ru-RU" sz="1400" dirty="0">
-                <a:latin typeface="+mn-lt"/>
-              </a:rPr>
-              <a:t> — свободная реализация технологии виртуальной частной сети (VPN) с открытым исходным кодом для создания зашифрованных </a:t>
-            </a:r>
-            <a:r>
-              <a:rPr lang="ru-RU" sz="1400" dirty="0" err="1">
-                <a:latin typeface="+mn-lt"/>
-              </a:rPr>
-              <a:t>каналoв</a:t>
-            </a:r>
-            <a:r>
-              <a:rPr lang="ru-RU" sz="1400" dirty="0">
-                <a:latin typeface="+mn-lt"/>
-              </a:rPr>
-              <a:t> типа точка-точка или сервер-клиенты между компьютерами. Она позволяет устанавливать соединения между компьютерами, находящимися за </a:t>
-            </a:r>
-            <a:r>
-              <a:rPr lang="ru-RU" sz="1400" i="1" dirty="0">
-                <a:latin typeface="+mn-lt"/>
-              </a:rPr>
-              <a:t>NAT</a:t>
-            </a:r>
-            <a:r>
-              <a:rPr lang="ru-RU" sz="1400" dirty="0">
-                <a:latin typeface="+mn-lt"/>
-              </a:rPr>
-              <a:t> и сетевым экраном, без необходимости изменения их настроек.</a:t>
-            </a:r>
-          </a:p>
-          <a:p>
-            <a:pPr>
-              <a:lnSpc>
-                <a:spcPct val="90000"/>
-              </a:lnSpc>
-              <a:buNone/>
-            </a:pPr>
-            <a:r>
-              <a:rPr lang="ru-RU" sz="1400" dirty="0" err="1">
-                <a:latin typeface="+mn-lt"/>
-              </a:rPr>
-              <a:t>OpenVPN</a:t>
-            </a:r>
-            <a:r>
-              <a:rPr lang="ru-RU" sz="1400" dirty="0">
-                <a:latin typeface="+mn-lt"/>
-              </a:rPr>
-              <a:t> проводит все </a:t>
-            </a:r>
-            <a:r>
-              <a:rPr lang="en-US" sz="1400" dirty="0">
-                <a:latin typeface="+mn-lt"/>
-              </a:rPr>
-              <a:t>`</a:t>
-            </a:r>
-            <a:r>
-              <a:rPr lang="ru-RU" sz="1400" dirty="0">
-                <a:latin typeface="+mn-lt"/>
-              </a:rPr>
-              <a:t>сетевые операции через TCP- или UDP-транспорт. Используемый порт 1194 выделен Internet </a:t>
-            </a:r>
-            <a:r>
-              <a:rPr lang="ru-RU" sz="1400" dirty="0" err="1">
-                <a:latin typeface="+mn-lt"/>
-              </a:rPr>
-              <a:t>Assigned</a:t>
-            </a:r>
-            <a:r>
-              <a:rPr lang="ru-RU" sz="1400" dirty="0">
-                <a:latin typeface="+mn-lt"/>
-              </a:rPr>
-              <a:t> </a:t>
-            </a:r>
-            <a:r>
-              <a:rPr lang="ru-RU" sz="1400" dirty="0" err="1">
-                <a:latin typeface="+mn-lt"/>
-              </a:rPr>
-              <a:t>Numbers</a:t>
-            </a:r>
-            <a:r>
-              <a:rPr lang="ru-RU" sz="1400" dirty="0">
-                <a:latin typeface="+mn-lt"/>
-              </a:rPr>
-              <a:t> Authority для работы данной программы. В общем случае предпочтительным является UDP по той причине, что через туннель проходит трафик сетевого уровня и выше по OSI. Это значит, что </a:t>
-            </a:r>
-            <a:r>
-              <a:rPr lang="ru-RU" sz="1400" dirty="0" err="1">
-                <a:latin typeface="+mn-lt"/>
-              </a:rPr>
-              <a:t>OpenVPN</a:t>
-            </a:r>
-            <a:r>
-              <a:rPr lang="ru-RU" sz="1400" dirty="0">
-                <a:latin typeface="+mn-lt"/>
-              </a:rPr>
-              <a:t> для клиента выступает протоколом канального или даже физического уровня, а значит, надежность передачи данных может обеспечиваться вышестоящими по OSI уровнями, если это необходимо.</a:t>
-            </a:r>
-          </a:p>
-          <a:p>
-            <a:pPr>
-              <a:lnSpc>
-                <a:spcPct val="90000"/>
-              </a:lnSpc>
-              <a:buNone/>
-            </a:pPr>
-            <a:r>
-              <a:rPr lang="ru-RU" sz="1400" dirty="0">
-                <a:latin typeface="+mn-lt"/>
-              </a:rPr>
-              <a:t>Также возможна работа через большую часть прокси-серверов, включая HTTP, SOCKS, через NAT и сетевые фильтры. Сервер может быть настроен на назначение сетевых настроек клиенту. Например: IP-адрес, настройки маршрутизации и параметры соединения.</a:t>
-            </a:r>
-          </a:p>
-          <a:p>
-            <a:pPr>
-              <a:lnSpc>
-                <a:spcPct val="90000"/>
-              </a:lnSpc>
-              <a:buNone/>
-            </a:pPr>
-            <a:r>
-              <a:rPr lang="ru-RU" sz="1400" dirty="0">
-                <a:latin typeface="+mn-lt"/>
-              </a:rPr>
-              <a:t>Использование в </a:t>
-            </a:r>
-            <a:r>
-              <a:rPr lang="ru-RU" sz="1400" dirty="0" err="1">
-                <a:latin typeface="+mn-lt"/>
-              </a:rPr>
-              <a:t>OpenVPN</a:t>
-            </a:r>
-            <a:r>
-              <a:rPr lang="ru-RU" sz="1400" dirty="0">
-                <a:latin typeface="+mn-lt"/>
-              </a:rPr>
-              <a:t> стандартных протоколов TCP и UDP позволяет ему стать альтернативой </a:t>
-            </a:r>
-            <a:r>
-              <a:rPr lang="ru-RU" sz="1400" i="1" dirty="0" err="1">
-                <a:latin typeface="+mn-lt"/>
-              </a:rPr>
-              <a:t>IPsec</a:t>
-            </a:r>
-            <a:r>
-              <a:rPr lang="ru-RU" sz="1400" dirty="0">
-                <a:latin typeface="+mn-lt"/>
-              </a:rPr>
-              <a:t> в ситуациях, когда Интернет-провайдер блокирует некоторые VPN-протоколы.</a:t>
-            </a:r>
-          </a:p>
-        </p:txBody>
-      </p:sp>
-      <p:pic>
-        <p:nvPicPr>
-          <p:cNvPr id="5" name="Рисунок 4">
-            <a:extLst>
-              <a:ext uri="{FF2B5EF4-FFF2-40B4-BE49-F238E27FC236}">
-                <a16:creationId xmlns:a16="http://schemas.microsoft.com/office/drawing/2014/main" id="{C7FB9D71-4C19-4D50-666D-D1A149488176}"/>
-              </a:ext>
-            </a:extLst>
-          </p:cNvPr>
-          <p:cNvPicPr>
-            <a:picLocks noChangeAspect="1"/>
-          </p:cNvPicPr>
-          <p:nvPr/>
-        </p:nvPicPr>
-        <p:blipFill>
-          <a:blip r:embed="rId2"/>
-          <a:stretch>
-            <a:fillRect/>
-          </a:stretch>
-        </p:blipFill>
-        <p:spPr>
-          <a:xfrm>
-            <a:off x="5029200" y="2254250"/>
-            <a:ext cx="3810000" cy="3810000"/>
-          </a:xfrm>
-          <a:prstGeom prst="rect">
-            <a:avLst/>
-          </a:prstGeom>
-          <a:noFill/>
-        </p:spPr>
-      </p:pic>
-    </p:spTree>
-    <p:extLst>
-      <p:ext uri="{BB962C8B-B14F-4D97-AF65-F5344CB8AC3E}">
-        <p14:creationId xmlns:p14="http://schemas.microsoft.com/office/powerpoint/2010/main" val="302692051"/>
-      </p:ext>
-    </p:extLst>
-  </p:cSld>
-  <p:clrMapOvr>
-    <a:masterClrMapping/>
-  </p:clrMapOvr>
-</p:sld>
-</file>
-
-<file path=ppt/slides/slide22.xml><?xml version="1.0" encoding="utf-8"?>
-<p:sld xmlns:a="http://schemas.openxmlformats.org/drawingml/2006/main" xmlns:r="http://schemas.openxmlformats.org/officeDocument/2006/relationships" xmlns:p="http://schemas.openxmlformats.org/presentationml/2006/main">
-  <p:cSld>
-    <p:spTree>
-      <p:nvGrpSpPr>
-        <p:cNvPr id="1" name=""/>
-        <p:cNvGrpSpPr/>
-        <p:nvPr/>
-      </p:nvGrpSpPr>
-      <p:grpSpPr>
-        <a:xfrm>
-          <a:off x="0" y="0"/>
-          <a:ext cx="0" cy="0"/>
-          <a:chOff x="0" y="0"/>
-          <a:chExt cx="0" cy="0"/>
-        </a:xfrm>
-      </p:grpSpPr>
-      <p:sp>
-        <p:nvSpPr>
-          <p:cNvPr id="19" name="Заголовок 1"/>
-          <p:cNvSpPr txBox="1">
-            <a:spLocks/>
-          </p:cNvSpPr>
-          <p:nvPr/>
-        </p:nvSpPr>
-        <p:spPr>
-          <a:xfrm>
-            <a:off x="0" y="701874"/>
-            <a:ext cx="9144000" cy="1008112"/>
-          </a:xfrm>
-          <a:prstGeom prst="rect">
-            <a:avLst/>
-          </a:prstGeom>
-        </p:spPr>
-        <p:txBody>
-          <a:bodyPr/>
-          <a:lstStyle>
-            <a:lvl1pPr algn="l" rtl="0" fontAlgn="base">
-              <a:spcBef>
-                <a:spcPct val="0"/>
-              </a:spcBef>
-              <a:spcAft>
-                <a:spcPct val="0"/>
-              </a:spcAft>
-              <a:defRPr sz="4400">
-                <a:solidFill>
-                  <a:schemeClr val="tx2"/>
-                </a:solidFill>
-                <a:latin typeface="+mj-lt"/>
-                <a:ea typeface="+mj-ea"/>
-                <a:cs typeface="+mj-cs"/>
-              </a:defRPr>
-            </a:lvl1pPr>
-            <a:lvl2pPr algn="l" rtl="0" fontAlgn="base">
-              <a:spcBef>
-                <a:spcPct val="0"/>
-              </a:spcBef>
-              <a:spcAft>
-                <a:spcPct val="0"/>
-              </a:spcAft>
-              <a:defRPr sz="4400">
-                <a:solidFill>
-                  <a:schemeClr val="tx2"/>
-                </a:solidFill>
-                <a:latin typeface="Times New Roman" pitchFamily="18" charset="0"/>
-              </a:defRPr>
-            </a:lvl2pPr>
-            <a:lvl3pPr algn="l" rtl="0" fontAlgn="base">
-              <a:spcBef>
-                <a:spcPct val="0"/>
-              </a:spcBef>
-              <a:spcAft>
-                <a:spcPct val="0"/>
-              </a:spcAft>
-              <a:defRPr sz="4400">
-                <a:solidFill>
-                  <a:schemeClr val="tx2"/>
-                </a:solidFill>
-                <a:latin typeface="Times New Roman" pitchFamily="18" charset="0"/>
-              </a:defRPr>
-            </a:lvl3pPr>
-            <a:lvl4pPr algn="l" rtl="0" fontAlgn="base">
-              <a:spcBef>
-                <a:spcPct val="0"/>
-              </a:spcBef>
-              <a:spcAft>
-                <a:spcPct val="0"/>
-              </a:spcAft>
-              <a:defRPr sz="4400">
-                <a:solidFill>
-                  <a:schemeClr val="tx2"/>
-                </a:solidFill>
-                <a:latin typeface="Times New Roman" pitchFamily="18" charset="0"/>
-              </a:defRPr>
-            </a:lvl4pPr>
-            <a:lvl5pPr algn="l" rtl="0" fontAlgn="base">
-              <a:spcBef>
-                <a:spcPct val="0"/>
-              </a:spcBef>
-              <a:spcAft>
-                <a:spcPct val="0"/>
-              </a:spcAft>
-              <a:defRPr sz="4400">
-                <a:solidFill>
-                  <a:schemeClr val="tx2"/>
-                </a:solidFill>
-                <a:latin typeface="Times New Roman" pitchFamily="18" charset="0"/>
-              </a:defRPr>
-            </a:lvl5pPr>
-            <a:lvl6pPr marL="457200" algn="l" rtl="0" fontAlgn="base">
-              <a:spcBef>
-                <a:spcPct val="0"/>
-              </a:spcBef>
-              <a:spcAft>
-                <a:spcPct val="0"/>
-              </a:spcAft>
-              <a:defRPr sz="4400">
-                <a:solidFill>
-                  <a:schemeClr val="tx2"/>
-                </a:solidFill>
-                <a:latin typeface="Times New Roman" pitchFamily="18" charset="0"/>
-              </a:defRPr>
-            </a:lvl6pPr>
-            <a:lvl7pPr marL="914400" algn="l" rtl="0" fontAlgn="base">
-              <a:spcBef>
-                <a:spcPct val="0"/>
-              </a:spcBef>
-              <a:spcAft>
-                <a:spcPct val="0"/>
-              </a:spcAft>
-              <a:defRPr sz="4400">
-                <a:solidFill>
-                  <a:schemeClr val="tx2"/>
-                </a:solidFill>
-                <a:latin typeface="Times New Roman" pitchFamily="18" charset="0"/>
-              </a:defRPr>
-            </a:lvl7pPr>
-            <a:lvl8pPr marL="1371600" algn="l" rtl="0" fontAlgn="base">
-              <a:spcBef>
-                <a:spcPct val="0"/>
-              </a:spcBef>
-              <a:spcAft>
-                <a:spcPct val="0"/>
-              </a:spcAft>
-              <a:defRPr sz="4400">
-                <a:solidFill>
-                  <a:schemeClr val="tx2"/>
-                </a:solidFill>
-                <a:latin typeface="Times New Roman" pitchFamily="18" charset="0"/>
-              </a:defRPr>
-            </a:lvl8pPr>
-            <a:lvl9pPr marL="1828800" algn="l" rtl="0" fontAlgn="base">
-              <a:spcBef>
-                <a:spcPct val="0"/>
-              </a:spcBef>
-              <a:spcAft>
-                <a:spcPct val="0"/>
-              </a:spcAft>
-              <a:defRPr sz="4400">
-                <a:solidFill>
-                  <a:schemeClr val="tx2"/>
-                </a:solidFill>
-                <a:latin typeface="Times New Roman" pitchFamily="18" charset="0"/>
-              </a:defRPr>
-            </a:lvl9pPr>
-          </a:lstStyle>
-          <a:p>
-            <a:pPr algn="ctr">
-              <a:buClrTx/>
-              <a:buSzTx/>
-              <a:buFontTx/>
-              <a:buNone/>
-            </a:pPr>
-            <a:r>
-              <a:rPr kumimoji="0" lang="en-US" altLang="ru-RU" b="1" kern="0" dirty="0" err="1"/>
-              <a:t>WireGuard</a:t>
-            </a:r>
-            <a:endParaRPr kumimoji="0" lang="en-US" altLang="ru-RU" b="1" kern="0" dirty="0"/>
-          </a:p>
-        </p:txBody>
-      </p:sp>
-      <p:sp>
-        <p:nvSpPr>
-          <p:cNvPr id="2" name="TextBox 1">
-            <a:extLst>
-              <a:ext uri="{FF2B5EF4-FFF2-40B4-BE49-F238E27FC236}">
-                <a16:creationId xmlns:a16="http://schemas.microsoft.com/office/drawing/2014/main" id="{1D992F6E-A7E3-7864-7ADE-E73DB8A9DF17}"/>
-              </a:ext>
-            </a:extLst>
-          </p:cNvPr>
-          <p:cNvSpPr txBox="1"/>
-          <p:nvPr/>
-        </p:nvSpPr>
-        <p:spPr>
-          <a:xfrm>
-            <a:off x="467544" y="1412776"/>
-            <a:ext cx="4680520" cy="3046988"/>
-          </a:xfrm>
-          <a:prstGeom prst="rect">
-            <a:avLst/>
-          </a:prstGeom>
-          <a:noFill/>
-        </p:spPr>
-        <p:txBody>
-          <a:bodyPr wrap="square" rtlCol="0">
-            <a:spAutoFit/>
-          </a:bodyPr>
-          <a:lstStyle/>
-          <a:p>
-            <a:pPr algn="just">
-              <a:buNone/>
-            </a:pPr>
-            <a:r>
-              <a:rPr lang="ru-RU" sz="1600" b="1" dirty="0" err="1"/>
-              <a:t>WireGuard</a:t>
-            </a:r>
-            <a:r>
-              <a:rPr lang="ru-RU" sz="1600" dirty="0"/>
-              <a:t> — коммуникационный протокол и бесплатное программное обеспечение с открытым исходным кодом, который реализует зашифрованные виртуальные частные сети (VPN). Он был разработан для простого использования технологии VPN, высокой производительности и низкой поверхности атаки. </a:t>
-            </a:r>
-            <a:r>
-              <a:rPr lang="ru-RU" sz="1600" dirty="0" err="1"/>
-              <a:t>WireGuard</a:t>
-            </a:r>
-            <a:r>
-              <a:rPr lang="ru-RU" sz="1600" dirty="0"/>
-              <a:t> нацелен на лучшую производительность и большую мощность, чем </a:t>
-            </a:r>
-            <a:r>
-              <a:rPr lang="ru-RU" sz="1600" dirty="0" err="1"/>
-              <a:t>IPsec</a:t>
-            </a:r>
-            <a:r>
-              <a:rPr lang="ru-RU" sz="1600" dirty="0"/>
-              <a:t> и </a:t>
-            </a:r>
-            <a:r>
-              <a:rPr lang="ru-RU" sz="1600" dirty="0" err="1"/>
-              <a:t>OpenVPN</a:t>
-            </a:r>
-            <a:r>
-              <a:rPr lang="ru-RU" sz="1600" dirty="0"/>
-              <a:t>, два других распространенных протокола туннелирования. Протокол </a:t>
-            </a:r>
-            <a:r>
-              <a:rPr lang="ru-RU" sz="1600" dirty="0" err="1"/>
-              <a:t>WireGuard</a:t>
-            </a:r>
-            <a:r>
-              <a:rPr lang="ru-RU" sz="1600" dirty="0"/>
-              <a:t> передаёт трафик по протоколу UDP.</a:t>
-            </a:r>
-          </a:p>
-        </p:txBody>
-      </p:sp>
-      <p:pic>
-        <p:nvPicPr>
-          <p:cNvPr id="3" name="Рисунок 2">
-            <a:extLst>
-              <a:ext uri="{FF2B5EF4-FFF2-40B4-BE49-F238E27FC236}">
-                <a16:creationId xmlns:a16="http://schemas.microsoft.com/office/drawing/2014/main" id="{D88EC44D-2110-634E-3317-DB0CBE11EE9F}"/>
-              </a:ext>
-            </a:extLst>
-          </p:cNvPr>
-          <p:cNvPicPr>
-            <a:picLocks noChangeAspect="1"/>
-          </p:cNvPicPr>
-          <p:nvPr/>
-        </p:nvPicPr>
-        <p:blipFill>
-          <a:blip r:embed="rId2"/>
-          <a:stretch>
-            <a:fillRect/>
-          </a:stretch>
-        </p:blipFill>
-        <p:spPr>
-          <a:xfrm>
-            <a:off x="4499992" y="2410480"/>
-            <a:ext cx="4893998" cy="4594960"/>
-          </a:xfrm>
-          <a:prstGeom prst="rect">
-            <a:avLst/>
-          </a:prstGeom>
-        </p:spPr>
-      </p:pic>
-    </p:spTree>
-    <p:extLst>
-      <p:ext uri="{BB962C8B-B14F-4D97-AF65-F5344CB8AC3E}">
-        <p14:creationId xmlns:p14="http://schemas.microsoft.com/office/powerpoint/2010/main" val="3537543530"/>
-      </p:ext>
-    </p:extLst>
-  </p:cSld>
-  <p:clrMapOvr>
-    <a:masterClrMapping/>
-  </p:clrMapOvr>
-</p:sld>
-</file>
-
-<file path=ppt/slides/slide3.xml><?xml version="1.0" encoding="utf-8"?>
-<p:sld xmlns:a="http://schemas.openxmlformats.org/drawingml/2006/main" xmlns:r="http://schemas.openxmlformats.org/officeDocument/2006/relationships" xmlns:p="http://schemas.openxmlformats.org/presentationml/2006/main">
-  <p:cSld>
-    <p:spTree>
-      <p:nvGrpSpPr>
-        <p:cNvPr id="1" name=""/>
-        <p:cNvGrpSpPr/>
-        <p:nvPr/>
-      </p:nvGrpSpPr>
-      <p:grpSpPr>
-        <a:xfrm>
-          <a:off x="0" y="0"/>
-          <a:ext cx="0" cy="0"/>
-          <a:chOff x="0" y="0"/>
-          <a:chExt cx="0" cy="0"/>
-        </a:xfrm>
-      </p:grpSpPr>
-      <p:pic>
-        <p:nvPicPr>
-          <p:cNvPr id="3074" name="Picture 2" descr="undefined"/>
-          <p:cNvPicPr>
-            <a:picLocks noChangeAspect="1" noChangeArrowheads="1"/>
-          </p:cNvPicPr>
-          <p:nvPr/>
-        </p:nvPicPr>
-        <p:blipFill>
-          <a:blip r:embed="rId2">
-            <a:extLst>
-              <a:ext uri="{28A0092B-C50C-407E-A947-70E740481C1C}">
-                <a14:useLocalDpi xmlns:a14="http://schemas.microsoft.com/office/drawing/2010/main" val="0"/>
-              </a:ext>
-            </a:extLst>
-          </a:blip>
-          <a:srcRect/>
-          <a:stretch>
-            <a:fillRect/>
-          </a:stretch>
-        </p:blipFill>
-        <p:spPr bwMode="auto">
-          <a:xfrm>
-            <a:off x="1763688" y="764704"/>
-            <a:ext cx="6840760" cy="6005707"/>
-          </a:xfrm>
-          <a:prstGeom prst="rect">
-            <a:avLst/>
-          </a:prstGeom>
-          <a:noFill/>
-          <a:extLst>
-            <a:ext uri="{909E8E84-426E-40DD-AFC4-6F175D3DCCD1}">
-              <a14:hiddenFill xmlns:a14="http://schemas.microsoft.com/office/drawing/2010/main">
-                <a:solidFill>
-                  <a:srgbClr val="FFFFFF"/>
-                </a:solidFill>
-              </a14:hiddenFill>
-            </a:ext>
-          </a:extLst>
-        </p:spPr>
-      </p:pic>
-    </p:spTree>
-    <p:extLst>
-      <p:ext uri="{BB962C8B-B14F-4D97-AF65-F5344CB8AC3E}">
-        <p14:creationId xmlns:p14="http://schemas.microsoft.com/office/powerpoint/2010/main" val="3640462041"/>
-      </p:ext>
-    </p:extLst>
-  </p:cSld>
-  <p:clrMapOvr>
-    <a:masterClrMapping/>
-  </p:clrMapOvr>
-</p:sld>
-</file>
-
-<file path=ppt/slides/slide4.xml><?xml version="1.0" encoding="utf-8"?>
-<p:sld xmlns:a="http://schemas.openxmlformats.org/drawingml/2006/main" xmlns:r="http://schemas.openxmlformats.org/officeDocument/2006/relationships" xmlns:p="http://schemas.openxmlformats.org/presentationml/2006/main">
-  <p:cSld>
-    <p:spTree>
-      <p:nvGrpSpPr>
-        <p:cNvPr id="1" name=""/>
-        <p:cNvGrpSpPr/>
-        <p:nvPr/>
-      </p:nvGrpSpPr>
-      <p:grpSpPr>
-        <a:xfrm>
-          <a:off x="0" y="0"/>
-          <a:ext cx="0" cy="0"/>
-          <a:chOff x="0" y="0"/>
-          <a:chExt cx="0" cy="0"/>
-        </a:xfrm>
-      </p:grpSpPr>
-      <p:sp>
-        <p:nvSpPr>
-          <p:cNvPr id="19" name="Заголовок 1"/>
-          <p:cNvSpPr txBox="1">
-            <a:spLocks/>
-          </p:cNvSpPr>
-          <p:nvPr/>
-        </p:nvSpPr>
-        <p:spPr>
-          <a:xfrm>
-            <a:off x="0" y="701874"/>
-            <a:ext cx="9144000" cy="1008112"/>
-          </a:xfrm>
-          <a:prstGeom prst="rect">
-            <a:avLst/>
-          </a:prstGeom>
-        </p:spPr>
-        <p:txBody>
-          <a:bodyPr/>
-          <a:lstStyle>
-            <a:lvl1pPr algn="l" rtl="0" fontAlgn="base">
-              <a:spcBef>
-                <a:spcPct val="0"/>
-              </a:spcBef>
-              <a:spcAft>
-                <a:spcPct val="0"/>
-              </a:spcAft>
-              <a:defRPr sz="4400">
-                <a:solidFill>
-                  <a:schemeClr val="tx2"/>
-                </a:solidFill>
-                <a:latin typeface="+mj-lt"/>
-                <a:ea typeface="+mj-ea"/>
-                <a:cs typeface="+mj-cs"/>
-              </a:defRPr>
-            </a:lvl1pPr>
-            <a:lvl2pPr algn="l" rtl="0" fontAlgn="base">
-              <a:spcBef>
-                <a:spcPct val="0"/>
-              </a:spcBef>
-              <a:spcAft>
-                <a:spcPct val="0"/>
-              </a:spcAft>
-              <a:defRPr sz="4400">
-                <a:solidFill>
-                  <a:schemeClr val="tx2"/>
-                </a:solidFill>
-                <a:latin typeface="Times New Roman" pitchFamily="18" charset="0"/>
-              </a:defRPr>
-            </a:lvl2pPr>
-            <a:lvl3pPr algn="l" rtl="0" fontAlgn="base">
-              <a:spcBef>
-                <a:spcPct val="0"/>
-              </a:spcBef>
-              <a:spcAft>
-                <a:spcPct val="0"/>
-              </a:spcAft>
-              <a:defRPr sz="4400">
-                <a:solidFill>
-                  <a:schemeClr val="tx2"/>
-                </a:solidFill>
-                <a:latin typeface="Times New Roman" pitchFamily="18" charset="0"/>
-              </a:defRPr>
-            </a:lvl3pPr>
-            <a:lvl4pPr algn="l" rtl="0" fontAlgn="base">
-              <a:spcBef>
-                <a:spcPct val="0"/>
-              </a:spcBef>
-              <a:spcAft>
-                <a:spcPct val="0"/>
-              </a:spcAft>
-              <a:defRPr sz="4400">
-                <a:solidFill>
-                  <a:schemeClr val="tx2"/>
-                </a:solidFill>
-                <a:latin typeface="Times New Roman" pitchFamily="18" charset="0"/>
-              </a:defRPr>
-            </a:lvl4pPr>
-            <a:lvl5pPr algn="l" rtl="0" fontAlgn="base">
-              <a:spcBef>
-                <a:spcPct val="0"/>
-              </a:spcBef>
-              <a:spcAft>
-                <a:spcPct val="0"/>
-              </a:spcAft>
-              <a:defRPr sz="4400">
-                <a:solidFill>
-                  <a:schemeClr val="tx2"/>
-                </a:solidFill>
-                <a:latin typeface="Times New Roman" pitchFamily="18" charset="0"/>
-              </a:defRPr>
-            </a:lvl5pPr>
-            <a:lvl6pPr marL="457200" algn="l" rtl="0" fontAlgn="base">
-              <a:spcBef>
-                <a:spcPct val="0"/>
-              </a:spcBef>
-              <a:spcAft>
-                <a:spcPct val="0"/>
-              </a:spcAft>
-              <a:defRPr sz="4400">
-                <a:solidFill>
-                  <a:schemeClr val="tx2"/>
-                </a:solidFill>
-                <a:latin typeface="Times New Roman" pitchFamily="18" charset="0"/>
-              </a:defRPr>
-            </a:lvl6pPr>
-            <a:lvl7pPr marL="914400" algn="l" rtl="0" fontAlgn="base">
-              <a:spcBef>
-                <a:spcPct val="0"/>
-              </a:spcBef>
-              <a:spcAft>
-                <a:spcPct val="0"/>
-              </a:spcAft>
-              <a:defRPr sz="4400">
-                <a:solidFill>
-                  <a:schemeClr val="tx2"/>
-                </a:solidFill>
-                <a:latin typeface="Times New Roman" pitchFamily="18" charset="0"/>
-              </a:defRPr>
-            </a:lvl7pPr>
-            <a:lvl8pPr marL="1371600" algn="l" rtl="0" fontAlgn="base">
-              <a:spcBef>
-                <a:spcPct val="0"/>
-              </a:spcBef>
-              <a:spcAft>
-                <a:spcPct val="0"/>
-              </a:spcAft>
-              <a:defRPr sz="4400">
-                <a:solidFill>
-                  <a:schemeClr val="tx2"/>
-                </a:solidFill>
-                <a:latin typeface="Times New Roman" pitchFamily="18" charset="0"/>
-              </a:defRPr>
-            </a:lvl8pPr>
-            <a:lvl9pPr marL="1828800" algn="l" rtl="0" fontAlgn="base">
-              <a:spcBef>
-                <a:spcPct val="0"/>
-              </a:spcBef>
-              <a:spcAft>
-                <a:spcPct val="0"/>
-              </a:spcAft>
-              <a:defRPr sz="4400">
-                <a:solidFill>
-                  <a:schemeClr val="tx2"/>
-                </a:solidFill>
-                <a:latin typeface="Times New Roman" pitchFamily="18" charset="0"/>
-              </a:defRPr>
-            </a:lvl9pPr>
-          </a:lstStyle>
-          <a:p>
-            <a:pPr algn="ctr">
-              <a:buClrTx/>
-              <a:buSzTx/>
-              <a:buFontTx/>
-              <a:buNone/>
-            </a:pPr>
-            <a:r>
-              <a:rPr kumimoji="0" lang="ru-RU" altLang="ru-RU" b="1" kern="0" dirty="0"/>
-              <a:t>Назначение </a:t>
-            </a:r>
-            <a:r>
-              <a:rPr kumimoji="0" lang="en-US" altLang="ru-RU" b="1" kern="0" dirty="0"/>
-              <a:t>VPN</a:t>
-            </a:r>
-          </a:p>
-        </p:txBody>
-      </p:sp>
-      <p:sp>
-        <p:nvSpPr>
-          <p:cNvPr id="9" name="TextBox 8"/>
-          <p:cNvSpPr txBox="1"/>
-          <p:nvPr/>
-        </p:nvSpPr>
-        <p:spPr>
-          <a:xfrm>
-            <a:off x="35496" y="1412776"/>
-            <a:ext cx="9108504" cy="5435334"/>
-          </a:xfrm>
-          <a:prstGeom prst="rect">
-            <a:avLst/>
-          </a:prstGeom>
-          <a:noFill/>
-        </p:spPr>
-        <p:txBody>
-          <a:bodyPr wrap="square" rtlCol="0">
-            <a:spAutoFit/>
-          </a:bodyPr>
-          <a:lstStyle/>
-          <a:p>
-            <a:r>
-              <a:rPr lang="ru-RU" sz="1400" dirty="0" err="1"/>
-              <a:t>Intranet</a:t>
-            </a:r>
-            <a:r>
-              <a:rPr lang="ru-RU" sz="1400" dirty="0"/>
-              <a:t> VPN</a:t>
-            </a:r>
-          </a:p>
-          <a:p>
-            <a:pPr>
-              <a:buNone/>
-            </a:pPr>
-            <a:r>
-              <a:rPr lang="ru-RU" sz="1400" i="1" dirty="0"/>
-              <a:t>Используется для объединения в единую защищённую сеть нескольких распределённых филиалов одной организации, обменивающихся данными по открытым каналам связи.</a:t>
-            </a:r>
-          </a:p>
-          <a:p>
-            <a:r>
-              <a:rPr lang="ru-RU" sz="1400" dirty="0" err="1"/>
-              <a:t>Remote-access</a:t>
-            </a:r>
-            <a:r>
-              <a:rPr lang="ru-RU" sz="1400" dirty="0"/>
-              <a:t> VPN</a:t>
-            </a:r>
-          </a:p>
-          <a:p>
-            <a:pPr>
-              <a:buNone/>
-            </a:pPr>
-            <a:r>
-              <a:rPr lang="ru-RU" sz="1400" i="1" dirty="0"/>
-              <a:t>Используется для создания защищённого канала между сегментом корпоративной сети (центральным офисом или филиалом) и одиночным пользователем, который, работая дома, подключается к корпоративным ресурсам с домашнего компьютера, корпоративного ноутбука, смартфона или интернет-киоска.</a:t>
-            </a:r>
-          </a:p>
-          <a:p>
-            <a:r>
-              <a:rPr lang="ru-RU" sz="1400" dirty="0" err="1"/>
-              <a:t>Extranet</a:t>
-            </a:r>
-            <a:r>
-              <a:rPr lang="ru-RU" sz="1400" dirty="0"/>
-              <a:t> VPN</a:t>
-            </a:r>
-          </a:p>
-          <a:p>
-            <a:pPr>
-              <a:buNone/>
-            </a:pPr>
-            <a:r>
-              <a:rPr lang="ru-RU" sz="1400" i="1" dirty="0"/>
-              <a:t>Используется для сетей, к которым подключаются «внешние» пользователи (например заказчики или клиенты). Уровень доверия к ним намного ниже, чем к сотрудникам компании, поэтому требуется обеспечение специальных «рубежей» защиты, предотвращающих или ограничивающих доступ последних к особо ценной, конфиденциальной информации.</a:t>
-            </a:r>
-          </a:p>
-          <a:p>
-            <a:r>
-              <a:rPr lang="ru-RU" sz="1400" dirty="0" err="1"/>
-              <a:t>Internet</a:t>
-            </a:r>
-            <a:r>
-              <a:rPr lang="ru-RU" sz="1400" dirty="0"/>
-              <a:t> VPN</a:t>
-            </a:r>
-          </a:p>
-          <a:p>
-            <a:pPr>
-              <a:buNone/>
-            </a:pPr>
-            <a:r>
-              <a:rPr lang="ru-RU" sz="1400" i="1" dirty="0"/>
-              <a:t>Используется провайдерами для предоставления доступа к интернету, обычно если по одному физическому каналу подключаются несколько пользователей.</a:t>
-            </a:r>
-          </a:p>
-          <a:p>
-            <a:r>
-              <a:rPr lang="ru-RU" sz="1400" dirty="0" err="1"/>
-              <a:t>Client</a:t>
-            </a:r>
-            <a:r>
-              <a:rPr lang="ru-RU" sz="1400" dirty="0"/>
-              <a:t>/</a:t>
-            </a:r>
-            <a:r>
-              <a:rPr lang="ru-RU" sz="1400" dirty="0" err="1"/>
-              <a:t>server</a:t>
-            </a:r>
-            <a:r>
-              <a:rPr lang="ru-RU" sz="1400" dirty="0"/>
-              <a:t> VPN</a:t>
-            </a:r>
-          </a:p>
-          <a:p>
-            <a:pPr>
-              <a:buNone/>
-            </a:pPr>
-            <a:r>
-              <a:rPr lang="ru-RU" sz="1400" i="1" dirty="0"/>
-              <a:t>Этот вариант обеспечивает защиту передаваемых данных между двумя узлами (не сетями) корпоративной сети. Особенность данного варианта в том, что VPN строится между узлами, находящимися, как правило, в одном сегменте сети, например, между рабочей станцией и сервером. Такая необходимость очень часто возникает в тех случаях, когда в одной физической сети необходимо создать несколько логических сетей. Например, когда надо разделить трафик между финансовым департаментом и отделом кадров, обращающихся к серверам, находящимся в одном физическом сегменте. Этот вариант похож на технологию VLAN, но вместо разделения трафика используется его шифрование.</a:t>
-            </a:r>
-          </a:p>
-        </p:txBody>
-      </p:sp>
-    </p:spTree>
-    <p:extLst>
-      <p:ext uri="{BB962C8B-B14F-4D97-AF65-F5344CB8AC3E}">
-        <p14:creationId xmlns:p14="http://schemas.microsoft.com/office/powerpoint/2010/main" val="2966992697"/>
-      </p:ext>
-    </p:extLst>
-  </p:cSld>
-  <p:clrMapOvr>
-    <a:masterClrMapping/>
-  </p:clrMapOvr>
-</p:sld>
-</file>
-
-<file path=ppt/slides/slide5.xml><?xml version="1.0" encoding="utf-8"?>
+<file path=ppt/slides/slide19.xml><?xml version="1.0" encoding="utf-8"?>
 <p:sld xmlns:a="http://schemas.openxmlformats.org/drawingml/2006/main" xmlns:r="http://schemas.openxmlformats.org/officeDocument/2006/relationships" xmlns:p="http://schemas.openxmlformats.org/presentationml/2006/main">
   <p:cSld>
     <p:spTree>
@@ -11285,7 +9003,1797 @@
 </p:sld>
 </file>
 
-<file path=ppt/slides/slide6.xml><?xml version="1.0" encoding="utf-8"?>
+<file path=ppt/slides/slide2.xml><?xml version="1.0" encoding="utf-8"?>
+<p:sld xmlns:a="http://schemas.openxmlformats.org/drawingml/2006/main" xmlns:r="http://schemas.openxmlformats.org/officeDocument/2006/relationships" xmlns:p="http://schemas.openxmlformats.org/presentationml/2006/main">
+  <p:cSld>
+    <p:spTree>
+      <p:nvGrpSpPr>
+        <p:cNvPr id="1" name=""/>
+        <p:cNvGrpSpPr/>
+        <p:nvPr/>
+      </p:nvGrpSpPr>
+      <p:grpSpPr>
+        <a:xfrm>
+          <a:off x="0" y="0"/>
+          <a:ext cx="0" cy="0"/>
+          <a:chOff x="0" y="0"/>
+          <a:chExt cx="0" cy="0"/>
+        </a:xfrm>
+      </p:grpSpPr>
+      <p:sp>
+        <p:nvSpPr>
+          <p:cNvPr id="19" name="Заголовок 1"/>
+          <p:cNvSpPr txBox="1">
+            <a:spLocks/>
+          </p:cNvSpPr>
+          <p:nvPr/>
+        </p:nvSpPr>
+        <p:spPr>
+          <a:xfrm>
+            <a:off x="0" y="701874"/>
+            <a:ext cx="9144000" cy="1008112"/>
+          </a:xfrm>
+          <a:prstGeom prst="rect">
+            <a:avLst/>
+          </a:prstGeom>
+        </p:spPr>
+        <p:txBody>
+          <a:bodyPr/>
+          <a:lstStyle>
+            <a:lvl1pPr algn="l" rtl="0" fontAlgn="base">
+              <a:spcBef>
+                <a:spcPct val="0"/>
+              </a:spcBef>
+              <a:spcAft>
+                <a:spcPct val="0"/>
+              </a:spcAft>
+              <a:defRPr sz="4400">
+                <a:solidFill>
+                  <a:schemeClr val="tx2"/>
+                </a:solidFill>
+                <a:latin typeface="+mj-lt"/>
+                <a:ea typeface="+mj-ea"/>
+                <a:cs typeface="+mj-cs"/>
+              </a:defRPr>
+            </a:lvl1pPr>
+            <a:lvl2pPr algn="l" rtl="0" fontAlgn="base">
+              <a:spcBef>
+                <a:spcPct val="0"/>
+              </a:spcBef>
+              <a:spcAft>
+                <a:spcPct val="0"/>
+              </a:spcAft>
+              <a:defRPr sz="4400">
+                <a:solidFill>
+                  <a:schemeClr val="tx2"/>
+                </a:solidFill>
+                <a:latin typeface="Times New Roman" pitchFamily="18" charset="0"/>
+              </a:defRPr>
+            </a:lvl2pPr>
+            <a:lvl3pPr algn="l" rtl="0" fontAlgn="base">
+              <a:spcBef>
+                <a:spcPct val="0"/>
+              </a:spcBef>
+              <a:spcAft>
+                <a:spcPct val="0"/>
+              </a:spcAft>
+              <a:defRPr sz="4400">
+                <a:solidFill>
+                  <a:schemeClr val="tx2"/>
+                </a:solidFill>
+                <a:latin typeface="Times New Roman" pitchFamily="18" charset="0"/>
+              </a:defRPr>
+            </a:lvl3pPr>
+            <a:lvl4pPr algn="l" rtl="0" fontAlgn="base">
+              <a:spcBef>
+                <a:spcPct val="0"/>
+              </a:spcBef>
+              <a:spcAft>
+                <a:spcPct val="0"/>
+              </a:spcAft>
+              <a:defRPr sz="4400">
+                <a:solidFill>
+                  <a:schemeClr val="tx2"/>
+                </a:solidFill>
+                <a:latin typeface="Times New Roman" pitchFamily="18" charset="0"/>
+              </a:defRPr>
+            </a:lvl4pPr>
+            <a:lvl5pPr algn="l" rtl="0" fontAlgn="base">
+              <a:spcBef>
+                <a:spcPct val="0"/>
+              </a:spcBef>
+              <a:spcAft>
+                <a:spcPct val="0"/>
+              </a:spcAft>
+              <a:defRPr sz="4400">
+                <a:solidFill>
+                  <a:schemeClr val="tx2"/>
+                </a:solidFill>
+                <a:latin typeface="Times New Roman" pitchFamily="18" charset="0"/>
+              </a:defRPr>
+            </a:lvl5pPr>
+            <a:lvl6pPr marL="457200" algn="l" rtl="0" fontAlgn="base">
+              <a:spcBef>
+                <a:spcPct val="0"/>
+              </a:spcBef>
+              <a:spcAft>
+                <a:spcPct val="0"/>
+              </a:spcAft>
+              <a:defRPr sz="4400">
+                <a:solidFill>
+                  <a:schemeClr val="tx2"/>
+                </a:solidFill>
+                <a:latin typeface="Times New Roman" pitchFamily="18" charset="0"/>
+              </a:defRPr>
+            </a:lvl6pPr>
+            <a:lvl7pPr marL="914400" algn="l" rtl="0" fontAlgn="base">
+              <a:spcBef>
+                <a:spcPct val="0"/>
+              </a:spcBef>
+              <a:spcAft>
+                <a:spcPct val="0"/>
+              </a:spcAft>
+              <a:defRPr sz="4400">
+                <a:solidFill>
+                  <a:schemeClr val="tx2"/>
+                </a:solidFill>
+                <a:latin typeface="Times New Roman" pitchFamily="18" charset="0"/>
+              </a:defRPr>
+            </a:lvl7pPr>
+            <a:lvl8pPr marL="1371600" algn="l" rtl="0" fontAlgn="base">
+              <a:spcBef>
+                <a:spcPct val="0"/>
+              </a:spcBef>
+              <a:spcAft>
+                <a:spcPct val="0"/>
+              </a:spcAft>
+              <a:defRPr sz="4400">
+                <a:solidFill>
+                  <a:schemeClr val="tx2"/>
+                </a:solidFill>
+                <a:latin typeface="Times New Roman" pitchFamily="18" charset="0"/>
+              </a:defRPr>
+            </a:lvl8pPr>
+            <a:lvl9pPr marL="1828800" algn="l" rtl="0" fontAlgn="base">
+              <a:spcBef>
+                <a:spcPct val="0"/>
+              </a:spcBef>
+              <a:spcAft>
+                <a:spcPct val="0"/>
+              </a:spcAft>
+              <a:defRPr sz="4400">
+                <a:solidFill>
+                  <a:schemeClr val="tx2"/>
+                </a:solidFill>
+                <a:latin typeface="Times New Roman" pitchFamily="18" charset="0"/>
+              </a:defRPr>
+            </a:lvl9pPr>
+          </a:lstStyle>
+          <a:p>
+            <a:pPr algn="ctr">
+              <a:buClrTx/>
+              <a:buSzTx/>
+              <a:buFontTx/>
+              <a:buNone/>
+            </a:pPr>
+            <a:r>
+              <a:rPr kumimoji="0" lang="en-US" altLang="ru-RU" b="1" kern="0" dirty="0"/>
+              <a:t>VPN</a:t>
+            </a:r>
+          </a:p>
+        </p:txBody>
+      </p:sp>
+      <p:sp>
+        <p:nvSpPr>
+          <p:cNvPr id="4" name="Прямоугольник 3"/>
+          <p:cNvSpPr/>
+          <p:nvPr/>
+        </p:nvSpPr>
+        <p:spPr>
+          <a:xfrm>
+            <a:off x="485292" y="1556792"/>
+            <a:ext cx="8173416" cy="2603790"/>
+          </a:xfrm>
+          <a:prstGeom prst="rect">
+            <a:avLst/>
+          </a:prstGeom>
+        </p:spPr>
+        <p:txBody>
+          <a:bodyPr wrap="square">
+            <a:spAutoFit/>
+          </a:bodyPr>
+          <a:lstStyle/>
+          <a:p>
+            <a:pPr algn="just"/>
+            <a:r>
+              <a:rPr lang="ru-RU" sz="1600" b="1" dirty="0"/>
+              <a:t>VPN</a:t>
+            </a:r>
+            <a:r>
+              <a:rPr lang="ru-RU" sz="1600" dirty="0"/>
+              <a:t> (англ. </a:t>
+            </a:r>
+            <a:r>
+              <a:rPr lang="ru-RU" sz="1600" dirty="0" err="1"/>
+              <a:t>virtual</a:t>
+            </a:r>
+            <a:r>
+              <a:rPr lang="ru-RU" sz="1600" dirty="0"/>
+              <a:t> </a:t>
+            </a:r>
+            <a:r>
+              <a:rPr lang="ru-RU" sz="1600" dirty="0" err="1"/>
+              <a:t>private</a:t>
+            </a:r>
+            <a:r>
+              <a:rPr lang="ru-RU" sz="1600" dirty="0"/>
+              <a:t> </a:t>
+            </a:r>
+            <a:r>
+              <a:rPr lang="ru-RU" sz="1600" dirty="0" err="1"/>
+              <a:t>network</a:t>
+            </a:r>
+            <a:r>
+              <a:rPr lang="ru-RU" sz="1600" dirty="0"/>
+              <a:t> — «виртуальная частная сеть») — обобщённое название технологий, позволяющих обеспечить одно или несколько сетевых соединений поверх чьей-либо другой сети. Несмотря на то, что для коммуникации используются сети с меньшим или неизвестным уровнем доверия (например, публичные сети), уровень доверия к построенной логической сети не зависит от уровня доверия к базовым сетям благодаря использованию средств криптографии (шифрования, аутентификации, инфраструктуры открытых ключей, средств защиты от повторов и изменений передаваемых по логической сети сообщений).</a:t>
+            </a:r>
+          </a:p>
+          <a:p>
+            <a:pPr algn="just"/>
+            <a:r>
+              <a:rPr lang="ru-RU" sz="1600" dirty="0"/>
+              <a:t>В зависимости от применяемых протоколов и назначения VPN может обеспечивать соединения трёх видов: узел-узел, узел-сеть и сеть-сеть.</a:t>
+            </a:r>
+          </a:p>
+        </p:txBody>
+      </p:sp>
+      <p:pic>
+        <p:nvPicPr>
+          <p:cNvPr id="2050" name="Picture 2" descr="Что такое VPN на роутере и зачем он вам нужен? | FS сообщество"/>
+          <p:cNvPicPr>
+            <a:picLocks noChangeAspect="1" noChangeArrowheads="1"/>
+          </p:cNvPicPr>
+          <p:nvPr/>
+        </p:nvPicPr>
+        <p:blipFill>
+          <a:blip r:embed="rId2" cstate="print">
+            <a:extLst>
+              <a:ext uri="{28A0092B-C50C-407E-A947-70E740481C1C}">
+                <a14:useLocalDpi xmlns:a14="http://schemas.microsoft.com/office/drawing/2010/main" val="0"/>
+              </a:ext>
+            </a:extLst>
+          </a:blip>
+          <a:srcRect/>
+          <a:stretch>
+            <a:fillRect/>
+          </a:stretch>
+        </p:blipFill>
+        <p:spPr bwMode="auto">
+          <a:xfrm>
+            <a:off x="1691680" y="3894149"/>
+            <a:ext cx="6237153" cy="2996952"/>
+          </a:xfrm>
+          <a:prstGeom prst="rect">
+            <a:avLst/>
+          </a:prstGeom>
+          <a:noFill/>
+          <a:extLst>
+            <a:ext uri="{909E8E84-426E-40DD-AFC4-6F175D3DCCD1}">
+              <a14:hiddenFill xmlns:a14="http://schemas.microsoft.com/office/drawing/2010/main">
+                <a:solidFill>
+                  <a:srgbClr val="FFFFFF"/>
+                </a:solidFill>
+              </a14:hiddenFill>
+            </a:ext>
+          </a:extLst>
+        </p:spPr>
+      </p:pic>
+    </p:spTree>
+    <p:extLst>
+      <p:ext uri="{BB962C8B-B14F-4D97-AF65-F5344CB8AC3E}">
+        <p14:creationId xmlns:p14="http://schemas.microsoft.com/office/powerpoint/2010/main" val="2883663532"/>
+      </p:ext>
+    </p:extLst>
+  </p:cSld>
+  <p:clrMapOvr>
+    <a:masterClrMapping/>
+  </p:clrMapOvr>
+</p:sld>
+</file>
+
+<file path=ppt/slides/slide20.xml><?xml version="1.0" encoding="utf-8"?>
+<p:sld xmlns:a="http://schemas.openxmlformats.org/drawingml/2006/main" xmlns:r="http://schemas.openxmlformats.org/officeDocument/2006/relationships" xmlns:p="http://schemas.openxmlformats.org/presentationml/2006/main">
+  <p:cSld>
+    <p:spTree>
+      <p:nvGrpSpPr>
+        <p:cNvPr id="1" name=""/>
+        <p:cNvGrpSpPr/>
+        <p:nvPr/>
+      </p:nvGrpSpPr>
+      <p:grpSpPr>
+        <a:xfrm>
+          <a:off x="0" y="0"/>
+          <a:ext cx="0" cy="0"/>
+          <a:chOff x="0" y="0"/>
+          <a:chExt cx="0" cy="0"/>
+        </a:xfrm>
+      </p:grpSpPr>
+      <p:sp>
+        <p:nvSpPr>
+          <p:cNvPr id="19" name="Заголовок 1"/>
+          <p:cNvSpPr txBox="1">
+            <a:spLocks/>
+          </p:cNvSpPr>
+          <p:nvPr/>
+        </p:nvSpPr>
+        <p:spPr>
+          <a:xfrm>
+            <a:off x="0" y="701874"/>
+            <a:ext cx="9144000" cy="1008112"/>
+          </a:xfrm>
+          <a:prstGeom prst="rect">
+            <a:avLst/>
+          </a:prstGeom>
+        </p:spPr>
+        <p:txBody>
+          <a:bodyPr/>
+          <a:lstStyle>
+            <a:lvl1pPr algn="l" rtl="0" fontAlgn="base">
+              <a:spcBef>
+                <a:spcPct val="0"/>
+              </a:spcBef>
+              <a:spcAft>
+                <a:spcPct val="0"/>
+              </a:spcAft>
+              <a:defRPr sz="4400">
+                <a:solidFill>
+                  <a:schemeClr val="tx2"/>
+                </a:solidFill>
+                <a:latin typeface="+mj-lt"/>
+                <a:ea typeface="+mj-ea"/>
+                <a:cs typeface="+mj-cs"/>
+              </a:defRPr>
+            </a:lvl1pPr>
+            <a:lvl2pPr algn="l" rtl="0" fontAlgn="base">
+              <a:spcBef>
+                <a:spcPct val="0"/>
+              </a:spcBef>
+              <a:spcAft>
+                <a:spcPct val="0"/>
+              </a:spcAft>
+              <a:defRPr sz="4400">
+                <a:solidFill>
+                  <a:schemeClr val="tx2"/>
+                </a:solidFill>
+                <a:latin typeface="Times New Roman" pitchFamily="18" charset="0"/>
+              </a:defRPr>
+            </a:lvl2pPr>
+            <a:lvl3pPr algn="l" rtl="0" fontAlgn="base">
+              <a:spcBef>
+                <a:spcPct val="0"/>
+              </a:spcBef>
+              <a:spcAft>
+                <a:spcPct val="0"/>
+              </a:spcAft>
+              <a:defRPr sz="4400">
+                <a:solidFill>
+                  <a:schemeClr val="tx2"/>
+                </a:solidFill>
+                <a:latin typeface="Times New Roman" pitchFamily="18" charset="0"/>
+              </a:defRPr>
+            </a:lvl3pPr>
+            <a:lvl4pPr algn="l" rtl="0" fontAlgn="base">
+              <a:spcBef>
+                <a:spcPct val="0"/>
+              </a:spcBef>
+              <a:spcAft>
+                <a:spcPct val="0"/>
+              </a:spcAft>
+              <a:defRPr sz="4400">
+                <a:solidFill>
+                  <a:schemeClr val="tx2"/>
+                </a:solidFill>
+                <a:latin typeface="Times New Roman" pitchFamily="18" charset="0"/>
+              </a:defRPr>
+            </a:lvl4pPr>
+            <a:lvl5pPr algn="l" rtl="0" fontAlgn="base">
+              <a:spcBef>
+                <a:spcPct val="0"/>
+              </a:spcBef>
+              <a:spcAft>
+                <a:spcPct val="0"/>
+              </a:spcAft>
+              <a:defRPr sz="4400">
+                <a:solidFill>
+                  <a:schemeClr val="tx2"/>
+                </a:solidFill>
+                <a:latin typeface="Times New Roman" pitchFamily="18" charset="0"/>
+              </a:defRPr>
+            </a:lvl5pPr>
+            <a:lvl6pPr marL="457200" algn="l" rtl="0" fontAlgn="base">
+              <a:spcBef>
+                <a:spcPct val="0"/>
+              </a:spcBef>
+              <a:spcAft>
+                <a:spcPct val="0"/>
+              </a:spcAft>
+              <a:defRPr sz="4400">
+                <a:solidFill>
+                  <a:schemeClr val="tx2"/>
+                </a:solidFill>
+                <a:latin typeface="Times New Roman" pitchFamily="18" charset="0"/>
+              </a:defRPr>
+            </a:lvl6pPr>
+            <a:lvl7pPr marL="914400" algn="l" rtl="0" fontAlgn="base">
+              <a:spcBef>
+                <a:spcPct val="0"/>
+              </a:spcBef>
+              <a:spcAft>
+                <a:spcPct val="0"/>
+              </a:spcAft>
+              <a:defRPr sz="4400">
+                <a:solidFill>
+                  <a:schemeClr val="tx2"/>
+                </a:solidFill>
+                <a:latin typeface="Times New Roman" pitchFamily="18" charset="0"/>
+              </a:defRPr>
+            </a:lvl7pPr>
+            <a:lvl8pPr marL="1371600" algn="l" rtl="0" fontAlgn="base">
+              <a:spcBef>
+                <a:spcPct val="0"/>
+              </a:spcBef>
+              <a:spcAft>
+                <a:spcPct val="0"/>
+              </a:spcAft>
+              <a:defRPr sz="4400">
+                <a:solidFill>
+                  <a:schemeClr val="tx2"/>
+                </a:solidFill>
+                <a:latin typeface="Times New Roman" pitchFamily="18" charset="0"/>
+              </a:defRPr>
+            </a:lvl8pPr>
+            <a:lvl9pPr marL="1828800" algn="l" rtl="0" fontAlgn="base">
+              <a:spcBef>
+                <a:spcPct val="0"/>
+              </a:spcBef>
+              <a:spcAft>
+                <a:spcPct val="0"/>
+              </a:spcAft>
+              <a:defRPr sz="4400">
+                <a:solidFill>
+                  <a:schemeClr val="tx2"/>
+                </a:solidFill>
+                <a:latin typeface="Times New Roman" pitchFamily="18" charset="0"/>
+              </a:defRPr>
+            </a:lvl9pPr>
+          </a:lstStyle>
+          <a:p>
+            <a:pPr algn="ctr">
+              <a:buClrTx/>
+              <a:buSzTx/>
+              <a:buFontTx/>
+              <a:buNone/>
+            </a:pPr>
+            <a:r>
+              <a:rPr kumimoji="0" lang="en-US" altLang="ru-RU" b="1" kern="0" dirty="0"/>
+              <a:t>PPTP</a:t>
+            </a:r>
+          </a:p>
+        </p:txBody>
+      </p:sp>
+      <p:sp>
+        <p:nvSpPr>
+          <p:cNvPr id="2" name="TextBox 1">
+            <a:extLst>
+              <a:ext uri="{FF2B5EF4-FFF2-40B4-BE49-F238E27FC236}">
+                <a16:creationId xmlns:a16="http://schemas.microsoft.com/office/drawing/2014/main" id="{1D992F6E-A7E3-7864-7ADE-E73DB8A9DF17}"/>
+              </a:ext>
+            </a:extLst>
+          </p:cNvPr>
+          <p:cNvSpPr txBox="1"/>
+          <p:nvPr/>
+        </p:nvSpPr>
+        <p:spPr>
+          <a:xfrm>
+            <a:off x="467544" y="1412776"/>
+            <a:ext cx="8568952" cy="4228850"/>
+          </a:xfrm>
+          <a:prstGeom prst="rect">
+            <a:avLst/>
+          </a:prstGeom>
+          <a:noFill/>
+        </p:spPr>
+        <p:txBody>
+          <a:bodyPr wrap="square" rtlCol="0">
+            <a:spAutoFit/>
+          </a:bodyPr>
+          <a:lstStyle/>
+          <a:p>
+            <a:pPr algn="just">
+              <a:buNone/>
+            </a:pPr>
+            <a:r>
+              <a:rPr lang="ru-RU" sz="1600" b="1" dirty="0"/>
+              <a:t>PPTP</a:t>
+            </a:r>
+            <a:r>
+              <a:rPr lang="ru-RU" sz="1600" dirty="0"/>
+              <a:t> (англ. Point-</a:t>
+            </a:r>
+            <a:r>
+              <a:rPr lang="ru-RU" sz="1600" dirty="0" err="1"/>
+              <a:t>to</a:t>
+            </a:r>
+            <a:r>
+              <a:rPr lang="ru-RU" sz="1600" dirty="0"/>
+              <a:t>-Point </a:t>
+            </a:r>
+            <a:r>
+              <a:rPr lang="ru-RU" sz="1600" dirty="0" err="1"/>
+              <a:t>Tunneling</a:t>
+            </a:r>
+            <a:r>
+              <a:rPr lang="ru-RU" sz="1600" dirty="0"/>
+              <a:t> Protocol) — туннельный протокол типа точка-точка, позволяющий компьютеру устанавливать защищённое соединение с сервером за счёт создания специального туннеля в стандартной, незащищённой сети. PPTP помещает (инкапсулирует) кадры </a:t>
+            </a:r>
+            <a:r>
+              <a:rPr lang="ru-RU" sz="1600" b="1" dirty="0"/>
+              <a:t>PPP</a:t>
+            </a:r>
+            <a:r>
+              <a:rPr lang="ru-RU" sz="1600" dirty="0"/>
+              <a:t> в </a:t>
+            </a:r>
+            <a:r>
+              <a:rPr lang="ru-RU" sz="1600" b="1" dirty="0"/>
+              <a:t>IP-пакеты</a:t>
+            </a:r>
+            <a:r>
+              <a:rPr lang="ru-RU" sz="1600" dirty="0"/>
+              <a:t> для передачи по глобальной IP-сети, например, Интернет. PPTP может также использоваться для организации туннеля между двумя локальными сетями. РРТР использует дополнительное TCP-соединение для обслуживания туннеля.</a:t>
+            </a:r>
+            <a:endParaRPr lang="en-US" sz="1600" dirty="0"/>
+          </a:p>
+          <a:p>
+            <a:pPr algn="just">
+              <a:buNone/>
+            </a:pPr>
+            <a:endParaRPr lang="en-US" sz="1600" dirty="0"/>
+          </a:p>
+          <a:p>
+            <a:pPr algn="just">
+              <a:buNone/>
+            </a:pPr>
+            <a:r>
+              <a:rPr lang="ru-RU" sz="1600" dirty="0"/>
+              <a:t>Спецификация протокола была опубликована как «информационная» RFC 2637 в 1999 году. Она не была ратифицирована IETF. Протокол считается </a:t>
+            </a:r>
+            <a:r>
+              <a:rPr lang="ru-RU" sz="1600" i="1" dirty="0"/>
+              <a:t>менее безопасным</a:t>
+            </a:r>
+            <a:r>
+              <a:rPr lang="ru-RU" sz="1600" dirty="0"/>
+              <a:t>, чем </a:t>
+            </a:r>
+            <a:r>
+              <a:rPr lang="ru-RU" sz="1600" dirty="0" err="1"/>
+              <a:t>IPSec</a:t>
+            </a:r>
+            <a:r>
+              <a:rPr lang="ru-RU" sz="1600" dirty="0"/>
+              <a:t>. PPTP работает, устанавливая обычную PPP сессию с противоположной стороной с помощью протокола </a:t>
+            </a:r>
+            <a:r>
+              <a:rPr lang="ru-RU" sz="1600" dirty="0" err="1"/>
+              <a:t>Generic</a:t>
+            </a:r>
+            <a:r>
+              <a:rPr lang="ru-RU" sz="1600" dirty="0"/>
+              <a:t> </a:t>
+            </a:r>
+            <a:r>
+              <a:rPr lang="ru-RU" sz="1600" dirty="0" err="1"/>
+              <a:t>Routing</a:t>
+            </a:r>
+            <a:r>
+              <a:rPr lang="ru-RU" sz="1600" dirty="0"/>
+              <a:t> </a:t>
+            </a:r>
+            <a:r>
+              <a:rPr lang="ru-RU" sz="1600" dirty="0" err="1"/>
+              <a:t>Encapsulation</a:t>
+            </a:r>
+            <a:r>
+              <a:rPr lang="ru-RU" sz="1600" dirty="0"/>
+              <a:t>. </a:t>
+            </a:r>
+            <a:r>
+              <a:rPr lang="ru-RU" sz="1600" u="sng" dirty="0"/>
+              <a:t>Второе</a:t>
+            </a:r>
+            <a:r>
+              <a:rPr lang="ru-RU" sz="1600" dirty="0"/>
+              <a:t> соединение на TCP-порту </a:t>
+            </a:r>
+            <a:r>
+              <a:rPr lang="ru-RU" sz="1600" b="1" dirty="0"/>
+              <a:t>1723</a:t>
+            </a:r>
+            <a:r>
+              <a:rPr lang="ru-RU" sz="1600" dirty="0"/>
+              <a:t> используется для инициации и управления GRE-соединением. PPTP сложно перенаправлять за сетевой экран, так как он требует одновременного установления двух сетевых сессий.</a:t>
+            </a:r>
+          </a:p>
+          <a:p>
+            <a:pPr algn="just">
+              <a:buNone/>
+            </a:pPr>
+            <a:endParaRPr lang="ru-RU" sz="1600" dirty="0"/>
+          </a:p>
+          <a:p>
+            <a:pPr algn="just">
+              <a:buNone/>
+            </a:pPr>
+            <a:r>
+              <a:rPr lang="ru-RU" sz="1600" dirty="0"/>
+              <a:t>PPTP-трафик может быть зашифрован с помощью MPPE. Для аутентификации клиентов могут использоваться различные механизмы, наиболее безопасные из них — MS-CHAPv2 и EAP-TLS.</a:t>
+            </a:r>
+          </a:p>
+        </p:txBody>
+      </p:sp>
+    </p:spTree>
+    <p:extLst>
+      <p:ext uri="{BB962C8B-B14F-4D97-AF65-F5344CB8AC3E}">
+        <p14:creationId xmlns:p14="http://schemas.microsoft.com/office/powerpoint/2010/main" val="481528629"/>
+      </p:ext>
+    </p:extLst>
+  </p:cSld>
+  <p:clrMapOvr>
+    <a:masterClrMapping/>
+  </p:clrMapOvr>
+</p:sld>
+</file>
+
+<file path=ppt/slides/slide21.xml><?xml version="1.0" encoding="utf-8"?>
+<p:sld xmlns:a="http://schemas.openxmlformats.org/drawingml/2006/main" xmlns:r="http://schemas.openxmlformats.org/officeDocument/2006/relationships" xmlns:p="http://schemas.openxmlformats.org/presentationml/2006/main">
+  <p:cSld>
+    <p:spTree>
+      <p:nvGrpSpPr>
+        <p:cNvPr id="1" name=""/>
+        <p:cNvGrpSpPr/>
+        <p:nvPr/>
+      </p:nvGrpSpPr>
+      <p:grpSpPr>
+        <a:xfrm>
+          <a:off x="0" y="0"/>
+          <a:ext cx="0" cy="0"/>
+          <a:chOff x="0" y="0"/>
+          <a:chExt cx="0" cy="0"/>
+        </a:xfrm>
+      </p:grpSpPr>
+      <p:sp>
+        <p:nvSpPr>
+          <p:cNvPr id="19" name="Заголовок 1"/>
+          <p:cNvSpPr txBox="1">
+            <a:spLocks/>
+          </p:cNvSpPr>
+          <p:nvPr/>
+        </p:nvSpPr>
+        <p:spPr bwMode="auto">
+          <a:xfrm>
+            <a:off x="5505636" y="1111250"/>
+            <a:ext cx="2857128" cy="1143000"/>
+          </a:xfrm>
+          <a:prstGeom prst="rect">
+            <a:avLst/>
+          </a:prstGeom>
+          <a:noFill/>
+          <a:ln>
+            <a:noFill/>
+          </a:ln>
+          <a:effectLst/>
+        </p:spPr>
+        <p:txBody>
+          <a:bodyPr vert="horz" wrap="square" lIns="91440" tIns="45720" rIns="91440" bIns="45720" numCol="1" anchor="b" anchorCtr="0" compatLnSpc="1">
+            <a:prstTxWarp prst="textNoShape">
+              <a:avLst/>
+            </a:prstTxWarp>
+            <a:normAutofit/>
+          </a:bodyPr>
+          <a:lstStyle>
+            <a:lvl1pPr algn="l" rtl="0" fontAlgn="base">
+              <a:spcBef>
+                <a:spcPct val="0"/>
+              </a:spcBef>
+              <a:spcAft>
+                <a:spcPct val="0"/>
+              </a:spcAft>
+              <a:defRPr sz="4400">
+                <a:solidFill>
+                  <a:schemeClr val="tx2"/>
+                </a:solidFill>
+                <a:latin typeface="+mj-lt"/>
+                <a:ea typeface="+mj-ea"/>
+                <a:cs typeface="+mj-cs"/>
+              </a:defRPr>
+            </a:lvl1pPr>
+            <a:lvl2pPr algn="l" rtl="0" fontAlgn="base">
+              <a:spcBef>
+                <a:spcPct val="0"/>
+              </a:spcBef>
+              <a:spcAft>
+                <a:spcPct val="0"/>
+              </a:spcAft>
+              <a:defRPr sz="4400">
+                <a:solidFill>
+                  <a:schemeClr val="tx2"/>
+                </a:solidFill>
+                <a:latin typeface="Times New Roman" pitchFamily="18" charset="0"/>
+              </a:defRPr>
+            </a:lvl2pPr>
+            <a:lvl3pPr algn="l" rtl="0" fontAlgn="base">
+              <a:spcBef>
+                <a:spcPct val="0"/>
+              </a:spcBef>
+              <a:spcAft>
+                <a:spcPct val="0"/>
+              </a:spcAft>
+              <a:defRPr sz="4400">
+                <a:solidFill>
+                  <a:schemeClr val="tx2"/>
+                </a:solidFill>
+                <a:latin typeface="Times New Roman" pitchFamily="18" charset="0"/>
+              </a:defRPr>
+            </a:lvl3pPr>
+            <a:lvl4pPr algn="l" rtl="0" fontAlgn="base">
+              <a:spcBef>
+                <a:spcPct val="0"/>
+              </a:spcBef>
+              <a:spcAft>
+                <a:spcPct val="0"/>
+              </a:spcAft>
+              <a:defRPr sz="4400">
+                <a:solidFill>
+                  <a:schemeClr val="tx2"/>
+                </a:solidFill>
+                <a:latin typeface="Times New Roman" pitchFamily="18" charset="0"/>
+              </a:defRPr>
+            </a:lvl4pPr>
+            <a:lvl5pPr algn="l" rtl="0" fontAlgn="base">
+              <a:spcBef>
+                <a:spcPct val="0"/>
+              </a:spcBef>
+              <a:spcAft>
+                <a:spcPct val="0"/>
+              </a:spcAft>
+              <a:defRPr sz="4400">
+                <a:solidFill>
+                  <a:schemeClr val="tx2"/>
+                </a:solidFill>
+                <a:latin typeface="Times New Roman" pitchFamily="18" charset="0"/>
+              </a:defRPr>
+            </a:lvl5pPr>
+            <a:lvl6pPr marL="457200" algn="l" rtl="0" fontAlgn="base">
+              <a:spcBef>
+                <a:spcPct val="0"/>
+              </a:spcBef>
+              <a:spcAft>
+                <a:spcPct val="0"/>
+              </a:spcAft>
+              <a:defRPr sz="4400">
+                <a:solidFill>
+                  <a:schemeClr val="tx2"/>
+                </a:solidFill>
+                <a:latin typeface="Times New Roman" pitchFamily="18" charset="0"/>
+              </a:defRPr>
+            </a:lvl6pPr>
+            <a:lvl7pPr marL="914400" algn="l" rtl="0" fontAlgn="base">
+              <a:spcBef>
+                <a:spcPct val="0"/>
+              </a:spcBef>
+              <a:spcAft>
+                <a:spcPct val="0"/>
+              </a:spcAft>
+              <a:defRPr sz="4400">
+                <a:solidFill>
+                  <a:schemeClr val="tx2"/>
+                </a:solidFill>
+                <a:latin typeface="Times New Roman" pitchFamily="18" charset="0"/>
+              </a:defRPr>
+            </a:lvl7pPr>
+            <a:lvl8pPr marL="1371600" algn="l" rtl="0" fontAlgn="base">
+              <a:spcBef>
+                <a:spcPct val="0"/>
+              </a:spcBef>
+              <a:spcAft>
+                <a:spcPct val="0"/>
+              </a:spcAft>
+              <a:defRPr sz="4400">
+                <a:solidFill>
+                  <a:schemeClr val="tx2"/>
+                </a:solidFill>
+                <a:latin typeface="Times New Roman" pitchFamily="18" charset="0"/>
+              </a:defRPr>
+            </a:lvl8pPr>
+            <a:lvl9pPr marL="1828800" algn="l" rtl="0" fontAlgn="base">
+              <a:spcBef>
+                <a:spcPct val="0"/>
+              </a:spcBef>
+              <a:spcAft>
+                <a:spcPct val="0"/>
+              </a:spcAft>
+              <a:defRPr sz="4400">
+                <a:solidFill>
+                  <a:schemeClr val="tx2"/>
+                </a:solidFill>
+                <a:latin typeface="Times New Roman" pitchFamily="18" charset="0"/>
+              </a:defRPr>
+            </a:lvl9pPr>
+          </a:lstStyle>
+          <a:p>
+            <a:pPr>
+              <a:spcAft>
+                <a:spcPts val="600"/>
+              </a:spcAft>
+              <a:buClrTx/>
+              <a:buSzTx/>
+              <a:buFontTx/>
+              <a:buNone/>
+            </a:pPr>
+            <a:r>
+              <a:rPr kumimoji="0" lang="ru-RU" altLang="ru-RU" b="1" kern="0" dirty="0" err="1">
+                <a:latin typeface="+mj-lt"/>
+                <a:ea typeface="+mj-ea"/>
+                <a:cs typeface="+mj-cs"/>
+              </a:rPr>
+              <a:t>OpenVPN</a:t>
+            </a:r>
+            <a:endParaRPr kumimoji="0" lang="ru-RU" altLang="ru-RU" b="1" kern="0" dirty="0">
+              <a:latin typeface="+mj-lt"/>
+              <a:ea typeface="+mj-ea"/>
+              <a:cs typeface="+mj-cs"/>
+            </a:endParaRPr>
+          </a:p>
+        </p:txBody>
+      </p:sp>
+      <p:sp>
+        <p:nvSpPr>
+          <p:cNvPr id="2" name="TextBox 1">
+            <a:extLst>
+              <a:ext uri="{FF2B5EF4-FFF2-40B4-BE49-F238E27FC236}">
+                <a16:creationId xmlns:a16="http://schemas.microsoft.com/office/drawing/2014/main" id="{1D992F6E-A7E3-7864-7ADE-E73DB8A9DF17}"/>
+              </a:ext>
+            </a:extLst>
+          </p:cNvPr>
+          <p:cNvSpPr txBox="1"/>
+          <p:nvPr/>
+        </p:nvSpPr>
+        <p:spPr bwMode="auto">
+          <a:xfrm>
+            <a:off x="467544" y="908720"/>
+            <a:ext cx="4337248" cy="4114800"/>
+          </a:xfrm>
+          <a:prstGeom prst="rect">
+            <a:avLst/>
+          </a:prstGeom>
+          <a:noFill/>
+          <a:ln>
+            <a:noFill/>
+          </a:ln>
+          <a:effectLst/>
+        </p:spPr>
+        <p:txBody>
+          <a:bodyPr vert="horz" wrap="square" lIns="91440" tIns="45720" rIns="91440" bIns="45720" numCol="1" rtlCol="0" anchor="t" anchorCtr="0" compatLnSpc="1">
+            <a:prstTxWarp prst="textNoShape">
+              <a:avLst/>
+            </a:prstTxWarp>
+            <a:noAutofit/>
+          </a:bodyPr>
+          <a:lstStyle/>
+          <a:p>
+            <a:pPr>
+              <a:lnSpc>
+                <a:spcPct val="90000"/>
+              </a:lnSpc>
+              <a:buNone/>
+            </a:pPr>
+            <a:r>
+              <a:rPr lang="ru-RU" sz="1400" b="1" dirty="0" err="1">
+                <a:latin typeface="+mn-lt"/>
+              </a:rPr>
+              <a:t>OpenVPN</a:t>
+            </a:r>
+            <a:r>
+              <a:rPr lang="ru-RU" sz="1400" dirty="0">
+                <a:latin typeface="+mn-lt"/>
+              </a:rPr>
+              <a:t> — свободная реализация технологии виртуальной частной сети (VPN) с открытым исходным кодом для создания зашифрованных </a:t>
+            </a:r>
+            <a:r>
+              <a:rPr lang="ru-RU" sz="1400" dirty="0" err="1">
+                <a:latin typeface="+mn-lt"/>
+              </a:rPr>
+              <a:t>каналoв</a:t>
+            </a:r>
+            <a:r>
+              <a:rPr lang="ru-RU" sz="1400" dirty="0">
+                <a:latin typeface="+mn-lt"/>
+              </a:rPr>
+              <a:t> типа точка-точка или сервер-клиенты между компьютерами. Она позволяет устанавливать соединения между компьютерами, находящимися за </a:t>
+            </a:r>
+            <a:r>
+              <a:rPr lang="ru-RU" sz="1400" i="1" dirty="0">
+                <a:latin typeface="+mn-lt"/>
+              </a:rPr>
+              <a:t>NAT</a:t>
+            </a:r>
+            <a:r>
+              <a:rPr lang="ru-RU" sz="1400" dirty="0">
+                <a:latin typeface="+mn-lt"/>
+              </a:rPr>
+              <a:t> и сетевым экраном, без необходимости изменения их настроек.</a:t>
+            </a:r>
+          </a:p>
+          <a:p>
+            <a:pPr>
+              <a:lnSpc>
+                <a:spcPct val="90000"/>
+              </a:lnSpc>
+              <a:buNone/>
+            </a:pPr>
+            <a:r>
+              <a:rPr lang="ru-RU" sz="1400" dirty="0" err="1">
+                <a:latin typeface="+mn-lt"/>
+              </a:rPr>
+              <a:t>OpenVPN</a:t>
+            </a:r>
+            <a:r>
+              <a:rPr lang="ru-RU" sz="1400" dirty="0">
+                <a:latin typeface="+mn-lt"/>
+              </a:rPr>
+              <a:t> проводит все </a:t>
+            </a:r>
+            <a:r>
+              <a:rPr lang="en-US" sz="1400" dirty="0">
+                <a:latin typeface="+mn-lt"/>
+              </a:rPr>
+              <a:t>`</a:t>
+            </a:r>
+            <a:r>
+              <a:rPr lang="ru-RU" sz="1400" dirty="0">
+                <a:latin typeface="+mn-lt"/>
+              </a:rPr>
+              <a:t>сетевые операции через TCP- или UDP-транспорт. Используемый порт 1194 выделен Internet </a:t>
+            </a:r>
+            <a:r>
+              <a:rPr lang="ru-RU" sz="1400" dirty="0" err="1">
+                <a:latin typeface="+mn-lt"/>
+              </a:rPr>
+              <a:t>Assigned</a:t>
+            </a:r>
+            <a:r>
+              <a:rPr lang="ru-RU" sz="1400" dirty="0">
+                <a:latin typeface="+mn-lt"/>
+              </a:rPr>
+              <a:t> </a:t>
+            </a:r>
+            <a:r>
+              <a:rPr lang="ru-RU" sz="1400" dirty="0" err="1">
+                <a:latin typeface="+mn-lt"/>
+              </a:rPr>
+              <a:t>Numbers</a:t>
+            </a:r>
+            <a:r>
+              <a:rPr lang="ru-RU" sz="1400" dirty="0">
+                <a:latin typeface="+mn-lt"/>
+              </a:rPr>
+              <a:t> Authority для работы данной программы. В общем случае предпочтительным является UDP по той причине, что через туннель проходит трафик сетевого уровня и выше по OSI. Это значит, что </a:t>
+            </a:r>
+            <a:r>
+              <a:rPr lang="ru-RU" sz="1400" dirty="0" err="1">
+                <a:latin typeface="+mn-lt"/>
+              </a:rPr>
+              <a:t>OpenVPN</a:t>
+            </a:r>
+            <a:r>
+              <a:rPr lang="ru-RU" sz="1400" dirty="0">
+                <a:latin typeface="+mn-lt"/>
+              </a:rPr>
+              <a:t> для клиента выступает протоколом канального или даже физического уровня, а значит, надежность передачи данных может обеспечиваться вышестоящими по OSI уровнями, если это необходимо.</a:t>
+            </a:r>
+          </a:p>
+          <a:p>
+            <a:pPr>
+              <a:lnSpc>
+                <a:spcPct val="90000"/>
+              </a:lnSpc>
+              <a:buNone/>
+            </a:pPr>
+            <a:r>
+              <a:rPr lang="ru-RU" sz="1400" dirty="0">
+                <a:latin typeface="+mn-lt"/>
+              </a:rPr>
+              <a:t>Также возможна работа через большую часть прокси-серверов, включая HTTP, SOCKS, через NAT и сетевые фильтры. Сервер может быть настроен на назначение сетевых настроек клиенту. Например: IP-адрес, настройки маршрутизации и параметры соединения.</a:t>
+            </a:r>
+          </a:p>
+          <a:p>
+            <a:pPr>
+              <a:lnSpc>
+                <a:spcPct val="90000"/>
+              </a:lnSpc>
+              <a:buNone/>
+            </a:pPr>
+            <a:r>
+              <a:rPr lang="ru-RU" sz="1400" dirty="0">
+                <a:latin typeface="+mn-lt"/>
+              </a:rPr>
+              <a:t>Использование в </a:t>
+            </a:r>
+            <a:r>
+              <a:rPr lang="ru-RU" sz="1400" dirty="0" err="1">
+                <a:latin typeface="+mn-lt"/>
+              </a:rPr>
+              <a:t>OpenVPN</a:t>
+            </a:r>
+            <a:r>
+              <a:rPr lang="ru-RU" sz="1400" dirty="0">
+                <a:latin typeface="+mn-lt"/>
+              </a:rPr>
+              <a:t> стандартных протоколов TCP и UDP позволяет ему стать альтернативой </a:t>
+            </a:r>
+            <a:r>
+              <a:rPr lang="ru-RU" sz="1400" i="1" dirty="0" err="1">
+                <a:latin typeface="+mn-lt"/>
+              </a:rPr>
+              <a:t>IPsec</a:t>
+            </a:r>
+            <a:r>
+              <a:rPr lang="ru-RU" sz="1400" dirty="0">
+                <a:latin typeface="+mn-lt"/>
+              </a:rPr>
+              <a:t> в ситуациях, когда Интернет-провайдер блокирует некоторые VPN-протоколы.</a:t>
+            </a:r>
+          </a:p>
+        </p:txBody>
+      </p:sp>
+      <p:pic>
+        <p:nvPicPr>
+          <p:cNvPr id="5" name="Рисунок 4">
+            <a:extLst>
+              <a:ext uri="{FF2B5EF4-FFF2-40B4-BE49-F238E27FC236}">
+                <a16:creationId xmlns:a16="http://schemas.microsoft.com/office/drawing/2014/main" id="{C7FB9D71-4C19-4D50-666D-D1A149488176}"/>
+              </a:ext>
+            </a:extLst>
+          </p:cNvPr>
+          <p:cNvPicPr>
+            <a:picLocks noChangeAspect="1"/>
+          </p:cNvPicPr>
+          <p:nvPr/>
+        </p:nvPicPr>
+        <p:blipFill>
+          <a:blip r:embed="rId2"/>
+          <a:stretch>
+            <a:fillRect/>
+          </a:stretch>
+        </p:blipFill>
+        <p:spPr>
+          <a:xfrm>
+            <a:off x="5029200" y="2254250"/>
+            <a:ext cx="3810000" cy="3810000"/>
+          </a:xfrm>
+          <a:prstGeom prst="rect">
+            <a:avLst/>
+          </a:prstGeom>
+          <a:noFill/>
+        </p:spPr>
+      </p:pic>
+    </p:spTree>
+    <p:extLst>
+      <p:ext uri="{BB962C8B-B14F-4D97-AF65-F5344CB8AC3E}">
+        <p14:creationId xmlns:p14="http://schemas.microsoft.com/office/powerpoint/2010/main" val="302692051"/>
+      </p:ext>
+    </p:extLst>
+  </p:cSld>
+  <p:clrMapOvr>
+    <a:masterClrMapping/>
+  </p:clrMapOvr>
+</p:sld>
+</file>
+
+<file path=ppt/slides/slide22.xml><?xml version="1.0" encoding="utf-8"?>
+<p:sld xmlns:a="http://schemas.openxmlformats.org/drawingml/2006/main" xmlns:r="http://schemas.openxmlformats.org/officeDocument/2006/relationships" xmlns:p="http://schemas.openxmlformats.org/presentationml/2006/main">
+  <p:cSld>
+    <p:spTree>
+      <p:nvGrpSpPr>
+        <p:cNvPr id="1" name=""/>
+        <p:cNvGrpSpPr/>
+        <p:nvPr/>
+      </p:nvGrpSpPr>
+      <p:grpSpPr>
+        <a:xfrm>
+          <a:off x="0" y="0"/>
+          <a:ext cx="0" cy="0"/>
+          <a:chOff x="0" y="0"/>
+          <a:chExt cx="0" cy="0"/>
+        </a:xfrm>
+      </p:grpSpPr>
+      <p:sp>
+        <p:nvSpPr>
+          <p:cNvPr id="19" name="Заголовок 1"/>
+          <p:cNvSpPr txBox="1">
+            <a:spLocks/>
+          </p:cNvSpPr>
+          <p:nvPr/>
+        </p:nvSpPr>
+        <p:spPr>
+          <a:xfrm>
+            <a:off x="0" y="701874"/>
+            <a:ext cx="9144000" cy="1008112"/>
+          </a:xfrm>
+          <a:prstGeom prst="rect">
+            <a:avLst/>
+          </a:prstGeom>
+        </p:spPr>
+        <p:txBody>
+          <a:bodyPr/>
+          <a:lstStyle>
+            <a:lvl1pPr algn="l" rtl="0" fontAlgn="base">
+              <a:spcBef>
+                <a:spcPct val="0"/>
+              </a:spcBef>
+              <a:spcAft>
+                <a:spcPct val="0"/>
+              </a:spcAft>
+              <a:defRPr sz="4400">
+                <a:solidFill>
+                  <a:schemeClr val="tx2"/>
+                </a:solidFill>
+                <a:latin typeface="+mj-lt"/>
+                <a:ea typeface="+mj-ea"/>
+                <a:cs typeface="+mj-cs"/>
+              </a:defRPr>
+            </a:lvl1pPr>
+            <a:lvl2pPr algn="l" rtl="0" fontAlgn="base">
+              <a:spcBef>
+                <a:spcPct val="0"/>
+              </a:spcBef>
+              <a:spcAft>
+                <a:spcPct val="0"/>
+              </a:spcAft>
+              <a:defRPr sz="4400">
+                <a:solidFill>
+                  <a:schemeClr val="tx2"/>
+                </a:solidFill>
+                <a:latin typeface="Times New Roman" pitchFamily="18" charset="0"/>
+              </a:defRPr>
+            </a:lvl2pPr>
+            <a:lvl3pPr algn="l" rtl="0" fontAlgn="base">
+              <a:spcBef>
+                <a:spcPct val="0"/>
+              </a:spcBef>
+              <a:spcAft>
+                <a:spcPct val="0"/>
+              </a:spcAft>
+              <a:defRPr sz="4400">
+                <a:solidFill>
+                  <a:schemeClr val="tx2"/>
+                </a:solidFill>
+                <a:latin typeface="Times New Roman" pitchFamily="18" charset="0"/>
+              </a:defRPr>
+            </a:lvl3pPr>
+            <a:lvl4pPr algn="l" rtl="0" fontAlgn="base">
+              <a:spcBef>
+                <a:spcPct val="0"/>
+              </a:spcBef>
+              <a:spcAft>
+                <a:spcPct val="0"/>
+              </a:spcAft>
+              <a:defRPr sz="4400">
+                <a:solidFill>
+                  <a:schemeClr val="tx2"/>
+                </a:solidFill>
+                <a:latin typeface="Times New Roman" pitchFamily="18" charset="0"/>
+              </a:defRPr>
+            </a:lvl4pPr>
+            <a:lvl5pPr algn="l" rtl="0" fontAlgn="base">
+              <a:spcBef>
+                <a:spcPct val="0"/>
+              </a:spcBef>
+              <a:spcAft>
+                <a:spcPct val="0"/>
+              </a:spcAft>
+              <a:defRPr sz="4400">
+                <a:solidFill>
+                  <a:schemeClr val="tx2"/>
+                </a:solidFill>
+                <a:latin typeface="Times New Roman" pitchFamily="18" charset="0"/>
+              </a:defRPr>
+            </a:lvl5pPr>
+            <a:lvl6pPr marL="457200" algn="l" rtl="0" fontAlgn="base">
+              <a:spcBef>
+                <a:spcPct val="0"/>
+              </a:spcBef>
+              <a:spcAft>
+                <a:spcPct val="0"/>
+              </a:spcAft>
+              <a:defRPr sz="4400">
+                <a:solidFill>
+                  <a:schemeClr val="tx2"/>
+                </a:solidFill>
+                <a:latin typeface="Times New Roman" pitchFamily="18" charset="0"/>
+              </a:defRPr>
+            </a:lvl6pPr>
+            <a:lvl7pPr marL="914400" algn="l" rtl="0" fontAlgn="base">
+              <a:spcBef>
+                <a:spcPct val="0"/>
+              </a:spcBef>
+              <a:spcAft>
+                <a:spcPct val="0"/>
+              </a:spcAft>
+              <a:defRPr sz="4400">
+                <a:solidFill>
+                  <a:schemeClr val="tx2"/>
+                </a:solidFill>
+                <a:latin typeface="Times New Roman" pitchFamily="18" charset="0"/>
+              </a:defRPr>
+            </a:lvl7pPr>
+            <a:lvl8pPr marL="1371600" algn="l" rtl="0" fontAlgn="base">
+              <a:spcBef>
+                <a:spcPct val="0"/>
+              </a:spcBef>
+              <a:spcAft>
+                <a:spcPct val="0"/>
+              </a:spcAft>
+              <a:defRPr sz="4400">
+                <a:solidFill>
+                  <a:schemeClr val="tx2"/>
+                </a:solidFill>
+                <a:latin typeface="Times New Roman" pitchFamily="18" charset="0"/>
+              </a:defRPr>
+            </a:lvl8pPr>
+            <a:lvl9pPr marL="1828800" algn="l" rtl="0" fontAlgn="base">
+              <a:spcBef>
+                <a:spcPct val="0"/>
+              </a:spcBef>
+              <a:spcAft>
+                <a:spcPct val="0"/>
+              </a:spcAft>
+              <a:defRPr sz="4400">
+                <a:solidFill>
+                  <a:schemeClr val="tx2"/>
+                </a:solidFill>
+                <a:latin typeface="Times New Roman" pitchFamily="18" charset="0"/>
+              </a:defRPr>
+            </a:lvl9pPr>
+          </a:lstStyle>
+          <a:p>
+            <a:pPr algn="ctr">
+              <a:buClrTx/>
+              <a:buSzTx/>
+              <a:buFontTx/>
+              <a:buNone/>
+            </a:pPr>
+            <a:r>
+              <a:rPr kumimoji="0" lang="en-US" altLang="ru-RU" b="1" kern="0" dirty="0" err="1"/>
+              <a:t>WireGuard</a:t>
+            </a:r>
+            <a:endParaRPr kumimoji="0" lang="en-US" altLang="ru-RU" b="1" kern="0" dirty="0"/>
+          </a:p>
+        </p:txBody>
+      </p:sp>
+      <p:sp>
+        <p:nvSpPr>
+          <p:cNvPr id="2" name="TextBox 1">
+            <a:extLst>
+              <a:ext uri="{FF2B5EF4-FFF2-40B4-BE49-F238E27FC236}">
+                <a16:creationId xmlns:a16="http://schemas.microsoft.com/office/drawing/2014/main" id="{1D992F6E-A7E3-7864-7ADE-E73DB8A9DF17}"/>
+              </a:ext>
+            </a:extLst>
+          </p:cNvPr>
+          <p:cNvSpPr txBox="1"/>
+          <p:nvPr/>
+        </p:nvSpPr>
+        <p:spPr>
+          <a:xfrm>
+            <a:off x="467544" y="1412776"/>
+            <a:ext cx="4680520" cy="3046988"/>
+          </a:xfrm>
+          <a:prstGeom prst="rect">
+            <a:avLst/>
+          </a:prstGeom>
+          <a:noFill/>
+        </p:spPr>
+        <p:txBody>
+          <a:bodyPr wrap="square" rtlCol="0">
+            <a:spAutoFit/>
+          </a:bodyPr>
+          <a:lstStyle/>
+          <a:p>
+            <a:pPr algn="just">
+              <a:buNone/>
+            </a:pPr>
+            <a:r>
+              <a:rPr lang="ru-RU" sz="1600" b="1" dirty="0" err="1"/>
+              <a:t>WireGuard</a:t>
+            </a:r>
+            <a:r>
+              <a:rPr lang="ru-RU" sz="1600" dirty="0"/>
+              <a:t> — коммуникационный протокол и бесплатное программное обеспечение с открытым исходным кодом, который реализует зашифрованные виртуальные частные сети (VPN). Он был разработан для простого использования технологии VPN, высокой производительности и низкой поверхности атаки. </a:t>
+            </a:r>
+            <a:r>
+              <a:rPr lang="ru-RU" sz="1600" dirty="0" err="1"/>
+              <a:t>WireGuard</a:t>
+            </a:r>
+            <a:r>
+              <a:rPr lang="ru-RU" sz="1600" dirty="0"/>
+              <a:t> нацелен на лучшую производительность и большую мощность, чем </a:t>
+            </a:r>
+            <a:r>
+              <a:rPr lang="ru-RU" sz="1600" dirty="0" err="1"/>
+              <a:t>IPsec</a:t>
+            </a:r>
+            <a:r>
+              <a:rPr lang="ru-RU" sz="1600" dirty="0"/>
+              <a:t> и </a:t>
+            </a:r>
+            <a:r>
+              <a:rPr lang="ru-RU" sz="1600" dirty="0" err="1"/>
+              <a:t>OpenVPN</a:t>
+            </a:r>
+            <a:r>
+              <a:rPr lang="ru-RU" sz="1600" dirty="0"/>
+              <a:t>, два других распространенных протокола туннелирования. Протокол </a:t>
+            </a:r>
+            <a:r>
+              <a:rPr lang="ru-RU" sz="1600" dirty="0" err="1"/>
+              <a:t>WireGuard</a:t>
+            </a:r>
+            <a:r>
+              <a:rPr lang="ru-RU" sz="1600" dirty="0"/>
+              <a:t> передаёт трафик по протоколу UDP.</a:t>
+            </a:r>
+          </a:p>
+        </p:txBody>
+      </p:sp>
+      <p:pic>
+        <p:nvPicPr>
+          <p:cNvPr id="3" name="Рисунок 2">
+            <a:extLst>
+              <a:ext uri="{FF2B5EF4-FFF2-40B4-BE49-F238E27FC236}">
+                <a16:creationId xmlns:a16="http://schemas.microsoft.com/office/drawing/2014/main" id="{D88EC44D-2110-634E-3317-DB0CBE11EE9F}"/>
+              </a:ext>
+            </a:extLst>
+          </p:cNvPr>
+          <p:cNvPicPr>
+            <a:picLocks noChangeAspect="1"/>
+          </p:cNvPicPr>
+          <p:nvPr/>
+        </p:nvPicPr>
+        <p:blipFill>
+          <a:blip r:embed="rId2"/>
+          <a:stretch>
+            <a:fillRect/>
+          </a:stretch>
+        </p:blipFill>
+        <p:spPr>
+          <a:xfrm>
+            <a:off x="4499992" y="2410480"/>
+            <a:ext cx="4893998" cy="4594960"/>
+          </a:xfrm>
+          <a:prstGeom prst="rect">
+            <a:avLst/>
+          </a:prstGeom>
+        </p:spPr>
+      </p:pic>
+    </p:spTree>
+    <p:extLst>
+      <p:ext uri="{BB962C8B-B14F-4D97-AF65-F5344CB8AC3E}">
+        <p14:creationId xmlns:p14="http://schemas.microsoft.com/office/powerpoint/2010/main" val="3537543530"/>
+      </p:ext>
+    </p:extLst>
+  </p:cSld>
+  <p:clrMapOvr>
+    <a:masterClrMapping/>
+  </p:clrMapOvr>
+</p:sld>
+</file>
+
+<file path=ppt/slides/slide3.xml><?xml version="1.0" encoding="utf-8"?>
+<p:sld xmlns:a="http://schemas.openxmlformats.org/drawingml/2006/main" xmlns:r="http://schemas.openxmlformats.org/officeDocument/2006/relationships" xmlns:p="http://schemas.openxmlformats.org/presentationml/2006/main">
+  <p:cSld>
+    <p:spTree>
+      <p:nvGrpSpPr>
+        <p:cNvPr id="1" name=""/>
+        <p:cNvGrpSpPr/>
+        <p:nvPr/>
+      </p:nvGrpSpPr>
+      <p:grpSpPr>
+        <a:xfrm>
+          <a:off x="0" y="0"/>
+          <a:ext cx="0" cy="0"/>
+          <a:chOff x="0" y="0"/>
+          <a:chExt cx="0" cy="0"/>
+        </a:xfrm>
+      </p:grpSpPr>
+      <p:pic>
+        <p:nvPicPr>
+          <p:cNvPr id="3074" name="Picture 2" descr="undefined"/>
+          <p:cNvPicPr>
+            <a:picLocks noChangeAspect="1" noChangeArrowheads="1"/>
+          </p:cNvPicPr>
+          <p:nvPr/>
+        </p:nvPicPr>
+        <p:blipFill>
+          <a:blip r:embed="rId2">
+            <a:extLst>
+              <a:ext uri="{28A0092B-C50C-407E-A947-70E740481C1C}">
+                <a14:useLocalDpi xmlns:a14="http://schemas.microsoft.com/office/drawing/2010/main" val="0"/>
+              </a:ext>
+            </a:extLst>
+          </a:blip>
+          <a:srcRect/>
+          <a:stretch>
+            <a:fillRect/>
+          </a:stretch>
+        </p:blipFill>
+        <p:spPr bwMode="auto">
+          <a:xfrm>
+            <a:off x="1763688" y="764704"/>
+            <a:ext cx="6840760" cy="6005707"/>
+          </a:xfrm>
+          <a:prstGeom prst="rect">
+            <a:avLst/>
+          </a:prstGeom>
+          <a:noFill/>
+          <a:extLst>
+            <a:ext uri="{909E8E84-426E-40DD-AFC4-6F175D3DCCD1}">
+              <a14:hiddenFill xmlns:a14="http://schemas.microsoft.com/office/drawing/2010/main">
+                <a:solidFill>
+                  <a:srgbClr val="FFFFFF"/>
+                </a:solidFill>
+              </a14:hiddenFill>
+            </a:ext>
+          </a:extLst>
+        </p:spPr>
+      </p:pic>
+    </p:spTree>
+    <p:extLst>
+      <p:ext uri="{BB962C8B-B14F-4D97-AF65-F5344CB8AC3E}">
+        <p14:creationId xmlns:p14="http://schemas.microsoft.com/office/powerpoint/2010/main" val="3640462041"/>
+      </p:ext>
+    </p:extLst>
+  </p:cSld>
+  <p:clrMapOvr>
+    <a:masterClrMapping/>
+  </p:clrMapOvr>
+</p:sld>
+</file>
+
+<file path=ppt/slides/slide4.xml><?xml version="1.0" encoding="utf-8"?>
+<p:sld xmlns:a="http://schemas.openxmlformats.org/drawingml/2006/main" xmlns:r="http://schemas.openxmlformats.org/officeDocument/2006/relationships" xmlns:p="http://schemas.openxmlformats.org/presentationml/2006/main">
+  <p:cSld>
+    <p:spTree>
+      <p:nvGrpSpPr>
+        <p:cNvPr id="1" name=""/>
+        <p:cNvGrpSpPr/>
+        <p:nvPr/>
+      </p:nvGrpSpPr>
+      <p:grpSpPr>
+        <a:xfrm>
+          <a:off x="0" y="0"/>
+          <a:ext cx="0" cy="0"/>
+          <a:chOff x="0" y="0"/>
+          <a:chExt cx="0" cy="0"/>
+        </a:xfrm>
+      </p:grpSpPr>
+      <p:sp>
+        <p:nvSpPr>
+          <p:cNvPr id="19" name="Заголовок 1"/>
+          <p:cNvSpPr txBox="1">
+            <a:spLocks/>
+          </p:cNvSpPr>
+          <p:nvPr/>
+        </p:nvSpPr>
+        <p:spPr>
+          <a:xfrm>
+            <a:off x="0" y="701874"/>
+            <a:ext cx="9144000" cy="1008112"/>
+          </a:xfrm>
+          <a:prstGeom prst="rect">
+            <a:avLst/>
+          </a:prstGeom>
+        </p:spPr>
+        <p:txBody>
+          <a:bodyPr/>
+          <a:lstStyle>
+            <a:lvl1pPr algn="l" rtl="0" fontAlgn="base">
+              <a:spcBef>
+                <a:spcPct val="0"/>
+              </a:spcBef>
+              <a:spcAft>
+                <a:spcPct val="0"/>
+              </a:spcAft>
+              <a:defRPr sz="4400">
+                <a:solidFill>
+                  <a:schemeClr val="tx2"/>
+                </a:solidFill>
+                <a:latin typeface="+mj-lt"/>
+                <a:ea typeface="+mj-ea"/>
+                <a:cs typeface="+mj-cs"/>
+              </a:defRPr>
+            </a:lvl1pPr>
+            <a:lvl2pPr algn="l" rtl="0" fontAlgn="base">
+              <a:spcBef>
+                <a:spcPct val="0"/>
+              </a:spcBef>
+              <a:spcAft>
+                <a:spcPct val="0"/>
+              </a:spcAft>
+              <a:defRPr sz="4400">
+                <a:solidFill>
+                  <a:schemeClr val="tx2"/>
+                </a:solidFill>
+                <a:latin typeface="Times New Roman" pitchFamily="18" charset="0"/>
+              </a:defRPr>
+            </a:lvl2pPr>
+            <a:lvl3pPr algn="l" rtl="0" fontAlgn="base">
+              <a:spcBef>
+                <a:spcPct val="0"/>
+              </a:spcBef>
+              <a:spcAft>
+                <a:spcPct val="0"/>
+              </a:spcAft>
+              <a:defRPr sz="4400">
+                <a:solidFill>
+                  <a:schemeClr val="tx2"/>
+                </a:solidFill>
+                <a:latin typeface="Times New Roman" pitchFamily="18" charset="0"/>
+              </a:defRPr>
+            </a:lvl3pPr>
+            <a:lvl4pPr algn="l" rtl="0" fontAlgn="base">
+              <a:spcBef>
+                <a:spcPct val="0"/>
+              </a:spcBef>
+              <a:spcAft>
+                <a:spcPct val="0"/>
+              </a:spcAft>
+              <a:defRPr sz="4400">
+                <a:solidFill>
+                  <a:schemeClr val="tx2"/>
+                </a:solidFill>
+                <a:latin typeface="Times New Roman" pitchFamily="18" charset="0"/>
+              </a:defRPr>
+            </a:lvl4pPr>
+            <a:lvl5pPr algn="l" rtl="0" fontAlgn="base">
+              <a:spcBef>
+                <a:spcPct val="0"/>
+              </a:spcBef>
+              <a:spcAft>
+                <a:spcPct val="0"/>
+              </a:spcAft>
+              <a:defRPr sz="4400">
+                <a:solidFill>
+                  <a:schemeClr val="tx2"/>
+                </a:solidFill>
+                <a:latin typeface="Times New Roman" pitchFamily="18" charset="0"/>
+              </a:defRPr>
+            </a:lvl5pPr>
+            <a:lvl6pPr marL="457200" algn="l" rtl="0" fontAlgn="base">
+              <a:spcBef>
+                <a:spcPct val="0"/>
+              </a:spcBef>
+              <a:spcAft>
+                <a:spcPct val="0"/>
+              </a:spcAft>
+              <a:defRPr sz="4400">
+                <a:solidFill>
+                  <a:schemeClr val="tx2"/>
+                </a:solidFill>
+                <a:latin typeface="Times New Roman" pitchFamily="18" charset="0"/>
+              </a:defRPr>
+            </a:lvl6pPr>
+            <a:lvl7pPr marL="914400" algn="l" rtl="0" fontAlgn="base">
+              <a:spcBef>
+                <a:spcPct val="0"/>
+              </a:spcBef>
+              <a:spcAft>
+                <a:spcPct val="0"/>
+              </a:spcAft>
+              <a:defRPr sz="4400">
+                <a:solidFill>
+                  <a:schemeClr val="tx2"/>
+                </a:solidFill>
+                <a:latin typeface="Times New Roman" pitchFamily="18" charset="0"/>
+              </a:defRPr>
+            </a:lvl7pPr>
+            <a:lvl8pPr marL="1371600" algn="l" rtl="0" fontAlgn="base">
+              <a:spcBef>
+                <a:spcPct val="0"/>
+              </a:spcBef>
+              <a:spcAft>
+                <a:spcPct val="0"/>
+              </a:spcAft>
+              <a:defRPr sz="4400">
+                <a:solidFill>
+                  <a:schemeClr val="tx2"/>
+                </a:solidFill>
+                <a:latin typeface="Times New Roman" pitchFamily="18" charset="0"/>
+              </a:defRPr>
+            </a:lvl8pPr>
+            <a:lvl9pPr marL="1828800" algn="l" rtl="0" fontAlgn="base">
+              <a:spcBef>
+                <a:spcPct val="0"/>
+              </a:spcBef>
+              <a:spcAft>
+                <a:spcPct val="0"/>
+              </a:spcAft>
+              <a:defRPr sz="4400">
+                <a:solidFill>
+                  <a:schemeClr val="tx2"/>
+                </a:solidFill>
+                <a:latin typeface="Times New Roman" pitchFamily="18" charset="0"/>
+              </a:defRPr>
+            </a:lvl9pPr>
+          </a:lstStyle>
+          <a:p>
+            <a:pPr algn="ctr">
+              <a:buClrTx/>
+              <a:buSzTx/>
+              <a:buFontTx/>
+              <a:buNone/>
+            </a:pPr>
+            <a:r>
+              <a:rPr kumimoji="0" lang="ru-RU" altLang="ru-RU" b="1" kern="0" dirty="0"/>
+              <a:t>Назначение </a:t>
+            </a:r>
+            <a:r>
+              <a:rPr kumimoji="0" lang="en-US" altLang="ru-RU" b="1" kern="0" dirty="0"/>
+              <a:t>VPN</a:t>
+            </a:r>
+          </a:p>
+        </p:txBody>
+      </p:sp>
+      <p:sp>
+        <p:nvSpPr>
+          <p:cNvPr id="9" name="TextBox 8"/>
+          <p:cNvSpPr txBox="1"/>
+          <p:nvPr/>
+        </p:nvSpPr>
+        <p:spPr>
+          <a:xfrm>
+            <a:off x="35496" y="1412776"/>
+            <a:ext cx="9108504" cy="5435334"/>
+          </a:xfrm>
+          <a:prstGeom prst="rect">
+            <a:avLst/>
+          </a:prstGeom>
+          <a:noFill/>
+        </p:spPr>
+        <p:txBody>
+          <a:bodyPr wrap="square" rtlCol="0">
+            <a:spAutoFit/>
+          </a:bodyPr>
+          <a:lstStyle/>
+          <a:p>
+            <a:r>
+              <a:rPr lang="ru-RU" sz="1400" dirty="0" err="1"/>
+              <a:t>Intranet</a:t>
+            </a:r>
+            <a:r>
+              <a:rPr lang="ru-RU" sz="1400" dirty="0"/>
+              <a:t> VPN</a:t>
+            </a:r>
+          </a:p>
+          <a:p>
+            <a:pPr>
+              <a:buNone/>
+            </a:pPr>
+            <a:r>
+              <a:rPr lang="ru-RU" sz="1400" i="1" dirty="0"/>
+              <a:t>Используется для объединения в единую защищённую сеть нескольких распределённых филиалов одной организации, обменивающихся данными по открытым каналам связи.</a:t>
+            </a:r>
+          </a:p>
+          <a:p>
+            <a:r>
+              <a:rPr lang="ru-RU" sz="1400" dirty="0" err="1"/>
+              <a:t>Remote-access</a:t>
+            </a:r>
+            <a:r>
+              <a:rPr lang="ru-RU" sz="1400" dirty="0"/>
+              <a:t> VPN</a:t>
+            </a:r>
+          </a:p>
+          <a:p>
+            <a:pPr>
+              <a:buNone/>
+            </a:pPr>
+            <a:r>
+              <a:rPr lang="ru-RU" sz="1400" i="1" dirty="0"/>
+              <a:t>Используется для создания защищённого канала между сегментом корпоративной сети (центральным офисом или филиалом) и одиночным пользователем, который, работая дома, подключается к корпоративным ресурсам с домашнего компьютера, корпоративного ноутбука, смартфона или интернет-киоска.</a:t>
+            </a:r>
+          </a:p>
+          <a:p>
+            <a:r>
+              <a:rPr lang="ru-RU" sz="1400" dirty="0" err="1"/>
+              <a:t>Extranet</a:t>
+            </a:r>
+            <a:r>
+              <a:rPr lang="ru-RU" sz="1400" dirty="0"/>
+              <a:t> VPN</a:t>
+            </a:r>
+          </a:p>
+          <a:p>
+            <a:pPr>
+              <a:buNone/>
+            </a:pPr>
+            <a:r>
+              <a:rPr lang="ru-RU" sz="1400" i="1" dirty="0"/>
+              <a:t>Используется для сетей, к которым подключаются «внешние» пользователи (например заказчики или клиенты). Уровень доверия к ним намного ниже, чем к сотрудникам компании, поэтому требуется обеспечение специальных «рубежей» защиты, предотвращающих или ограничивающих доступ последних к особо ценной, конфиденциальной информации.</a:t>
+            </a:r>
+          </a:p>
+          <a:p>
+            <a:r>
+              <a:rPr lang="ru-RU" sz="1400" dirty="0" err="1"/>
+              <a:t>Internet</a:t>
+            </a:r>
+            <a:r>
+              <a:rPr lang="ru-RU" sz="1400" dirty="0"/>
+              <a:t> VPN</a:t>
+            </a:r>
+          </a:p>
+          <a:p>
+            <a:pPr>
+              <a:buNone/>
+            </a:pPr>
+            <a:r>
+              <a:rPr lang="ru-RU" sz="1400" i="1" dirty="0"/>
+              <a:t>Используется провайдерами для предоставления доступа к интернету, обычно если по одному физическому каналу подключаются несколько пользователей.</a:t>
+            </a:r>
+          </a:p>
+          <a:p>
+            <a:r>
+              <a:rPr lang="ru-RU" sz="1400" dirty="0" err="1"/>
+              <a:t>Client</a:t>
+            </a:r>
+            <a:r>
+              <a:rPr lang="ru-RU" sz="1400" dirty="0"/>
+              <a:t>/</a:t>
+            </a:r>
+            <a:r>
+              <a:rPr lang="ru-RU" sz="1400" dirty="0" err="1"/>
+              <a:t>server</a:t>
+            </a:r>
+            <a:r>
+              <a:rPr lang="ru-RU" sz="1400" dirty="0"/>
+              <a:t> VPN</a:t>
+            </a:r>
+          </a:p>
+          <a:p>
+            <a:pPr>
+              <a:buNone/>
+            </a:pPr>
+            <a:r>
+              <a:rPr lang="ru-RU" sz="1400" i="1" dirty="0"/>
+              <a:t>Этот вариант обеспечивает защиту передаваемых данных между двумя узлами (не сетями) корпоративной сети. Особенность данного варианта в том, что VPN строится между узлами, находящимися, как правило, в одном сегменте сети, например, между рабочей станцией и сервером. Такая необходимость очень часто возникает в тех случаях, когда в одной физической сети необходимо создать несколько логических сетей. Например, когда надо разделить трафик между финансовым департаментом и отделом кадров, обращающихся к серверам, находящимся в одном физическом сегменте. Этот вариант похож на технологию VLAN, но вместо разделения трафика используется его шифрование.</a:t>
+            </a:r>
+          </a:p>
+        </p:txBody>
+      </p:sp>
+    </p:spTree>
+    <p:extLst>
+      <p:ext uri="{BB962C8B-B14F-4D97-AF65-F5344CB8AC3E}">
+        <p14:creationId xmlns:p14="http://schemas.microsoft.com/office/powerpoint/2010/main" val="2966992697"/>
+      </p:ext>
+    </p:extLst>
+  </p:cSld>
+  <p:clrMapOvr>
+    <a:masterClrMapping/>
+  </p:clrMapOvr>
+</p:sld>
+</file>
+
+<file path=ppt/slides/slide5.xml><?xml version="1.0" encoding="utf-8"?>
 <p:sld xmlns:a="http://schemas.openxmlformats.org/drawingml/2006/main" xmlns:r="http://schemas.openxmlformats.org/officeDocument/2006/relationships" xmlns:p="http://schemas.openxmlformats.org/presentationml/2006/main">
   <p:cSld>
     <p:spTree>
@@ -12262,7 +11770,7 @@
 </p:sld>
 </file>
 
-<file path=ppt/slides/slide7.xml><?xml version="1.0" encoding="utf-8"?>
+<file path=ppt/slides/slide6.xml><?xml version="1.0" encoding="utf-8"?>
 <p:sld xmlns:a="http://schemas.openxmlformats.org/drawingml/2006/main" xmlns:r="http://schemas.openxmlformats.org/officeDocument/2006/relationships" xmlns:p="http://schemas.openxmlformats.org/presentationml/2006/main">
   <p:cSld>
     <p:spTree>
@@ -13880,7 +13388,7 @@
 </p:sld>
 </file>
 
-<file path=ppt/slides/slide8.xml><?xml version="1.0" encoding="utf-8"?>
+<file path=ppt/slides/slide7.xml><?xml version="1.0" encoding="utf-8"?>
 <p:sld xmlns:a="http://schemas.openxmlformats.org/drawingml/2006/main" xmlns:r="http://schemas.openxmlformats.org/officeDocument/2006/relationships" xmlns:p="http://schemas.openxmlformats.org/presentationml/2006/main">
   <p:cSld>
     <p:spTree>
@@ -14054,8 +13562,8 @@
               <a:buNone/>
             </a:pPr>
             <a:r>
-              <a:rPr kumimoji="0" lang="ru-RU" altLang="ru-RU" b="1" kern="0" dirty="0" err="1"/>
-              <a:t>Туннелирование</a:t>
+              <a:rPr kumimoji="0" lang="ru-RU" altLang="ru-RU" b="1" kern="0" dirty="0" smtClean="0"/>
+              <a:t>Инкапсуляция</a:t>
             </a:r>
             <a:endParaRPr kumimoji="0" lang="en-US" altLang="ru-RU" b="1" kern="0" dirty="0"/>
           </a:p>
@@ -14115,7 +13623,7 @@
 </p:sld>
 </file>
 
-<file path=ppt/slides/slide9.xml><?xml version="1.0" encoding="utf-8"?>
+<file path=ppt/slides/slide8.xml><?xml version="1.0" encoding="utf-8"?>
 <p:sld xmlns:a="http://schemas.openxmlformats.org/drawingml/2006/main" xmlns:r="http://schemas.openxmlformats.org/officeDocument/2006/relationships" xmlns:p="http://schemas.openxmlformats.org/presentationml/2006/main">
   <p:cSld>
     <p:spTree>
@@ -14334,6 +13842,518 @@
     <p:extLst>
       <p:ext uri="{BB962C8B-B14F-4D97-AF65-F5344CB8AC3E}">
         <p14:creationId xmlns:p14="http://schemas.microsoft.com/office/powerpoint/2010/main" val="4180716434"/>
+      </p:ext>
+    </p:extLst>
+  </p:cSld>
+  <p:clrMapOvr>
+    <a:masterClrMapping/>
+  </p:clrMapOvr>
+</p:sld>
+</file>
+
+<file path=ppt/slides/slide9.xml><?xml version="1.0" encoding="utf-8"?>
+<p:sld xmlns:a="http://schemas.openxmlformats.org/drawingml/2006/main" xmlns:r="http://schemas.openxmlformats.org/officeDocument/2006/relationships" xmlns:p="http://schemas.openxmlformats.org/presentationml/2006/main">
+  <p:cSld>
+    <p:spTree>
+      <p:nvGrpSpPr>
+        <p:cNvPr id="1" name=""/>
+        <p:cNvGrpSpPr/>
+        <p:nvPr/>
+      </p:nvGrpSpPr>
+      <p:grpSpPr>
+        <a:xfrm>
+          <a:off x="0" y="0"/>
+          <a:ext cx="0" cy="0"/>
+          <a:chOff x="0" y="0"/>
+          <a:chExt cx="0" cy="0"/>
+        </a:xfrm>
+      </p:grpSpPr>
+      <p:sp>
+        <p:nvSpPr>
+          <p:cNvPr id="19" name="Заголовок 1"/>
+          <p:cNvSpPr txBox="1">
+            <a:spLocks/>
+          </p:cNvSpPr>
+          <p:nvPr/>
+        </p:nvSpPr>
+        <p:spPr bwMode="auto">
+          <a:xfrm>
+            <a:off x="477627" y="548680"/>
+            <a:ext cx="7772400" cy="1143000"/>
+          </a:xfrm>
+          <a:prstGeom prst="rect">
+            <a:avLst/>
+          </a:prstGeom>
+          <a:noFill/>
+          <a:ln>
+            <a:noFill/>
+          </a:ln>
+          <a:effectLst/>
+        </p:spPr>
+        <p:txBody>
+          <a:bodyPr vert="horz" wrap="square" lIns="91440" tIns="45720" rIns="91440" bIns="45720" numCol="1" anchor="b" anchorCtr="0" compatLnSpc="1">
+            <a:prstTxWarp prst="textNoShape">
+              <a:avLst/>
+            </a:prstTxWarp>
+            <a:normAutofit/>
+          </a:bodyPr>
+          <a:lstStyle>
+            <a:lvl1pPr algn="l" rtl="0" fontAlgn="base">
+              <a:spcBef>
+                <a:spcPct val="0"/>
+              </a:spcBef>
+              <a:spcAft>
+                <a:spcPct val="0"/>
+              </a:spcAft>
+              <a:defRPr sz="4400">
+                <a:solidFill>
+                  <a:schemeClr val="tx2"/>
+                </a:solidFill>
+                <a:latin typeface="+mj-lt"/>
+                <a:ea typeface="+mj-ea"/>
+                <a:cs typeface="+mj-cs"/>
+              </a:defRPr>
+            </a:lvl1pPr>
+            <a:lvl2pPr algn="l" rtl="0" fontAlgn="base">
+              <a:spcBef>
+                <a:spcPct val="0"/>
+              </a:spcBef>
+              <a:spcAft>
+                <a:spcPct val="0"/>
+              </a:spcAft>
+              <a:defRPr sz="4400">
+                <a:solidFill>
+                  <a:schemeClr val="tx2"/>
+                </a:solidFill>
+                <a:latin typeface="Times New Roman" pitchFamily="18" charset="0"/>
+              </a:defRPr>
+            </a:lvl2pPr>
+            <a:lvl3pPr algn="l" rtl="0" fontAlgn="base">
+              <a:spcBef>
+                <a:spcPct val="0"/>
+              </a:spcBef>
+              <a:spcAft>
+                <a:spcPct val="0"/>
+              </a:spcAft>
+              <a:defRPr sz="4400">
+                <a:solidFill>
+                  <a:schemeClr val="tx2"/>
+                </a:solidFill>
+                <a:latin typeface="Times New Roman" pitchFamily="18" charset="0"/>
+              </a:defRPr>
+            </a:lvl3pPr>
+            <a:lvl4pPr algn="l" rtl="0" fontAlgn="base">
+              <a:spcBef>
+                <a:spcPct val="0"/>
+              </a:spcBef>
+              <a:spcAft>
+                <a:spcPct val="0"/>
+              </a:spcAft>
+              <a:defRPr sz="4400">
+                <a:solidFill>
+                  <a:schemeClr val="tx2"/>
+                </a:solidFill>
+                <a:latin typeface="Times New Roman" pitchFamily="18" charset="0"/>
+              </a:defRPr>
+            </a:lvl4pPr>
+            <a:lvl5pPr algn="l" rtl="0" fontAlgn="base">
+              <a:spcBef>
+                <a:spcPct val="0"/>
+              </a:spcBef>
+              <a:spcAft>
+                <a:spcPct val="0"/>
+              </a:spcAft>
+              <a:defRPr sz="4400">
+                <a:solidFill>
+                  <a:schemeClr val="tx2"/>
+                </a:solidFill>
+                <a:latin typeface="Times New Roman" pitchFamily="18" charset="0"/>
+              </a:defRPr>
+            </a:lvl5pPr>
+            <a:lvl6pPr marL="457200" algn="l" rtl="0" fontAlgn="base">
+              <a:spcBef>
+                <a:spcPct val="0"/>
+              </a:spcBef>
+              <a:spcAft>
+                <a:spcPct val="0"/>
+              </a:spcAft>
+              <a:defRPr sz="4400">
+                <a:solidFill>
+                  <a:schemeClr val="tx2"/>
+                </a:solidFill>
+                <a:latin typeface="Times New Roman" pitchFamily="18" charset="0"/>
+              </a:defRPr>
+            </a:lvl6pPr>
+            <a:lvl7pPr marL="914400" algn="l" rtl="0" fontAlgn="base">
+              <a:spcBef>
+                <a:spcPct val="0"/>
+              </a:spcBef>
+              <a:spcAft>
+                <a:spcPct val="0"/>
+              </a:spcAft>
+              <a:defRPr sz="4400">
+                <a:solidFill>
+                  <a:schemeClr val="tx2"/>
+                </a:solidFill>
+                <a:latin typeface="Times New Roman" pitchFamily="18" charset="0"/>
+              </a:defRPr>
+            </a:lvl7pPr>
+            <a:lvl8pPr marL="1371600" algn="l" rtl="0" fontAlgn="base">
+              <a:spcBef>
+                <a:spcPct val="0"/>
+              </a:spcBef>
+              <a:spcAft>
+                <a:spcPct val="0"/>
+              </a:spcAft>
+              <a:defRPr sz="4400">
+                <a:solidFill>
+                  <a:schemeClr val="tx2"/>
+                </a:solidFill>
+                <a:latin typeface="Times New Roman" pitchFamily="18" charset="0"/>
+              </a:defRPr>
+            </a:lvl8pPr>
+            <a:lvl9pPr marL="1828800" algn="l" rtl="0" fontAlgn="base">
+              <a:spcBef>
+                <a:spcPct val="0"/>
+              </a:spcBef>
+              <a:spcAft>
+                <a:spcPct val="0"/>
+              </a:spcAft>
+              <a:defRPr sz="4400">
+                <a:solidFill>
+                  <a:schemeClr val="tx2"/>
+                </a:solidFill>
+                <a:latin typeface="Times New Roman" pitchFamily="18" charset="0"/>
+              </a:defRPr>
+            </a:lvl9pPr>
+          </a:lstStyle>
+          <a:p>
+            <a:pPr>
+              <a:spcAft>
+                <a:spcPts val="600"/>
+              </a:spcAft>
+              <a:buClrTx/>
+              <a:buSzTx/>
+              <a:buFontTx/>
+              <a:buNone/>
+            </a:pPr>
+            <a:r>
+              <a:rPr kumimoji="0" lang="ru-RU" altLang="ru-RU" b="1" kern="0" dirty="0">
+                <a:latin typeface="+mj-lt"/>
+                <a:ea typeface="+mj-ea"/>
+                <a:cs typeface="+mj-cs"/>
+              </a:rPr>
+              <a:t>GRE </a:t>
+            </a:r>
+          </a:p>
+        </p:txBody>
+      </p:sp>
+      <p:pic>
+        <p:nvPicPr>
+          <p:cNvPr id="3" name="Рисунок 2" descr="Изображение выглядит как диаграмма&#10;&#10;Автоматически созданное описание">
+            <a:extLst>
+              <a:ext uri="{FF2B5EF4-FFF2-40B4-BE49-F238E27FC236}">
+                <a16:creationId xmlns:a16="http://schemas.microsoft.com/office/drawing/2014/main" id="{499B5515-F4F1-B0A2-F8E7-F6A4FC0968E4}"/>
+              </a:ext>
+            </a:extLst>
+          </p:cNvPr>
+          <p:cNvPicPr>
+            <a:picLocks noChangeAspect="1"/>
+          </p:cNvPicPr>
+          <p:nvPr/>
+        </p:nvPicPr>
+        <p:blipFill>
+          <a:blip r:embed="rId2"/>
+          <a:stretch>
+            <a:fillRect/>
+          </a:stretch>
+        </p:blipFill>
+        <p:spPr>
+          <a:xfrm>
+            <a:off x="4728369" y="1373007"/>
+            <a:ext cx="4415631" cy="2848081"/>
+          </a:xfrm>
+          <a:prstGeom prst="rect">
+            <a:avLst/>
+          </a:prstGeom>
+          <a:noFill/>
+        </p:spPr>
+      </p:pic>
+      <p:sp>
+        <p:nvSpPr>
+          <p:cNvPr id="2" name="TextBox 1">
+            <a:extLst>
+              <a:ext uri="{FF2B5EF4-FFF2-40B4-BE49-F238E27FC236}">
+                <a16:creationId xmlns:a16="http://schemas.microsoft.com/office/drawing/2014/main" id="{4D1380DF-102B-267D-9D62-89BE60708AC6}"/>
+              </a:ext>
+            </a:extLst>
+          </p:cNvPr>
+          <p:cNvSpPr txBox="1"/>
+          <p:nvPr/>
+        </p:nvSpPr>
+        <p:spPr bwMode="auto">
+          <a:xfrm>
+            <a:off x="477627" y="1484784"/>
+            <a:ext cx="4536504" cy="4752528"/>
+          </a:xfrm>
+          <a:prstGeom prst="rect">
+            <a:avLst/>
+          </a:prstGeom>
+          <a:noFill/>
+          <a:ln>
+            <a:noFill/>
+          </a:ln>
+          <a:effectLst/>
+        </p:spPr>
+        <p:txBody>
+          <a:bodyPr vert="horz" wrap="square" lIns="91440" tIns="45720" rIns="91440" bIns="45720" numCol="1" rtlCol="0" anchor="t" anchorCtr="0" compatLnSpc="1">
+            <a:prstTxWarp prst="textNoShape">
+              <a:avLst/>
+            </a:prstTxWarp>
+            <a:noAutofit/>
+          </a:bodyPr>
+          <a:lstStyle/>
+          <a:p>
+            <a:pPr>
+              <a:lnSpc>
+                <a:spcPct val="90000"/>
+              </a:lnSpc>
+            </a:pPr>
+            <a:r>
+              <a:rPr lang="ru-RU" sz="1400" b="1" dirty="0">
+                <a:latin typeface="+mn-lt"/>
+              </a:rPr>
+              <a:t>GRE</a:t>
+            </a:r>
+            <a:r>
+              <a:rPr lang="ru-RU" sz="1400" dirty="0">
+                <a:latin typeface="+mn-lt"/>
+              </a:rPr>
+              <a:t> (англ. </a:t>
+            </a:r>
+            <a:r>
+              <a:rPr lang="ru-RU" sz="1400" dirty="0" err="1">
+                <a:latin typeface="+mn-lt"/>
+              </a:rPr>
+              <a:t>Generic</a:t>
+            </a:r>
+            <a:r>
+              <a:rPr lang="ru-RU" sz="1400" dirty="0">
+                <a:latin typeface="+mn-lt"/>
+              </a:rPr>
+              <a:t> </a:t>
+            </a:r>
+            <a:r>
+              <a:rPr lang="ru-RU" sz="1400" dirty="0" err="1">
+                <a:latin typeface="+mn-lt"/>
+              </a:rPr>
+              <a:t>Routing</a:t>
+            </a:r>
+            <a:r>
+              <a:rPr lang="ru-RU" sz="1400" dirty="0">
+                <a:latin typeface="+mn-lt"/>
+              </a:rPr>
+              <a:t> </a:t>
+            </a:r>
+            <a:r>
+              <a:rPr lang="ru-RU" sz="1400" dirty="0" err="1">
+                <a:latin typeface="+mn-lt"/>
+              </a:rPr>
+              <a:t>Encapsulation</a:t>
+            </a:r>
+            <a:r>
+              <a:rPr lang="ru-RU" sz="1400" dirty="0">
+                <a:latin typeface="+mn-lt"/>
+              </a:rPr>
+              <a:t> — общая инкапсуляция маршрутов) — протокол туннелирования сетевых пакетов, разработанный компанией Cisco Systems. Его основное назначение — инкапсуляция пакетов сетевого уровня сетевой модели OSI в IP-пакеты. Номер протокола в IP — 47.</a:t>
+            </a:r>
+          </a:p>
+          <a:p>
+            <a:pPr>
+              <a:lnSpc>
+                <a:spcPct val="90000"/>
+              </a:lnSpc>
+            </a:pPr>
+            <a:endParaRPr lang="ru-RU" sz="1400" dirty="0">
+              <a:latin typeface="+mn-lt"/>
+            </a:endParaRPr>
+          </a:p>
+          <a:p>
+            <a:pPr>
+              <a:lnSpc>
+                <a:spcPct val="90000"/>
+              </a:lnSpc>
+            </a:pPr>
+            <a:r>
+              <a:rPr lang="ru-RU" sz="1400" dirty="0">
+                <a:latin typeface="+mn-lt"/>
+              </a:rPr>
+              <a:t>IP/GRE является самостоятельным транспортным протоколом, и не опирается на протоколы типа TCP или UDP. Размер заголовка GRE составляет </a:t>
+            </a:r>
+            <a:r>
+              <a:rPr lang="ru-RU" sz="1400" b="1" dirty="0">
+                <a:latin typeface="+mn-lt"/>
+              </a:rPr>
+              <a:t>4 байта</a:t>
+            </a:r>
+            <a:r>
+              <a:rPr lang="ru-RU" sz="1400" dirty="0">
+                <a:latin typeface="+mn-lt"/>
+              </a:rPr>
+              <a:t>, что совместно с заголовком IP в 20 байт уменьшает MTU полезной нагрузки в виде инкапсулируемых данных на 24 байта.</a:t>
+            </a:r>
+          </a:p>
+          <a:p>
+            <a:pPr>
+              <a:lnSpc>
+                <a:spcPct val="90000"/>
+              </a:lnSpc>
+            </a:pPr>
+            <a:endParaRPr lang="ru-RU" sz="1400" dirty="0">
+              <a:latin typeface="+mn-lt"/>
+            </a:endParaRPr>
+          </a:p>
+          <a:p>
+            <a:pPr>
+              <a:lnSpc>
+                <a:spcPct val="90000"/>
+              </a:lnSpc>
+            </a:pPr>
+            <a:r>
+              <a:rPr lang="ru-RU" sz="1400" dirty="0">
+                <a:latin typeface="+mn-lt"/>
+              </a:rPr>
+              <a:t>Туннелирование подразумевает три протокола:</a:t>
+            </a:r>
+          </a:p>
+          <a:p>
+            <a:pPr marL="285750" indent="-285750">
+              <a:lnSpc>
+                <a:spcPct val="90000"/>
+              </a:lnSpc>
+            </a:pPr>
+            <a:r>
+              <a:rPr lang="ru-RU" sz="1400" dirty="0">
+                <a:latin typeface="+mn-lt"/>
+              </a:rPr>
+              <a:t>пассажир — инкапсулированный протокол (IP, CLNP, IPX, </a:t>
+            </a:r>
+            <a:r>
+              <a:rPr lang="ru-RU" sz="1400" dirty="0" err="1">
+                <a:latin typeface="+mn-lt"/>
+              </a:rPr>
+              <a:t>AppleTalk</a:t>
+            </a:r>
+            <a:r>
+              <a:rPr lang="ru-RU" sz="1400" dirty="0">
+                <a:latin typeface="+mn-lt"/>
+              </a:rPr>
+              <a:t>, </a:t>
+            </a:r>
+            <a:r>
+              <a:rPr lang="ru-RU" sz="1400" dirty="0" err="1">
+                <a:latin typeface="+mn-lt"/>
+              </a:rPr>
+              <a:t>DECnet</a:t>
+            </a:r>
+            <a:r>
+              <a:rPr lang="ru-RU" sz="1400" dirty="0">
+                <a:latin typeface="+mn-lt"/>
+              </a:rPr>
+              <a:t> </a:t>
+            </a:r>
+            <a:r>
+              <a:rPr lang="ru-RU" sz="1400" dirty="0" err="1">
+                <a:latin typeface="+mn-lt"/>
+              </a:rPr>
+              <a:t>Phase</a:t>
+            </a:r>
+            <a:r>
+              <a:rPr lang="ru-RU" sz="1400" dirty="0">
+                <a:latin typeface="+mn-lt"/>
+              </a:rPr>
+              <a:t> IV, XNS, VINES и Apollo)</a:t>
+            </a:r>
+          </a:p>
+          <a:p>
+            <a:pPr marL="285750" indent="-285750">
+              <a:lnSpc>
+                <a:spcPct val="90000"/>
+              </a:lnSpc>
+            </a:pPr>
+            <a:r>
+              <a:rPr lang="ru-RU" sz="1400" dirty="0">
+                <a:latin typeface="+mn-lt"/>
+              </a:rPr>
+              <a:t>протокол инкапсуляции (GRE)</a:t>
+            </a:r>
+          </a:p>
+          <a:p>
+            <a:pPr marL="285750" indent="-285750">
+              <a:lnSpc>
+                <a:spcPct val="90000"/>
+              </a:lnSpc>
+            </a:pPr>
+            <a:r>
+              <a:rPr lang="ru-RU" sz="1400" dirty="0">
+                <a:latin typeface="+mn-lt"/>
+              </a:rPr>
+              <a:t>сетевой протокол (IP)</a:t>
+            </a:r>
+          </a:p>
+        </p:txBody>
+      </p:sp>
+      <p:pic>
+        <p:nvPicPr>
+          <p:cNvPr id="1026" name="Picture 2" descr="CCNA Training » GRE Tunnel Tutorial">
+            <a:extLst>
+              <a:ext uri="{FF2B5EF4-FFF2-40B4-BE49-F238E27FC236}">
+                <a16:creationId xmlns:a16="http://schemas.microsoft.com/office/drawing/2014/main" id="{785CA1EE-CC00-37B6-385B-C2BDA72B6693}"/>
+              </a:ext>
+            </a:extLst>
+          </p:cNvPr>
+          <p:cNvPicPr>
+            <a:picLocks noChangeAspect="1" noChangeArrowheads="1"/>
+          </p:cNvPicPr>
+          <p:nvPr/>
+        </p:nvPicPr>
+        <p:blipFill>
+          <a:blip r:embed="rId3">
+            <a:extLst>
+              <a:ext uri="{28A0092B-C50C-407E-A947-70E740481C1C}">
+                <a14:useLocalDpi xmlns:a14="http://schemas.microsoft.com/office/drawing/2010/main" val="0"/>
+              </a:ext>
+            </a:extLst>
+          </a:blip>
+          <a:srcRect/>
+          <a:stretch>
+            <a:fillRect/>
+          </a:stretch>
+        </p:blipFill>
+        <p:spPr bwMode="auto">
+          <a:xfrm>
+            <a:off x="3491880" y="5031090"/>
+            <a:ext cx="5569843" cy="1738878"/>
+          </a:xfrm>
+          <a:prstGeom prst="rect">
+            <a:avLst/>
+          </a:prstGeom>
+          <a:noFill/>
+          <a:extLst>
+            <a:ext uri="{909E8E84-426E-40DD-AFC4-6F175D3DCCD1}">
+              <a14:hiddenFill xmlns:a14="http://schemas.microsoft.com/office/drawing/2010/main">
+                <a:solidFill>
+                  <a:srgbClr val="FFFFFF"/>
+                </a:solidFill>
+              </a14:hiddenFill>
+            </a:ext>
+          </a:extLst>
+        </p:spPr>
+      </p:pic>
+    </p:spTree>
+    <p:extLst>
+      <p:ext uri="{BB962C8B-B14F-4D97-AF65-F5344CB8AC3E}">
+        <p14:creationId xmlns:p14="http://schemas.microsoft.com/office/powerpoint/2010/main" val="2145311599"/>
       </p:ext>
     </p:extLst>
   </p:cSld>
